--- a/VizsgaremekEnglishPP.pptx
+++ b/VizsgaremekEnglishPP.pptx
@@ -119,6 +119,114 @@
 </p:presentation>
 </file>
 
+<file path=ppt/revisionInfo.xml><?xml version="1.0" encoding="utf-8"?>
+<p1510:revInfo xmlns:a="http://schemas.openxmlformats.org/drawingml/2006/main" xmlns:r="http://schemas.openxmlformats.org/officeDocument/2006/relationships" xmlns:p1510="http://schemas.microsoft.com/office/powerpoint/2015/10/main">
+  <p1510:revLst>
+    <p1510:client id="{42BB46A4-5071-6DDB-F90A-8B20089C4A82}" v="249" dt="2026-01-25T08:42:00.843"/>
+  </p1510:revLst>
+</p1510:revInfo>
+</file>
+
+<file path=ppt/changesInfos/changesInfo1.xml><?xml version="1.0" encoding="utf-8"?>
+<pc:chgInfo xmlns:a="http://schemas.openxmlformats.org/drawingml/2006/main" xmlns:r="http://schemas.openxmlformats.org/officeDocument/2006/relationships" xmlns:ac="http://schemas.microsoft.com/office/drawing/2013/main/command" xmlns:pc="http://schemas.microsoft.com/office/powerpoint/2013/main/command">
+  <pc:docChgLst>
+    <pc:chgData clId="Web-{42BB46A4-5071-6DDB-F90A-8B20089C4A82}"/>
+    <pc:docChg chg="modSld">
+      <pc:chgData name="" userId="" providerId="" clId="Web-{42BB46A4-5071-6DDB-F90A-8B20089C4A82}" dt="2026-01-25T08:33:47.282" v="2" actId="20577"/>
+      <pc:docMkLst>
+        <pc:docMk/>
+      </pc:docMkLst>
+      <pc:sldChg chg="modSp">
+        <pc:chgData name="" userId="" providerId="" clId="Web-{42BB46A4-5071-6DDB-F90A-8B20089C4A82}" dt="2026-01-25T08:33:47.282" v="2" actId="20577"/>
+        <pc:sldMkLst>
+          <pc:docMk/>
+          <pc:sldMk cId="2490134746" sldId="257"/>
+        </pc:sldMkLst>
+        <pc:spChg chg="mod">
+          <ac:chgData name="" userId="" providerId="" clId="Web-{42BB46A4-5071-6DDB-F90A-8B20089C4A82}" dt="2026-01-25T08:33:47.282" v="2" actId="20577"/>
+          <ac:spMkLst>
+            <pc:docMk/>
+            <pc:sldMk cId="2490134746" sldId="257"/>
+            <ac:spMk id="2" creationId="{00000000-0000-0000-0000-000000000000}"/>
+          </ac:spMkLst>
+        </pc:spChg>
+      </pc:sldChg>
+    </pc:docChg>
+  </pc:docChgLst>
+  <pc:docChgLst>
+    <pc:chgData name="Pálosi András" userId="S::palosi.andras@dozsakalocsa.hu::cd71926d-ca3c-4147-abe1-5e947b1e8f27" providerId="AD" clId="Web-{42BB46A4-5071-6DDB-F90A-8B20089C4A82}"/>
+    <pc:docChg chg="modSld">
+      <pc:chgData name="Pálosi András" userId="S::palosi.andras@dozsakalocsa.hu::cd71926d-ca3c-4147-abe1-5e947b1e8f27" providerId="AD" clId="Web-{42BB46A4-5071-6DDB-F90A-8B20089C4A82}" dt="2026-01-25T08:41:58.296" v="137" actId="20577"/>
+      <pc:docMkLst>
+        <pc:docMk/>
+      </pc:docMkLst>
+      <pc:sldChg chg="addSp modSp">
+        <pc:chgData name="Pálosi András" userId="S::palosi.andras@dozsakalocsa.hu::cd71926d-ca3c-4147-abe1-5e947b1e8f27" providerId="AD" clId="Web-{42BB46A4-5071-6DDB-F90A-8B20089C4A82}" dt="2026-01-25T08:37:10.309" v="1" actId="1076"/>
+        <pc:sldMkLst>
+          <pc:docMk/>
+          <pc:sldMk cId="702753272" sldId="258"/>
+        </pc:sldMkLst>
+        <pc:picChg chg="add mod">
+          <ac:chgData name="Pálosi András" userId="S::palosi.andras@dozsakalocsa.hu::cd71926d-ca3c-4147-abe1-5e947b1e8f27" providerId="AD" clId="Web-{42BB46A4-5071-6DDB-F90A-8B20089C4A82}" dt="2026-01-25T08:37:10.309" v="1" actId="1076"/>
+          <ac:picMkLst>
+            <pc:docMk/>
+            <pc:sldMk cId="702753272" sldId="258"/>
+            <ac:picMk id="6" creationId="{C7CE94B2-3D26-E347-A01E-85D2E943C3FF}"/>
+          </ac:picMkLst>
+        </pc:picChg>
+      </pc:sldChg>
+      <pc:sldChg chg="addSp delSp modSp">
+        <pc:chgData name="Pálosi András" userId="S::palosi.andras@dozsakalocsa.hu::cd71926d-ca3c-4147-abe1-5e947b1e8f27" providerId="AD" clId="Web-{42BB46A4-5071-6DDB-F90A-8B20089C4A82}" dt="2026-01-25T08:41:58.296" v="137" actId="20577"/>
+        <pc:sldMkLst>
+          <pc:docMk/>
+          <pc:sldMk cId="2836090025" sldId="262"/>
+        </pc:sldMkLst>
+        <pc:spChg chg="add del mod">
+          <ac:chgData name="Pálosi András" userId="S::palosi.andras@dozsakalocsa.hu::cd71926d-ca3c-4147-abe1-5e947b1e8f27" providerId="AD" clId="Web-{42BB46A4-5071-6DDB-F90A-8B20089C4A82}" dt="2026-01-25T08:38:49.380" v="22"/>
+          <ac:spMkLst>
+            <pc:docMk/>
+            <pc:sldMk cId="2836090025" sldId="262"/>
+            <ac:spMk id="6" creationId="{713241CF-81B6-79B8-F0B6-D3C9352E9AC9}"/>
+          </ac:spMkLst>
+        </pc:spChg>
+        <pc:spChg chg="add mod">
+          <ac:chgData name="Pálosi András" userId="S::palosi.andras@dozsakalocsa.hu::cd71926d-ca3c-4147-abe1-5e947b1e8f27" providerId="AD" clId="Web-{42BB46A4-5071-6DDB-F90A-8B20089C4A82}" dt="2026-01-25T08:41:58.296" v="137" actId="20577"/>
+          <ac:spMkLst>
+            <pc:docMk/>
+            <pc:sldMk cId="2836090025" sldId="262"/>
+            <ac:spMk id="7" creationId="{F89258F9-3636-6D5D-B89D-8A52CFAE134B}"/>
+          </ac:spMkLst>
+        </pc:spChg>
+        <pc:spChg chg="mod">
+          <ac:chgData name="Pálosi András" userId="S::palosi.andras@dozsakalocsa.hu::cd71926d-ca3c-4147-abe1-5e947b1e8f27" providerId="AD" clId="Web-{42BB46A4-5071-6DDB-F90A-8B20089C4A82}" dt="2026-01-25T08:38:32.722" v="12" actId="1076"/>
+          <ac:spMkLst>
+            <pc:docMk/>
+            <pc:sldMk cId="2836090025" sldId="262"/>
+            <ac:spMk id="9" creationId="{D84E1BB5-C09F-466B-8C1B-51040ABBF068}"/>
+          </ac:spMkLst>
+        </pc:spChg>
+        <pc:picChg chg="add mod">
+          <ac:chgData name="Pálosi András" userId="S::palosi.andras@dozsakalocsa.hu::cd71926d-ca3c-4147-abe1-5e947b1e8f27" providerId="AD" clId="Web-{42BB46A4-5071-6DDB-F90A-8B20089C4A82}" dt="2026-01-25T08:38:33.941" v="13" actId="1076"/>
+          <ac:picMkLst>
+            <pc:docMk/>
+            <pc:sldMk cId="2836090025" sldId="262"/>
+            <ac:picMk id="5" creationId="{9693BC18-62E7-D4E4-DBD7-09324C2BCC62}"/>
+          </ac:picMkLst>
+        </pc:picChg>
+        <pc:picChg chg="mod">
+          <ac:chgData name="Pálosi András" userId="S::palosi.andras@dozsakalocsa.hu::cd71926d-ca3c-4147-abe1-5e947b1e8f27" providerId="AD" clId="Web-{42BB46A4-5071-6DDB-F90A-8B20089C4A82}" dt="2026-01-25T08:38:30.754" v="11" actId="1076"/>
+          <ac:picMkLst>
+            <pc:docMk/>
+            <pc:sldMk cId="2836090025" sldId="262"/>
+            <ac:picMk id="3074" creationId="{00000000-0000-0000-0000-000000000000}"/>
+          </ac:picMkLst>
+        </pc:picChg>
+      </pc:sldChg>
+    </pc:docChg>
+  </pc:docChgLst>
+</pc:chgInfo>
+</file>
+
 <file path=ppt/slideLayouts/slideLayout1.xml><?xml version="1.0" encoding="utf-8"?>
 <p:sldLayout xmlns:a="http://schemas.openxmlformats.org/drawingml/2006/main" xmlns:r="http://schemas.openxmlformats.org/officeDocument/2006/relationships" xmlns:p="http://schemas.openxmlformats.org/presentationml/2006/main" type="title" preserve="1">
   <p:cSld name="Címdia">
@@ -248,7 +356,7 @@
           <a:p>
             <a:fld id="{DB0193E8-478D-464D-8400-8CD4306FD776}" type="datetimeFigureOut">
               <a:rPr lang="hu-HU" smtClean="0"/>
-              <a:t>2026. 01. 24.</a:t>
+              <a:t>2026. 01. 25.</a:t>
             </a:fld>
             <a:endParaRPr lang="hu-HU"/>
           </a:p>
@@ -416,7 +524,7 @@
           <a:p>
             <a:fld id="{DB0193E8-478D-464D-8400-8CD4306FD776}" type="datetimeFigureOut">
               <a:rPr lang="hu-HU" smtClean="0"/>
-              <a:t>2026. 01. 24.</a:t>
+              <a:t>2026. 01. 25.</a:t>
             </a:fld>
             <a:endParaRPr lang="hu-HU"/>
           </a:p>
@@ -594,7 +702,7 @@
           <a:p>
             <a:fld id="{DB0193E8-478D-464D-8400-8CD4306FD776}" type="datetimeFigureOut">
               <a:rPr lang="hu-HU" smtClean="0"/>
-              <a:t>2026. 01. 24.</a:t>
+              <a:t>2026. 01. 25.</a:t>
             </a:fld>
             <a:endParaRPr lang="hu-HU"/>
           </a:p>
@@ -762,7 +870,7 @@
           <a:p>
             <a:fld id="{DB0193E8-478D-464D-8400-8CD4306FD776}" type="datetimeFigureOut">
               <a:rPr lang="hu-HU" smtClean="0"/>
-              <a:t>2026. 01. 24.</a:t>
+              <a:t>2026. 01. 25.</a:t>
             </a:fld>
             <a:endParaRPr lang="hu-HU"/>
           </a:p>
@@ -1007,7 +1115,7 @@
           <a:p>
             <a:fld id="{DB0193E8-478D-464D-8400-8CD4306FD776}" type="datetimeFigureOut">
               <a:rPr lang="hu-HU" smtClean="0"/>
-              <a:t>2026. 01. 24.</a:t>
+              <a:t>2026. 01. 25.</a:t>
             </a:fld>
             <a:endParaRPr lang="hu-HU"/>
           </a:p>
@@ -1236,7 +1344,7 @@
           <a:p>
             <a:fld id="{DB0193E8-478D-464D-8400-8CD4306FD776}" type="datetimeFigureOut">
               <a:rPr lang="hu-HU" smtClean="0"/>
-              <a:t>2026. 01. 24.</a:t>
+              <a:t>2026. 01. 25.</a:t>
             </a:fld>
             <a:endParaRPr lang="hu-HU"/>
           </a:p>
@@ -1600,7 +1708,7 @@
           <a:p>
             <a:fld id="{DB0193E8-478D-464D-8400-8CD4306FD776}" type="datetimeFigureOut">
               <a:rPr lang="hu-HU" smtClean="0"/>
-              <a:t>2026. 01. 24.</a:t>
+              <a:t>2026. 01. 25.</a:t>
             </a:fld>
             <a:endParaRPr lang="hu-HU"/>
           </a:p>
@@ -1717,7 +1825,7 @@
           <a:p>
             <a:fld id="{DB0193E8-478D-464D-8400-8CD4306FD776}" type="datetimeFigureOut">
               <a:rPr lang="hu-HU" smtClean="0"/>
-              <a:t>2026. 01. 24.</a:t>
+              <a:t>2026. 01. 25.</a:t>
             </a:fld>
             <a:endParaRPr lang="hu-HU"/>
           </a:p>
@@ -1812,7 +1920,7 @@
           <a:p>
             <a:fld id="{DB0193E8-478D-464D-8400-8CD4306FD776}" type="datetimeFigureOut">
               <a:rPr lang="hu-HU" smtClean="0"/>
-              <a:t>2026. 01. 24.</a:t>
+              <a:t>2026. 01. 25.</a:t>
             </a:fld>
             <a:endParaRPr lang="hu-HU"/>
           </a:p>
@@ -2087,7 +2195,7 @@
           <a:p>
             <a:fld id="{DB0193E8-478D-464D-8400-8CD4306FD776}" type="datetimeFigureOut">
               <a:rPr lang="hu-HU" smtClean="0"/>
-              <a:t>2026. 01. 24.</a:t>
+              <a:t>2026. 01. 25.</a:t>
             </a:fld>
             <a:endParaRPr lang="hu-HU"/>
           </a:p>
@@ -2339,7 +2447,7 @@
           <a:p>
             <a:fld id="{DB0193E8-478D-464D-8400-8CD4306FD776}" type="datetimeFigureOut">
               <a:rPr lang="hu-HU" smtClean="0"/>
-              <a:t>2026. 01. 24.</a:t>
+              <a:t>2026. 01. 25.</a:t>
             </a:fld>
             <a:endParaRPr lang="hu-HU"/>
           </a:p>
@@ -2550,7 +2658,7 @@
           <a:p>
             <a:fld id="{DB0193E8-478D-464D-8400-8CD4306FD776}" type="datetimeFigureOut">
               <a:rPr lang="hu-HU" smtClean="0"/>
-              <a:t>2026. 01. 24.</a:t>
+              <a:t>2026. 01. 25.</a:t>
             </a:fld>
             <a:endParaRPr lang="hu-HU"/>
           </a:p>
@@ -3475,14 +3583,14 @@
           <a:noFill/>
         </p:spPr>
         <p:txBody>
-          <a:bodyPr wrap="square" rtlCol="0">
+          <a:bodyPr wrap="square" lIns="91440" tIns="45720" rIns="91440" bIns="45720" rtlCol="0" anchor="t">
             <a:spAutoFit/>
           </a:bodyPr>
           <a:lstStyle/>
           <a:p>
             <a:pPr algn="ctr"/>
             <a:r>
-              <a:rPr lang="hu-HU" sz="4400" b="1" dirty="0" smtClean="0">
+              <a:rPr lang="hu-HU" sz="4400" b="1" dirty="0">
                 <a:ln w="6350">
                   <a:solidFill>
                     <a:schemeClr val="accent1">
@@ -3493,12 +3601,12 @@
                 <a:solidFill>
                   <a:schemeClr val="bg1"/>
                 </a:solidFill>
-                <a:latin typeface="Ink Free" panose="03080402000500000000" pitchFamily="66" charset="0"/>
+                <a:latin typeface="Ink Free"/>
               </a:rPr>
               <a:t>Project </a:t>
             </a:r>
             <a:r>
-              <a:rPr lang="hu-HU" sz="4400" b="1" dirty="0" err="1" smtClean="0">
+              <a:rPr lang="hu-HU" sz="4400" b="1" dirty="0" err="1">
                 <a:ln w="6350">
                   <a:solidFill>
                     <a:schemeClr val="accent1">
@@ -3509,11 +3617,11 @@
                 <a:solidFill>
                   <a:schemeClr val="bg1"/>
                 </a:solidFill>
-                <a:latin typeface="Ink Free" panose="03080402000500000000" pitchFamily="66" charset="0"/>
-              </a:rPr>
-              <a:t>indrotuction</a:t>
-            </a:r>
-            <a:endParaRPr lang="hu-HU" sz="4400" b="1" dirty="0">
+                <a:latin typeface="Ink Free"/>
+              </a:rPr>
+              <a:t>introduction</a:t>
+            </a:r>
+            <a:endParaRPr lang="hu-HU" sz="4400" b="1" dirty="0" err="1">
               <a:ln w="6350">
                 <a:solidFill>
                   <a:schemeClr val="accent1">
@@ -3556,7 +3664,7 @@
               <a:buChar char="•"/>
             </a:pPr>
             <a:r>
-              <a:rPr lang="hu-HU" sz="2400" dirty="0" smtClean="0">
+              <a:rPr lang="hu-HU" sz="2400" dirty="0">
                 <a:solidFill>
                   <a:schemeClr val="accent4">
                     <a:lumMod val="75000"/>
@@ -3566,7 +3674,7 @@
               <a:t>The „Dózsa Csárda” </a:t>
             </a:r>
             <a:r>
-              <a:rPr lang="hu-HU" sz="2400" dirty="0" err="1" smtClean="0">
+              <a:rPr lang="hu-HU" sz="2400" dirty="0" err="1">
                 <a:solidFill>
                   <a:schemeClr val="accent4">
                     <a:lumMod val="75000"/>
@@ -3576,17 +3684,17 @@
               <a:t>project’s</a:t>
             </a:r>
             <a:r>
-              <a:rPr lang="hu-HU" sz="2400" dirty="0" smtClean="0">
-                <a:solidFill>
-                  <a:schemeClr val="accent4">
-                    <a:lumMod val="75000"/>
-                  </a:schemeClr>
-                </a:solidFill>
-              </a:rPr>
-              <a:t> </a:t>
-            </a:r>
-            <a:r>
-              <a:rPr lang="hu-HU" sz="2400" dirty="0" err="1" smtClean="0">
+              <a:rPr lang="hu-HU" sz="2400" dirty="0">
+                <a:solidFill>
+                  <a:schemeClr val="accent4">
+                    <a:lumMod val="75000"/>
+                  </a:schemeClr>
+                </a:solidFill>
+              </a:rPr>
+              <a:t> </a:t>
+            </a:r>
+            <a:r>
+              <a:rPr lang="hu-HU" sz="2400" dirty="0" err="1">
                 <a:solidFill>
                   <a:schemeClr val="accent4">
                     <a:lumMod val="75000"/>
@@ -3596,17 +3704,17 @@
               <a:t>goal</a:t>
             </a:r>
             <a:r>
-              <a:rPr lang="hu-HU" sz="2400" dirty="0" smtClean="0">
-                <a:solidFill>
-                  <a:schemeClr val="accent4">
-                    <a:lumMod val="75000"/>
-                  </a:schemeClr>
-                </a:solidFill>
-              </a:rPr>
-              <a:t> </a:t>
-            </a:r>
-            <a:r>
-              <a:rPr lang="hu-HU" sz="2400" dirty="0" err="1" smtClean="0">
+              <a:rPr lang="hu-HU" sz="2400" dirty="0">
+                <a:solidFill>
+                  <a:schemeClr val="accent4">
+                    <a:lumMod val="75000"/>
+                  </a:schemeClr>
+                </a:solidFill>
+              </a:rPr>
+              <a:t> </a:t>
+            </a:r>
+            <a:r>
+              <a:rPr lang="hu-HU" sz="2400" dirty="0" err="1">
                 <a:solidFill>
                   <a:schemeClr val="accent4">
                     <a:lumMod val="75000"/>
@@ -3616,17 +3724,17 @@
               <a:t>to</a:t>
             </a:r>
             <a:r>
-              <a:rPr lang="hu-HU" sz="2400" dirty="0" smtClean="0">
-                <a:solidFill>
-                  <a:schemeClr val="accent4">
-                    <a:lumMod val="75000"/>
-                  </a:schemeClr>
-                </a:solidFill>
-              </a:rPr>
-              <a:t> </a:t>
-            </a:r>
-            <a:r>
-              <a:rPr lang="hu-HU" sz="2400" dirty="0" err="1" smtClean="0">
+              <a:rPr lang="hu-HU" sz="2400" dirty="0">
+                <a:solidFill>
+                  <a:schemeClr val="accent4">
+                    <a:lumMod val="75000"/>
+                  </a:schemeClr>
+                </a:solidFill>
+              </a:rPr>
+              <a:t> </a:t>
+            </a:r>
+            <a:r>
+              <a:rPr lang="hu-HU" sz="2400" dirty="0" err="1">
                 <a:solidFill>
                   <a:schemeClr val="accent4">
                     <a:lumMod val="75000"/>
@@ -3636,7 +3744,7 @@
               <a:t>accomplish</a:t>
             </a:r>
             <a:r>
-              <a:rPr lang="hu-HU" sz="2400" dirty="0" smtClean="0">
+              <a:rPr lang="hu-HU" sz="2400" dirty="0">
                 <a:solidFill>
                   <a:schemeClr val="accent4">
                     <a:lumMod val="75000"/>
@@ -3646,7 +3754,7 @@
               <a:t> an </a:t>
             </a:r>
             <a:r>
-              <a:rPr lang="hu-HU" sz="2400" dirty="0" err="1" smtClean="0">
+              <a:rPr lang="hu-HU" sz="2400" dirty="0" err="1">
                 <a:solidFill>
                   <a:schemeClr val="accent4">
                     <a:lumMod val="75000"/>
@@ -3656,7 +3764,7 @@
               <a:t>easy</a:t>
             </a:r>
             <a:r>
-              <a:rPr lang="hu-HU" sz="2400" dirty="0" smtClean="0">
+              <a:rPr lang="hu-HU" sz="2400" dirty="0">
                 <a:solidFill>
                   <a:schemeClr val="accent4">
                     <a:lumMod val="75000"/>
@@ -3666,7 +3774,7 @@
               <a:t> and </a:t>
             </a:r>
             <a:r>
-              <a:rPr lang="hu-HU" sz="2400" dirty="0" err="1" smtClean="0">
+              <a:rPr lang="hu-HU" sz="2400" dirty="0" err="1">
                 <a:solidFill>
                   <a:schemeClr val="accent4">
                     <a:lumMod val="75000"/>
@@ -3676,17 +3784,17 @@
               <a:t>user</a:t>
             </a:r>
             <a:r>
-              <a:rPr lang="hu-HU" sz="2400" dirty="0" smtClean="0">
-                <a:solidFill>
-                  <a:schemeClr val="accent4">
-                    <a:lumMod val="75000"/>
-                  </a:schemeClr>
-                </a:solidFill>
-              </a:rPr>
-              <a:t> </a:t>
-            </a:r>
-            <a:r>
-              <a:rPr lang="hu-HU" sz="2400" dirty="0" err="1" smtClean="0">
+              <a:rPr lang="hu-HU" sz="2400" dirty="0">
+                <a:solidFill>
+                  <a:schemeClr val="accent4">
+                    <a:lumMod val="75000"/>
+                  </a:schemeClr>
+                </a:solidFill>
+              </a:rPr>
+              <a:t> </a:t>
+            </a:r>
+            <a:r>
+              <a:rPr lang="hu-HU" sz="2400" dirty="0" err="1">
                 <a:solidFill>
                   <a:schemeClr val="accent4">
                     <a:lumMod val="75000"/>
@@ -3696,17 +3804,17 @@
               <a:t>friendly</a:t>
             </a:r>
             <a:r>
-              <a:rPr lang="hu-HU" sz="2400" dirty="0" smtClean="0">
-                <a:solidFill>
-                  <a:schemeClr val="accent4">
-                    <a:lumMod val="75000"/>
-                  </a:schemeClr>
-                </a:solidFill>
-              </a:rPr>
-              <a:t> </a:t>
-            </a:r>
-            <a:r>
-              <a:rPr lang="hu-HU" sz="2400" dirty="0" err="1" smtClean="0">
+              <a:rPr lang="hu-HU" sz="2400" dirty="0">
+                <a:solidFill>
+                  <a:schemeClr val="accent4">
+                    <a:lumMod val="75000"/>
+                  </a:schemeClr>
+                </a:solidFill>
+              </a:rPr>
+              <a:t> </a:t>
+            </a:r>
+            <a:r>
+              <a:rPr lang="hu-HU" sz="2400" dirty="0" err="1">
                 <a:solidFill>
                   <a:schemeClr val="accent4">
                     <a:lumMod val="75000"/>
@@ -3716,17 +3824,17 @@
               <a:t>food</a:t>
             </a:r>
             <a:r>
-              <a:rPr lang="hu-HU" sz="2400" dirty="0" smtClean="0">
-                <a:solidFill>
-                  <a:schemeClr val="accent4">
-                    <a:lumMod val="75000"/>
-                  </a:schemeClr>
-                </a:solidFill>
-              </a:rPr>
-              <a:t> </a:t>
-            </a:r>
-            <a:r>
-              <a:rPr lang="hu-HU" sz="2400" dirty="0" err="1" smtClean="0">
+              <a:rPr lang="hu-HU" sz="2400" dirty="0">
+                <a:solidFill>
+                  <a:schemeClr val="accent4">
+                    <a:lumMod val="75000"/>
+                  </a:schemeClr>
+                </a:solidFill>
+              </a:rPr>
+              <a:t> </a:t>
+            </a:r>
+            <a:r>
+              <a:rPr lang="hu-HU" sz="2400" dirty="0" err="1">
                 <a:solidFill>
                   <a:schemeClr val="accent4">
                     <a:lumMod val="75000"/>
@@ -3736,17 +3844,17 @@
               <a:t>delivery</a:t>
             </a:r>
             <a:r>
-              <a:rPr lang="hu-HU" sz="2400" dirty="0" smtClean="0">
-                <a:solidFill>
-                  <a:schemeClr val="accent4">
-                    <a:lumMod val="75000"/>
-                  </a:schemeClr>
-                </a:solidFill>
-              </a:rPr>
-              <a:t> </a:t>
-            </a:r>
-            <a:r>
-              <a:rPr lang="hu-HU" sz="2400" dirty="0" err="1" smtClean="0">
+              <a:rPr lang="hu-HU" sz="2400" dirty="0">
+                <a:solidFill>
+                  <a:schemeClr val="accent4">
+                    <a:lumMod val="75000"/>
+                  </a:schemeClr>
+                </a:solidFill>
+              </a:rPr>
+              <a:t> </a:t>
+            </a:r>
+            <a:r>
+              <a:rPr lang="hu-HU" sz="2400" dirty="0" err="1">
                 <a:solidFill>
                   <a:schemeClr val="accent4">
                     <a:lumMod val="75000"/>
@@ -3765,13 +3873,6 @@
               </a:rPr>
               <a:t>.</a:t>
             </a:r>
-            <a:endParaRPr lang="hu-HU" sz="2400" dirty="0">
-              <a:solidFill>
-                <a:schemeClr val="accent4">
-                  <a:lumMod val="75000"/>
-                </a:schemeClr>
-              </a:solidFill>
-            </a:endParaRPr>
           </a:p>
           <a:p>
             <a:pPr marL="457200" indent="-457200" algn="just">
@@ -3792,7 +3893,7 @@
               <a:buChar char="•"/>
             </a:pPr>
             <a:r>
-              <a:rPr lang="hu-HU" sz="2400" dirty="0" err="1" smtClean="0">
+              <a:rPr lang="hu-HU" sz="2400" dirty="0" err="1">
                 <a:solidFill>
                   <a:schemeClr val="accent4">
                     <a:lumMod val="75000"/>
@@ -3802,17 +3903,17 @@
               <a:t>You</a:t>
             </a:r>
             <a:r>
-              <a:rPr lang="hu-HU" sz="2400" dirty="0" smtClean="0">
-                <a:solidFill>
-                  <a:schemeClr val="accent4">
-                    <a:lumMod val="75000"/>
-                  </a:schemeClr>
-                </a:solidFill>
-              </a:rPr>
-              <a:t> </a:t>
-            </a:r>
-            <a:r>
-              <a:rPr lang="hu-HU" sz="2400" dirty="0" err="1" smtClean="0">
+              <a:rPr lang="hu-HU" sz="2400" dirty="0">
+                <a:solidFill>
+                  <a:schemeClr val="accent4">
+                    <a:lumMod val="75000"/>
+                  </a:schemeClr>
+                </a:solidFill>
+              </a:rPr>
+              <a:t> </a:t>
+            </a:r>
+            <a:r>
+              <a:rPr lang="hu-HU" sz="2400" dirty="0" err="1">
                 <a:solidFill>
                   <a:schemeClr val="accent4">
                     <a:lumMod val="75000"/>
@@ -3822,17 +3923,17 @@
               <a:t>can</a:t>
             </a:r>
             <a:r>
-              <a:rPr lang="hu-HU" sz="2400" dirty="0" smtClean="0">
-                <a:solidFill>
-                  <a:schemeClr val="accent4">
-                    <a:lumMod val="75000"/>
-                  </a:schemeClr>
-                </a:solidFill>
-              </a:rPr>
-              <a:t> </a:t>
-            </a:r>
-            <a:r>
-              <a:rPr lang="hu-HU" sz="2400" dirty="0" err="1" smtClean="0">
+              <a:rPr lang="hu-HU" sz="2400" dirty="0">
+                <a:solidFill>
+                  <a:schemeClr val="accent4">
+                    <a:lumMod val="75000"/>
+                  </a:schemeClr>
+                </a:solidFill>
+              </a:rPr>
+              <a:t> </a:t>
+            </a:r>
+            <a:r>
+              <a:rPr lang="hu-HU" sz="2400" dirty="0" err="1">
                 <a:solidFill>
                   <a:schemeClr val="accent4">
                     <a:lumMod val="75000"/>
@@ -3842,17 +3943,17 @@
               <a:t>create</a:t>
             </a:r>
             <a:r>
-              <a:rPr lang="hu-HU" sz="2400" dirty="0" smtClean="0">
-                <a:solidFill>
-                  <a:schemeClr val="accent4">
-                    <a:lumMod val="75000"/>
-                  </a:schemeClr>
-                </a:solidFill>
-              </a:rPr>
-              <a:t> </a:t>
-            </a:r>
-            <a:r>
-              <a:rPr lang="hu-HU" sz="2400" dirty="0" err="1" smtClean="0">
+              <a:rPr lang="hu-HU" sz="2400" dirty="0">
+                <a:solidFill>
+                  <a:schemeClr val="accent4">
+                    <a:lumMod val="75000"/>
+                  </a:schemeClr>
+                </a:solidFill>
+              </a:rPr>
+              <a:t> </a:t>
+            </a:r>
+            <a:r>
+              <a:rPr lang="hu-HU" sz="2400" dirty="0" err="1">
                 <a:solidFill>
                   <a:schemeClr val="accent4">
                     <a:lumMod val="75000"/>
@@ -3862,17 +3963,17 @@
               <a:t>unique</a:t>
             </a:r>
             <a:r>
-              <a:rPr lang="hu-HU" sz="2400" dirty="0" smtClean="0">
-                <a:solidFill>
-                  <a:schemeClr val="accent4">
-                    <a:lumMod val="75000"/>
-                  </a:schemeClr>
-                </a:solidFill>
-              </a:rPr>
-              <a:t> </a:t>
-            </a:r>
-            <a:r>
-              <a:rPr lang="hu-HU" sz="2400" dirty="0" err="1" smtClean="0">
+              <a:rPr lang="hu-HU" sz="2400" dirty="0">
+                <a:solidFill>
+                  <a:schemeClr val="accent4">
+                    <a:lumMod val="75000"/>
+                  </a:schemeClr>
+                </a:solidFill>
+              </a:rPr>
+              <a:t> </a:t>
+            </a:r>
+            <a:r>
+              <a:rPr lang="hu-HU" sz="2400" dirty="0" err="1">
                 <a:solidFill>
                   <a:schemeClr val="accent4">
                     <a:lumMod val="75000"/>
@@ -3882,17 +3983,17 @@
               <a:t>orders</a:t>
             </a:r>
             <a:r>
-              <a:rPr lang="hu-HU" sz="2400" dirty="0" smtClean="0">
-                <a:solidFill>
-                  <a:schemeClr val="accent4">
-                    <a:lumMod val="75000"/>
-                  </a:schemeClr>
-                </a:solidFill>
-              </a:rPr>
-              <a:t> </a:t>
-            </a:r>
-            <a:r>
-              <a:rPr lang="hu-HU" sz="2400" dirty="0" err="1" smtClean="0">
+              <a:rPr lang="hu-HU" sz="2400" dirty="0">
+                <a:solidFill>
+                  <a:schemeClr val="accent4">
+                    <a:lumMod val="75000"/>
+                  </a:schemeClr>
+                </a:solidFill>
+              </a:rPr>
+              <a:t> </a:t>
+            </a:r>
+            <a:r>
+              <a:rPr lang="hu-HU" sz="2400" dirty="0" err="1">
                 <a:solidFill>
                   <a:schemeClr val="accent4">
                     <a:lumMod val="75000"/>
@@ -3902,17 +4003,17 @@
               <a:t>from</a:t>
             </a:r>
             <a:r>
-              <a:rPr lang="hu-HU" sz="2400" dirty="0" smtClean="0">
-                <a:solidFill>
-                  <a:schemeClr val="accent4">
-                    <a:lumMod val="75000"/>
-                  </a:schemeClr>
-                </a:solidFill>
-              </a:rPr>
-              <a:t> </a:t>
-            </a:r>
-            <a:r>
-              <a:rPr lang="hu-HU" sz="2400" dirty="0" err="1" smtClean="0">
+              <a:rPr lang="hu-HU" sz="2400" dirty="0">
+                <a:solidFill>
+                  <a:schemeClr val="accent4">
+                    <a:lumMod val="75000"/>
+                  </a:schemeClr>
+                </a:solidFill>
+              </a:rPr>
+              <a:t> </a:t>
+            </a:r>
+            <a:r>
+              <a:rPr lang="hu-HU" sz="2400" dirty="0" err="1">
                 <a:solidFill>
                   <a:schemeClr val="accent4">
                     <a:lumMod val="75000"/>
@@ -3922,7 +4023,7 @@
               <a:t>the</a:t>
             </a:r>
             <a:r>
-              <a:rPr lang="hu-HU" sz="2400" dirty="0" smtClean="0">
+              <a:rPr lang="hu-HU" sz="2400" dirty="0">
                 <a:solidFill>
                   <a:schemeClr val="accent4">
                     <a:lumMod val="75000"/>
@@ -3932,7 +4033,7 @@
               <a:t> 5 </a:t>
             </a:r>
             <a:r>
-              <a:rPr lang="hu-HU" sz="2400" dirty="0" err="1" smtClean="0">
+              <a:rPr lang="hu-HU" sz="2400" dirty="0" err="1">
                 <a:solidFill>
                   <a:schemeClr val="accent4">
                     <a:lumMod val="75000"/>
@@ -3942,17 +4043,17 @@
               <a:t>categories</a:t>
             </a:r>
             <a:r>
-              <a:rPr lang="hu-HU" sz="2400" dirty="0" smtClean="0">
-                <a:solidFill>
-                  <a:schemeClr val="accent4">
-                    <a:lumMod val="75000"/>
-                  </a:schemeClr>
-                </a:solidFill>
-              </a:rPr>
-              <a:t> </a:t>
-            </a:r>
-            <a:r>
-              <a:rPr lang="hu-HU" sz="2400" dirty="0" err="1" smtClean="0">
+              <a:rPr lang="hu-HU" sz="2400" dirty="0">
+                <a:solidFill>
+                  <a:schemeClr val="accent4">
+                    <a:lumMod val="75000"/>
+                  </a:schemeClr>
+                </a:solidFill>
+              </a:rPr>
+              <a:t> </a:t>
+            </a:r>
+            <a:r>
+              <a:rPr lang="hu-HU" sz="2400" dirty="0" err="1">
                 <a:solidFill>
                   <a:schemeClr val="accent4">
                     <a:lumMod val="75000"/>
@@ -3962,17 +4063,17 @@
               <a:t>on</a:t>
             </a:r>
             <a:r>
-              <a:rPr lang="hu-HU" sz="2400" dirty="0" smtClean="0">
-                <a:solidFill>
-                  <a:schemeClr val="accent4">
-                    <a:lumMod val="75000"/>
-                  </a:schemeClr>
-                </a:solidFill>
-              </a:rPr>
-              <a:t> </a:t>
-            </a:r>
-            <a:r>
-              <a:rPr lang="hu-HU" sz="2400" dirty="0" err="1" smtClean="0">
+              <a:rPr lang="hu-HU" sz="2400" dirty="0">
+                <a:solidFill>
+                  <a:schemeClr val="accent4">
+                    <a:lumMod val="75000"/>
+                  </a:schemeClr>
+                </a:solidFill>
+              </a:rPr>
+              <a:t> </a:t>
+            </a:r>
+            <a:r>
+              <a:rPr lang="hu-HU" sz="2400" dirty="0" err="1">
                 <a:solidFill>
                   <a:schemeClr val="accent4">
                     <a:lumMod val="75000"/>
@@ -3982,7 +4083,7 @@
               <a:t>the</a:t>
             </a:r>
             <a:r>
-              <a:rPr lang="hu-HU" sz="2400" dirty="0" smtClean="0">
+              <a:rPr lang="hu-HU" sz="2400" dirty="0">
                 <a:solidFill>
                   <a:schemeClr val="accent4">
                     <a:lumMod val="75000"/>
@@ -3991,13 +4092,6 @@
               </a:rPr>
               <a:t> website!</a:t>
             </a:r>
-            <a:endParaRPr lang="hu-HU" sz="2400" dirty="0">
-              <a:solidFill>
-                <a:schemeClr val="accent4">
-                  <a:lumMod val="75000"/>
-                </a:schemeClr>
-              </a:solidFill>
-            </a:endParaRPr>
           </a:p>
           <a:p>
             <a:pPr marL="457200" indent="-457200" algn="just">
@@ -4018,7 +4112,7 @@
               <a:buChar char="•"/>
             </a:pPr>
             <a:r>
-              <a:rPr lang="hu-HU" sz="2400" dirty="0" err="1" smtClean="0">
+              <a:rPr lang="hu-HU" sz="2400" dirty="0" err="1">
                 <a:solidFill>
                   <a:schemeClr val="accent4">
                     <a:lumMod val="75000"/>
@@ -4028,17 +4122,17 @@
               <a:t>Orders</a:t>
             </a:r>
             <a:r>
-              <a:rPr lang="hu-HU" sz="2400" dirty="0" smtClean="0">
-                <a:solidFill>
-                  <a:schemeClr val="accent4">
-                    <a:lumMod val="75000"/>
-                  </a:schemeClr>
-                </a:solidFill>
-              </a:rPr>
-              <a:t> </a:t>
-            </a:r>
-            <a:r>
-              <a:rPr lang="hu-HU" sz="2400" dirty="0" err="1" smtClean="0">
+              <a:rPr lang="hu-HU" sz="2400" dirty="0">
+                <a:solidFill>
+                  <a:schemeClr val="accent4">
+                    <a:lumMod val="75000"/>
+                  </a:schemeClr>
+                </a:solidFill>
+              </a:rPr>
+              <a:t> </a:t>
+            </a:r>
+            <a:r>
+              <a:rPr lang="hu-HU" sz="2400" dirty="0" err="1">
                 <a:solidFill>
                   <a:schemeClr val="accent4">
                     <a:lumMod val="75000"/>
@@ -4048,17 +4142,17 @@
               <a:t>are</a:t>
             </a:r>
             <a:r>
-              <a:rPr lang="hu-HU" sz="2400" dirty="0" smtClean="0">
-                <a:solidFill>
-                  <a:schemeClr val="accent4">
-                    <a:lumMod val="75000"/>
-                  </a:schemeClr>
-                </a:solidFill>
-              </a:rPr>
-              <a:t> </a:t>
-            </a:r>
-            <a:r>
-              <a:rPr lang="hu-HU" sz="2400" dirty="0" err="1" smtClean="0">
+              <a:rPr lang="hu-HU" sz="2400" dirty="0">
+                <a:solidFill>
+                  <a:schemeClr val="accent4">
+                    <a:lumMod val="75000"/>
+                  </a:schemeClr>
+                </a:solidFill>
+              </a:rPr>
+              <a:t> </a:t>
+            </a:r>
+            <a:r>
+              <a:rPr lang="hu-HU" sz="2400" dirty="0" err="1">
                 <a:solidFill>
                   <a:schemeClr val="accent4">
                     <a:lumMod val="75000"/>
@@ -4068,17 +4162,17 @@
               <a:t>only</a:t>
             </a:r>
             <a:r>
-              <a:rPr lang="hu-HU" sz="2400" dirty="0" smtClean="0">
-                <a:solidFill>
-                  <a:schemeClr val="accent4">
-                    <a:lumMod val="75000"/>
-                  </a:schemeClr>
-                </a:solidFill>
-              </a:rPr>
-              <a:t> </a:t>
-            </a:r>
-            <a:r>
-              <a:rPr lang="hu-HU" sz="2400" dirty="0" err="1" smtClean="0">
+              <a:rPr lang="hu-HU" sz="2400" dirty="0">
+                <a:solidFill>
+                  <a:schemeClr val="accent4">
+                    <a:lumMod val="75000"/>
+                  </a:schemeClr>
+                </a:solidFill>
+              </a:rPr>
+              <a:t> </a:t>
+            </a:r>
+            <a:r>
+              <a:rPr lang="hu-HU" sz="2400" dirty="0" err="1">
                 <a:solidFill>
                   <a:schemeClr val="accent4">
                     <a:lumMod val="75000"/>
@@ -4088,17 +4182,17 @@
               <a:t>accessible</a:t>
             </a:r>
             <a:r>
-              <a:rPr lang="hu-HU" sz="2400" dirty="0" smtClean="0">
-                <a:solidFill>
-                  <a:schemeClr val="accent4">
-                    <a:lumMod val="75000"/>
-                  </a:schemeClr>
-                </a:solidFill>
-              </a:rPr>
-              <a:t> </a:t>
-            </a:r>
-            <a:r>
-              <a:rPr lang="hu-HU" sz="2400" dirty="0" err="1" smtClean="0">
+              <a:rPr lang="hu-HU" sz="2400" dirty="0">
+                <a:solidFill>
+                  <a:schemeClr val="accent4">
+                    <a:lumMod val="75000"/>
+                  </a:schemeClr>
+                </a:solidFill>
+              </a:rPr>
+              <a:t> </a:t>
+            </a:r>
+            <a:r>
+              <a:rPr lang="hu-HU" sz="2400" dirty="0" err="1">
                 <a:solidFill>
                   <a:schemeClr val="accent4">
                     <a:lumMod val="75000"/>
@@ -4108,17 +4202,17 @@
               <a:t>upon</a:t>
             </a:r>
             <a:r>
-              <a:rPr lang="hu-HU" sz="2400" dirty="0" smtClean="0">
-                <a:solidFill>
-                  <a:schemeClr val="accent4">
-                    <a:lumMod val="75000"/>
-                  </a:schemeClr>
-                </a:solidFill>
-              </a:rPr>
-              <a:t> </a:t>
-            </a:r>
-            <a:r>
-              <a:rPr lang="hu-HU" sz="2400" dirty="0" err="1" smtClean="0">
+              <a:rPr lang="hu-HU" sz="2400" dirty="0">
+                <a:solidFill>
+                  <a:schemeClr val="accent4">
+                    <a:lumMod val="75000"/>
+                  </a:schemeClr>
+                </a:solidFill>
+              </a:rPr>
+              <a:t> </a:t>
+            </a:r>
+            <a:r>
+              <a:rPr lang="hu-HU" sz="2400" dirty="0" err="1">
                 <a:solidFill>
                   <a:schemeClr val="accent4">
                     <a:lumMod val="75000"/>
@@ -4128,17 +4222,17 @@
               <a:t>registration</a:t>
             </a:r>
             <a:r>
-              <a:rPr lang="hu-HU" sz="2400" dirty="0" smtClean="0">
-                <a:solidFill>
-                  <a:schemeClr val="accent4">
-                    <a:lumMod val="75000"/>
-                  </a:schemeClr>
-                </a:solidFill>
-              </a:rPr>
-              <a:t> </a:t>
-            </a:r>
-            <a:r>
-              <a:rPr lang="hu-HU" sz="2400" dirty="0" err="1" smtClean="0">
+              <a:rPr lang="hu-HU" sz="2400" dirty="0">
+                <a:solidFill>
+                  <a:schemeClr val="accent4">
+                    <a:lumMod val="75000"/>
+                  </a:schemeClr>
+                </a:solidFill>
+              </a:rPr>
+              <a:t> </a:t>
+            </a:r>
+            <a:r>
+              <a:rPr lang="hu-HU" sz="2400" dirty="0" err="1">
                 <a:solidFill>
                   <a:schemeClr val="accent4">
                     <a:lumMod val="75000"/>
@@ -4148,17 +4242,17 @@
               <a:t>on</a:t>
             </a:r>
             <a:r>
-              <a:rPr lang="hu-HU" sz="2400" dirty="0" smtClean="0">
-                <a:solidFill>
-                  <a:schemeClr val="accent4">
-                    <a:lumMod val="75000"/>
-                  </a:schemeClr>
-                </a:solidFill>
-              </a:rPr>
-              <a:t> </a:t>
-            </a:r>
-            <a:r>
-              <a:rPr lang="hu-HU" sz="2400" dirty="0" err="1" smtClean="0">
+              <a:rPr lang="hu-HU" sz="2400" dirty="0">
+                <a:solidFill>
+                  <a:schemeClr val="accent4">
+                    <a:lumMod val="75000"/>
+                  </a:schemeClr>
+                </a:solidFill>
+              </a:rPr>
+              <a:t> </a:t>
+            </a:r>
+            <a:r>
+              <a:rPr lang="hu-HU" sz="2400" dirty="0" err="1">
                 <a:solidFill>
                   <a:schemeClr val="accent4">
                     <a:lumMod val="75000"/>
@@ -4168,7 +4262,7 @@
               <a:t>the</a:t>
             </a:r>
             <a:r>
-              <a:rPr lang="hu-HU" sz="2400" dirty="0" smtClean="0">
+              <a:rPr lang="hu-HU" sz="2400" dirty="0">
                 <a:solidFill>
                   <a:schemeClr val="accent4">
                     <a:lumMod val="75000"/>
@@ -4177,13 +4271,6 @@
               </a:rPr>
               <a:t> website.</a:t>
             </a:r>
-            <a:endParaRPr lang="hu-HU" sz="2400" dirty="0">
-              <a:solidFill>
-                <a:schemeClr val="accent4">
-                  <a:lumMod val="75000"/>
-                </a:schemeClr>
-              </a:solidFill>
-            </a:endParaRPr>
           </a:p>
         </p:txBody>
       </p:sp>
@@ -4534,7 +4621,7 @@
           <a:p>
             <a:pPr algn="ctr"/>
             <a:r>
-              <a:rPr lang="hu-HU" sz="4400" b="1" dirty="0" err="1" smtClean="0">
+              <a:rPr lang="hu-HU" sz="4400" b="1" dirty="0" err="1">
                 <a:ln w="6350">
                   <a:solidFill>
                     <a:schemeClr val="accent1">
@@ -4550,7 +4637,7 @@
               <a:t>Development</a:t>
             </a:r>
             <a:r>
-              <a:rPr lang="hu-HU" sz="4400" b="1" dirty="0" smtClean="0">
+              <a:rPr lang="hu-HU" sz="4400" b="1" dirty="0">
                 <a:ln w="6350">
                   <a:solidFill>
                     <a:schemeClr val="accent1">
@@ -4566,7 +4653,7 @@
               <a:t> </a:t>
             </a:r>
             <a:r>
-              <a:rPr lang="hu-HU" sz="4400" b="1" dirty="0" err="1" smtClean="0">
+              <a:rPr lang="hu-HU" sz="4400" b="1" dirty="0" err="1">
                 <a:ln w="6350">
                   <a:solidFill>
                     <a:schemeClr val="accent1">
@@ -4728,20 +4815,10 @@
                   </a:schemeClr>
                 </a:solidFill>
               </a:rPr>
-              <a:t>: </a:t>
-            </a:r>
-            <a:r>
-              <a:rPr lang="hu-HU" sz="2400" dirty="0" smtClean="0">
-                <a:solidFill>
-                  <a:schemeClr val="accent4">
-                    <a:lumMod val="75000"/>
-                  </a:schemeClr>
-                </a:solidFill>
-              </a:rPr>
-              <a:t>An </a:t>
-            </a:r>
-            <a:r>
-              <a:rPr lang="hu-HU" sz="2400" dirty="0" err="1" smtClean="0">
+              <a:t>: An </a:t>
+            </a:r>
+            <a:r>
+              <a:rPr lang="hu-HU" sz="2400" dirty="0" err="1">
                 <a:solidFill>
                   <a:schemeClr val="accent4">
                     <a:lumMod val="75000"/>
@@ -4751,17 +4828,17 @@
               <a:t>Integrated</a:t>
             </a:r>
             <a:r>
-              <a:rPr lang="hu-HU" sz="2400" dirty="0" smtClean="0">
-                <a:solidFill>
-                  <a:schemeClr val="accent4">
-                    <a:lumMod val="75000"/>
-                  </a:schemeClr>
-                </a:solidFill>
-              </a:rPr>
-              <a:t> </a:t>
-            </a:r>
-            <a:r>
-              <a:rPr lang="hu-HU" sz="2400" dirty="0" err="1" smtClean="0">
+              <a:rPr lang="hu-HU" sz="2400" dirty="0">
+                <a:solidFill>
+                  <a:schemeClr val="accent4">
+                    <a:lumMod val="75000"/>
+                  </a:schemeClr>
+                </a:solidFill>
+              </a:rPr>
+              <a:t> </a:t>
+            </a:r>
+            <a:r>
+              <a:rPr lang="hu-HU" sz="2400" dirty="0" err="1">
                 <a:solidFill>
                   <a:schemeClr val="accent4">
                     <a:lumMod val="75000"/>
@@ -4771,17 +4848,17 @@
               <a:t>Development</a:t>
             </a:r>
             <a:r>
-              <a:rPr lang="hu-HU" sz="2400" dirty="0" smtClean="0">
-                <a:solidFill>
-                  <a:schemeClr val="accent4">
-                    <a:lumMod val="75000"/>
-                  </a:schemeClr>
-                </a:solidFill>
-              </a:rPr>
-              <a:t> </a:t>
-            </a:r>
-            <a:r>
-              <a:rPr lang="hu-HU" sz="2400" dirty="0" err="1" smtClean="0">
+              <a:rPr lang="hu-HU" sz="2400" dirty="0">
+                <a:solidFill>
+                  <a:schemeClr val="accent4">
+                    <a:lumMod val="75000"/>
+                  </a:schemeClr>
+                </a:solidFill>
+              </a:rPr>
+              <a:t> </a:t>
+            </a:r>
+            <a:r>
+              <a:rPr lang="hu-HU" sz="2400" dirty="0" err="1">
                 <a:solidFill>
                   <a:schemeClr val="accent4">
                     <a:lumMod val="75000"/>
@@ -4791,7 +4868,7 @@
               <a:t>Environment</a:t>
             </a:r>
             <a:r>
-              <a:rPr lang="hu-HU" sz="2400" dirty="0" smtClean="0">
+              <a:rPr lang="hu-HU" sz="2400" dirty="0">
                 <a:solidFill>
                   <a:schemeClr val="accent4">
                     <a:lumMod val="75000"/>
@@ -4801,7 +4878,7 @@
               <a:t>, in </a:t>
             </a:r>
             <a:r>
-              <a:rPr lang="hu-HU" sz="2400" dirty="0" err="1" smtClean="0">
+              <a:rPr lang="hu-HU" sz="2400" dirty="0" err="1">
                 <a:solidFill>
                   <a:schemeClr val="accent4">
                     <a:lumMod val="75000"/>
@@ -4811,17 +4888,17 @@
               <a:t>which</a:t>
             </a:r>
             <a:r>
-              <a:rPr lang="hu-HU" sz="2400" dirty="0" smtClean="0">
-                <a:solidFill>
-                  <a:schemeClr val="accent4">
-                    <a:lumMod val="75000"/>
-                  </a:schemeClr>
-                </a:solidFill>
-              </a:rPr>
-              <a:t> </a:t>
-            </a:r>
-            <a:r>
-              <a:rPr lang="hu-HU" sz="2400" dirty="0" err="1" smtClean="0">
+              <a:rPr lang="hu-HU" sz="2400" dirty="0">
+                <a:solidFill>
+                  <a:schemeClr val="accent4">
+                    <a:lumMod val="75000"/>
+                  </a:schemeClr>
+                </a:solidFill>
+              </a:rPr>
+              <a:t> </a:t>
+            </a:r>
+            <a:r>
+              <a:rPr lang="hu-HU" sz="2400" dirty="0" err="1">
                 <a:solidFill>
                   <a:schemeClr val="accent4">
                     <a:lumMod val="75000"/>
@@ -4831,7 +4908,7 @@
               <a:t>the</a:t>
             </a:r>
             <a:r>
-              <a:rPr lang="hu-HU" sz="2400" dirty="0" smtClean="0">
+              <a:rPr lang="hu-HU" sz="2400" dirty="0">
                 <a:solidFill>
                   <a:schemeClr val="accent4">
                     <a:lumMod val="75000"/>
@@ -4841,7 +4918,7 @@
               <a:t> server and </a:t>
             </a:r>
             <a:r>
-              <a:rPr lang="hu-HU" sz="2400" dirty="0" err="1" smtClean="0">
+              <a:rPr lang="hu-HU" sz="2400" dirty="0" err="1">
                 <a:solidFill>
                   <a:schemeClr val="accent4">
                     <a:lumMod val="75000"/>
@@ -4851,7 +4928,7 @@
               <a:t>the</a:t>
             </a:r>
             <a:r>
-              <a:rPr lang="hu-HU" sz="2400" dirty="0" smtClean="0">
+              <a:rPr lang="hu-HU" sz="2400" dirty="0">
                 <a:solidFill>
                   <a:schemeClr val="accent4">
                     <a:lumMod val="75000"/>
@@ -4861,7 +4938,7 @@
               <a:t> frontend (</a:t>
             </a:r>
             <a:r>
-              <a:rPr lang="hu-HU" sz="2400" dirty="0" err="1" smtClean="0">
+              <a:rPr lang="hu-HU" sz="2400" dirty="0" err="1">
                 <a:solidFill>
                   <a:schemeClr val="accent4">
                     <a:lumMod val="75000"/>
@@ -4871,7 +4948,7 @@
               <a:t>html</a:t>
             </a:r>
             <a:r>
-              <a:rPr lang="hu-HU" sz="2400" dirty="0" smtClean="0">
+              <a:rPr lang="hu-HU" sz="2400" dirty="0">
                 <a:solidFill>
                   <a:schemeClr val="accent4">
                     <a:lumMod val="75000"/>
@@ -4881,7 +4958,7 @@
               <a:t>, </a:t>
             </a:r>
             <a:r>
-              <a:rPr lang="hu-HU" sz="2400" dirty="0" err="1" smtClean="0">
+              <a:rPr lang="hu-HU" sz="2400" dirty="0" err="1">
                 <a:solidFill>
                   <a:schemeClr val="accent4">
                     <a:lumMod val="75000"/>
@@ -4891,7 +4968,7 @@
               <a:t>css</a:t>
             </a:r>
             <a:r>
-              <a:rPr lang="hu-HU" sz="2400" dirty="0" smtClean="0">
+              <a:rPr lang="hu-HU" sz="2400" dirty="0">
                 <a:solidFill>
                   <a:schemeClr val="accent4">
                     <a:lumMod val="75000"/>
@@ -4901,7 +4978,7 @@
               <a:t>, </a:t>
             </a:r>
             <a:r>
-              <a:rPr lang="hu-HU" sz="2400" dirty="0" err="1" smtClean="0">
+              <a:rPr lang="hu-HU" sz="2400" dirty="0" err="1">
                 <a:solidFill>
                   <a:schemeClr val="accent4">
                     <a:lumMod val="75000"/>
@@ -4911,7 +4988,7 @@
               <a:t>javascript</a:t>
             </a:r>
             <a:r>
-              <a:rPr lang="hu-HU" sz="2400" dirty="0" smtClean="0">
+              <a:rPr lang="hu-HU" sz="2400" dirty="0">
                 <a:solidFill>
                   <a:schemeClr val="accent4">
                     <a:lumMod val="75000"/>
@@ -4921,7 +4998,7 @@
               <a:t>) </a:t>
             </a:r>
             <a:r>
-              <a:rPr lang="hu-HU" sz="2400" dirty="0" err="1" smtClean="0">
+              <a:rPr lang="hu-HU" sz="2400" dirty="0" err="1">
                 <a:solidFill>
                   <a:schemeClr val="accent4">
                     <a:lumMod val="75000"/>
@@ -4931,17 +5008,17 @@
               <a:t>were</a:t>
             </a:r>
             <a:r>
-              <a:rPr lang="hu-HU" sz="2400" dirty="0" smtClean="0">
-                <a:solidFill>
-                  <a:schemeClr val="accent4">
-                    <a:lumMod val="75000"/>
-                  </a:schemeClr>
-                </a:solidFill>
-              </a:rPr>
-              <a:t> </a:t>
-            </a:r>
-            <a:r>
-              <a:rPr lang="hu-HU" sz="2400" dirty="0" err="1" smtClean="0">
+              <a:rPr lang="hu-HU" sz="2400" dirty="0">
+                <a:solidFill>
+                  <a:schemeClr val="accent4">
+                    <a:lumMod val="75000"/>
+                  </a:schemeClr>
+                </a:solidFill>
+              </a:rPr>
+              <a:t> </a:t>
+            </a:r>
+            <a:r>
+              <a:rPr lang="hu-HU" sz="2400" dirty="0" err="1">
                 <a:solidFill>
                   <a:schemeClr val="accent4">
                     <a:lumMod val="75000"/>
@@ -4951,7 +5028,7 @@
               <a:t>created</a:t>
             </a:r>
             <a:r>
-              <a:rPr lang="hu-HU" sz="2400" dirty="0" smtClean="0">
+              <a:rPr lang="hu-HU" sz="2400" dirty="0">
                 <a:solidFill>
                   <a:schemeClr val="accent4">
                     <a:lumMod val="75000"/>
@@ -4960,13 +5037,6 @@
               </a:rPr>
               <a:t>.</a:t>
             </a:r>
-            <a:endParaRPr lang="hu-HU" sz="2400" dirty="0">
-              <a:solidFill>
-                <a:schemeClr val="accent4">
-                  <a:lumMod val="75000"/>
-                </a:schemeClr>
-              </a:solidFill>
-            </a:endParaRPr>
           </a:p>
         </p:txBody>
       </p:sp>
@@ -5033,7 +5103,7 @@
               <a:t>(VS): </a:t>
             </a:r>
             <a:r>
-              <a:rPr lang="hu-HU" sz="2400" dirty="0" smtClean="0">
+              <a:rPr lang="hu-HU" sz="2400" dirty="0">
                 <a:solidFill>
                   <a:schemeClr val="accent4">
                     <a:lumMod val="75000"/>
@@ -5043,7 +5113,7 @@
               <a:t>An IDE, </a:t>
             </a:r>
             <a:r>
-              <a:rPr lang="hu-HU" sz="2400" dirty="0" err="1" smtClean="0">
+              <a:rPr lang="hu-HU" sz="2400" dirty="0" err="1">
                 <a:solidFill>
                   <a:schemeClr val="accent4">
                     <a:lumMod val="75000"/>
@@ -5053,7 +5123,7 @@
               <a:t>which</a:t>
             </a:r>
             <a:r>
-              <a:rPr lang="hu-HU" sz="2400" dirty="0" smtClean="0">
+              <a:rPr lang="hu-HU" sz="2400" dirty="0">
                 <a:solidFill>
                   <a:schemeClr val="accent4">
                     <a:lumMod val="75000"/>
@@ -5063,7 +5133,7 @@
               <a:t> we </a:t>
             </a:r>
             <a:r>
-              <a:rPr lang="hu-HU" sz="2400" dirty="0" err="1" smtClean="0">
+              <a:rPr lang="hu-HU" sz="2400" dirty="0" err="1">
                 <a:solidFill>
                   <a:schemeClr val="accent4">
                     <a:lumMod val="75000"/>
@@ -5073,17 +5143,17 @@
               <a:t>used</a:t>
             </a:r>
             <a:r>
-              <a:rPr lang="hu-HU" sz="2400" dirty="0" smtClean="0">
-                <a:solidFill>
-                  <a:schemeClr val="accent4">
-                    <a:lumMod val="75000"/>
-                  </a:schemeClr>
-                </a:solidFill>
-              </a:rPr>
-              <a:t> </a:t>
-            </a:r>
-            <a:r>
-              <a:rPr lang="hu-HU" sz="2400" dirty="0" err="1" smtClean="0">
+              <a:rPr lang="hu-HU" sz="2400" dirty="0">
+                <a:solidFill>
+                  <a:schemeClr val="accent4">
+                    <a:lumMod val="75000"/>
+                  </a:schemeClr>
+                </a:solidFill>
+              </a:rPr>
+              <a:t> </a:t>
+            </a:r>
+            <a:r>
+              <a:rPr lang="hu-HU" sz="2400" dirty="0" err="1">
                 <a:solidFill>
                   <a:schemeClr val="accent4">
                     <a:lumMod val="75000"/>
@@ -5093,17 +5163,17 @@
               <a:t>to</a:t>
             </a:r>
             <a:r>
-              <a:rPr lang="hu-HU" sz="2400" dirty="0" smtClean="0">
-                <a:solidFill>
-                  <a:schemeClr val="accent4">
-                    <a:lumMod val="75000"/>
-                  </a:schemeClr>
-                </a:solidFill>
-              </a:rPr>
-              <a:t> </a:t>
-            </a:r>
-            <a:r>
-              <a:rPr lang="hu-HU" sz="2400" dirty="0" err="1" smtClean="0">
+              <a:rPr lang="hu-HU" sz="2400" dirty="0">
+                <a:solidFill>
+                  <a:schemeClr val="accent4">
+                    <a:lumMod val="75000"/>
+                  </a:schemeClr>
+                </a:solidFill>
+              </a:rPr>
+              <a:t> </a:t>
+            </a:r>
+            <a:r>
+              <a:rPr lang="hu-HU" sz="2400" dirty="0" err="1">
                 <a:solidFill>
                   <a:schemeClr val="accent4">
                     <a:lumMod val="75000"/>
@@ -5113,17 +5183,17 @@
               <a:t>create</a:t>
             </a:r>
             <a:r>
-              <a:rPr lang="hu-HU" sz="2400" dirty="0" smtClean="0">
-                <a:solidFill>
-                  <a:schemeClr val="accent4">
-                    <a:lumMod val="75000"/>
-                  </a:schemeClr>
-                </a:solidFill>
-              </a:rPr>
-              <a:t> </a:t>
-            </a:r>
-            <a:r>
-              <a:rPr lang="hu-HU" sz="2400" dirty="0" err="1" smtClean="0">
+              <a:rPr lang="hu-HU" sz="2400" dirty="0">
+                <a:solidFill>
+                  <a:schemeClr val="accent4">
+                    <a:lumMod val="75000"/>
+                  </a:schemeClr>
+                </a:solidFill>
+              </a:rPr>
+              <a:t> </a:t>
+            </a:r>
+            <a:r>
+              <a:rPr lang="hu-HU" sz="2400" dirty="0" err="1">
                 <a:solidFill>
                   <a:schemeClr val="accent4">
                     <a:lumMod val="75000"/>
@@ -5133,17 +5203,17 @@
               <a:t>the</a:t>
             </a:r>
             <a:r>
-              <a:rPr lang="hu-HU" sz="2400" dirty="0" smtClean="0">
-                <a:solidFill>
-                  <a:schemeClr val="accent4">
-                    <a:lumMod val="75000"/>
-                  </a:schemeClr>
-                </a:solidFill>
-              </a:rPr>
-              <a:t> </a:t>
-            </a:r>
-            <a:r>
-              <a:rPr lang="hu-HU" sz="2400" dirty="0" err="1" smtClean="0">
+              <a:rPr lang="hu-HU" sz="2400" dirty="0">
+                <a:solidFill>
+                  <a:schemeClr val="accent4">
+                    <a:lumMod val="75000"/>
+                  </a:schemeClr>
+                </a:solidFill>
+              </a:rPr>
+              <a:t> </a:t>
+            </a:r>
+            <a:r>
+              <a:rPr lang="hu-HU" sz="2400" dirty="0" err="1">
                 <a:solidFill>
                   <a:schemeClr val="accent4">
                     <a:lumMod val="75000"/>
@@ -5153,17 +5223,17 @@
               <a:t>administrative</a:t>
             </a:r>
             <a:r>
-              <a:rPr lang="hu-HU" sz="2400" dirty="0" smtClean="0">
-                <a:solidFill>
-                  <a:schemeClr val="accent4">
-                    <a:lumMod val="75000"/>
-                  </a:schemeClr>
-                </a:solidFill>
-              </a:rPr>
-              <a:t> </a:t>
-            </a:r>
-            <a:r>
-              <a:rPr lang="hu-HU" sz="2400" dirty="0" err="1" smtClean="0">
+              <a:rPr lang="hu-HU" sz="2400" dirty="0">
+                <a:solidFill>
+                  <a:schemeClr val="accent4">
+                    <a:lumMod val="75000"/>
+                  </a:schemeClr>
+                </a:solidFill>
+              </a:rPr>
+              <a:t> </a:t>
+            </a:r>
+            <a:r>
+              <a:rPr lang="hu-HU" sz="2400" dirty="0" err="1">
                 <a:solidFill>
                   <a:schemeClr val="accent4">
                     <a:lumMod val="75000"/>
@@ -5173,7 +5243,7 @@
               <a:t>interface</a:t>
             </a:r>
             <a:r>
-              <a:rPr lang="hu-HU" sz="2400" dirty="0" smtClean="0">
+              <a:rPr lang="hu-HU" sz="2400" dirty="0">
                 <a:solidFill>
                   <a:schemeClr val="accent4">
                     <a:lumMod val="75000"/>
@@ -5182,13 +5252,6 @@
               </a:rPr>
               <a:t> of WPF.</a:t>
             </a:r>
-            <a:endParaRPr lang="hu-HU" sz="2400" dirty="0">
-              <a:solidFill>
-                <a:schemeClr val="accent4">
-                  <a:lumMod val="75000"/>
-                </a:schemeClr>
-              </a:solidFill>
-            </a:endParaRPr>
           </a:p>
         </p:txBody>
       </p:sp>
@@ -5230,6 +5293,36 @@
           </a:ln>
         </p:spPr>
       </p:pic>
+      <p:pic>
+        <p:nvPicPr>
+          <p:cNvPr id="6" name="Picture 5" descr="Visual Studio logo and symbol, meaning, history, PNG">
+            <a:extLst>
+              <a:ext uri="{FF2B5EF4-FFF2-40B4-BE49-F238E27FC236}">
+                <a16:creationId xmlns:a16="http://schemas.microsoft.com/office/drawing/2014/main" id="{C7CE94B2-3D26-E347-A01E-85D2E943C3FF}"/>
+              </a:ext>
+            </a:extLst>
+          </p:cNvPr>
+          <p:cNvPicPr>
+            <a:picLocks noChangeAspect="1"/>
+          </p:cNvPicPr>
+          <p:nvPr/>
+        </p:nvPicPr>
+        <p:blipFill>
+          <a:blip r:embed="rId5"/>
+          <a:stretch>
+            <a:fillRect/>
+          </a:stretch>
+        </p:blipFill>
+        <p:spPr>
+          <a:xfrm>
+            <a:off x="-144966" y="4051377"/>
+            <a:ext cx="2743200" cy="1543050"/>
+          </a:xfrm>
+          <a:prstGeom prst="rect">
+            <a:avLst/>
+          </a:prstGeom>
+        </p:spPr>
+      </p:pic>
     </p:spTree>
     <p:extLst>
       <p:ext uri="{BB962C8B-B14F-4D97-AF65-F5344CB8AC3E}">
@@ -5243,13 +5336,6 @@
   <p:transition spd="med">
     <p:pull/>
   </p:transition>
-  <p:timing>
-    <p:tnLst>
-      <p:par>
-        <p:cTn id="1" dur="indefinite" restart="never" nodeType="tmRoot"/>
-      </p:par>
-    </p:tnLst>
-  </p:timing>
 </p:sld>
 </file>
 
@@ -5501,20 +5587,10 @@
                   </a:schemeClr>
                 </a:solidFill>
               </a:rPr>
-              <a:t>: </a:t>
-            </a:r>
-            <a:r>
-              <a:rPr lang="hu-HU" sz="2400" dirty="0" smtClean="0">
-                <a:solidFill>
-                  <a:schemeClr val="accent4">
-                    <a:lumMod val="75000"/>
-                  </a:schemeClr>
-                </a:solidFill>
-              </a:rPr>
-              <a:t>A web </a:t>
-            </a:r>
-            <a:r>
-              <a:rPr lang="hu-HU" sz="2400" dirty="0" err="1" smtClean="0">
+              <a:t>: A web </a:t>
+            </a:r>
+            <a:r>
+              <a:rPr lang="hu-HU" sz="2400" dirty="0" err="1">
                 <a:solidFill>
                   <a:schemeClr val="accent4">
                     <a:lumMod val="75000"/>
@@ -5524,17 +5600,17 @@
               <a:t>page</a:t>
             </a:r>
             <a:r>
-              <a:rPr lang="hu-HU" sz="2400" dirty="0" smtClean="0">
-                <a:solidFill>
-                  <a:schemeClr val="accent4">
-                    <a:lumMod val="75000"/>
-                  </a:schemeClr>
-                </a:solidFill>
-              </a:rPr>
-              <a:t> </a:t>
-            </a:r>
-            <a:r>
-              <a:rPr lang="hu-HU" sz="2400" dirty="0" err="1" smtClean="0">
+              <a:rPr lang="hu-HU" sz="2400" dirty="0">
+                <a:solidFill>
+                  <a:schemeClr val="accent4">
+                    <a:lumMod val="75000"/>
+                  </a:schemeClr>
+                </a:solidFill>
+              </a:rPr>
+              <a:t> </a:t>
+            </a:r>
+            <a:r>
+              <a:rPr lang="hu-HU" sz="2400" dirty="0" err="1">
                 <a:solidFill>
                   <a:schemeClr val="accent4">
                     <a:lumMod val="75000"/>
@@ -5544,17 +5620,17 @@
               <a:t>creation</a:t>
             </a:r>
             <a:r>
-              <a:rPr lang="hu-HU" sz="2400" dirty="0" smtClean="0">
-                <a:solidFill>
-                  <a:schemeClr val="accent4">
-                    <a:lumMod val="75000"/>
-                  </a:schemeClr>
-                </a:solidFill>
-              </a:rPr>
-              <a:t> </a:t>
-            </a:r>
-            <a:r>
-              <a:rPr lang="hu-HU" sz="2400" dirty="0" err="1" smtClean="0">
+              <a:rPr lang="hu-HU" sz="2400" dirty="0">
+                <a:solidFill>
+                  <a:schemeClr val="accent4">
+                    <a:lumMod val="75000"/>
+                  </a:schemeClr>
+                </a:solidFill>
+              </a:rPr>
+              <a:t> </a:t>
+            </a:r>
+            <a:r>
+              <a:rPr lang="hu-HU" sz="2400" dirty="0" err="1">
                 <a:solidFill>
                   <a:schemeClr val="accent4">
                     <a:lumMod val="75000"/>
@@ -5564,7 +5640,7 @@
               <a:t>language</a:t>
             </a:r>
             <a:r>
-              <a:rPr lang="hu-HU" sz="2400" dirty="0" smtClean="0">
+              <a:rPr lang="hu-HU" sz="2400" dirty="0">
                 <a:solidFill>
                   <a:schemeClr val="accent4">
                     <a:lumMod val="75000"/>
@@ -5574,7 +5650,7 @@
               <a:t>, </a:t>
             </a:r>
             <a:r>
-              <a:rPr lang="hu-HU" sz="2400" dirty="0" err="1" smtClean="0">
+              <a:rPr lang="hu-HU" sz="2400" dirty="0" err="1">
                 <a:solidFill>
                   <a:schemeClr val="accent4">
                     <a:lumMod val="75000"/>
@@ -5584,7 +5660,7 @@
               <a:t>which</a:t>
             </a:r>
             <a:r>
-              <a:rPr lang="hu-HU" sz="2400" dirty="0" smtClean="0">
+              <a:rPr lang="hu-HU" sz="2400" dirty="0">
                 <a:solidFill>
                   <a:schemeClr val="accent4">
                     <a:lumMod val="75000"/>
@@ -5594,7 +5670,7 @@
               <a:t> we </a:t>
             </a:r>
             <a:r>
-              <a:rPr lang="hu-HU" sz="2400" dirty="0" err="1" smtClean="0">
+              <a:rPr lang="hu-HU" sz="2400" dirty="0" err="1">
                 <a:solidFill>
                   <a:schemeClr val="accent4">
                     <a:lumMod val="75000"/>
@@ -5604,17 +5680,17 @@
               <a:t>used</a:t>
             </a:r>
             <a:r>
-              <a:rPr lang="hu-HU" sz="2400" dirty="0" smtClean="0">
-                <a:solidFill>
-                  <a:schemeClr val="accent4">
-                    <a:lumMod val="75000"/>
-                  </a:schemeClr>
-                </a:solidFill>
-              </a:rPr>
-              <a:t> </a:t>
-            </a:r>
-            <a:r>
-              <a:rPr lang="hu-HU" sz="2400" dirty="0" err="1" smtClean="0">
+              <a:rPr lang="hu-HU" sz="2400" dirty="0">
+                <a:solidFill>
+                  <a:schemeClr val="accent4">
+                    <a:lumMod val="75000"/>
+                  </a:schemeClr>
+                </a:solidFill>
+              </a:rPr>
+              <a:t> </a:t>
+            </a:r>
+            <a:r>
+              <a:rPr lang="hu-HU" sz="2400" dirty="0" err="1">
                 <a:solidFill>
                   <a:schemeClr val="accent4">
                     <a:lumMod val="75000"/>
@@ -5624,17 +5700,17 @@
               <a:t>to</a:t>
             </a:r>
             <a:r>
-              <a:rPr lang="hu-HU" sz="2400" dirty="0" smtClean="0">
-                <a:solidFill>
-                  <a:schemeClr val="accent4">
-                    <a:lumMod val="75000"/>
-                  </a:schemeClr>
-                </a:solidFill>
-              </a:rPr>
-              <a:t> </a:t>
-            </a:r>
-            <a:r>
-              <a:rPr lang="hu-HU" sz="2400" dirty="0" err="1" smtClean="0">
+              <a:rPr lang="hu-HU" sz="2400" dirty="0">
+                <a:solidFill>
+                  <a:schemeClr val="accent4">
+                    <a:lumMod val="75000"/>
+                  </a:schemeClr>
+                </a:solidFill>
+              </a:rPr>
+              <a:t> </a:t>
+            </a:r>
+            <a:r>
+              <a:rPr lang="hu-HU" sz="2400" dirty="0" err="1">
                 <a:solidFill>
                   <a:schemeClr val="accent4">
                     <a:lumMod val="75000"/>
@@ -5644,17 +5720,17 @@
               <a:t>create</a:t>
             </a:r>
             <a:r>
-              <a:rPr lang="hu-HU" sz="2400" dirty="0" smtClean="0">
-                <a:solidFill>
-                  <a:schemeClr val="accent4">
-                    <a:lumMod val="75000"/>
-                  </a:schemeClr>
-                </a:solidFill>
-              </a:rPr>
-              <a:t> </a:t>
-            </a:r>
-            <a:r>
-              <a:rPr lang="hu-HU" sz="2400" dirty="0" err="1" smtClean="0">
+              <a:rPr lang="hu-HU" sz="2400" dirty="0">
+                <a:solidFill>
+                  <a:schemeClr val="accent4">
+                    <a:lumMod val="75000"/>
+                  </a:schemeClr>
+                </a:solidFill>
+              </a:rPr>
+              <a:t> </a:t>
+            </a:r>
+            <a:r>
+              <a:rPr lang="hu-HU" sz="2400" dirty="0" err="1">
                 <a:solidFill>
                   <a:schemeClr val="accent4">
                     <a:lumMod val="75000"/>
@@ -5664,17 +5740,17 @@
               <a:t>the</a:t>
             </a:r>
             <a:r>
-              <a:rPr lang="hu-HU" sz="2400" dirty="0" smtClean="0">
-                <a:solidFill>
-                  <a:schemeClr val="accent4">
-                    <a:lumMod val="75000"/>
-                  </a:schemeClr>
-                </a:solidFill>
-              </a:rPr>
-              <a:t> </a:t>
-            </a:r>
-            <a:r>
-              <a:rPr lang="hu-HU" sz="2400" dirty="0" err="1" smtClean="0">
+              <a:rPr lang="hu-HU" sz="2400" dirty="0">
+                <a:solidFill>
+                  <a:schemeClr val="accent4">
+                    <a:lumMod val="75000"/>
+                  </a:schemeClr>
+                </a:solidFill>
+              </a:rPr>
+              <a:t> </a:t>
+            </a:r>
+            <a:r>
+              <a:rPr lang="hu-HU" sz="2400" dirty="0" err="1">
                 <a:solidFill>
                   <a:schemeClr val="accent4">
                     <a:lumMod val="75000"/>
@@ -5684,7 +5760,7 @@
               <a:t>framework</a:t>
             </a:r>
             <a:r>
-              <a:rPr lang="hu-HU" sz="2400" dirty="0" smtClean="0">
+              <a:rPr lang="hu-HU" sz="2400" dirty="0">
                 <a:solidFill>
                   <a:schemeClr val="accent4">
                     <a:lumMod val="75000"/>
@@ -5694,7 +5770,7 @@
               <a:t> of </a:t>
             </a:r>
             <a:r>
-              <a:rPr lang="hu-HU" sz="2400" dirty="0" err="1" smtClean="0">
+              <a:rPr lang="hu-HU" sz="2400" dirty="0" err="1">
                 <a:solidFill>
                   <a:schemeClr val="accent4">
                     <a:lumMod val="75000"/>
@@ -5704,7 +5780,7 @@
               <a:t>the</a:t>
             </a:r>
             <a:r>
-              <a:rPr lang="hu-HU" sz="2400" dirty="0" smtClean="0">
+              <a:rPr lang="hu-HU" sz="2400" dirty="0">
                 <a:solidFill>
                   <a:schemeClr val="accent4">
                     <a:lumMod val="75000"/>
@@ -5713,13 +5789,6 @@
               </a:rPr>
               <a:t> website.</a:t>
             </a:r>
-            <a:endParaRPr lang="hu-HU" sz="2400" dirty="0">
-              <a:solidFill>
-                <a:schemeClr val="accent4">
-                  <a:lumMod val="75000"/>
-                </a:schemeClr>
-              </a:solidFill>
-            </a:endParaRPr>
           </a:p>
         </p:txBody>
       </p:sp>
@@ -5766,7 +5835,7 @@
               <a:t>CSS3: </a:t>
             </a:r>
             <a:r>
-              <a:rPr lang="hu-HU" sz="2400" dirty="0" smtClean="0">
+              <a:rPr lang="hu-HU" sz="2400" dirty="0">
                 <a:solidFill>
                   <a:schemeClr val="accent4">
                     <a:lumMod val="75000"/>
@@ -5776,7 +5845,7 @@
               <a:t>A </a:t>
             </a:r>
             <a:r>
-              <a:rPr lang="hu-HU" sz="2400" dirty="0" err="1" smtClean="0">
+              <a:rPr lang="hu-HU" sz="2400" dirty="0" err="1">
                 <a:solidFill>
                   <a:schemeClr val="accent4">
                     <a:lumMod val="75000"/>
@@ -5786,17 +5855,17 @@
               <a:t>style</a:t>
             </a:r>
             <a:r>
-              <a:rPr lang="hu-HU" sz="2400" dirty="0" smtClean="0">
-                <a:solidFill>
-                  <a:schemeClr val="accent4">
-                    <a:lumMod val="75000"/>
-                  </a:schemeClr>
-                </a:solidFill>
-              </a:rPr>
-              <a:t> </a:t>
-            </a:r>
-            <a:r>
-              <a:rPr lang="hu-HU" sz="2400" dirty="0" err="1" smtClean="0">
+              <a:rPr lang="hu-HU" sz="2400" dirty="0">
+                <a:solidFill>
+                  <a:schemeClr val="accent4">
+                    <a:lumMod val="75000"/>
+                  </a:schemeClr>
+                </a:solidFill>
+              </a:rPr>
+              <a:t> </a:t>
+            </a:r>
+            <a:r>
+              <a:rPr lang="hu-HU" sz="2400" dirty="0" err="1">
                 <a:solidFill>
                   <a:schemeClr val="accent4">
                     <a:lumMod val="75000"/>
@@ -5806,17 +5875,17 @@
               <a:t>managment</a:t>
             </a:r>
             <a:r>
-              <a:rPr lang="hu-HU" sz="2400" dirty="0" smtClean="0">
-                <a:solidFill>
-                  <a:schemeClr val="accent4">
-                    <a:lumMod val="75000"/>
-                  </a:schemeClr>
-                </a:solidFill>
-              </a:rPr>
-              <a:t> </a:t>
-            </a:r>
-            <a:r>
-              <a:rPr lang="hu-HU" sz="2400" dirty="0" err="1" smtClean="0">
+              <a:rPr lang="hu-HU" sz="2400" dirty="0">
+                <a:solidFill>
+                  <a:schemeClr val="accent4">
+                    <a:lumMod val="75000"/>
+                  </a:schemeClr>
+                </a:solidFill>
+              </a:rPr>
+              <a:t> </a:t>
+            </a:r>
+            <a:r>
+              <a:rPr lang="hu-HU" sz="2400" dirty="0" err="1">
                 <a:solidFill>
                   <a:schemeClr val="accent4">
                     <a:lumMod val="75000"/>
@@ -5826,17 +5895,17 @@
               <a:t>language</a:t>
             </a:r>
             <a:r>
-              <a:rPr lang="hu-HU" sz="2400" dirty="0" smtClean="0">
-                <a:solidFill>
-                  <a:schemeClr val="accent4">
-                    <a:lumMod val="75000"/>
-                  </a:schemeClr>
-                </a:solidFill>
-              </a:rPr>
-              <a:t> </a:t>
-            </a:r>
-            <a:r>
-              <a:rPr lang="hu-HU" sz="2400" dirty="0" err="1" smtClean="0">
+              <a:rPr lang="hu-HU" sz="2400" dirty="0">
+                <a:solidFill>
+                  <a:schemeClr val="accent4">
+                    <a:lumMod val="75000"/>
+                  </a:schemeClr>
+                </a:solidFill>
+              </a:rPr>
+              <a:t> </a:t>
+            </a:r>
+            <a:r>
+              <a:rPr lang="hu-HU" sz="2400" dirty="0" err="1">
                 <a:solidFill>
                   <a:schemeClr val="accent4">
                     <a:lumMod val="75000"/>
@@ -5846,7 +5915,7 @@
               <a:t>that</a:t>
             </a:r>
             <a:r>
-              <a:rPr lang="hu-HU" sz="2400" dirty="0" smtClean="0">
+              <a:rPr lang="hu-HU" sz="2400" dirty="0">
                 <a:solidFill>
                   <a:schemeClr val="accent4">
                     <a:lumMod val="75000"/>
@@ -5856,7 +5925,7 @@
               <a:t> we </a:t>
             </a:r>
             <a:r>
-              <a:rPr lang="hu-HU" sz="2400" dirty="0" err="1" smtClean="0">
+              <a:rPr lang="hu-HU" sz="2400" dirty="0" err="1">
                 <a:solidFill>
                   <a:schemeClr val="accent4">
                     <a:lumMod val="75000"/>
@@ -5866,17 +5935,17 @@
               <a:t>used</a:t>
             </a:r>
             <a:r>
-              <a:rPr lang="hu-HU" sz="2400" dirty="0" smtClean="0">
-                <a:solidFill>
-                  <a:schemeClr val="accent4">
-                    <a:lumMod val="75000"/>
-                  </a:schemeClr>
-                </a:solidFill>
-              </a:rPr>
-              <a:t> </a:t>
-            </a:r>
-            <a:r>
-              <a:rPr lang="hu-HU" sz="2400" dirty="0" err="1" smtClean="0">
+              <a:rPr lang="hu-HU" sz="2400" dirty="0">
+                <a:solidFill>
+                  <a:schemeClr val="accent4">
+                    <a:lumMod val="75000"/>
+                  </a:schemeClr>
+                </a:solidFill>
+              </a:rPr>
+              <a:t> </a:t>
+            </a:r>
+            <a:r>
+              <a:rPr lang="hu-HU" sz="2400" dirty="0" err="1">
                 <a:solidFill>
                   <a:schemeClr val="accent4">
                     <a:lumMod val="75000"/>
@@ -5886,17 +5955,17 @@
               <a:t>to</a:t>
             </a:r>
             <a:r>
-              <a:rPr lang="hu-HU" sz="2400" dirty="0" smtClean="0">
-                <a:solidFill>
-                  <a:schemeClr val="accent4">
-                    <a:lumMod val="75000"/>
-                  </a:schemeClr>
-                </a:solidFill>
-              </a:rPr>
-              <a:t> </a:t>
-            </a:r>
-            <a:r>
-              <a:rPr lang="hu-HU" sz="2400" dirty="0" err="1" smtClean="0">
+              <a:rPr lang="hu-HU" sz="2400" dirty="0">
+                <a:solidFill>
+                  <a:schemeClr val="accent4">
+                    <a:lumMod val="75000"/>
+                  </a:schemeClr>
+                </a:solidFill>
+              </a:rPr>
+              <a:t> </a:t>
+            </a:r>
+            <a:r>
+              <a:rPr lang="hu-HU" sz="2400" dirty="0" err="1">
                 <a:solidFill>
                   <a:schemeClr val="accent4">
                     <a:lumMod val="75000"/>
@@ -5906,17 +5975,17 @@
               <a:t>create</a:t>
             </a:r>
             <a:r>
-              <a:rPr lang="hu-HU" sz="2400" dirty="0" smtClean="0">
-                <a:solidFill>
-                  <a:schemeClr val="accent4">
-                    <a:lumMod val="75000"/>
-                  </a:schemeClr>
-                </a:solidFill>
-              </a:rPr>
-              <a:t> </a:t>
-            </a:r>
-            <a:r>
-              <a:rPr lang="hu-HU" sz="2400" dirty="0" err="1" smtClean="0">
+              <a:rPr lang="hu-HU" sz="2400" dirty="0">
+                <a:solidFill>
+                  <a:schemeClr val="accent4">
+                    <a:lumMod val="75000"/>
+                  </a:schemeClr>
+                </a:solidFill>
+              </a:rPr>
+              <a:t> </a:t>
+            </a:r>
+            <a:r>
+              <a:rPr lang="hu-HU" sz="2400" dirty="0" err="1">
                 <a:solidFill>
                   <a:schemeClr val="accent4">
                     <a:lumMod val="75000"/>
@@ -5926,17 +5995,17 @@
               <a:t>the</a:t>
             </a:r>
             <a:r>
-              <a:rPr lang="hu-HU" sz="2400" dirty="0" smtClean="0">
-                <a:solidFill>
-                  <a:schemeClr val="accent4">
-                    <a:lumMod val="75000"/>
-                  </a:schemeClr>
-                </a:solidFill>
-              </a:rPr>
-              <a:t> </a:t>
-            </a:r>
-            <a:r>
-              <a:rPr lang="hu-HU" sz="2400" dirty="0" err="1" smtClean="0">
+              <a:rPr lang="hu-HU" sz="2400" dirty="0">
+                <a:solidFill>
+                  <a:schemeClr val="accent4">
+                    <a:lumMod val="75000"/>
+                  </a:schemeClr>
+                </a:solidFill>
+              </a:rPr>
+              <a:t> </a:t>
+            </a:r>
+            <a:r>
+              <a:rPr lang="hu-HU" sz="2400" dirty="0" err="1">
                 <a:solidFill>
                   <a:schemeClr val="accent4">
                     <a:lumMod val="75000"/>
@@ -5946,7 +6015,7 @@
               <a:t>interface</a:t>
             </a:r>
             <a:r>
-              <a:rPr lang="hu-HU" sz="2400" dirty="0" smtClean="0">
+              <a:rPr lang="hu-HU" sz="2400" dirty="0">
                 <a:solidFill>
                   <a:schemeClr val="accent4">
                     <a:lumMod val="75000"/>
@@ -5956,7 +6025,7 @@
               <a:t> of </a:t>
             </a:r>
             <a:r>
-              <a:rPr lang="hu-HU" sz="2400" dirty="0" err="1" smtClean="0">
+              <a:rPr lang="hu-HU" sz="2400" dirty="0" err="1">
                 <a:solidFill>
                   <a:schemeClr val="accent4">
                     <a:lumMod val="75000"/>
@@ -5966,7 +6035,7 @@
               <a:t>the</a:t>
             </a:r>
             <a:r>
-              <a:rPr lang="hu-HU" sz="2400" dirty="0" smtClean="0">
+              <a:rPr lang="hu-HU" sz="2400" dirty="0">
                 <a:solidFill>
                   <a:schemeClr val="accent4">
                     <a:lumMod val="75000"/>
@@ -5975,13 +6044,6 @@
               </a:rPr>
               <a:t> website.</a:t>
             </a:r>
-            <a:endParaRPr lang="hu-HU" sz="2400" dirty="0">
-              <a:solidFill>
-                <a:schemeClr val="accent4">
-                  <a:lumMod val="75000"/>
-                </a:schemeClr>
-              </a:solidFill>
-            </a:endParaRPr>
           </a:p>
         </p:txBody>
       </p:sp>
@@ -6028,7 +6090,7 @@
               <a:t>JavaScript: </a:t>
             </a:r>
             <a:r>
-              <a:rPr lang="hu-HU" sz="2400" dirty="0" smtClean="0">
+              <a:rPr lang="hu-HU" sz="2400" dirty="0">
                 <a:solidFill>
                   <a:schemeClr val="accent4">
                     <a:lumMod val="75000"/>
@@ -6038,7 +6100,7 @@
               <a:t>A </a:t>
             </a:r>
             <a:r>
-              <a:rPr lang="hu-HU" sz="2400" dirty="0" err="1" smtClean="0">
+              <a:rPr lang="hu-HU" sz="2400" dirty="0" err="1">
                 <a:solidFill>
                   <a:schemeClr val="accent4">
                     <a:lumMod val="75000"/>
@@ -6048,17 +6110,17 @@
               <a:t>language</a:t>
             </a:r>
             <a:r>
-              <a:rPr lang="hu-HU" sz="2400" dirty="0" smtClean="0">
-                <a:solidFill>
-                  <a:schemeClr val="accent4">
-                    <a:lumMod val="75000"/>
-                  </a:schemeClr>
-                </a:solidFill>
-              </a:rPr>
-              <a:t> </a:t>
-            </a:r>
-            <a:r>
-              <a:rPr lang="hu-HU" sz="2400" dirty="0" err="1" smtClean="0">
+              <a:rPr lang="hu-HU" sz="2400" dirty="0">
+                <a:solidFill>
+                  <a:schemeClr val="accent4">
+                    <a:lumMod val="75000"/>
+                  </a:schemeClr>
+                </a:solidFill>
+              </a:rPr>
+              <a:t> </a:t>
+            </a:r>
+            <a:r>
+              <a:rPr lang="hu-HU" sz="2400" dirty="0" err="1">
                 <a:solidFill>
                   <a:schemeClr val="accent4">
                     <a:lumMod val="75000"/>
@@ -6068,17 +6130,17 @@
               <a:t>used</a:t>
             </a:r>
             <a:r>
-              <a:rPr lang="hu-HU" sz="2400" dirty="0" smtClean="0">
-                <a:solidFill>
-                  <a:schemeClr val="accent4">
-                    <a:lumMod val="75000"/>
-                  </a:schemeClr>
-                </a:solidFill>
-              </a:rPr>
-              <a:t> </a:t>
-            </a:r>
-            <a:r>
-              <a:rPr lang="hu-HU" sz="2400" dirty="0" err="1" smtClean="0">
+              <a:rPr lang="hu-HU" sz="2400" dirty="0">
+                <a:solidFill>
+                  <a:schemeClr val="accent4">
+                    <a:lumMod val="75000"/>
+                  </a:schemeClr>
+                </a:solidFill>
+              </a:rPr>
+              <a:t> </a:t>
+            </a:r>
+            <a:r>
+              <a:rPr lang="hu-HU" sz="2400" dirty="0" err="1">
                 <a:solidFill>
                   <a:schemeClr val="accent4">
                     <a:lumMod val="75000"/>
@@ -6088,17 +6150,17 @@
               <a:t>to</a:t>
             </a:r>
             <a:r>
-              <a:rPr lang="hu-HU" sz="2400" dirty="0" smtClean="0">
-                <a:solidFill>
-                  <a:schemeClr val="accent4">
-                    <a:lumMod val="75000"/>
-                  </a:schemeClr>
-                </a:solidFill>
-              </a:rPr>
-              <a:t> </a:t>
-            </a:r>
-            <a:r>
-              <a:rPr lang="hu-HU" sz="2400" dirty="0" err="1" smtClean="0">
+              <a:rPr lang="hu-HU" sz="2400" dirty="0">
+                <a:solidFill>
+                  <a:schemeClr val="accent4">
+                    <a:lumMod val="75000"/>
+                  </a:schemeClr>
+                </a:solidFill>
+              </a:rPr>
+              <a:t> </a:t>
+            </a:r>
+            <a:r>
+              <a:rPr lang="hu-HU" sz="2400" dirty="0" err="1">
                 <a:solidFill>
                   <a:schemeClr val="accent4">
                     <a:lumMod val="75000"/>
@@ -6108,17 +6170,17 @@
               <a:t>make</a:t>
             </a:r>
             <a:r>
-              <a:rPr lang="hu-HU" sz="2400" dirty="0" smtClean="0">
-                <a:solidFill>
-                  <a:schemeClr val="accent4">
-                    <a:lumMod val="75000"/>
-                  </a:schemeClr>
-                </a:solidFill>
-              </a:rPr>
-              <a:t> </a:t>
-            </a:r>
-            <a:r>
-              <a:rPr lang="hu-HU" sz="2400" dirty="0" err="1" smtClean="0">
+              <a:rPr lang="hu-HU" sz="2400" dirty="0">
+                <a:solidFill>
+                  <a:schemeClr val="accent4">
+                    <a:lumMod val="75000"/>
+                  </a:schemeClr>
+                </a:solidFill>
+              </a:rPr>
+              <a:t> </a:t>
+            </a:r>
+            <a:r>
+              <a:rPr lang="hu-HU" sz="2400" dirty="0" err="1">
                 <a:solidFill>
                   <a:schemeClr val="accent4">
                     <a:lumMod val="75000"/>
@@ -6128,7 +6190,7 @@
               <a:t>the</a:t>
             </a:r>
             <a:r>
-              <a:rPr lang="hu-HU" sz="2400" dirty="0" smtClean="0">
+              <a:rPr lang="hu-HU" sz="2400" dirty="0">
                 <a:solidFill>
                   <a:schemeClr val="accent4">
                     <a:lumMod val="75000"/>
@@ -6138,7 +6200,7 @@
               <a:t> website </a:t>
             </a:r>
             <a:r>
-              <a:rPr lang="hu-HU" sz="2400" dirty="0" err="1" smtClean="0">
+              <a:rPr lang="hu-HU" sz="2400" dirty="0" err="1">
                 <a:solidFill>
                   <a:schemeClr val="accent4">
                     <a:lumMod val="75000"/>
@@ -6148,7 +6210,7 @@
               <a:t>dynamic</a:t>
             </a:r>
             <a:r>
-              <a:rPr lang="hu-HU" sz="2400" dirty="0" smtClean="0">
+              <a:rPr lang="hu-HU" sz="2400" dirty="0">
                 <a:solidFill>
                   <a:schemeClr val="accent4">
                     <a:lumMod val="75000"/>
@@ -6158,7 +6220,7 @@
               <a:t> and </a:t>
             </a:r>
             <a:r>
-              <a:rPr lang="hu-HU" sz="2400" dirty="0" err="1" smtClean="0">
+              <a:rPr lang="hu-HU" sz="2400" dirty="0" err="1">
                 <a:solidFill>
                   <a:schemeClr val="accent4">
                     <a:lumMod val="75000"/>
@@ -6168,17 +6230,17 @@
               <a:t>manage</a:t>
             </a:r>
             <a:r>
-              <a:rPr lang="hu-HU" sz="2400" dirty="0" smtClean="0">
-                <a:solidFill>
-                  <a:schemeClr val="accent4">
-                    <a:lumMod val="75000"/>
-                  </a:schemeClr>
-                </a:solidFill>
-              </a:rPr>
-              <a:t> </a:t>
-            </a:r>
-            <a:r>
-              <a:rPr lang="hu-HU" sz="2400" dirty="0" err="1" smtClean="0">
+              <a:rPr lang="hu-HU" sz="2400" dirty="0">
+                <a:solidFill>
+                  <a:schemeClr val="accent4">
+                    <a:lumMod val="75000"/>
+                  </a:schemeClr>
+                </a:solidFill>
+              </a:rPr>
+              <a:t> </a:t>
+            </a:r>
+            <a:r>
+              <a:rPr lang="hu-HU" sz="2400" dirty="0" err="1">
                 <a:solidFill>
                   <a:schemeClr val="accent4">
                     <a:lumMod val="75000"/>
@@ -6188,17 +6250,17 @@
               <a:t>It’s</a:t>
             </a:r>
             <a:r>
-              <a:rPr lang="hu-HU" sz="2400" dirty="0" smtClean="0">
-                <a:solidFill>
-                  <a:schemeClr val="accent4">
-                    <a:lumMod val="75000"/>
-                  </a:schemeClr>
-                </a:solidFill>
-              </a:rPr>
-              <a:t> </a:t>
-            </a:r>
-            <a:r>
-              <a:rPr lang="hu-HU" sz="2400" dirty="0" err="1" smtClean="0">
+              <a:rPr lang="hu-HU" sz="2400" dirty="0">
+                <a:solidFill>
+                  <a:schemeClr val="accent4">
+                    <a:lumMod val="75000"/>
+                  </a:schemeClr>
+                </a:solidFill>
+              </a:rPr>
+              <a:t> </a:t>
+            </a:r>
+            <a:r>
+              <a:rPr lang="hu-HU" sz="2400" dirty="0" err="1">
                 <a:solidFill>
                   <a:schemeClr val="accent4">
                     <a:lumMod val="75000"/>
@@ -6208,7 +6270,7 @@
               <a:t>events</a:t>
             </a:r>
             <a:r>
-              <a:rPr lang="hu-HU" sz="2400" dirty="0" smtClean="0">
+              <a:rPr lang="hu-HU" sz="2400" dirty="0">
                 <a:solidFill>
                   <a:schemeClr val="accent4">
                     <a:lumMod val="75000"/>
@@ -6217,13 +6279,6 @@
               </a:rPr>
               <a:t>.</a:t>
             </a:r>
-            <a:endParaRPr lang="hu-HU" sz="2400" dirty="0">
-              <a:solidFill>
-                <a:schemeClr val="accent4">
-                  <a:lumMod val="75000"/>
-                </a:schemeClr>
-              </a:solidFill>
-            </a:endParaRPr>
           </a:p>
         </p:txBody>
       </p:sp>
@@ -6401,13 +6456,6 @@
   <p:transition spd="med">
     <p:pull/>
   </p:transition>
-  <p:timing>
-    <p:tnLst>
-      <p:par>
-        <p:cTn id="1" dur="indefinite" restart="never" nodeType="tmRoot"/>
-      </p:par>
-    </p:tnLst>
-  </p:timing>
 </p:sld>
 </file>
 
@@ -6546,7 +6594,7 @@
           <a:p>
             <a:pPr algn="ctr"/>
             <a:r>
-              <a:rPr lang="hu-HU" sz="4400" b="1" dirty="0" smtClean="0">
+              <a:rPr lang="hu-HU" sz="4400" b="1" dirty="0">
                 <a:ln w="6350">
                   <a:solidFill>
                     <a:schemeClr val="accent1">
@@ -6562,7 +6610,7 @@
               <a:t>Group </a:t>
             </a:r>
             <a:r>
-              <a:rPr lang="hu-HU" sz="4400" b="1" dirty="0" err="1" smtClean="0">
+              <a:rPr lang="hu-HU" sz="4400" b="1" dirty="0" err="1">
                 <a:ln w="6350">
                   <a:solidFill>
                     <a:schemeClr val="accent1">
@@ -6578,7 +6626,7 @@
               <a:t>work</a:t>
             </a:r>
             <a:r>
-              <a:rPr lang="hu-HU" sz="4400" b="1" dirty="0" smtClean="0">
+              <a:rPr lang="hu-HU" sz="4400" b="1" dirty="0">
                 <a:ln w="6350">
                   <a:solidFill>
                     <a:schemeClr val="accent1">
@@ -6594,7 +6642,7 @@
               <a:t> </a:t>
             </a:r>
             <a:r>
-              <a:rPr lang="hu-HU" sz="4400" b="1" dirty="0" err="1" smtClean="0">
+              <a:rPr lang="hu-HU" sz="4400" b="1" dirty="0" err="1">
                 <a:ln w="6350">
                   <a:solidFill>
                     <a:schemeClr val="accent1">
@@ -6769,20 +6817,10 @@
                   </a:schemeClr>
                 </a:solidFill>
               </a:rPr>
-              <a:t>: </a:t>
-            </a:r>
-            <a:r>
-              <a:rPr lang="hu-HU" sz="2400" dirty="0" smtClean="0">
-                <a:solidFill>
-                  <a:schemeClr val="accent4">
-                    <a:lumMod val="75000"/>
-                  </a:schemeClr>
-                </a:solidFill>
-              </a:rPr>
-              <a:t>Version </a:t>
-            </a:r>
-            <a:r>
-              <a:rPr lang="hu-HU" sz="2400" dirty="0" err="1" smtClean="0">
+              <a:t>: Version </a:t>
+            </a:r>
+            <a:r>
+              <a:rPr lang="hu-HU" sz="2400" dirty="0" err="1">
                 <a:solidFill>
                   <a:schemeClr val="accent4">
                     <a:lumMod val="75000"/>
@@ -6792,7 +6830,7 @@
               <a:t>managment</a:t>
             </a:r>
             <a:r>
-              <a:rPr lang="hu-HU" sz="2400" dirty="0" smtClean="0">
+              <a:rPr lang="hu-HU" sz="2400" dirty="0">
                 <a:solidFill>
                   <a:schemeClr val="accent4">
                     <a:lumMod val="75000"/>
@@ -6802,7 +6840,7 @@
               <a:t> web </a:t>
             </a:r>
             <a:r>
-              <a:rPr lang="hu-HU" sz="2400" dirty="0" err="1" smtClean="0">
+              <a:rPr lang="hu-HU" sz="2400" dirty="0" err="1">
                 <a:solidFill>
                   <a:schemeClr val="accent4">
                     <a:lumMod val="75000"/>
@@ -6812,17 +6850,17 @@
               <a:t>or</a:t>
             </a:r>
             <a:r>
-              <a:rPr lang="hu-HU" sz="2400" dirty="0" smtClean="0">
-                <a:solidFill>
-                  <a:schemeClr val="accent4">
-                    <a:lumMod val="75000"/>
-                  </a:schemeClr>
-                </a:solidFill>
-              </a:rPr>
-              <a:t> </a:t>
-            </a:r>
-            <a:r>
-              <a:rPr lang="hu-HU" sz="2400" dirty="0" err="1" smtClean="0">
+              <a:rPr lang="hu-HU" sz="2400" dirty="0">
+                <a:solidFill>
+                  <a:schemeClr val="accent4">
+                    <a:lumMod val="75000"/>
+                  </a:schemeClr>
+                </a:solidFill>
+              </a:rPr>
+              <a:t> </a:t>
+            </a:r>
+            <a:r>
+              <a:rPr lang="hu-HU" sz="2400" dirty="0" err="1">
                 <a:solidFill>
                   <a:schemeClr val="accent4">
                     <a:lumMod val="75000"/>
@@ -6832,17 +6870,17 @@
               <a:t>desktrop</a:t>
             </a:r>
             <a:r>
-              <a:rPr lang="hu-HU" sz="2400" dirty="0" smtClean="0">
-                <a:solidFill>
-                  <a:schemeClr val="accent4">
-                    <a:lumMod val="75000"/>
-                  </a:schemeClr>
-                </a:solidFill>
-              </a:rPr>
-              <a:t> </a:t>
-            </a:r>
-            <a:r>
-              <a:rPr lang="hu-HU" sz="2400" dirty="0" err="1" smtClean="0">
+              <a:rPr lang="hu-HU" sz="2400" dirty="0">
+                <a:solidFill>
+                  <a:schemeClr val="accent4">
+                    <a:lumMod val="75000"/>
+                  </a:schemeClr>
+                </a:solidFill>
+              </a:rPr>
+              <a:t> </a:t>
+            </a:r>
+            <a:r>
+              <a:rPr lang="hu-HU" sz="2400" dirty="0" err="1">
                 <a:solidFill>
                   <a:schemeClr val="accent4">
                     <a:lumMod val="75000"/>
@@ -6852,17 +6890,17 @@
               <a:t>application</a:t>
             </a:r>
             <a:r>
-              <a:rPr lang="hu-HU" sz="2400" dirty="0" smtClean="0">
-                <a:solidFill>
-                  <a:schemeClr val="accent4">
-                    <a:lumMod val="75000"/>
-                  </a:schemeClr>
-                </a:solidFill>
-              </a:rPr>
-              <a:t> </a:t>
-            </a:r>
-            <a:r>
-              <a:rPr lang="hu-HU" sz="2400" dirty="0" err="1" smtClean="0">
+              <a:rPr lang="hu-HU" sz="2400" dirty="0">
+                <a:solidFill>
+                  <a:schemeClr val="accent4">
+                    <a:lumMod val="75000"/>
+                  </a:schemeClr>
+                </a:solidFill>
+              </a:rPr>
+              <a:t> </a:t>
+            </a:r>
+            <a:r>
+              <a:rPr lang="hu-HU" sz="2400" dirty="0" err="1">
                 <a:solidFill>
                   <a:schemeClr val="accent4">
                     <a:lumMod val="75000"/>
@@ -6872,17 +6910,17 @@
               <a:t>that</a:t>
             </a:r>
             <a:r>
-              <a:rPr lang="hu-HU" sz="2400" dirty="0" smtClean="0">
-                <a:solidFill>
-                  <a:schemeClr val="accent4">
-                    <a:lumMod val="75000"/>
-                  </a:schemeClr>
-                </a:solidFill>
-              </a:rPr>
-              <a:t> </a:t>
-            </a:r>
-            <a:r>
-              <a:rPr lang="hu-HU" sz="2400" dirty="0" err="1" smtClean="0">
+              <a:rPr lang="hu-HU" sz="2400" dirty="0">
+                <a:solidFill>
+                  <a:schemeClr val="accent4">
+                    <a:lumMod val="75000"/>
+                  </a:schemeClr>
+                </a:solidFill>
+              </a:rPr>
+              <a:t> </a:t>
+            </a:r>
+            <a:r>
+              <a:rPr lang="hu-HU" sz="2400" dirty="0" err="1">
                 <a:solidFill>
                   <a:schemeClr val="accent4">
                     <a:lumMod val="75000"/>
@@ -6892,17 +6930,17 @@
               <a:t>functioned</a:t>
             </a:r>
             <a:r>
-              <a:rPr lang="hu-HU" sz="2400" dirty="0" smtClean="0">
-                <a:solidFill>
-                  <a:schemeClr val="accent4">
-                    <a:lumMod val="75000"/>
-                  </a:schemeClr>
-                </a:solidFill>
-              </a:rPr>
-              <a:t> </a:t>
-            </a:r>
-            <a:r>
-              <a:rPr lang="hu-HU" sz="2400" dirty="0" err="1" smtClean="0">
+              <a:rPr lang="hu-HU" sz="2400" dirty="0">
+                <a:solidFill>
+                  <a:schemeClr val="accent4">
+                    <a:lumMod val="75000"/>
+                  </a:schemeClr>
+                </a:solidFill>
+              </a:rPr>
+              <a:t> </a:t>
+            </a:r>
+            <a:r>
+              <a:rPr lang="hu-HU" sz="2400" dirty="0" err="1">
                 <a:solidFill>
                   <a:schemeClr val="accent4">
                     <a:lumMod val="75000"/>
@@ -6912,7 +6950,7 @@
               <a:t>as</a:t>
             </a:r>
             <a:r>
-              <a:rPr lang="hu-HU" sz="2400" dirty="0" smtClean="0">
+              <a:rPr lang="hu-HU" sz="2400" dirty="0">
                 <a:solidFill>
                   <a:schemeClr val="accent4">
                     <a:lumMod val="75000"/>
@@ -6922,7 +6960,7 @@
               <a:t> a </a:t>
             </a:r>
             <a:r>
-              <a:rPr lang="hu-HU" sz="2400" dirty="0" err="1" smtClean="0">
+              <a:rPr lang="hu-HU" sz="2400" dirty="0" err="1">
                 <a:solidFill>
                   <a:schemeClr val="accent4">
                     <a:lumMod val="75000"/>
@@ -6932,17 +6970,17 @@
               <a:t>cloud</a:t>
             </a:r>
             <a:r>
-              <a:rPr lang="hu-HU" sz="2400" dirty="0" smtClean="0">
-                <a:solidFill>
-                  <a:schemeClr val="accent4">
-                    <a:lumMod val="75000"/>
-                  </a:schemeClr>
-                </a:solidFill>
-              </a:rPr>
-              <a:t> </a:t>
-            </a:r>
-            <a:r>
-              <a:rPr lang="hu-HU" sz="2400" dirty="0" err="1" smtClean="0">
+              <a:rPr lang="hu-HU" sz="2400" dirty="0">
+                <a:solidFill>
+                  <a:schemeClr val="accent4">
+                    <a:lumMod val="75000"/>
+                  </a:schemeClr>
+                </a:solidFill>
+              </a:rPr>
+              <a:t> </a:t>
+            </a:r>
+            <a:r>
+              <a:rPr lang="hu-HU" sz="2400" dirty="0" err="1">
                 <a:solidFill>
                   <a:schemeClr val="accent4">
                     <a:lumMod val="75000"/>
@@ -6952,17 +6990,17 @@
               <a:t>for</a:t>
             </a:r>
             <a:r>
-              <a:rPr lang="hu-HU" sz="2400" dirty="0" smtClean="0">
-                <a:solidFill>
-                  <a:schemeClr val="accent4">
-                    <a:lumMod val="75000"/>
-                  </a:schemeClr>
-                </a:solidFill>
-              </a:rPr>
-              <a:t> </a:t>
-            </a:r>
-            <a:r>
-              <a:rPr lang="hu-HU" sz="2400" dirty="0" err="1" smtClean="0">
+              <a:rPr lang="hu-HU" sz="2400" dirty="0">
+                <a:solidFill>
+                  <a:schemeClr val="accent4">
+                    <a:lumMod val="75000"/>
+                  </a:schemeClr>
+                </a:solidFill>
+              </a:rPr>
+              <a:t> </a:t>
+            </a:r>
+            <a:r>
+              <a:rPr lang="hu-HU" sz="2400" dirty="0" err="1">
                 <a:solidFill>
                   <a:schemeClr val="accent4">
                     <a:lumMod val="75000"/>
@@ -6972,7 +7010,7 @@
               <a:t>us</a:t>
             </a:r>
             <a:r>
-              <a:rPr lang="hu-HU" sz="2400" dirty="0" smtClean="0">
+              <a:rPr lang="hu-HU" sz="2400" dirty="0">
                 <a:solidFill>
                   <a:schemeClr val="accent4">
                     <a:lumMod val="75000"/>
@@ -6981,13 +7019,6 @@
               </a:rPr>
               <a:t>.</a:t>
             </a:r>
-            <a:endParaRPr lang="hu-HU" sz="2400" dirty="0">
-              <a:solidFill>
-                <a:schemeClr val="accent4">
-                  <a:lumMod val="75000"/>
-                </a:schemeClr>
-              </a:solidFill>
-            </a:endParaRPr>
           </a:p>
         </p:txBody>
       </p:sp>
@@ -7041,20 +7072,10 @@
                   </a:schemeClr>
                 </a:solidFill>
               </a:rPr>
-              <a:t>: </a:t>
-            </a:r>
-            <a:r>
-              <a:rPr lang="hu-HU" sz="2400" dirty="0" smtClean="0">
-                <a:solidFill>
-                  <a:schemeClr val="accent4">
-                    <a:lumMod val="75000"/>
-                  </a:schemeClr>
-                </a:solidFill>
-              </a:rPr>
-              <a:t>Project </a:t>
-            </a:r>
-            <a:r>
-              <a:rPr lang="hu-HU" sz="2400" dirty="0" err="1" smtClean="0">
+              <a:t>: Project </a:t>
+            </a:r>
+            <a:r>
+              <a:rPr lang="hu-HU" sz="2400" dirty="0" err="1">
                 <a:solidFill>
                   <a:schemeClr val="accent4">
                     <a:lumMod val="75000"/>
@@ -7064,7 +7085,7 @@
               <a:t>managment</a:t>
             </a:r>
             <a:r>
-              <a:rPr lang="hu-HU" sz="2400" dirty="0" smtClean="0">
+              <a:rPr lang="hu-HU" sz="2400" dirty="0">
                 <a:solidFill>
                   <a:schemeClr val="accent4">
                     <a:lumMod val="75000"/>
@@ -7074,7 +7095,7 @@
               <a:t> website, </a:t>
             </a:r>
             <a:r>
-              <a:rPr lang="hu-HU" sz="2400" dirty="0" err="1" smtClean="0">
+              <a:rPr lang="hu-HU" sz="2400" dirty="0" err="1">
                 <a:solidFill>
                   <a:schemeClr val="accent4">
                     <a:lumMod val="75000"/>
@@ -7084,7 +7105,7 @@
               <a:t>where</a:t>
             </a:r>
             <a:r>
-              <a:rPr lang="hu-HU" sz="2400" dirty="0" smtClean="0">
+              <a:rPr lang="hu-HU" sz="2400" dirty="0">
                 <a:solidFill>
                   <a:schemeClr val="accent4">
                     <a:lumMod val="75000"/>
@@ -7094,7 +7115,7 @@
               <a:t> we made it </a:t>
             </a:r>
             <a:r>
-              <a:rPr lang="hu-HU" sz="2400" dirty="0" err="1" smtClean="0">
+              <a:rPr lang="hu-HU" sz="2400" dirty="0" err="1">
                 <a:solidFill>
                   <a:schemeClr val="accent4">
                     <a:lumMod val="75000"/>
@@ -7104,17 +7125,17 @@
               <a:t>possible</a:t>
             </a:r>
             <a:r>
-              <a:rPr lang="hu-HU" sz="2400" dirty="0" smtClean="0">
-                <a:solidFill>
-                  <a:schemeClr val="accent4">
-                    <a:lumMod val="75000"/>
-                  </a:schemeClr>
-                </a:solidFill>
-              </a:rPr>
-              <a:t> </a:t>
-            </a:r>
-            <a:r>
-              <a:rPr lang="hu-HU" sz="2400" dirty="0" err="1" smtClean="0">
+              <a:rPr lang="hu-HU" sz="2400" dirty="0">
+                <a:solidFill>
+                  <a:schemeClr val="accent4">
+                    <a:lumMod val="75000"/>
+                  </a:schemeClr>
+                </a:solidFill>
+              </a:rPr>
+              <a:t> </a:t>
+            </a:r>
+            <a:r>
+              <a:rPr lang="hu-HU" sz="2400" dirty="0" err="1">
                 <a:solidFill>
                   <a:schemeClr val="accent4">
                     <a:lumMod val="75000"/>
@@ -7124,17 +7145,17 @@
               <a:t>to</a:t>
             </a:r>
             <a:r>
-              <a:rPr lang="hu-HU" sz="2400" dirty="0" smtClean="0">
-                <a:solidFill>
-                  <a:schemeClr val="accent4">
-                    <a:lumMod val="75000"/>
-                  </a:schemeClr>
-                </a:solidFill>
-              </a:rPr>
-              <a:t> </a:t>
-            </a:r>
-            <a:r>
-              <a:rPr lang="hu-HU" sz="2400" dirty="0" err="1" smtClean="0">
+              <a:rPr lang="hu-HU" sz="2400" dirty="0">
+                <a:solidFill>
+                  <a:schemeClr val="accent4">
+                    <a:lumMod val="75000"/>
+                  </a:schemeClr>
+                </a:solidFill>
+              </a:rPr>
+              <a:t> </a:t>
+            </a:r>
+            <a:r>
+              <a:rPr lang="hu-HU" sz="2400" dirty="0" err="1">
                 <a:solidFill>
                   <a:schemeClr val="accent4">
                     <a:lumMod val="75000"/>
@@ -7144,17 +7165,17 @@
               <a:t>track</a:t>
             </a:r>
             <a:r>
-              <a:rPr lang="hu-HU" sz="2400" dirty="0" smtClean="0">
-                <a:solidFill>
-                  <a:schemeClr val="accent4">
-                    <a:lumMod val="75000"/>
-                  </a:schemeClr>
-                </a:solidFill>
-              </a:rPr>
-              <a:t> </a:t>
-            </a:r>
-            <a:r>
-              <a:rPr lang="hu-HU" sz="2400" dirty="0" err="1" smtClean="0">
+              <a:rPr lang="hu-HU" sz="2400" dirty="0">
+                <a:solidFill>
+                  <a:schemeClr val="accent4">
+                    <a:lumMod val="75000"/>
+                  </a:schemeClr>
+                </a:solidFill>
+              </a:rPr>
+              <a:t> </a:t>
+            </a:r>
+            <a:r>
+              <a:rPr lang="hu-HU" sz="2400" dirty="0" err="1">
                 <a:solidFill>
                   <a:schemeClr val="accent4">
                     <a:lumMod val="75000"/>
@@ -7164,17 +7185,17 @@
               <a:t>individual</a:t>
             </a:r>
             <a:r>
-              <a:rPr lang="hu-HU" sz="2400" dirty="0" smtClean="0">
-                <a:solidFill>
-                  <a:schemeClr val="accent4">
-                    <a:lumMod val="75000"/>
-                  </a:schemeClr>
-                </a:solidFill>
-              </a:rPr>
-              <a:t> </a:t>
-            </a:r>
-            <a:r>
-              <a:rPr lang="hu-HU" sz="2400" dirty="0" err="1" smtClean="0">
+              <a:rPr lang="hu-HU" sz="2400" dirty="0">
+                <a:solidFill>
+                  <a:schemeClr val="accent4">
+                    <a:lumMod val="75000"/>
+                  </a:schemeClr>
+                </a:solidFill>
+              </a:rPr>
+              <a:t> </a:t>
+            </a:r>
+            <a:r>
+              <a:rPr lang="hu-HU" sz="2400" dirty="0" err="1">
                 <a:solidFill>
                   <a:schemeClr val="accent4">
                     <a:lumMod val="75000"/>
@@ -7184,7 +7205,7 @@
               <a:t>subtasks</a:t>
             </a:r>
             <a:r>
-              <a:rPr lang="hu-HU" sz="2400" dirty="0" smtClean="0">
+              <a:rPr lang="hu-HU" sz="2400" dirty="0">
                 <a:solidFill>
                   <a:schemeClr val="accent4">
                     <a:lumMod val="75000"/>
@@ -7194,7 +7215,7 @@
               <a:t> of </a:t>
             </a:r>
             <a:r>
-              <a:rPr lang="hu-HU" sz="2400" dirty="0" err="1" smtClean="0">
+              <a:rPr lang="hu-HU" sz="2400" dirty="0" err="1">
                 <a:solidFill>
                   <a:schemeClr val="accent4">
                     <a:lumMod val="75000"/>
@@ -7204,7 +7225,7 @@
               <a:t>the</a:t>
             </a:r>
             <a:r>
-              <a:rPr lang="hu-HU" sz="2400" dirty="0" smtClean="0">
+              <a:rPr lang="hu-HU" sz="2400" dirty="0">
                 <a:solidFill>
                   <a:schemeClr val="accent4">
                     <a:lumMod val="75000"/>
@@ -7213,13 +7234,6 @@
               </a:rPr>
               <a:t> project.</a:t>
             </a:r>
-            <a:endParaRPr lang="hu-HU" sz="2400" dirty="0">
-              <a:solidFill>
-                <a:schemeClr val="accent4">
-                  <a:lumMod val="75000"/>
-                </a:schemeClr>
-              </a:solidFill>
-            </a:endParaRPr>
           </a:p>
         </p:txBody>
       </p:sp>
@@ -7312,13 +7326,6 @@
   <p:transition spd="med">
     <p:pull/>
   </p:transition>
-  <p:timing>
-    <p:tnLst>
-      <p:par>
-        <p:cTn id="1" dur="indefinite" restart="never" nodeType="tmRoot"/>
-      </p:par>
-    </p:tnLst>
-  </p:timing>
 </p:sld>
 </file>
 
@@ -7457,7 +7464,7 @@
           <a:p>
             <a:pPr algn="ctr"/>
             <a:r>
-              <a:rPr lang="hu-HU" sz="4400" b="1" dirty="0" err="1" smtClean="0">
+              <a:rPr lang="hu-HU" sz="4400" b="1" dirty="0" err="1">
                 <a:ln w="6350">
                   <a:solidFill>
                     <a:schemeClr val="accent1">
@@ -7473,7 +7480,7 @@
               <a:t>Package</a:t>
             </a:r>
             <a:r>
-              <a:rPr lang="hu-HU" sz="4400" b="1" dirty="0" smtClean="0">
+              <a:rPr lang="hu-HU" sz="4400" b="1" dirty="0">
                 <a:ln w="6350">
                   <a:solidFill>
                     <a:schemeClr val="accent1">
@@ -7489,7 +7496,7 @@
               <a:t> </a:t>
             </a:r>
             <a:r>
-              <a:rPr lang="hu-HU" sz="4400" b="1" dirty="0" err="1" smtClean="0">
+              <a:rPr lang="hu-HU" sz="4400" b="1" dirty="0" err="1">
                 <a:ln w="6350">
                   <a:solidFill>
                     <a:schemeClr val="accent1">
@@ -7570,20 +7577,10 @@
                   </a:schemeClr>
                 </a:solidFill>
               </a:rPr>
-              <a:t>: </a:t>
-            </a:r>
-            <a:r>
-              <a:rPr lang="hu-HU" sz="2400" dirty="0" smtClean="0">
-                <a:solidFill>
-                  <a:schemeClr val="accent4">
-                    <a:lumMod val="75000"/>
-                  </a:schemeClr>
-                </a:solidFill>
-              </a:rPr>
-              <a:t>The JavaScript </a:t>
-            </a:r>
-            <a:r>
-              <a:rPr lang="hu-HU" sz="2400" dirty="0" err="1" smtClean="0">
+              <a:t>: The JavaScript </a:t>
+            </a:r>
+            <a:r>
+              <a:rPr lang="hu-HU" sz="2400" dirty="0" err="1">
                 <a:solidFill>
                   <a:schemeClr val="accent4">
                     <a:lumMod val="75000"/>
@@ -7593,17 +7590,17 @@
               <a:t>package</a:t>
             </a:r>
             <a:r>
-              <a:rPr lang="hu-HU" sz="2400" dirty="0" smtClean="0">
-                <a:solidFill>
-                  <a:schemeClr val="accent4">
-                    <a:lumMod val="75000"/>
-                  </a:schemeClr>
-                </a:solidFill>
-              </a:rPr>
-              <a:t> </a:t>
-            </a:r>
-            <a:r>
-              <a:rPr lang="hu-HU" sz="2400" dirty="0" err="1" smtClean="0">
+              <a:rPr lang="hu-HU" sz="2400" dirty="0">
+                <a:solidFill>
+                  <a:schemeClr val="accent4">
+                    <a:lumMod val="75000"/>
+                  </a:schemeClr>
+                </a:solidFill>
+              </a:rPr>
+              <a:t> </a:t>
+            </a:r>
+            <a:r>
+              <a:rPr lang="hu-HU" sz="2400" dirty="0" err="1">
                 <a:solidFill>
                   <a:schemeClr val="accent4">
                     <a:lumMod val="75000"/>
@@ -7613,7 +7610,7 @@
               <a:t>manager</a:t>
             </a:r>
             <a:r>
-              <a:rPr lang="hu-HU" sz="2400" dirty="0" smtClean="0">
+              <a:rPr lang="hu-HU" sz="2400" dirty="0">
                 <a:solidFill>
                   <a:schemeClr val="accent4">
                     <a:lumMod val="75000"/>
@@ -7623,27 +7620,17 @@
               <a:t>, </a:t>
             </a:r>
             <a:r>
-              <a:rPr lang="hu-HU" sz="2400" dirty="0" err="1" smtClean="0">
-                <a:solidFill>
-                  <a:schemeClr val="accent4">
-                    <a:lumMod val="75000"/>
-                  </a:schemeClr>
-                </a:solidFill>
-              </a:rPr>
-              <a:t>whic</a:t>
-            </a:r>
-            <a:r>
-              <a:rPr lang="hu-HU" sz="2400" dirty="0" err="1" smtClean="0">
-                <a:solidFill>
-                  <a:schemeClr val="accent4">
-                    <a:lumMod val="75000"/>
-                  </a:schemeClr>
-                </a:solidFill>
-              </a:rPr>
-              <a:t>h</a:t>
-            </a:r>
-            <a:r>
-              <a:rPr lang="hu-HU" sz="2400" dirty="0" smtClean="0">
+              <a:rPr lang="hu-HU" sz="2400" dirty="0" err="1">
+                <a:solidFill>
+                  <a:schemeClr val="accent4">
+                    <a:lumMod val="75000"/>
+                  </a:schemeClr>
+                </a:solidFill>
+              </a:rPr>
+              <a:t>which</a:t>
+            </a:r>
+            <a:r>
+              <a:rPr lang="hu-HU" sz="2400" dirty="0">
                 <a:solidFill>
                   <a:schemeClr val="accent4">
                     <a:lumMod val="75000"/>
@@ -7653,7 +7640,7 @@
               <a:t> we </a:t>
             </a:r>
             <a:r>
-              <a:rPr lang="hu-HU" sz="2400" dirty="0" err="1" smtClean="0">
+              <a:rPr lang="hu-HU" sz="2400" dirty="0" err="1">
                 <a:solidFill>
                   <a:schemeClr val="accent4">
                     <a:lumMod val="75000"/>
@@ -7663,17 +7650,17 @@
               <a:t>used</a:t>
             </a:r>
             <a:r>
-              <a:rPr lang="hu-HU" sz="2400" dirty="0" smtClean="0">
-                <a:solidFill>
-                  <a:schemeClr val="accent4">
-                    <a:lumMod val="75000"/>
-                  </a:schemeClr>
-                </a:solidFill>
-              </a:rPr>
-              <a:t> </a:t>
-            </a:r>
-            <a:r>
-              <a:rPr lang="hu-HU" sz="2400" dirty="0" err="1" smtClean="0">
+              <a:rPr lang="hu-HU" sz="2400" dirty="0">
+                <a:solidFill>
+                  <a:schemeClr val="accent4">
+                    <a:lumMod val="75000"/>
+                  </a:schemeClr>
+                </a:solidFill>
+              </a:rPr>
+              <a:t> </a:t>
+            </a:r>
+            <a:r>
+              <a:rPr lang="hu-HU" sz="2400" dirty="0" err="1">
                 <a:solidFill>
                   <a:schemeClr val="accent4">
                     <a:lumMod val="75000"/>
@@ -7683,17 +7670,17 @@
               <a:t>to</a:t>
             </a:r>
             <a:r>
-              <a:rPr lang="hu-HU" sz="2400" dirty="0" smtClean="0">
-                <a:solidFill>
-                  <a:schemeClr val="accent4">
-                    <a:lumMod val="75000"/>
-                  </a:schemeClr>
-                </a:solidFill>
-              </a:rPr>
-              <a:t> </a:t>
-            </a:r>
-            <a:r>
-              <a:rPr lang="hu-HU" sz="2400" dirty="0" err="1" smtClean="0">
+              <a:rPr lang="hu-HU" sz="2400" dirty="0">
+                <a:solidFill>
+                  <a:schemeClr val="accent4">
+                    <a:lumMod val="75000"/>
+                  </a:schemeClr>
+                </a:solidFill>
+              </a:rPr>
+              <a:t> </a:t>
+            </a:r>
+            <a:r>
+              <a:rPr lang="hu-HU" sz="2400" dirty="0" err="1">
                 <a:solidFill>
                   <a:schemeClr val="accent4">
                     <a:lumMod val="75000"/>
@@ -7703,17 +7690,17 @@
               <a:t>download</a:t>
             </a:r>
             <a:r>
-              <a:rPr lang="hu-HU" sz="2400" dirty="0" smtClean="0">
-                <a:solidFill>
-                  <a:schemeClr val="accent4">
-                    <a:lumMod val="75000"/>
-                  </a:schemeClr>
-                </a:solidFill>
-              </a:rPr>
-              <a:t> </a:t>
-            </a:r>
-            <a:r>
-              <a:rPr lang="hu-HU" sz="2400" dirty="0" err="1" smtClean="0">
+              <a:rPr lang="hu-HU" sz="2400" dirty="0">
+                <a:solidFill>
+                  <a:schemeClr val="accent4">
+                    <a:lumMod val="75000"/>
+                  </a:schemeClr>
+                </a:solidFill>
+              </a:rPr>
+              <a:t> </a:t>
+            </a:r>
+            <a:r>
+              <a:rPr lang="hu-HU" sz="2400" dirty="0" err="1">
                 <a:solidFill>
                   <a:schemeClr val="accent4">
                     <a:lumMod val="75000"/>
@@ -7723,17 +7710,17 @@
               <a:t>the</a:t>
             </a:r>
             <a:r>
-              <a:rPr lang="hu-HU" sz="2400" dirty="0" smtClean="0">
-                <a:solidFill>
-                  <a:schemeClr val="accent4">
-                    <a:lumMod val="75000"/>
-                  </a:schemeClr>
-                </a:solidFill>
-              </a:rPr>
-              <a:t> </a:t>
-            </a:r>
-            <a:r>
-              <a:rPr lang="hu-HU" sz="2400" dirty="0" err="1" smtClean="0">
+              <a:rPr lang="hu-HU" sz="2400" dirty="0">
+                <a:solidFill>
+                  <a:schemeClr val="accent4">
+                    <a:lumMod val="75000"/>
+                  </a:schemeClr>
+                </a:solidFill>
+              </a:rPr>
+              <a:t> </a:t>
+            </a:r>
+            <a:r>
+              <a:rPr lang="hu-HU" sz="2400" dirty="0" err="1">
                 <a:solidFill>
                   <a:schemeClr val="accent4">
                     <a:lumMod val="75000"/>
@@ -7743,17 +7730,17 @@
               <a:t>modules</a:t>
             </a:r>
             <a:r>
-              <a:rPr lang="hu-HU" sz="2400" dirty="0" smtClean="0">
-                <a:solidFill>
-                  <a:schemeClr val="accent4">
-                    <a:lumMod val="75000"/>
-                  </a:schemeClr>
-                </a:solidFill>
-              </a:rPr>
-              <a:t> </a:t>
-            </a:r>
-            <a:r>
-              <a:rPr lang="hu-HU" sz="2400" dirty="0" err="1" smtClean="0">
+              <a:rPr lang="hu-HU" sz="2400" dirty="0">
+                <a:solidFill>
+                  <a:schemeClr val="accent4">
+                    <a:lumMod val="75000"/>
+                  </a:schemeClr>
+                </a:solidFill>
+              </a:rPr>
+              <a:t> </a:t>
+            </a:r>
+            <a:r>
+              <a:rPr lang="hu-HU" sz="2400" dirty="0" err="1">
                 <a:solidFill>
                   <a:schemeClr val="accent4">
                     <a:lumMod val="75000"/>
@@ -7763,17 +7750,17 @@
               <a:t>required</a:t>
             </a:r>
             <a:r>
-              <a:rPr lang="hu-HU" sz="2400" dirty="0" smtClean="0">
-                <a:solidFill>
-                  <a:schemeClr val="accent4">
-                    <a:lumMod val="75000"/>
-                  </a:schemeClr>
-                </a:solidFill>
-              </a:rPr>
-              <a:t> </a:t>
-            </a:r>
-            <a:r>
-              <a:rPr lang="hu-HU" sz="2400" dirty="0" err="1" smtClean="0">
+              <a:rPr lang="hu-HU" sz="2400" dirty="0">
+                <a:solidFill>
+                  <a:schemeClr val="accent4">
+                    <a:lumMod val="75000"/>
+                  </a:schemeClr>
+                </a:solidFill>
+              </a:rPr>
+              <a:t> </a:t>
+            </a:r>
+            <a:r>
+              <a:rPr lang="hu-HU" sz="2400" dirty="0" err="1">
                 <a:solidFill>
                   <a:schemeClr val="accent4">
                     <a:lumMod val="75000"/>
@@ -7783,17 +7770,17 @@
               <a:t>for</a:t>
             </a:r>
             <a:r>
-              <a:rPr lang="hu-HU" sz="2400" dirty="0" smtClean="0">
-                <a:solidFill>
-                  <a:schemeClr val="accent4">
-                    <a:lumMod val="75000"/>
-                  </a:schemeClr>
-                </a:solidFill>
-              </a:rPr>
-              <a:t> </a:t>
-            </a:r>
-            <a:r>
-              <a:rPr lang="hu-HU" sz="2400" dirty="0" err="1" smtClean="0">
+              <a:rPr lang="hu-HU" sz="2400" dirty="0">
+                <a:solidFill>
+                  <a:schemeClr val="accent4">
+                    <a:lumMod val="75000"/>
+                  </a:schemeClr>
+                </a:solidFill>
+              </a:rPr>
+              <a:t> </a:t>
+            </a:r>
+            <a:r>
+              <a:rPr lang="hu-HU" sz="2400" dirty="0" err="1">
                 <a:solidFill>
                   <a:schemeClr val="accent4">
                     <a:lumMod val="75000"/>
@@ -7803,7 +7790,7 @@
               <a:t>the</a:t>
             </a:r>
             <a:r>
-              <a:rPr lang="hu-HU" sz="2400" dirty="0" smtClean="0">
+              <a:rPr lang="hu-HU" sz="2400" dirty="0">
                 <a:solidFill>
                   <a:schemeClr val="accent4">
                     <a:lumMod val="75000"/>
@@ -7813,7 +7800,7 @@
               <a:t> Backend Server. </a:t>
             </a:r>
             <a:r>
-              <a:rPr lang="hu-HU" sz="2400" dirty="0" err="1" smtClean="0">
+              <a:rPr lang="hu-HU" sz="2400" dirty="0" err="1">
                 <a:solidFill>
                   <a:schemeClr val="accent4">
                     <a:lumMod val="75000"/>
@@ -7823,7 +7810,7 @@
               <a:t>e.g</a:t>
             </a:r>
             <a:r>
-              <a:rPr lang="hu-HU" sz="2400" dirty="0" smtClean="0">
+              <a:rPr lang="hu-HU" sz="2400" dirty="0">
                 <a:solidFill>
                   <a:schemeClr val="accent4">
                     <a:lumMod val="75000"/>
@@ -7833,7 +7820,7 @@
               <a:t>.: Express, </a:t>
             </a:r>
             <a:r>
-              <a:rPr lang="hu-HU" sz="2400" dirty="0" err="1" smtClean="0">
+              <a:rPr lang="hu-HU" sz="2400" dirty="0" err="1">
                 <a:solidFill>
                   <a:schemeClr val="accent4">
                     <a:lumMod val="75000"/>
@@ -7843,7 +7830,7 @@
               <a:t>etc</a:t>
             </a:r>
             <a:r>
-              <a:rPr lang="hu-HU" sz="2400" dirty="0" smtClean="0">
+              <a:rPr lang="hu-HU" sz="2400" dirty="0">
                 <a:solidFill>
                   <a:schemeClr val="accent4">
                     <a:lumMod val="75000"/>
@@ -7852,13 +7839,6 @@
               </a:rPr>
               <a:t>…</a:t>
             </a:r>
-            <a:endParaRPr lang="hu-HU" sz="2400" dirty="0">
-              <a:solidFill>
-                <a:schemeClr val="accent4">
-                  <a:lumMod val="75000"/>
-                </a:schemeClr>
-              </a:solidFill>
-            </a:endParaRPr>
           </a:p>
         </p:txBody>
       </p:sp>
@@ -7959,20 +7939,10 @@
                   </a:schemeClr>
                 </a:solidFill>
               </a:rPr>
-              <a:t>: </a:t>
-            </a:r>
-            <a:r>
-              <a:rPr lang="hu-HU" sz="2400" dirty="0" smtClean="0">
-                <a:solidFill>
-                  <a:schemeClr val="accent4">
-                    <a:lumMod val="75000"/>
-                  </a:schemeClr>
-                </a:solidFill>
-              </a:rPr>
-              <a:t>A platform-</a:t>
-            </a:r>
-            <a:r>
-              <a:rPr lang="hu-HU" sz="2400" dirty="0" err="1" smtClean="0">
+              <a:t>: A platform-</a:t>
+            </a:r>
+            <a:r>
+              <a:rPr lang="hu-HU" sz="2400" dirty="0" err="1">
                 <a:solidFill>
                   <a:schemeClr val="accent4">
                     <a:lumMod val="75000"/>
@@ -7982,17 +7952,17 @@
               <a:t>independent</a:t>
             </a:r>
             <a:r>
-              <a:rPr lang="hu-HU" sz="2400" dirty="0" smtClean="0">
-                <a:solidFill>
-                  <a:schemeClr val="accent4">
-                    <a:lumMod val="75000"/>
-                  </a:schemeClr>
-                </a:solidFill>
-              </a:rPr>
-              <a:t> </a:t>
-            </a:r>
-            <a:r>
-              <a:rPr lang="hu-HU" sz="2400" dirty="0" err="1" smtClean="0">
+              <a:rPr lang="hu-HU" sz="2400" dirty="0">
+                <a:solidFill>
+                  <a:schemeClr val="accent4">
+                    <a:lumMod val="75000"/>
+                  </a:schemeClr>
+                </a:solidFill>
+              </a:rPr>
+              <a:t> </a:t>
+            </a:r>
+            <a:r>
+              <a:rPr lang="hu-HU" sz="2400" dirty="0" err="1">
                 <a:solidFill>
                   <a:schemeClr val="accent4">
                     <a:lumMod val="75000"/>
@@ -8002,17 +7972,17 @@
               <a:t>database</a:t>
             </a:r>
             <a:r>
-              <a:rPr lang="hu-HU" sz="2400" dirty="0" smtClean="0">
-                <a:solidFill>
-                  <a:schemeClr val="accent4">
-                    <a:lumMod val="75000"/>
-                  </a:schemeClr>
-                </a:solidFill>
-              </a:rPr>
-              <a:t> </a:t>
-            </a:r>
-            <a:r>
-              <a:rPr lang="hu-HU" sz="2400" dirty="0" err="1" smtClean="0">
+              <a:rPr lang="hu-HU" sz="2400" dirty="0">
+                <a:solidFill>
+                  <a:schemeClr val="accent4">
+                    <a:lumMod val="75000"/>
+                  </a:schemeClr>
+                </a:solidFill>
+              </a:rPr>
+              <a:t> </a:t>
+            </a:r>
+            <a:r>
+              <a:rPr lang="hu-HU" sz="2400" dirty="0" err="1">
                 <a:solidFill>
                   <a:schemeClr val="accent4">
                     <a:lumMod val="75000"/>
@@ -8022,17 +7992,17 @@
               <a:t>package</a:t>
             </a:r>
             <a:r>
-              <a:rPr lang="hu-HU" sz="2400" dirty="0" smtClean="0">
-                <a:solidFill>
-                  <a:schemeClr val="accent4">
-                    <a:lumMod val="75000"/>
-                  </a:schemeClr>
-                </a:solidFill>
-              </a:rPr>
-              <a:t> </a:t>
-            </a:r>
-            <a:r>
-              <a:rPr lang="hu-HU" sz="2400" dirty="0" err="1" smtClean="0">
+              <a:rPr lang="hu-HU" sz="2400" dirty="0">
+                <a:solidFill>
+                  <a:schemeClr val="accent4">
+                    <a:lumMod val="75000"/>
+                  </a:schemeClr>
+                </a:solidFill>
+              </a:rPr>
+              <a:t> </a:t>
+            </a:r>
+            <a:r>
+              <a:rPr lang="hu-HU" sz="2400" dirty="0" err="1">
                 <a:solidFill>
                   <a:schemeClr val="accent4">
                     <a:lumMod val="75000"/>
@@ -8042,7 +8012,7 @@
               <a:t>manager</a:t>
             </a:r>
             <a:r>
-              <a:rPr lang="hu-HU" sz="2400" dirty="0" smtClean="0">
+              <a:rPr lang="hu-HU" sz="2400" dirty="0">
                 <a:solidFill>
                   <a:schemeClr val="accent4">
                     <a:lumMod val="75000"/>
@@ -8052,7 +8022,7 @@
               <a:t>, in </a:t>
             </a:r>
             <a:r>
-              <a:rPr lang="hu-HU" sz="2400" dirty="0" err="1" smtClean="0">
+              <a:rPr lang="hu-HU" sz="2400" dirty="0" err="1">
                 <a:solidFill>
                   <a:schemeClr val="accent4">
                     <a:lumMod val="75000"/>
@@ -8062,7 +8032,7 @@
               <a:t>which</a:t>
             </a:r>
             <a:r>
-              <a:rPr lang="hu-HU" sz="2400" dirty="0" smtClean="0">
+              <a:rPr lang="hu-HU" sz="2400" dirty="0">
                 <a:solidFill>
                   <a:schemeClr val="accent4">
                     <a:lumMod val="75000"/>
@@ -8072,7 +8042,7 @@
               <a:t> we </a:t>
             </a:r>
             <a:r>
-              <a:rPr lang="hu-HU" sz="2400" dirty="0" err="1" smtClean="0">
+              <a:rPr lang="hu-HU" sz="2400" dirty="0" err="1">
                 <a:solidFill>
                   <a:schemeClr val="accent4">
                     <a:lumMod val="75000"/>
@@ -8082,17 +8052,17 @@
               <a:t>used</a:t>
             </a:r>
             <a:r>
-              <a:rPr lang="hu-HU" sz="2400" dirty="0" smtClean="0">
-                <a:solidFill>
-                  <a:schemeClr val="accent4">
-                    <a:lumMod val="75000"/>
-                  </a:schemeClr>
-                </a:solidFill>
-              </a:rPr>
-              <a:t> </a:t>
-            </a:r>
-            <a:r>
-              <a:rPr lang="hu-HU" sz="2400" dirty="0" err="1" smtClean="0">
+              <a:rPr lang="hu-HU" sz="2400" dirty="0">
+                <a:solidFill>
+                  <a:schemeClr val="accent4">
+                    <a:lumMod val="75000"/>
+                  </a:schemeClr>
+                </a:solidFill>
+              </a:rPr>
+              <a:t> </a:t>
+            </a:r>
+            <a:r>
+              <a:rPr lang="hu-HU" sz="2400" dirty="0" err="1">
                 <a:solidFill>
                   <a:schemeClr val="accent4">
                     <a:lumMod val="75000"/>
@@ -8102,7 +8072,7 @@
               <a:t>the</a:t>
             </a:r>
             <a:r>
-              <a:rPr lang="hu-HU" sz="2400" dirty="0" smtClean="0">
+              <a:rPr lang="hu-HU" sz="2400" dirty="0">
                 <a:solidFill>
                   <a:schemeClr val="accent4">
                     <a:lumMod val="75000"/>
@@ -8112,7 +8082,7 @@
               <a:t> SQL(</a:t>
             </a:r>
             <a:r>
-              <a:rPr lang="hu-HU" sz="2400" dirty="0" err="1" smtClean="0">
+              <a:rPr lang="hu-HU" sz="2400" dirty="0" err="1">
                 <a:solidFill>
                   <a:schemeClr val="accent4">
                     <a:lumMod val="75000"/>
@@ -8122,7 +8092,7 @@
               <a:t>MariaDB</a:t>
             </a:r>
             <a:r>
-              <a:rPr lang="hu-HU" sz="2400" dirty="0" smtClean="0">
+              <a:rPr lang="hu-HU" sz="2400" dirty="0">
                 <a:solidFill>
                   <a:schemeClr val="accent4">
                     <a:lumMod val="75000"/>
@@ -8132,7 +8102,7 @@
               <a:t>) </a:t>
             </a:r>
             <a:r>
-              <a:rPr lang="hu-HU" sz="2400" dirty="0" err="1" smtClean="0">
+              <a:rPr lang="hu-HU" sz="2400" dirty="0" err="1">
                 <a:solidFill>
                   <a:schemeClr val="accent4">
                     <a:lumMod val="75000"/>
@@ -8142,7 +8112,7 @@
               <a:t>language</a:t>
             </a:r>
             <a:r>
-              <a:rPr lang="hu-HU" sz="2400" dirty="0" smtClean="0">
+              <a:rPr lang="hu-HU" sz="2400" dirty="0">
                 <a:solidFill>
                   <a:schemeClr val="accent4">
                     <a:lumMod val="75000"/>
@@ -8152,7 +8122,7 @@
               <a:t> and PHP </a:t>
             </a:r>
             <a:r>
-              <a:rPr lang="hu-HU" sz="2400" dirty="0" err="1" smtClean="0">
+              <a:rPr lang="hu-HU" sz="2400" dirty="0" err="1">
                 <a:solidFill>
                   <a:schemeClr val="accent4">
                     <a:lumMod val="75000"/>
@@ -8162,17 +8132,17 @@
               <a:t>My-Admin</a:t>
             </a:r>
             <a:r>
-              <a:rPr lang="hu-HU" sz="2400" dirty="0" smtClean="0">
-                <a:solidFill>
-                  <a:schemeClr val="accent4">
-                    <a:lumMod val="75000"/>
-                  </a:schemeClr>
-                </a:solidFill>
-              </a:rPr>
-              <a:t> </a:t>
-            </a:r>
-            <a:r>
-              <a:rPr lang="hu-HU" sz="2400" dirty="0" err="1" smtClean="0">
+              <a:rPr lang="hu-HU" sz="2400" dirty="0">
+                <a:solidFill>
+                  <a:schemeClr val="accent4">
+                    <a:lumMod val="75000"/>
+                  </a:schemeClr>
+                </a:solidFill>
+              </a:rPr>
+              <a:t> </a:t>
+            </a:r>
+            <a:r>
+              <a:rPr lang="hu-HU" sz="2400" dirty="0" err="1">
                 <a:solidFill>
                   <a:schemeClr val="accent4">
                     <a:lumMod val="75000"/>
@@ -8182,17 +8152,17 @@
               <a:t>for</a:t>
             </a:r>
             <a:r>
-              <a:rPr lang="hu-HU" sz="2400" dirty="0" smtClean="0">
-                <a:solidFill>
-                  <a:schemeClr val="accent4">
-                    <a:lumMod val="75000"/>
-                  </a:schemeClr>
-                </a:solidFill>
-              </a:rPr>
-              <a:t> </a:t>
-            </a:r>
-            <a:r>
-              <a:rPr lang="hu-HU" sz="2400" dirty="0" err="1" smtClean="0">
+              <a:rPr lang="hu-HU" sz="2400" dirty="0">
+                <a:solidFill>
+                  <a:schemeClr val="accent4">
+                    <a:lumMod val="75000"/>
+                  </a:schemeClr>
+                </a:solidFill>
+              </a:rPr>
+              <a:t> </a:t>
+            </a:r>
+            <a:r>
+              <a:rPr lang="hu-HU" sz="2400" dirty="0" err="1">
                 <a:solidFill>
                   <a:schemeClr val="accent4">
                     <a:lumMod val="75000"/>
@@ -8202,7 +8172,7 @@
               <a:t>visual</a:t>
             </a:r>
             <a:r>
-              <a:rPr lang="hu-HU" sz="2400" dirty="0" smtClean="0">
+              <a:rPr lang="hu-HU" sz="2400" dirty="0">
                 <a:solidFill>
                   <a:schemeClr val="accent4">
                     <a:lumMod val="75000"/>
@@ -8212,7 +8182,7 @@
               <a:t> display </a:t>
             </a:r>
             <a:r>
-              <a:rPr lang="hu-HU" sz="2400" dirty="0" err="1" smtClean="0">
+              <a:rPr lang="hu-HU" sz="2400" dirty="0" err="1">
                 <a:solidFill>
                   <a:schemeClr val="accent4">
                     <a:lumMod val="75000"/>
@@ -8222,17 +8192,17 @@
               <a:t>on</a:t>
             </a:r>
             <a:r>
-              <a:rPr lang="hu-HU" sz="2400" dirty="0" smtClean="0">
-                <a:solidFill>
-                  <a:schemeClr val="accent4">
-                    <a:lumMod val="75000"/>
-                  </a:schemeClr>
-                </a:solidFill>
-              </a:rPr>
-              <a:t> </a:t>
-            </a:r>
-            <a:r>
-              <a:rPr lang="hu-HU" sz="2400" dirty="0" err="1" smtClean="0">
+              <a:rPr lang="hu-HU" sz="2400" dirty="0">
+                <a:solidFill>
+                  <a:schemeClr val="accent4">
+                    <a:lumMod val="75000"/>
+                  </a:schemeClr>
+                </a:solidFill>
+              </a:rPr>
+              <a:t> </a:t>
+            </a:r>
+            <a:r>
+              <a:rPr lang="hu-HU" sz="2400" dirty="0" err="1">
                 <a:solidFill>
                   <a:schemeClr val="accent4">
                     <a:lumMod val="75000"/>
@@ -8242,17 +8212,17 @@
               <a:t>the</a:t>
             </a:r>
             <a:r>
-              <a:rPr lang="hu-HU" sz="2400" dirty="0" smtClean="0">
-                <a:solidFill>
-                  <a:schemeClr val="accent4">
-                    <a:lumMod val="75000"/>
-                  </a:schemeClr>
-                </a:solidFill>
-              </a:rPr>
-              <a:t> </a:t>
-            </a:r>
-            <a:r>
-              <a:rPr lang="hu-HU" sz="2400" dirty="0" err="1" smtClean="0">
+              <a:rPr lang="hu-HU" sz="2400" dirty="0">
+                <a:solidFill>
+                  <a:schemeClr val="accent4">
+                    <a:lumMod val="75000"/>
+                  </a:schemeClr>
+                </a:solidFill>
+              </a:rPr>
+              <a:t> </a:t>
+            </a:r>
+            <a:r>
+              <a:rPr lang="hu-HU" sz="2400" dirty="0" err="1">
                 <a:solidFill>
                   <a:schemeClr val="accent4">
                     <a:lumMod val="75000"/>
@@ -8262,7 +8232,7 @@
               <a:t>Apache</a:t>
             </a:r>
             <a:r>
-              <a:rPr lang="hu-HU" sz="2400" dirty="0" smtClean="0">
+              <a:rPr lang="hu-HU" sz="2400" dirty="0">
                 <a:solidFill>
                   <a:schemeClr val="accent4">
                     <a:lumMod val="75000"/>
@@ -8271,13 +8241,6 @@
               </a:rPr>
               <a:t> server.</a:t>
             </a:r>
-            <a:endParaRPr lang="hu-HU" sz="2400" dirty="0">
-              <a:solidFill>
-                <a:schemeClr val="accent4">
-                  <a:lumMod val="75000"/>
-                </a:schemeClr>
-              </a:solidFill>
-            </a:endParaRPr>
           </a:p>
         </p:txBody>
       </p:sp>
@@ -8405,13 +8368,6 @@
   <p:transition spd="med">
     <p:pull/>
   </p:transition>
-  <p:timing>
-    <p:tnLst>
-      <p:par>
-        <p:cTn id="1" dur="indefinite" restart="never" nodeType="tmRoot"/>
-      </p:par>
-    </p:tnLst>
-  </p:timing>
 </p:sld>
 </file>
 
@@ -8550,7 +8506,7 @@
           <a:p>
             <a:pPr algn="ctr"/>
             <a:r>
-              <a:rPr lang="hu-HU" sz="4400" b="1" dirty="0" err="1" smtClean="0">
+              <a:rPr lang="hu-HU" sz="4400" b="1" dirty="0" err="1">
                 <a:ln w="6350">
                   <a:solidFill>
                     <a:schemeClr val="accent1">
@@ -8566,7 +8522,7 @@
               <a:t>Programming</a:t>
             </a:r>
             <a:r>
-              <a:rPr lang="hu-HU" sz="4400" b="1" dirty="0" smtClean="0">
+              <a:rPr lang="hu-HU" sz="4400" b="1" dirty="0">
                 <a:ln w="6350">
                   <a:solidFill>
                     <a:schemeClr val="accent1">
@@ -8582,7 +8538,7 @@
               <a:t> </a:t>
             </a:r>
             <a:r>
-              <a:rPr lang="hu-HU" sz="4400" b="1" dirty="0" err="1" smtClean="0">
+              <a:rPr lang="hu-HU" sz="4400" b="1" dirty="0" err="1">
                 <a:ln w="6350">
                   <a:solidFill>
                     <a:schemeClr val="accent1">
@@ -8627,7 +8583,7 @@
         </p:nvSpPr>
         <p:spPr>
           <a:xfrm>
-            <a:off x="3100649" y="1856659"/>
+            <a:off x="2338649" y="1038903"/>
             <a:ext cx="3973482" cy="2308324"/>
           </a:xfrm>
           <a:prstGeom prst="rect">
@@ -8653,20 +8609,10 @@
                   </a:schemeClr>
                 </a:solidFill>
               </a:rPr>
-              <a:t>C</a:t>
-            </a:r>
-            <a:r>
-              <a:rPr lang="hu-HU" sz="2400" b="1" dirty="0" smtClean="0">
-                <a:solidFill>
-                  <a:schemeClr val="accent4">
-                    <a:lumMod val="75000"/>
-                  </a:schemeClr>
-                </a:solidFill>
-              </a:rPr>
-              <a:t>#</a:t>
-            </a:r>
-            <a:r>
-              <a:rPr lang="hu-HU" sz="2400" dirty="0" smtClean="0">
+              <a:t>C#</a:t>
+            </a:r>
+            <a:r>
+              <a:rPr lang="hu-HU" sz="2400" dirty="0">
                 <a:solidFill>
                   <a:schemeClr val="accent4">
                     <a:lumMod val="75000"/>
@@ -8676,7 +8622,7 @@
               <a:t>: </a:t>
             </a:r>
             <a:r>
-              <a:rPr lang="hu-HU" sz="2400" dirty="0" err="1" smtClean="0">
+              <a:rPr lang="hu-HU" sz="2400" dirty="0" err="1">
                 <a:solidFill>
                   <a:schemeClr val="accent4">
                     <a:lumMod val="75000"/>
@@ -8686,17 +8632,17 @@
               <a:t>Object-oriented</a:t>
             </a:r>
             <a:r>
-              <a:rPr lang="hu-HU" sz="2400" dirty="0" smtClean="0">
-                <a:solidFill>
-                  <a:schemeClr val="accent4">
-                    <a:lumMod val="75000"/>
-                  </a:schemeClr>
-                </a:solidFill>
-              </a:rPr>
-              <a:t> </a:t>
-            </a:r>
-            <a:r>
-              <a:rPr lang="hu-HU" sz="2400" dirty="0" err="1" smtClean="0">
+              <a:rPr lang="hu-HU" sz="2400" dirty="0">
+                <a:solidFill>
+                  <a:schemeClr val="accent4">
+                    <a:lumMod val="75000"/>
+                  </a:schemeClr>
+                </a:solidFill>
+              </a:rPr>
+              <a:t> </a:t>
+            </a:r>
+            <a:r>
+              <a:rPr lang="hu-HU" sz="2400" dirty="0" err="1">
                 <a:solidFill>
                   <a:schemeClr val="accent4">
                     <a:lumMod val="75000"/>
@@ -8706,17 +8652,17 @@
               <a:t>programming</a:t>
             </a:r>
             <a:r>
-              <a:rPr lang="hu-HU" sz="2400" dirty="0" smtClean="0">
-                <a:solidFill>
-                  <a:schemeClr val="accent4">
-                    <a:lumMod val="75000"/>
-                  </a:schemeClr>
-                </a:solidFill>
-              </a:rPr>
-              <a:t> </a:t>
-            </a:r>
-            <a:r>
-              <a:rPr lang="hu-HU" sz="2400" dirty="0" err="1" smtClean="0">
+              <a:rPr lang="hu-HU" sz="2400" dirty="0">
+                <a:solidFill>
+                  <a:schemeClr val="accent4">
+                    <a:lumMod val="75000"/>
+                  </a:schemeClr>
+                </a:solidFill>
+              </a:rPr>
+              <a:t> </a:t>
+            </a:r>
+            <a:r>
+              <a:rPr lang="hu-HU" sz="2400" dirty="0" err="1">
                 <a:solidFill>
                   <a:schemeClr val="accent4">
                     <a:lumMod val="75000"/>
@@ -8726,7 +8672,7 @@
               <a:t>language</a:t>
             </a:r>
             <a:r>
-              <a:rPr lang="hu-HU" sz="2400" dirty="0" smtClean="0">
+              <a:rPr lang="hu-HU" sz="2400" dirty="0">
                 <a:solidFill>
                   <a:schemeClr val="accent4">
                     <a:lumMod val="75000"/>
@@ -8736,7 +8682,7 @@
               <a:t>. We </a:t>
             </a:r>
             <a:r>
-              <a:rPr lang="hu-HU" sz="2400" dirty="0" err="1" smtClean="0">
+              <a:rPr lang="hu-HU" sz="2400" dirty="0" err="1">
                 <a:solidFill>
                   <a:schemeClr val="accent4">
                     <a:lumMod val="75000"/>
@@ -8746,17 +8692,17 @@
               <a:t>also</a:t>
             </a:r>
             <a:r>
-              <a:rPr lang="hu-HU" sz="2400" dirty="0" smtClean="0">
-                <a:solidFill>
-                  <a:schemeClr val="accent4">
-                    <a:lumMod val="75000"/>
-                  </a:schemeClr>
-                </a:solidFill>
-              </a:rPr>
-              <a:t> </a:t>
-            </a:r>
-            <a:r>
-              <a:rPr lang="hu-HU" sz="2400" dirty="0" err="1" smtClean="0">
+              <a:rPr lang="hu-HU" sz="2400" dirty="0">
+                <a:solidFill>
+                  <a:schemeClr val="accent4">
+                    <a:lumMod val="75000"/>
+                  </a:schemeClr>
+                </a:solidFill>
+              </a:rPr>
+              <a:t> </a:t>
+            </a:r>
+            <a:r>
+              <a:rPr lang="hu-HU" sz="2400" dirty="0" err="1">
                 <a:solidFill>
                   <a:schemeClr val="accent4">
                     <a:lumMod val="75000"/>
@@ -8766,17 +8712,17 @@
               <a:t>used</a:t>
             </a:r>
             <a:r>
-              <a:rPr lang="hu-HU" sz="2400" dirty="0" smtClean="0">
-                <a:solidFill>
-                  <a:schemeClr val="accent4">
-                    <a:lumMod val="75000"/>
-                  </a:schemeClr>
-                </a:solidFill>
-              </a:rPr>
-              <a:t> </a:t>
-            </a:r>
-            <a:r>
-              <a:rPr lang="hu-HU" sz="2400" dirty="0" err="1" smtClean="0">
+              <a:rPr lang="hu-HU" sz="2400" dirty="0">
+                <a:solidFill>
+                  <a:schemeClr val="accent4">
+                    <a:lumMod val="75000"/>
+                  </a:schemeClr>
+                </a:solidFill>
+              </a:rPr>
+              <a:t> </a:t>
+            </a:r>
+            <a:r>
+              <a:rPr lang="hu-HU" sz="2400" dirty="0" err="1">
                 <a:solidFill>
                   <a:schemeClr val="accent4">
                     <a:lumMod val="75000"/>
@@ -8786,7 +8732,7 @@
               <a:t>the</a:t>
             </a:r>
             <a:r>
-              <a:rPr lang="hu-HU" sz="2400" dirty="0" smtClean="0">
+              <a:rPr lang="hu-HU" sz="2400" dirty="0">
                 <a:solidFill>
                   <a:schemeClr val="accent4">
                     <a:lumMod val="75000"/>
@@ -8796,7 +8742,7 @@
               <a:t> WPF </a:t>
             </a:r>
             <a:r>
-              <a:rPr lang="hu-HU" sz="2400" dirty="0" err="1" smtClean="0">
+              <a:rPr lang="hu-HU" sz="2400" dirty="0" err="1">
                 <a:solidFill>
                   <a:schemeClr val="accent4">
                     <a:lumMod val="75000"/>
@@ -8806,17 +8752,17 @@
               <a:t>open</a:t>
             </a:r>
             <a:r>
-              <a:rPr lang="hu-HU" sz="2400" dirty="0" smtClean="0">
-                <a:solidFill>
-                  <a:schemeClr val="accent4">
-                    <a:lumMod val="75000"/>
-                  </a:schemeClr>
-                </a:solidFill>
-              </a:rPr>
-              <a:t> </a:t>
-            </a:r>
-            <a:r>
-              <a:rPr lang="hu-HU" sz="2400" dirty="0" err="1" smtClean="0">
+              <a:rPr lang="hu-HU" sz="2400" dirty="0">
+                <a:solidFill>
+                  <a:schemeClr val="accent4">
+                    <a:lumMod val="75000"/>
+                  </a:schemeClr>
+                </a:solidFill>
+              </a:rPr>
+              <a:t> </a:t>
+            </a:r>
+            <a:r>
+              <a:rPr lang="hu-HU" sz="2400" dirty="0" err="1">
                 <a:solidFill>
                   <a:schemeClr val="accent4">
                     <a:lumMod val="75000"/>
@@ -8826,17 +8772,17 @@
               <a:t>source</a:t>
             </a:r>
             <a:r>
-              <a:rPr lang="hu-HU" sz="2400" dirty="0" smtClean="0">
-                <a:solidFill>
-                  <a:schemeClr val="accent4">
-                    <a:lumMod val="75000"/>
-                  </a:schemeClr>
-                </a:solidFill>
-              </a:rPr>
-              <a:t> </a:t>
-            </a:r>
-            <a:r>
-              <a:rPr lang="hu-HU" sz="2400" dirty="0" err="1" smtClean="0">
+              <a:rPr lang="hu-HU" sz="2400" dirty="0">
+                <a:solidFill>
+                  <a:schemeClr val="accent4">
+                    <a:lumMod val="75000"/>
+                  </a:schemeClr>
+                </a:solidFill>
+              </a:rPr>
+              <a:t> </a:t>
+            </a:r>
+            <a:r>
+              <a:rPr lang="hu-HU" sz="2400" dirty="0" err="1">
                 <a:solidFill>
                   <a:schemeClr val="accent4">
                     <a:lumMod val="75000"/>
@@ -8846,17 +8792,17 @@
               <a:t>user</a:t>
             </a:r>
             <a:r>
-              <a:rPr lang="hu-HU" sz="2400" dirty="0" smtClean="0">
-                <a:solidFill>
-                  <a:schemeClr val="accent4">
-                    <a:lumMod val="75000"/>
-                  </a:schemeClr>
-                </a:solidFill>
-              </a:rPr>
-              <a:t> </a:t>
-            </a:r>
-            <a:r>
-              <a:rPr lang="hu-HU" sz="2400" dirty="0" err="1" smtClean="0">
+              <a:rPr lang="hu-HU" sz="2400" dirty="0">
+                <a:solidFill>
+                  <a:schemeClr val="accent4">
+                    <a:lumMod val="75000"/>
+                  </a:schemeClr>
+                </a:solidFill>
+              </a:rPr>
+              <a:t> </a:t>
+            </a:r>
+            <a:r>
+              <a:rPr lang="hu-HU" sz="2400" dirty="0" err="1">
                 <a:solidFill>
                   <a:schemeClr val="accent4">
                     <a:lumMod val="75000"/>
@@ -8866,17 +8812,17 @@
               <a:t>interface</a:t>
             </a:r>
             <a:r>
-              <a:rPr lang="hu-HU" sz="2400" dirty="0" smtClean="0">
-                <a:solidFill>
-                  <a:schemeClr val="accent4">
-                    <a:lumMod val="75000"/>
-                  </a:schemeClr>
-                </a:solidFill>
-              </a:rPr>
-              <a:t> </a:t>
-            </a:r>
-            <a:r>
-              <a:rPr lang="hu-HU" sz="2400" dirty="0" err="1" smtClean="0">
+              <a:rPr lang="hu-HU" sz="2400" dirty="0">
+                <a:solidFill>
+                  <a:schemeClr val="accent4">
+                    <a:lumMod val="75000"/>
+                  </a:schemeClr>
+                </a:solidFill>
+              </a:rPr>
+              <a:t> </a:t>
+            </a:r>
+            <a:r>
+              <a:rPr lang="hu-HU" sz="2400" dirty="0" err="1">
                 <a:solidFill>
                   <a:schemeClr val="accent4">
                     <a:lumMod val="75000"/>
@@ -8886,17 +8832,17 @@
               <a:t>framework</a:t>
             </a:r>
             <a:r>
-              <a:rPr lang="hu-HU" sz="2400" dirty="0" smtClean="0">
-                <a:solidFill>
-                  <a:schemeClr val="accent4">
-                    <a:lumMod val="75000"/>
-                  </a:schemeClr>
-                </a:solidFill>
-              </a:rPr>
-              <a:t> </a:t>
-            </a:r>
-            <a:r>
-              <a:rPr lang="hu-HU" sz="2400" dirty="0" err="1" smtClean="0">
+              <a:rPr lang="hu-HU" sz="2400" dirty="0">
+                <a:solidFill>
+                  <a:schemeClr val="accent4">
+                    <a:lumMod val="75000"/>
+                  </a:schemeClr>
+                </a:solidFill>
+              </a:rPr>
+              <a:t> </a:t>
+            </a:r>
+            <a:r>
+              <a:rPr lang="hu-HU" sz="2400" dirty="0" err="1">
                 <a:solidFill>
                   <a:schemeClr val="accent4">
                     <a:lumMod val="75000"/>
@@ -8906,17 +8852,17 @@
               <a:t>to</a:t>
             </a:r>
             <a:r>
-              <a:rPr lang="hu-HU" sz="2400" dirty="0" smtClean="0">
-                <a:solidFill>
-                  <a:schemeClr val="accent4">
-                    <a:lumMod val="75000"/>
-                  </a:schemeClr>
-                </a:solidFill>
-              </a:rPr>
-              <a:t> </a:t>
-            </a:r>
-            <a:r>
-              <a:rPr lang="hu-HU" sz="2400" dirty="0" err="1" smtClean="0">
+              <a:rPr lang="hu-HU" sz="2400" dirty="0">
+                <a:solidFill>
+                  <a:schemeClr val="accent4">
+                    <a:lumMod val="75000"/>
+                  </a:schemeClr>
+                </a:solidFill>
+              </a:rPr>
+              <a:t> </a:t>
+            </a:r>
+            <a:r>
+              <a:rPr lang="hu-HU" sz="2400" dirty="0" err="1">
                 <a:solidFill>
                   <a:schemeClr val="accent4">
                     <a:lumMod val="75000"/>
@@ -8926,17 +8872,17 @@
               <a:t>manage</a:t>
             </a:r>
             <a:r>
-              <a:rPr lang="hu-HU" sz="2400" dirty="0" smtClean="0">
-                <a:solidFill>
-                  <a:schemeClr val="accent4">
-                    <a:lumMod val="75000"/>
-                  </a:schemeClr>
-                </a:solidFill>
-              </a:rPr>
-              <a:t> </a:t>
-            </a:r>
-            <a:r>
-              <a:rPr lang="hu-HU" sz="2400" dirty="0" err="1" smtClean="0">
+              <a:rPr lang="hu-HU" sz="2400" dirty="0">
+                <a:solidFill>
+                  <a:schemeClr val="accent4">
+                    <a:lumMod val="75000"/>
+                  </a:schemeClr>
+                </a:solidFill>
+              </a:rPr>
+              <a:t> </a:t>
+            </a:r>
+            <a:r>
+              <a:rPr lang="hu-HU" sz="2400" dirty="0" err="1">
                 <a:solidFill>
                   <a:schemeClr val="accent4">
                     <a:lumMod val="75000"/>
@@ -8946,17 +8892,17 @@
               <a:t>the</a:t>
             </a:r>
             <a:r>
-              <a:rPr lang="hu-HU" sz="2400" dirty="0" smtClean="0">
-                <a:solidFill>
-                  <a:schemeClr val="accent4">
-                    <a:lumMod val="75000"/>
-                  </a:schemeClr>
-                </a:solidFill>
-              </a:rPr>
-              <a:t> </a:t>
-            </a:r>
-            <a:r>
-              <a:rPr lang="hu-HU" sz="2400" dirty="0" err="1" smtClean="0">
+              <a:rPr lang="hu-HU" sz="2400" dirty="0">
+                <a:solidFill>
+                  <a:schemeClr val="accent4">
+                    <a:lumMod val="75000"/>
+                  </a:schemeClr>
+                </a:solidFill>
+              </a:rPr>
+              <a:t> </a:t>
+            </a:r>
+            <a:r>
+              <a:rPr lang="hu-HU" sz="2400" dirty="0" err="1">
                 <a:solidFill>
                   <a:schemeClr val="accent4">
                     <a:lumMod val="75000"/>
@@ -8966,7 +8912,7 @@
               <a:t>database</a:t>
             </a:r>
             <a:r>
-              <a:rPr lang="hu-HU" sz="2400" dirty="0" smtClean="0">
+              <a:rPr lang="hu-HU" sz="2400" dirty="0">
                 <a:solidFill>
                   <a:schemeClr val="accent4">
                     <a:lumMod val="75000"/>
@@ -8976,7 +8922,7 @@
               <a:t> of </a:t>
             </a:r>
             <a:r>
-              <a:rPr lang="hu-HU" sz="2400" dirty="0" err="1" smtClean="0">
+              <a:rPr lang="hu-HU" sz="2400" dirty="0" err="1">
                 <a:solidFill>
                   <a:schemeClr val="accent4">
                     <a:lumMod val="75000"/>
@@ -8986,7 +8932,7 @@
               <a:t>our</a:t>
             </a:r>
             <a:r>
-              <a:rPr lang="hu-HU" sz="2400" dirty="0" smtClean="0">
+              <a:rPr lang="hu-HU" sz="2400" dirty="0">
                 <a:solidFill>
                   <a:schemeClr val="accent4">
                     <a:lumMod val="75000"/>
@@ -8995,13 +8941,6 @@
               </a:rPr>
               <a:t> project.</a:t>
             </a:r>
-            <a:endParaRPr lang="hu-HU" sz="2400" dirty="0">
-              <a:solidFill>
-                <a:schemeClr val="accent4">
-                  <a:lumMod val="75000"/>
-                </a:schemeClr>
-              </a:solidFill>
-            </a:endParaRPr>
           </a:p>
         </p:txBody>
       </p:sp>
@@ -9028,8 +8967,8 @@
         </p:blipFill>
         <p:spPr bwMode="auto">
           <a:xfrm>
-            <a:off x="247016" y="1157782"/>
-            <a:ext cx="2853632" cy="2853632"/>
+            <a:off x="135504" y="813953"/>
+            <a:ext cx="2203145" cy="2203145"/>
           </a:xfrm>
           <a:prstGeom prst="rect">
             <a:avLst/>
@@ -9046,6 +8985,370 @@
           </a:extLst>
         </p:spPr>
       </p:pic>
+      <p:pic>
+        <p:nvPicPr>
+          <p:cNvPr id="5" name="Picture 4" descr="EJS Icons for Embedded JavaScript Templates">
+            <a:extLst>
+              <a:ext uri="{FF2B5EF4-FFF2-40B4-BE49-F238E27FC236}">
+                <a16:creationId xmlns:a16="http://schemas.microsoft.com/office/drawing/2014/main" id="{9693BC18-62E7-D4E4-DBD7-09324C2BCC62}"/>
+              </a:ext>
+            </a:extLst>
+          </p:cNvPr>
+          <p:cNvPicPr>
+            <a:picLocks noChangeAspect="1"/>
+          </p:cNvPicPr>
+          <p:nvPr/>
+        </p:nvPicPr>
+        <p:blipFill>
+          <a:blip r:embed="rId4"/>
+          <a:stretch>
+            <a:fillRect/>
+          </a:stretch>
+        </p:blipFill>
+        <p:spPr>
+          <a:xfrm>
+            <a:off x="422817" y="4214232"/>
+            <a:ext cx="2378928" cy="2434684"/>
+          </a:xfrm>
+          <a:prstGeom prst="rect">
+            <a:avLst/>
+          </a:prstGeom>
+        </p:spPr>
+      </p:pic>
+      <p:sp>
+        <p:nvSpPr>
+          <p:cNvPr id="7" name="Szövegdoboz 8">
+            <a:extLst>
+              <a:ext uri="{FF2B5EF4-FFF2-40B4-BE49-F238E27FC236}">
+                <a16:creationId xmlns:a16="http://schemas.microsoft.com/office/drawing/2014/main" id="{F89258F9-3636-6D5D-B89D-8A52CFAE134B}"/>
+              </a:ext>
+            </a:extLst>
+          </p:cNvPr>
+          <p:cNvSpPr txBox="1"/>
+          <p:nvPr/>
+        </p:nvSpPr>
+        <p:spPr>
+          <a:xfrm>
+            <a:off x="2812576" y="4551537"/>
+            <a:ext cx="3973482" cy="2308324"/>
+          </a:xfrm>
+          <a:prstGeom prst="rect">
+            <a:avLst/>
+          </a:prstGeom>
+          <a:noFill/>
+        </p:spPr>
+        <p:txBody>
+          <a:bodyPr wrap="square" lIns="91440" tIns="45720" rIns="91440" bIns="45720" rtlCol="0" anchor="t">
+            <a:spAutoFit/>
+          </a:bodyPr>
+          <a:lstStyle/>
+          <a:p>
+            <a:pPr marL="342900" indent="-342900">
+              <a:buFont typeface="Arial" panose="020B0604020202020204" pitchFamily="34" charset="0"/>
+              <a:buChar char="•"/>
+            </a:pPr>
+            <a:r>
+              <a:rPr lang="hu-HU" sz="2400" b="1" dirty="0">
+                <a:solidFill>
+                  <a:schemeClr val="accent4">
+                    <a:lumMod val="75000"/>
+                  </a:schemeClr>
+                </a:solidFill>
+              </a:rPr>
+              <a:t>EJS(</a:t>
+            </a:r>
+            <a:r>
+              <a:rPr lang="hu-HU" sz="2400" b="1" err="1">
+                <a:solidFill>
+                  <a:schemeClr val="accent4">
+                    <a:lumMod val="75000"/>
+                  </a:schemeClr>
+                </a:solidFill>
+              </a:rPr>
+              <a:t>Embedded</a:t>
+            </a:r>
+            <a:r>
+              <a:rPr lang="hu-HU" sz="2400" b="1" dirty="0">
+                <a:solidFill>
+                  <a:schemeClr val="accent4">
+                    <a:lumMod val="75000"/>
+                  </a:schemeClr>
+                </a:solidFill>
+              </a:rPr>
+              <a:t> JavaScript)</a:t>
+            </a:r>
+            <a:r>
+              <a:rPr lang="hu-HU" sz="2400" dirty="0">
+                <a:solidFill>
+                  <a:schemeClr val="accent4">
+                    <a:lumMod val="75000"/>
+                  </a:schemeClr>
+                </a:solidFill>
+              </a:rPr>
+              <a:t>: </a:t>
+            </a:r>
+            <a:r>
+              <a:rPr lang="hu-HU" sz="2400" err="1">
+                <a:solidFill>
+                  <a:schemeClr val="accent4">
+                    <a:lumMod val="75000"/>
+                  </a:schemeClr>
+                </a:solidFill>
+              </a:rPr>
+              <a:t>This</a:t>
+            </a:r>
+            <a:r>
+              <a:rPr lang="hu-HU" sz="2400" dirty="0">
+                <a:solidFill>
+                  <a:schemeClr val="accent4">
+                    <a:lumMod val="75000"/>
+                  </a:schemeClr>
+                </a:solidFill>
+              </a:rPr>
+              <a:t> is a </a:t>
+            </a:r>
+            <a:r>
+              <a:rPr lang="hu-HU" sz="2400" err="1">
+                <a:solidFill>
+                  <a:schemeClr val="accent4">
+                    <a:lumMod val="75000"/>
+                  </a:schemeClr>
+                </a:solidFill>
+              </a:rPr>
+              <a:t>templating</a:t>
+            </a:r>
+            <a:r>
+              <a:rPr lang="hu-HU" sz="2400" dirty="0">
+                <a:solidFill>
+                  <a:schemeClr val="accent4">
+                    <a:lumMod val="75000"/>
+                  </a:schemeClr>
+                </a:solidFill>
+              </a:rPr>
+              <a:t> </a:t>
+            </a:r>
+            <a:r>
+              <a:rPr lang="hu-HU" sz="2400" err="1">
+                <a:solidFill>
+                  <a:schemeClr val="accent4">
+                    <a:lumMod val="75000"/>
+                  </a:schemeClr>
+                </a:solidFill>
+              </a:rPr>
+              <a:t>engine</a:t>
+            </a:r>
+            <a:r>
+              <a:rPr lang="hu-HU" sz="2400" dirty="0">
+                <a:solidFill>
+                  <a:schemeClr val="accent4">
+                    <a:lumMod val="75000"/>
+                  </a:schemeClr>
+                </a:solidFill>
+              </a:rPr>
+              <a:t>, </a:t>
+            </a:r>
+            <a:r>
+              <a:rPr lang="hu-HU" sz="2400" err="1">
+                <a:solidFill>
+                  <a:schemeClr val="accent4">
+                    <a:lumMod val="75000"/>
+                  </a:schemeClr>
+                </a:solidFill>
+              </a:rPr>
+              <a:t>for</a:t>
+            </a:r>
+            <a:r>
+              <a:rPr lang="hu-HU" sz="2400" dirty="0">
+                <a:solidFill>
+                  <a:schemeClr val="accent4">
+                    <a:lumMod val="75000"/>
+                  </a:schemeClr>
+                </a:solidFill>
+              </a:rPr>
+              <a:t> Node.js </a:t>
+            </a:r>
+            <a:r>
+              <a:rPr lang="hu-HU" sz="2400" err="1">
+                <a:solidFill>
+                  <a:schemeClr val="accent4">
+                    <a:lumMod val="75000"/>
+                  </a:schemeClr>
+                </a:solidFill>
+              </a:rPr>
+              <a:t>that</a:t>
+            </a:r>
+            <a:r>
+              <a:rPr lang="hu-HU" sz="2400" dirty="0">
+                <a:solidFill>
+                  <a:schemeClr val="accent4">
+                    <a:lumMod val="75000"/>
+                  </a:schemeClr>
+                </a:solidFill>
+              </a:rPr>
+              <a:t> </a:t>
+            </a:r>
+            <a:r>
+              <a:rPr lang="hu-HU" sz="2400" err="1">
+                <a:solidFill>
+                  <a:schemeClr val="accent4">
+                    <a:lumMod val="75000"/>
+                  </a:schemeClr>
+                </a:solidFill>
+              </a:rPr>
+              <a:t>allows</a:t>
+            </a:r>
+            <a:r>
+              <a:rPr lang="hu-HU" sz="2400" dirty="0">
+                <a:solidFill>
+                  <a:schemeClr val="accent4">
+                    <a:lumMod val="75000"/>
+                  </a:schemeClr>
+                </a:solidFill>
+              </a:rPr>
+              <a:t> </a:t>
+            </a:r>
+            <a:r>
+              <a:rPr lang="hu-HU" sz="2400" err="1">
+                <a:solidFill>
+                  <a:schemeClr val="accent4">
+                    <a:lumMod val="75000"/>
+                  </a:schemeClr>
+                </a:solidFill>
+              </a:rPr>
+              <a:t>to</a:t>
+            </a:r>
+            <a:r>
+              <a:rPr lang="hu-HU" sz="2400" dirty="0">
+                <a:solidFill>
+                  <a:schemeClr val="accent4">
+                    <a:lumMod val="75000"/>
+                  </a:schemeClr>
+                </a:solidFill>
+              </a:rPr>
+              <a:t> </a:t>
+            </a:r>
+            <a:r>
+              <a:rPr lang="hu-HU" sz="2400" err="1">
+                <a:solidFill>
+                  <a:schemeClr val="accent4">
+                    <a:lumMod val="75000"/>
+                  </a:schemeClr>
+                </a:solidFill>
+              </a:rPr>
+              <a:t>embed</a:t>
+            </a:r>
+            <a:r>
+              <a:rPr lang="hu-HU" sz="2400" dirty="0">
+                <a:solidFill>
+                  <a:schemeClr val="accent4">
+                    <a:lumMod val="75000"/>
+                  </a:schemeClr>
+                </a:solidFill>
+              </a:rPr>
+              <a:t> JavaScript </a:t>
+            </a:r>
+            <a:r>
+              <a:rPr lang="hu-HU" sz="2400" err="1">
+                <a:solidFill>
+                  <a:schemeClr val="accent4">
+                    <a:lumMod val="75000"/>
+                  </a:schemeClr>
+                </a:solidFill>
+              </a:rPr>
+              <a:t>code</a:t>
+            </a:r>
+            <a:r>
+              <a:rPr lang="hu-HU" sz="2400" dirty="0">
+                <a:solidFill>
+                  <a:schemeClr val="accent4">
+                    <a:lumMod val="75000"/>
+                  </a:schemeClr>
+                </a:solidFill>
+              </a:rPr>
+              <a:t> </a:t>
+            </a:r>
+            <a:r>
+              <a:rPr lang="hu-HU" sz="2400" err="1">
+                <a:solidFill>
+                  <a:schemeClr val="accent4">
+                    <a:lumMod val="75000"/>
+                  </a:schemeClr>
+                </a:solidFill>
+              </a:rPr>
+              <a:t>into</a:t>
+            </a:r>
+            <a:r>
+              <a:rPr lang="hu-HU" sz="2400" dirty="0">
+                <a:solidFill>
+                  <a:schemeClr val="accent4">
+                    <a:lumMod val="75000"/>
+                  </a:schemeClr>
+                </a:solidFill>
+              </a:rPr>
+              <a:t> </a:t>
+            </a:r>
+            <a:r>
+              <a:rPr lang="hu-HU" sz="2400" err="1">
+                <a:solidFill>
+                  <a:schemeClr val="accent4">
+                    <a:lumMod val="75000"/>
+                  </a:schemeClr>
+                </a:solidFill>
+              </a:rPr>
+              <a:t>the</a:t>
+            </a:r>
+            <a:r>
+              <a:rPr lang="hu-HU" sz="2400">
+                <a:solidFill>
+                  <a:schemeClr val="accent4">
+                    <a:lumMod val="75000"/>
+                  </a:schemeClr>
+                </a:solidFill>
+              </a:rPr>
+              <a:t> HTML. </a:t>
+            </a:r>
+            <a:endParaRPr lang="hu-HU" sz="2400">
+              <a:solidFill>
+                <a:schemeClr val="accent4">
+                  <a:lumMod val="75000"/>
+                </a:schemeClr>
+              </a:solidFill>
+              <a:ea typeface="Calibri"/>
+              <a:cs typeface="Calibri"/>
+            </a:endParaRPr>
+          </a:p>
+          <a:p>
+            <a:pPr marL="342900" indent="-342900">
+              <a:buFont typeface="Arial" panose="020B0604020202020204" pitchFamily="34" charset="0"/>
+              <a:buChar char="•"/>
+            </a:pPr>
+            <a:r>
+              <a:rPr lang="hu-HU" sz="2400" dirty="0" err="1">
+                <a:solidFill>
+                  <a:schemeClr val="accent4">
+                    <a:lumMod val="75000"/>
+                  </a:schemeClr>
+                </a:solidFill>
+                <a:ea typeface="Calibri"/>
+                <a:cs typeface="Calibri"/>
+              </a:rPr>
+              <a:t>Syntax</a:t>
+            </a:r>
+            <a:r>
+              <a:rPr lang="hu-HU" sz="2400" dirty="0">
+                <a:solidFill>
+                  <a:schemeClr val="accent4">
+                    <a:lumMod val="75000"/>
+                  </a:schemeClr>
+                </a:solidFill>
+                <a:ea typeface="Calibri"/>
+                <a:cs typeface="Calibri"/>
+              </a:rPr>
+              <a:t>: &lt;%= %&gt;</a:t>
+            </a:r>
+          </a:p>
+        </p:txBody>
+      </p:sp>
     </p:spTree>
     <p:extLst>
       <p:ext uri="{BB962C8B-B14F-4D97-AF65-F5344CB8AC3E}">
@@ -9197,7 +9500,7 @@
           <a:p>
             <a:pPr algn="ctr"/>
             <a:r>
-              <a:rPr lang="hu-HU" sz="4400" b="1" dirty="0" smtClean="0">
+              <a:rPr lang="hu-HU" sz="4400" b="1" dirty="0">
                 <a:ln w="6350">
                   <a:solidFill>
                     <a:schemeClr val="accent1">
@@ -9213,7 +9516,7 @@
               <a:t>Testing </a:t>
             </a:r>
             <a:r>
-              <a:rPr lang="hu-HU" sz="4400" b="1" dirty="0" err="1" smtClean="0">
+              <a:rPr lang="hu-HU" sz="4400" b="1" dirty="0" err="1">
                 <a:ln w="6350">
                   <a:solidFill>
                     <a:schemeClr val="accent1">
@@ -9307,7 +9610,7 @@
               <a:t> </a:t>
             </a:r>
             <a:r>
-              <a:rPr lang="hu-HU" sz="2400" dirty="0" smtClean="0">
+              <a:rPr lang="hu-HU" sz="2400" dirty="0">
                 <a:solidFill>
                   <a:schemeClr val="accent4">
                     <a:lumMod val="75000"/>
@@ -9317,7 +9620,7 @@
               <a:t>A </a:t>
             </a:r>
             <a:r>
-              <a:rPr lang="hu-HU" sz="2400" dirty="0" err="1" smtClean="0">
+              <a:rPr lang="hu-HU" sz="2400" dirty="0" err="1">
                 <a:solidFill>
                   <a:schemeClr val="accent4">
                     <a:lumMod val="75000"/>
@@ -9327,17 +9630,17 @@
               <a:t>desktop</a:t>
             </a:r>
             <a:r>
-              <a:rPr lang="hu-HU" sz="2400" dirty="0" smtClean="0">
-                <a:solidFill>
-                  <a:schemeClr val="accent4">
-                    <a:lumMod val="75000"/>
-                  </a:schemeClr>
-                </a:solidFill>
-              </a:rPr>
-              <a:t> </a:t>
-            </a:r>
-            <a:r>
-              <a:rPr lang="hu-HU" sz="2400" dirty="0" err="1" smtClean="0">
+              <a:rPr lang="hu-HU" sz="2400" dirty="0">
+                <a:solidFill>
+                  <a:schemeClr val="accent4">
+                    <a:lumMod val="75000"/>
+                  </a:schemeClr>
+                </a:solidFill>
+              </a:rPr>
+              <a:t> </a:t>
+            </a:r>
+            <a:r>
+              <a:rPr lang="hu-HU" sz="2400" dirty="0" err="1">
                 <a:solidFill>
                   <a:schemeClr val="accent4">
                     <a:lumMod val="75000"/>
@@ -9347,17 +9650,17 @@
               <a:t>application</a:t>
             </a:r>
             <a:r>
-              <a:rPr lang="hu-HU" sz="2400" dirty="0" smtClean="0">
-                <a:solidFill>
-                  <a:schemeClr val="accent4">
-                    <a:lumMod val="75000"/>
-                  </a:schemeClr>
-                </a:solidFill>
-              </a:rPr>
-              <a:t> </a:t>
-            </a:r>
-            <a:r>
-              <a:rPr lang="hu-HU" sz="2400" dirty="0" err="1" smtClean="0">
+              <a:rPr lang="hu-HU" sz="2400" dirty="0">
+                <a:solidFill>
+                  <a:schemeClr val="accent4">
+                    <a:lumMod val="75000"/>
+                  </a:schemeClr>
+                </a:solidFill>
+              </a:rPr>
+              <a:t> </a:t>
+            </a:r>
+            <a:r>
+              <a:rPr lang="hu-HU" sz="2400" dirty="0" err="1">
                 <a:solidFill>
                   <a:schemeClr val="accent4">
                     <a:lumMod val="75000"/>
@@ -9367,17 +9670,17 @@
               <a:t>that</a:t>
             </a:r>
             <a:r>
-              <a:rPr lang="hu-HU" sz="2400" dirty="0" smtClean="0">
-                <a:solidFill>
-                  <a:schemeClr val="accent4">
-                    <a:lumMod val="75000"/>
-                  </a:schemeClr>
-                </a:solidFill>
-              </a:rPr>
-              <a:t> </a:t>
-            </a:r>
-            <a:r>
-              <a:rPr lang="hu-HU" sz="2400" dirty="0" err="1" smtClean="0">
+              <a:rPr lang="hu-HU" sz="2400" dirty="0">
+                <a:solidFill>
+                  <a:schemeClr val="accent4">
+                    <a:lumMod val="75000"/>
+                  </a:schemeClr>
+                </a:solidFill>
+              </a:rPr>
+              <a:t> </a:t>
+            </a:r>
+            <a:r>
+              <a:rPr lang="hu-HU" sz="2400" dirty="0" err="1">
                 <a:solidFill>
                   <a:schemeClr val="accent4">
                     <a:lumMod val="75000"/>
@@ -9387,17 +9690,17 @@
               <a:t>allowed</a:t>
             </a:r>
             <a:r>
-              <a:rPr lang="hu-HU" sz="2400" dirty="0" smtClean="0">
-                <a:solidFill>
-                  <a:schemeClr val="accent4">
-                    <a:lumMod val="75000"/>
-                  </a:schemeClr>
-                </a:solidFill>
-              </a:rPr>
-              <a:t> </a:t>
-            </a:r>
-            <a:r>
-              <a:rPr lang="hu-HU" sz="2400" dirty="0" err="1" smtClean="0">
+              <a:rPr lang="hu-HU" sz="2400" dirty="0">
+                <a:solidFill>
+                  <a:schemeClr val="accent4">
+                    <a:lumMod val="75000"/>
+                  </a:schemeClr>
+                </a:solidFill>
+              </a:rPr>
+              <a:t> </a:t>
+            </a:r>
+            <a:r>
+              <a:rPr lang="hu-HU" sz="2400" dirty="0" err="1">
                 <a:solidFill>
                   <a:schemeClr val="accent4">
                     <a:lumMod val="75000"/>
@@ -9407,17 +9710,17 @@
               <a:t>us</a:t>
             </a:r>
             <a:r>
-              <a:rPr lang="hu-HU" sz="2400" dirty="0" smtClean="0">
-                <a:solidFill>
-                  <a:schemeClr val="accent4">
-                    <a:lumMod val="75000"/>
-                  </a:schemeClr>
-                </a:solidFill>
-              </a:rPr>
-              <a:t> </a:t>
-            </a:r>
-            <a:r>
-              <a:rPr lang="hu-HU" sz="2400" dirty="0" err="1" smtClean="0">
+              <a:rPr lang="hu-HU" sz="2400" dirty="0">
+                <a:solidFill>
+                  <a:schemeClr val="accent4">
+                    <a:lumMod val="75000"/>
+                  </a:schemeClr>
+                </a:solidFill>
+              </a:rPr>
+              <a:t> </a:t>
+            </a:r>
+            <a:r>
+              <a:rPr lang="hu-HU" sz="2400" dirty="0" err="1">
                 <a:solidFill>
                   <a:schemeClr val="accent4">
                     <a:lumMod val="75000"/>
@@ -9427,7 +9730,7 @@
               <a:t>to</a:t>
             </a:r>
             <a:r>
-              <a:rPr lang="hu-HU" sz="2400" dirty="0" smtClean="0">
+              <a:rPr lang="hu-HU" sz="2400" dirty="0">
                 <a:solidFill>
                   <a:schemeClr val="accent4">
                     <a:lumMod val="75000"/>
@@ -9437,7 +9740,7 @@
               <a:t> test REST API </a:t>
             </a:r>
             <a:r>
-              <a:rPr lang="hu-HU" sz="2400" dirty="0" err="1" smtClean="0">
+              <a:rPr lang="hu-HU" sz="2400" dirty="0" err="1">
                 <a:solidFill>
                   <a:schemeClr val="accent4">
                     <a:lumMod val="75000"/>
@@ -9447,17 +9750,17 @@
               <a:t>endpoints</a:t>
             </a:r>
             <a:r>
-              <a:rPr lang="hu-HU" sz="2400" dirty="0" smtClean="0">
-                <a:solidFill>
-                  <a:schemeClr val="accent4">
-                    <a:lumMod val="75000"/>
-                  </a:schemeClr>
-                </a:solidFill>
-              </a:rPr>
-              <a:t> </a:t>
-            </a:r>
-            <a:r>
-              <a:rPr lang="hu-HU" sz="2400" dirty="0" err="1" smtClean="0">
+              <a:rPr lang="hu-HU" sz="2400" dirty="0">
+                <a:solidFill>
+                  <a:schemeClr val="accent4">
+                    <a:lumMod val="75000"/>
+                  </a:schemeClr>
+                </a:solidFill>
+              </a:rPr>
+              <a:t> </a:t>
+            </a:r>
+            <a:r>
+              <a:rPr lang="hu-HU" sz="2400" dirty="0" err="1">
                 <a:solidFill>
                   <a:schemeClr val="accent4">
                     <a:lumMod val="75000"/>
@@ -9467,17 +9770,17 @@
               <a:t>based</a:t>
             </a:r>
             <a:r>
-              <a:rPr lang="hu-HU" sz="2400" dirty="0" smtClean="0">
-                <a:solidFill>
-                  <a:schemeClr val="accent4">
-                    <a:lumMod val="75000"/>
-                  </a:schemeClr>
-                </a:solidFill>
-              </a:rPr>
-              <a:t> </a:t>
-            </a:r>
-            <a:r>
-              <a:rPr lang="hu-HU" sz="2400" dirty="0" err="1" smtClean="0">
+              <a:rPr lang="hu-HU" sz="2400" dirty="0">
+                <a:solidFill>
+                  <a:schemeClr val="accent4">
+                    <a:lumMod val="75000"/>
+                  </a:schemeClr>
+                </a:solidFill>
+              </a:rPr>
+              <a:t> </a:t>
+            </a:r>
+            <a:r>
+              <a:rPr lang="hu-HU" sz="2400" dirty="0" err="1">
                 <a:solidFill>
                   <a:schemeClr val="accent4">
                     <a:lumMod val="75000"/>
@@ -9487,7 +9790,7 @@
               <a:t>on</a:t>
             </a:r>
             <a:r>
-              <a:rPr lang="hu-HU" sz="2400" dirty="0" smtClean="0">
+              <a:rPr lang="hu-HU" sz="2400" dirty="0">
                 <a:solidFill>
                   <a:schemeClr val="accent4">
                     <a:lumMod val="75000"/>
@@ -9497,7 +9800,7 @@
               <a:t> CRUD </a:t>
             </a:r>
             <a:r>
-              <a:rPr lang="hu-HU" sz="2400" dirty="0" err="1" smtClean="0">
+              <a:rPr lang="hu-HU" sz="2400" dirty="0" err="1">
                 <a:solidFill>
                   <a:schemeClr val="accent4">
                     <a:lumMod val="75000"/>
@@ -9507,7 +9810,7 @@
               <a:t>operations</a:t>
             </a:r>
             <a:r>
-              <a:rPr lang="hu-HU" sz="2400" dirty="0" smtClean="0">
+              <a:rPr lang="hu-HU" sz="2400" dirty="0">
                 <a:solidFill>
                   <a:schemeClr val="accent4">
                     <a:lumMod val="75000"/>
@@ -9516,13 +9819,6 @@
               </a:rPr>
               <a:t>.</a:t>
             </a:r>
-            <a:endParaRPr lang="hu-HU" sz="2400" dirty="0">
-              <a:solidFill>
-                <a:schemeClr val="accent4">
-                  <a:lumMod val="75000"/>
-                </a:schemeClr>
-              </a:solidFill>
-            </a:endParaRPr>
           </a:p>
         </p:txBody>
       </p:sp>
@@ -9559,7 +9855,7 @@
               <a:buChar char="•"/>
             </a:pPr>
             <a:r>
-              <a:rPr lang="hu-HU" sz="2400" b="1" dirty="0" err="1" smtClean="0">
+              <a:rPr lang="hu-HU" sz="2400" b="1" dirty="0" err="1">
                 <a:solidFill>
                   <a:schemeClr val="accent4">
                     <a:lumMod val="75000"/>
@@ -9569,7 +9865,7 @@
               <a:t>Manual</a:t>
             </a:r>
             <a:r>
-              <a:rPr lang="hu-HU" sz="2400" b="1" dirty="0" smtClean="0">
+              <a:rPr lang="hu-HU" sz="2400" b="1" dirty="0">
                 <a:solidFill>
                   <a:schemeClr val="accent4">
                     <a:lumMod val="75000"/>
@@ -9579,7 +9875,7 @@
               <a:t> Test</a:t>
             </a:r>
             <a:r>
-              <a:rPr lang="hu-HU" sz="2400" dirty="0" smtClean="0">
+              <a:rPr lang="hu-HU" sz="2400" dirty="0">
                 <a:solidFill>
                   <a:schemeClr val="accent4">
                     <a:lumMod val="75000"/>
@@ -9589,7 +9885,7 @@
               <a:t>: </a:t>
             </a:r>
             <a:r>
-              <a:rPr lang="hu-HU" sz="2400" dirty="0" err="1" smtClean="0">
+              <a:rPr lang="hu-HU" sz="2400" dirty="0" err="1">
                 <a:solidFill>
                   <a:schemeClr val="accent4">
                     <a:lumMod val="75000"/>
@@ -9599,17 +9895,17 @@
               <a:t>Without</a:t>
             </a:r>
             <a:r>
-              <a:rPr lang="hu-HU" sz="2400" dirty="0" smtClean="0">
-                <a:solidFill>
-                  <a:schemeClr val="accent4">
-                    <a:lumMod val="75000"/>
-                  </a:schemeClr>
-                </a:solidFill>
-              </a:rPr>
-              <a:t> </a:t>
-            </a:r>
-            <a:r>
-              <a:rPr lang="hu-HU" sz="2400" dirty="0" err="1" smtClean="0">
+              <a:rPr lang="hu-HU" sz="2400" dirty="0">
+                <a:solidFill>
+                  <a:schemeClr val="accent4">
+                    <a:lumMod val="75000"/>
+                  </a:schemeClr>
+                </a:solidFill>
+              </a:rPr>
+              <a:t> </a:t>
+            </a:r>
+            <a:r>
+              <a:rPr lang="hu-HU" sz="2400" dirty="0" err="1">
                 <a:solidFill>
                   <a:schemeClr val="accent4">
                     <a:lumMod val="75000"/>
@@ -9619,17 +9915,17 @@
               <a:t>automated</a:t>
             </a:r>
             <a:r>
-              <a:rPr lang="hu-HU" sz="2400" dirty="0" smtClean="0">
-                <a:solidFill>
-                  <a:schemeClr val="accent4">
-                    <a:lumMod val="75000"/>
-                  </a:schemeClr>
-                </a:solidFill>
-              </a:rPr>
-              <a:t> </a:t>
-            </a:r>
-            <a:r>
-              <a:rPr lang="hu-HU" sz="2400" dirty="0" err="1" smtClean="0">
+              <a:rPr lang="hu-HU" sz="2400" dirty="0">
+                <a:solidFill>
+                  <a:schemeClr val="accent4">
+                    <a:lumMod val="75000"/>
+                  </a:schemeClr>
+                </a:solidFill>
+              </a:rPr>
+              <a:t> </a:t>
+            </a:r>
+            <a:r>
+              <a:rPr lang="hu-HU" sz="2400" dirty="0" err="1">
                 <a:solidFill>
                   <a:schemeClr val="accent4">
                     <a:lumMod val="75000"/>
@@ -9639,7 +9935,7 @@
               <a:t>tools</a:t>
             </a:r>
             <a:r>
-              <a:rPr lang="hu-HU" sz="2400" dirty="0" smtClean="0">
+              <a:rPr lang="hu-HU" sz="2400" dirty="0">
                 <a:solidFill>
                   <a:schemeClr val="accent4">
                     <a:lumMod val="75000"/>
@@ -9649,7 +9945,7 @@
               <a:t>, </a:t>
             </a:r>
             <a:r>
-              <a:rPr lang="hu-HU" sz="2400" dirty="0" err="1" smtClean="0">
+              <a:rPr lang="hu-HU" sz="2400" dirty="0" err="1">
                 <a:solidFill>
                   <a:schemeClr val="accent4">
                     <a:lumMod val="75000"/>
@@ -9659,17 +9955,17 @@
               <a:t>they</a:t>
             </a:r>
             <a:r>
-              <a:rPr lang="hu-HU" sz="2400" dirty="0" smtClean="0">
-                <a:solidFill>
-                  <a:schemeClr val="accent4">
-                    <a:lumMod val="75000"/>
-                  </a:schemeClr>
-                </a:solidFill>
-              </a:rPr>
-              <a:t> </a:t>
-            </a:r>
-            <a:r>
-              <a:rPr lang="hu-HU" sz="2400" dirty="0" err="1" smtClean="0">
+              <a:rPr lang="hu-HU" sz="2400" dirty="0">
+                <a:solidFill>
+                  <a:schemeClr val="accent4">
+                    <a:lumMod val="75000"/>
+                  </a:schemeClr>
+                </a:solidFill>
+              </a:rPr>
+              <a:t> </a:t>
+            </a:r>
+            <a:r>
+              <a:rPr lang="hu-HU" sz="2400" dirty="0" err="1">
                 <a:solidFill>
                   <a:schemeClr val="accent4">
                     <a:lumMod val="75000"/>
@@ -9679,17 +9975,17 @@
               <a:t>look</a:t>
             </a:r>
             <a:r>
-              <a:rPr lang="hu-HU" sz="2400" dirty="0" smtClean="0">
-                <a:solidFill>
-                  <a:schemeClr val="accent4">
-                    <a:lumMod val="75000"/>
-                  </a:schemeClr>
-                </a:solidFill>
-              </a:rPr>
-              <a:t> </a:t>
-            </a:r>
-            <a:r>
-              <a:rPr lang="hu-HU" sz="2400" dirty="0" err="1" smtClean="0">
+              <a:rPr lang="hu-HU" sz="2400" dirty="0">
+                <a:solidFill>
+                  <a:schemeClr val="accent4">
+                    <a:lumMod val="75000"/>
+                  </a:schemeClr>
+                </a:solidFill>
+              </a:rPr>
+              <a:t> </a:t>
+            </a:r>
+            <a:r>
+              <a:rPr lang="hu-HU" sz="2400" dirty="0" err="1">
                 <a:solidFill>
                   <a:schemeClr val="accent4">
                     <a:lumMod val="75000"/>
@@ -9699,17 +9995,17 @@
               <a:t>for</a:t>
             </a:r>
             <a:r>
-              <a:rPr lang="hu-HU" sz="2400" dirty="0" smtClean="0">
-                <a:solidFill>
-                  <a:schemeClr val="accent4">
-                    <a:lumMod val="75000"/>
-                  </a:schemeClr>
-                </a:solidFill>
-              </a:rPr>
-              <a:t> </a:t>
-            </a:r>
-            <a:r>
-              <a:rPr lang="hu-HU" sz="2400" dirty="0" err="1" smtClean="0">
+              <a:rPr lang="hu-HU" sz="2400" dirty="0">
+                <a:solidFill>
+                  <a:schemeClr val="accent4">
+                    <a:lumMod val="75000"/>
+                  </a:schemeClr>
+                </a:solidFill>
+              </a:rPr>
+              <a:t> </a:t>
+            </a:r>
+            <a:r>
+              <a:rPr lang="hu-HU" sz="2400" dirty="0" err="1">
                 <a:solidFill>
                   <a:schemeClr val="accent4">
                     <a:lumMod val="75000"/>
@@ -9719,7 +10015,7 @@
               <a:t>errors</a:t>
             </a:r>
             <a:r>
-              <a:rPr lang="hu-HU" sz="2400" dirty="0" smtClean="0">
+              <a:rPr lang="hu-HU" sz="2400" dirty="0">
                 <a:solidFill>
                   <a:schemeClr val="accent4">
                     <a:lumMod val="75000"/>
@@ -9729,7 +10025,7 @@
               <a:t> and </a:t>
             </a:r>
             <a:r>
-              <a:rPr lang="hu-HU" sz="2400" dirty="0" err="1" smtClean="0">
+              <a:rPr lang="hu-HU" sz="2400" dirty="0" err="1">
                 <a:solidFill>
                   <a:schemeClr val="accent4">
                     <a:lumMod val="75000"/>
@@ -9739,7 +10035,7 @@
               <a:t>deficiencies</a:t>
             </a:r>
             <a:r>
-              <a:rPr lang="hu-HU" sz="2400" dirty="0" smtClean="0">
+              <a:rPr lang="hu-HU" sz="2400" dirty="0">
                 <a:solidFill>
                   <a:schemeClr val="accent4">
                     <a:lumMod val="75000"/>
@@ -9749,7 +10045,7 @@
               <a:t> in </a:t>
             </a:r>
             <a:r>
-              <a:rPr lang="hu-HU" sz="2400" dirty="0" err="1" smtClean="0">
+              <a:rPr lang="hu-HU" sz="2400" dirty="0" err="1">
                 <a:solidFill>
                   <a:schemeClr val="accent4">
                     <a:lumMod val="75000"/>
@@ -9759,17 +10055,17 @@
               <a:t>the</a:t>
             </a:r>
             <a:r>
-              <a:rPr lang="hu-HU" sz="2400" dirty="0" smtClean="0">
-                <a:solidFill>
-                  <a:schemeClr val="accent4">
-                    <a:lumMod val="75000"/>
-                  </a:schemeClr>
-                </a:solidFill>
-              </a:rPr>
-              <a:t> </a:t>
-            </a:r>
-            <a:r>
-              <a:rPr lang="hu-HU" sz="2400" dirty="0" err="1" smtClean="0">
+              <a:rPr lang="hu-HU" sz="2400" dirty="0">
+                <a:solidFill>
+                  <a:schemeClr val="accent4">
+                    <a:lumMod val="75000"/>
+                  </a:schemeClr>
+                </a:solidFill>
+              </a:rPr>
+              <a:t> </a:t>
+            </a:r>
+            <a:r>
+              <a:rPr lang="hu-HU" sz="2400" dirty="0" err="1">
                 <a:solidFill>
                   <a:schemeClr val="accent4">
                     <a:lumMod val="75000"/>
@@ -9779,17 +10075,17 @@
               <a:t>system</a:t>
             </a:r>
             <a:r>
-              <a:rPr lang="hu-HU" sz="2400" dirty="0" smtClean="0">
-                <a:solidFill>
-                  <a:schemeClr val="accent4">
-                    <a:lumMod val="75000"/>
-                  </a:schemeClr>
-                </a:solidFill>
-              </a:rPr>
-              <a:t> </a:t>
-            </a:r>
-            <a:r>
-              <a:rPr lang="hu-HU" sz="2400" dirty="0" err="1" smtClean="0">
+              <a:rPr lang="hu-HU" sz="2400" dirty="0">
+                <a:solidFill>
+                  <a:schemeClr val="accent4">
+                    <a:lumMod val="75000"/>
+                  </a:schemeClr>
+                </a:solidFill>
+              </a:rPr>
+              <a:t> </a:t>
+            </a:r>
+            <a:r>
+              <a:rPr lang="hu-HU" sz="2400" dirty="0" err="1">
                 <a:solidFill>
                   <a:schemeClr val="accent4">
                     <a:lumMod val="75000"/>
@@ -9799,17 +10095,17 @@
               <a:t>by</a:t>
             </a:r>
             <a:r>
-              <a:rPr lang="hu-HU" sz="2400" dirty="0" smtClean="0">
-                <a:solidFill>
-                  <a:schemeClr val="accent4">
-                    <a:lumMod val="75000"/>
-                  </a:schemeClr>
-                </a:solidFill>
-              </a:rPr>
-              <a:t> </a:t>
-            </a:r>
-            <a:r>
-              <a:rPr lang="hu-HU" sz="2400" dirty="0" err="1" smtClean="0">
+              <a:rPr lang="hu-HU" sz="2400" dirty="0">
+                <a:solidFill>
+                  <a:schemeClr val="accent4">
+                    <a:lumMod val="75000"/>
+                  </a:schemeClr>
+                </a:solidFill>
+              </a:rPr>
+              <a:t> </a:t>
+            </a:r>
+            <a:r>
+              <a:rPr lang="hu-HU" sz="2400" dirty="0" err="1">
                 <a:solidFill>
                   <a:schemeClr val="accent4">
                     <a:lumMod val="75000"/>
@@ -9819,17 +10115,17 @@
               <a:t>taking</a:t>
             </a:r>
             <a:r>
-              <a:rPr lang="hu-HU" sz="2400" dirty="0" smtClean="0">
-                <a:solidFill>
-                  <a:schemeClr val="accent4">
-                    <a:lumMod val="75000"/>
-                  </a:schemeClr>
-                </a:solidFill>
-              </a:rPr>
-              <a:t> </a:t>
-            </a:r>
-            <a:r>
-              <a:rPr lang="hu-HU" sz="2400" dirty="0" err="1" smtClean="0">
+              <a:rPr lang="hu-HU" sz="2400" dirty="0">
+                <a:solidFill>
+                  <a:schemeClr val="accent4">
+                    <a:lumMod val="75000"/>
+                  </a:schemeClr>
+                </a:solidFill>
+              </a:rPr>
+              <a:t> </a:t>
+            </a:r>
+            <a:r>
+              <a:rPr lang="hu-HU" sz="2400" dirty="0" err="1">
                 <a:solidFill>
                   <a:schemeClr val="accent4">
                     <a:lumMod val="75000"/>
@@ -9839,17 +10135,17 @@
               <a:t>on</a:t>
             </a:r>
             <a:r>
-              <a:rPr lang="hu-HU" sz="2400" dirty="0" smtClean="0">
-                <a:solidFill>
-                  <a:schemeClr val="accent4">
-                    <a:lumMod val="75000"/>
-                  </a:schemeClr>
-                </a:solidFill>
-              </a:rPr>
-              <a:t> </a:t>
-            </a:r>
-            <a:r>
-              <a:rPr lang="hu-HU" sz="2400" dirty="0" err="1" smtClean="0">
+              <a:rPr lang="hu-HU" sz="2400" dirty="0">
+                <a:solidFill>
+                  <a:schemeClr val="accent4">
+                    <a:lumMod val="75000"/>
+                  </a:schemeClr>
+                </a:solidFill>
+              </a:rPr>
+              <a:t> </a:t>
+            </a:r>
+            <a:r>
+              <a:rPr lang="hu-HU" sz="2400" dirty="0" err="1">
                 <a:solidFill>
                   <a:schemeClr val="accent4">
                     <a:lumMod val="75000"/>
@@ -9859,17 +10155,17 @@
               <a:t>the</a:t>
             </a:r>
             <a:r>
-              <a:rPr lang="hu-HU" sz="2400" dirty="0" smtClean="0">
-                <a:solidFill>
-                  <a:schemeClr val="accent4">
-                    <a:lumMod val="75000"/>
-                  </a:schemeClr>
-                </a:solidFill>
-              </a:rPr>
-              <a:t> </a:t>
-            </a:r>
-            <a:r>
-              <a:rPr lang="hu-HU" sz="2400" dirty="0" err="1" smtClean="0">
+              <a:rPr lang="hu-HU" sz="2400" dirty="0">
+                <a:solidFill>
+                  <a:schemeClr val="accent4">
+                    <a:lumMod val="75000"/>
+                  </a:schemeClr>
+                </a:solidFill>
+              </a:rPr>
+              <a:t> </a:t>
+            </a:r>
+            <a:r>
+              <a:rPr lang="hu-HU" sz="2400" dirty="0" err="1">
                 <a:solidFill>
                   <a:schemeClr val="accent4">
                     <a:lumMod val="75000"/>
@@ -9879,7 +10175,7 @@
               <a:t>role</a:t>
             </a:r>
             <a:r>
-              <a:rPr lang="hu-HU" sz="2400" dirty="0" smtClean="0">
+              <a:rPr lang="hu-HU" sz="2400" dirty="0">
                 <a:solidFill>
                   <a:schemeClr val="accent4">
                     <a:lumMod val="75000"/>
@@ -9889,7 +10185,7 @@
               <a:t> of </a:t>
             </a:r>
             <a:r>
-              <a:rPr lang="hu-HU" sz="2400" dirty="0" err="1" smtClean="0">
+              <a:rPr lang="hu-HU" sz="2400" dirty="0" err="1">
                 <a:solidFill>
                   <a:schemeClr val="accent4">
                     <a:lumMod val="75000"/>
@@ -9899,7 +10195,7 @@
               <a:t>the</a:t>
             </a:r>
             <a:r>
-              <a:rPr lang="hu-HU" sz="2400" dirty="0" smtClean="0">
+              <a:rPr lang="hu-HU" sz="2400" dirty="0">
                 <a:solidFill>
                   <a:schemeClr val="accent4">
                     <a:lumMod val="75000"/>
@@ -9909,7 +10205,7 @@
               <a:t> end </a:t>
             </a:r>
             <a:r>
-              <a:rPr lang="hu-HU" sz="2400" dirty="0" err="1" smtClean="0">
+              <a:rPr lang="hu-HU" sz="2400" dirty="0" err="1">
                 <a:solidFill>
                   <a:schemeClr val="accent4">
                     <a:lumMod val="75000"/>
@@ -9919,7 +10215,7 @@
               <a:t>user</a:t>
             </a:r>
             <a:r>
-              <a:rPr lang="hu-HU" sz="2400" dirty="0" smtClean="0">
+              <a:rPr lang="hu-HU" sz="2400" dirty="0">
                 <a:solidFill>
                   <a:schemeClr val="accent4">
                     <a:lumMod val="75000"/>
@@ -9928,6 +10224,8 @@
               </a:rPr>
               <a:t>.</a:t>
             </a:r>
+          </a:p>
+          <a:p>
             <a:endParaRPr lang="hu-HU" sz="2400" dirty="0">
               <a:solidFill>
                 <a:schemeClr val="accent4">
@@ -9937,15 +10235,6 @@
             </a:endParaRPr>
           </a:p>
           <a:p>
-            <a:endParaRPr lang="hu-HU" sz="2400" dirty="0">
-              <a:solidFill>
-                <a:schemeClr val="accent4">
-                  <a:lumMod val="75000"/>
-                </a:schemeClr>
-              </a:solidFill>
-            </a:endParaRPr>
-          </a:p>
-          <a:p>
             <a:pPr marL="342900" indent="-342900">
               <a:buFont typeface="Arial" panose="020B0604020202020204" pitchFamily="34" charset="0"/>
               <a:buChar char="•"/>
@@ -9958,20 +10247,10 @@
                   </a:schemeClr>
                 </a:solidFill>
               </a:rPr>
-              <a:t>Unit </a:t>
-            </a:r>
-            <a:r>
-              <a:rPr lang="hu-HU" sz="2400" b="1" dirty="0" smtClean="0">
-                <a:solidFill>
-                  <a:schemeClr val="accent4">
-                    <a:lumMod val="75000"/>
-                  </a:schemeClr>
-                </a:solidFill>
-              </a:rPr>
-              <a:t>Test</a:t>
-            </a:r>
-            <a:r>
-              <a:rPr lang="hu-HU" sz="2400" dirty="0" smtClean="0">
+              <a:t>Unit Test</a:t>
+            </a:r>
+            <a:r>
+              <a:rPr lang="hu-HU" sz="2400" dirty="0">
                 <a:solidFill>
                   <a:schemeClr val="accent4">
                     <a:lumMod val="75000"/>
@@ -9981,7 +10260,7 @@
               <a:t>: A unit test </a:t>
             </a:r>
             <a:r>
-              <a:rPr lang="hu-HU" sz="2400" dirty="0" err="1" smtClean="0">
+              <a:rPr lang="hu-HU" sz="2400" dirty="0" err="1">
                 <a:solidFill>
                   <a:schemeClr val="accent4">
                     <a:lumMod val="75000"/>
@@ -9991,17 +10270,17 @@
               <a:t>that</a:t>
             </a:r>
             <a:r>
-              <a:rPr lang="hu-HU" sz="2400" dirty="0" smtClean="0">
-                <a:solidFill>
-                  <a:schemeClr val="accent4">
-                    <a:lumMod val="75000"/>
-                  </a:schemeClr>
-                </a:solidFill>
-              </a:rPr>
-              <a:t> </a:t>
-            </a:r>
-            <a:r>
-              <a:rPr lang="hu-HU" sz="2400" dirty="0" err="1" smtClean="0">
+              <a:rPr lang="hu-HU" sz="2400" dirty="0">
+                <a:solidFill>
+                  <a:schemeClr val="accent4">
+                    <a:lumMod val="75000"/>
+                  </a:schemeClr>
+                </a:solidFill>
+              </a:rPr>
+              <a:t> </a:t>
+            </a:r>
+            <a:r>
+              <a:rPr lang="hu-HU" sz="2400" dirty="0" err="1">
                 <a:solidFill>
                   <a:schemeClr val="accent4">
                     <a:lumMod val="75000"/>
@@ -10011,7 +10290,7 @@
               <a:t>checks</a:t>
             </a:r>
             <a:r>
-              <a:rPr lang="hu-HU" sz="2400" dirty="0" smtClean="0">
+              <a:rPr lang="hu-HU" sz="2400" dirty="0">
                 <a:solidFill>
                   <a:schemeClr val="accent4">
                     <a:lumMod val="75000"/>
@@ -10021,7 +10300,7 @@
               <a:t> a </a:t>
             </a:r>
             <a:r>
-              <a:rPr lang="hu-HU" sz="2400" dirty="0" err="1" smtClean="0">
+              <a:rPr lang="hu-HU" sz="2400" dirty="0" err="1">
                 <a:solidFill>
                   <a:schemeClr val="accent4">
                     <a:lumMod val="75000"/>
@@ -10031,7 +10310,7 @@
               <a:t>specific</a:t>
             </a:r>
             <a:r>
-              <a:rPr lang="hu-HU" sz="2400" dirty="0" smtClean="0">
+              <a:rPr lang="hu-HU" sz="2400" dirty="0">
                 <a:solidFill>
                   <a:schemeClr val="accent4">
                     <a:lumMod val="75000"/>
@@ -10041,7 +10320,7 @@
               <a:t> unit of </a:t>
             </a:r>
             <a:r>
-              <a:rPr lang="hu-HU" sz="2400" dirty="0" err="1" smtClean="0">
+              <a:rPr lang="hu-HU" sz="2400" dirty="0" err="1">
                 <a:solidFill>
                   <a:schemeClr val="accent4">
                     <a:lumMod val="75000"/>
@@ -10051,7 +10330,7 @@
               <a:t>the</a:t>
             </a:r>
             <a:r>
-              <a:rPr lang="hu-HU" sz="2400" dirty="0" smtClean="0">
+              <a:rPr lang="hu-HU" sz="2400" dirty="0">
                 <a:solidFill>
                   <a:schemeClr val="accent4">
                     <a:lumMod val="75000"/>
@@ -10061,7 +10340,7 @@
               <a:t> program (</a:t>
             </a:r>
             <a:r>
-              <a:rPr lang="hu-HU" sz="2400" dirty="0" err="1" smtClean="0">
+              <a:rPr lang="hu-HU" sz="2400" dirty="0" err="1">
                 <a:solidFill>
                   <a:schemeClr val="accent4">
                     <a:lumMod val="75000"/>
@@ -10071,7 +10350,7 @@
               <a:t>e.g</a:t>
             </a:r>
             <a:r>
-              <a:rPr lang="hu-HU" sz="2400" dirty="0" smtClean="0">
+              <a:rPr lang="hu-HU" sz="2400" dirty="0">
                 <a:solidFill>
                   <a:schemeClr val="accent4">
                     <a:lumMod val="75000"/>
@@ -10081,7 +10360,7 @@
               <a:t>., a </a:t>
             </a:r>
             <a:r>
-              <a:rPr lang="hu-HU" sz="2400" dirty="0" err="1" smtClean="0">
+              <a:rPr lang="hu-HU" sz="2400" dirty="0" err="1">
                 <a:solidFill>
                   <a:schemeClr val="accent4">
                     <a:lumMod val="75000"/>
@@ -10091,7 +10370,7 @@
               <a:t>function</a:t>
             </a:r>
             <a:r>
-              <a:rPr lang="hu-HU" sz="2400" dirty="0" smtClean="0">
+              <a:rPr lang="hu-HU" sz="2400" dirty="0">
                 <a:solidFill>
                   <a:schemeClr val="accent4">
                     <a:lumMod val="75000"/>
@@ -10100,13 +10379,6 @@
               </a:rPr>
               <a:t>).</a:t>
             </a:r>
-            <a:endParaRPr lang="hu-HU" sz="2400" dirty="0">
-              <a:solidFill>
-                <a:schemeClr val="accent4">
-                  <a:lumMod val="75000"/>
-                </a:schemeClr>
-              </a:solidFill>
-            </a:endParaRPr>
           </a:p>
         </p:txBody>
       </p:sp>

--- a/VizsgaremekEnglishPP.pptx
+++ b/VizsgaremekEnglishPP.pptx
@@ -7,12 +7,15 @@
   <p:sldIdLst>
     <p:sldId id="256" r:id="rId2"/>
     <p:sldId id="257" r:id="rId3"/>
-    <p:sldId id="258" r:id="rId4"/>
-    <p:sldId id="261" r:id="rId5"/>
-    <p:sldId id="259" r:id="rId6"/>
-    <p:sldId id="260" r:id="rId7"/>
-    <p:sldId id="262" r:id="rId8"/>
-    <p:sldId id="263" r:id="rId9"/>
+    <p:sldId id="265" r:id="rId4"/>
+    <p:sldId id="258" r:id="rId5"/>
+    <p:sldId id="261" r:id="rId6"/>
+    <p:sldId id="259" r:id="rId7"/>
+    <p:sldId id="260" r:id="rId8"/>
+    <p:sldId id="262" r:id="rId9"/>
+    <p:sldId id="263" r:id="rId10"/>
+    <p:sldId id="264" r:id="rId11"/>
+    <p:sldId id="266" r:id="rId12"/>
   </p:sldIdLst>
   <p:sldSz cx="12192000" cy="6858000"/>
   <p:notesSz cx="6858000" cy="9144000"/>
@@ -122,109 +125,12 @@
 <file path=ppt/revisionInfo.xml><?xml version="1.0" encoding="utf-8"?>
 <p1510:revInfo xmlns:a="http://schemas.openxmlformats.org/drawingml/2006/main" xmlns:r="http://schemas.openxmlformats.org/officeDocument/2006/relationships" xmlns:p1510="http://schemas.microsoft.com/office/powerpoint/2015/10/main">
   <p1510:revLst>
+    <p1510:client id="{1A41C04C-4CD6-07C3-E640-AB15B8AACB15}" v="6" dt="2026-01-26T07:21:36.405"/>
     <p1510:client id="{42BB46A4-5071-6DDB-F90A-8B20089C4A82}" v="249" dt="2026-01-25T08:42:00.843"/>
+    <p1510:client id="{9DC091CE-4325-A334-FA40-21B98A870A4E}" v="206" dt="2026-01-26T07:24:55.478"/>
+    <p1510:client id="{CEA1F033-0C7D-A28A-DF69-254DF26BEE3A}" v="1602" dt="2026-01-26T07:24:57.910"/>
   </p1510:revLst>
 </p1510:revInfo>
-</file>
-
-<file path=ppt/changesInfos/changesInfo1.xml><?xml version="1.0" encoding="utf-8"?>
-<pc:chgInfo xmlns:a="http://schemas.openxmlformats.org/drawingml/2006/main" xmlns:r="http://schemas.openxmlformats.org/officeDocument/2006/relationships" xmlns:ac="http://schemas.microsoft.com/office/drawing/2013/main/command" xmlns:pc="http://schemas.microsoft.com/office/powerpoint/2013/main/command">
-  <pc:docChgLst>
-    <pc:chgData clId="Web-{42BB46A4-5071-6DDB-F90A-8B20089C4A82}"/>
-    <pc:docChg chg="modSld">
-      <pc:chgData name="" userId="" providerId="" clId="Web-{42BB46A4-5071-6DDB-F90A-8B20089C4A82}" dt="2026-01-25T08:33:47.282" v="2" actId="20577"/>
-      <pc:docMkLst>
-        <pc:docMk/>
-      </pc:docMkLst>
-      <pc:sldChg chg="modSp">
-        <pc:chgData name="" userId="" providerId="" clId="Web-{42BB46A4-5071-6DDB-F90A-8B20089C4A82}" dt="2026-01-25T08:33:47.282" v="2" actId="20577"/>
-        <pc:sldMkLst>
-          <pc:docMk/>
-          <pc:sldMk cId="2490134746" sldId="257"/>
-        </pc:sldMkLst>
-        <pc:spChg chg="mod">
-          <ac:chgData name="" userId="" providerId="" clId="Web-{42BB46A4-5071-6DDB-F90A-8B20089C4A82}" dt="2026-01-25T08:33:47.282" v="2" actId="20577"/>
-          <ac:spMkLst>
-            <pc:docMk/>
-            <pc:sldMk cId="2490134746" sldId="257"/>
-            <ac:spMk id="2" creationId="{00000000-0000-0000-0000-000000000000}"/>
-          </ac:spMkLst>
-        </pc:spChg>
-      </pc:sldChg>
-    </pc:docChg>
-  </pc:docChgLst>
-  <pc:docChgLst>
-    <pc:chgData name="Pálosi András" userId="S::palosi.andras@dozsakalocsa.hu::cd71926d-ca3c-4147-abe1-5e947b1e8f27" providerId="AD" clId="Web-{42BB46A4-5071-6DDB-F90A-8B20089C4A82}"/>
-    <pc:docChg chg="modSld">
-      <pc:chgData name="Pálosi András" userId="S::palosi.andras@dozsakalocsa.hu::cd71926d-ca3c-4147-abe1-5e947b1e8f27" providerId="AD" clId="Web-{42BB46A4-5071-6DDB-F90A-8B20089C4A82}" dt="2026-01-25T08:41:58.296" v="137" actId="20577"/>
-      <pc:docMkLst>
-        <pc:docMk/>
-      </pc:docMkLst>
-      <pc:sldChg chg="addSp modSp">
-        <pc:chgData name="Pálosi András" userId="S::palosi.andras@dozsakalocsa.hu::cd71926d-ca3c-4147-abe1-5e947b1e8f27" providerId="AD" clId="Web-{42BB46A4-5071-6DDB-F90A-8B20089C4A82}" dt="2026-01-25T08:37:10.309" v="1" actId="1076"/>
-        <pc:sldMkLst>
-          <pc:docMk/>
-          <pc:sldMk cId="702753272" sldId="258"/>
-        </pc:sldMkLst>
-        <pc:picChg chg="add mod">
-          <ac:chgData name="Pálosi András" userId="S::palosi.andras@dozsakalocsa.hu::cd71926d-ca3c-4147-abe1-5e947b1e8f27" providerId="AD" clId="Web-{42BB46A4-5071-6DDB-F90A-8B20089C4A82}" dt="2026-01-25T08:37:10.309" v="1" actId="1076"/>
-          <ac:picMkLst>
-            <pc:docMk/>
-            <pc:sldMk cId="702753272" sldId="258"/>
-            <ac:picMk id="6" creationId="{C7CE94B2-3D26-E347-A01E-85D2E943C3FF}"/>
-          </ac:picMkLst>
-        </pc:picChg>
-      </pc:sldChg>
-      <pc:sldChg chg="addSp delSp modSp">
-        <pc:chgData name="Pálosi András" userId="S::palosi.andras@dozsakalocsa.hu::cd71926d-ca3c-4147-abe1-5e947b1e8f27" providerId="AD" clId="Web-{42BB46A4-5071-6DDB-F90A-8B20089C4A82}" dt="2026-01-25T08:41:58.296" v="137" actId="20577"/>
-        <pc:sldMkLst>
-          <pc:docMk/>
-          <pc:sldMk cId="2836090025" sldId="262"/>
-        </pc:sldMkLst>
-        <pc:spChg chg="add del mod">
-          <ac:chgData name="Pálosi András" userId="S::palosi.andras@dozsakalocsa.hu::cd71926d-ca3c-4147-abe1-5e947b1e8f27" providerId="AD" clId="Web-{42BB46A4-5071-6DDB-F90A-8B20089C4A82}" dt="2026-01-25T08:38:49.380" v="22"/>
-          <ac:spMkLst>
-            <pc:docMk/>
-            <pc:sldMk cId="2836090025" sldId="262"/>
-            <ac:spMk id="6" creationId="{713241CF-81B6-79B8-F0B6-D3C9352E9AC9}"/>
-          </ac:spMkLst>
-        </pc:spChg>
-        <pc:spChg chg="add mod">
-          <ac:chgData name="Pálosi András" userId="S::palosi.andras@dozsakalocsa.hu::cd71926d-ca3c-4147-abe1-5e947b1e8f27" providerId="AD" clId="Web-{42BB46A4-5071-6DDB-F90A-8B20089C4A82}" dt="2026-01-25T08:41:58.296" v="137" actId="20577"/>
-          <ac:spMkLst>
-            <pc:docMk/>
-            <pc:sldMk cId="2836090025" sldId="262"/>
-            <ac:spMk id="7" creationId="{F89258F9-3636-6D5D-B89D-8A52CFAE134B}"/>
-          </ac:spMkLst>
-        </pc:spChg>
-        <pc:spChg chg="mod">
-          <ac:chgData name="Pálosi András" userId="S::palosi.andras@dozsakalocsa.hu::cd71926d-ca3c-4147-abe1-5e947b1e8f27" providerId="AD" clId="Web-{42BB46A4-5071-6DDB-F90A-8B20089C4A82}" dt="2026-01-25T08:38:32.722" v="12" actId="1076"/>
-          <ac:spMkLst>
-            <pc:docMk/>
-            <pc:sldMk cId="2836090025" sldId="262"/>
-            <ac:spMk id="9" creationId="{D84E1BB5-C09F-466B-8C1B-51040ABBF068}"/>
-          </ac:spMkLst>
-        </pc:spChg>
-        <pc:picChg chg="add mod">
-          <ac:chgData name="Pálosi András" userId="S::palosi.andras@dozsakalocsa.hu::cd71926d-ca3c-4147-abe1-5e947b1e8f27" providerId="AD" clId="Web-{42BB46A4-5071-6DDB-F90A-8B20089C4A82}" dt="2026-01-25T08:38:33.941" v="13" actId="1076"/>
-          <ac:picMkLst>
-            <pc:docMk/>
-            <pc:sldMk cId="2836090025" sldId="262"/>
-            <ac:picMk id="5" creationId="{9693BC18-62E7-D4E4-DBD7-09324C2BCC62}"/>
-          </ac:picMkLst>
-        </pc:picChg>
-        <pc:picChg chg="mod">
-          <ac:chgData name="Pálosi András" userId="S::palosi.andras@dozsakalocsa.hu::cd71926d-ca3c-4147-abe1-5e947b1e8f27" providerId="AD" clId="Web-{42BB46A4-5071-6DDB-F90A-8B20089C4A82}" dt="2026-01-25T08:38:30.754" v="11" actId="1076"/>
-          <ac:picMkLst>
-            <pc:docMk/>
-            <pc:sldMk cId="2836090025" sldId="262"/>
-            <ac:picMk id="3074" creationId="{00000000-0000-0000-0000-000000000000}"/>
-          </ac:picMkLst>
-        </pc:picChg>
-      </pc:sldChg>
-    </pc:docChg>
-  </pc:docChgLst>
-</pc:chgInfo>
 </file>
 
 <file path=ppt/slideLayouts/slideLayout1.xml><?xml version="1.0" encoding="utf-8"?>
@@ -3455,6 +3361,1250 @@
 </p:sld>
 </file>
 
+<file path=ppt/slides/slide10.xml><?xml version="1.0" encoding="utf-8"?>
+<p:sld xmlns:a="http://schemas.openxmlformats.org/drawingml/2006/main" xmlns:r="http://schemas.openxmlformats.org/officeDocument/2006/relationships" xmlns:p="http://schemas.openxmlformats.org/presentationml/2006/main">
+  <p:cSld>
+    <p:bg>
+      <p:bgPr>
+        <a:solidFill>
+          <a:schemeClr val="accent4">
+            <a:lumMod val="20000"/>
+            <a:lumOff val="80000"/>
+          </a:schemeClr>
+        </a:solidFill>
+        <a:effectLst/>
+      </p:bgPr>
+    </p:bg>
+    <p:spTree>
+      <p:nvGrpSpPr>
+        <p:cNvPr id="1" name="">
+          <a:extLst>
+            <a:ext uri="{FF2B5EF4-FFF2-40B4-BE49-F238E27FC236}">
+              <a16:creationId xmlns:a16="http://schemas.microsoft.com/office/drawing/2014/main" id="{94DB6896-9C86-E033-83AD-4B860B987120}"/>
+            </a:ext>
+          </a:extLst>
+        </p:cNvPr>
+        <p:cNvGrpSpPr/>
+        <p:nvPr/>
+      </p:nvGrpSpPr>
+      <p:grpSpPr>
+        <a:xfrm>
+          <a:off x="0" y="0"/>
+          <a:ext cx="0" cy="0"/>
+          <a:chOff x="0" y="0"/>
+          <a:chExt cx="0" cy="0"/>
+        </a:xfrm>
+      </p:grpSpPr>
+      <p:sp>
+        <p:nvSpPr>
+          <p:cNvPr id="4" name="Téglalap 3">
+            <a:extLst>
+              <a:ext uri="{FF2B5EF4-FFF2-40B4-BE49-F238E27FC236}">
+                <a16:creationId xmlns:a16="http://schemas.microsoft.com/office/drawing/2014/main" id="{3007ACB0-9DFC-3C76-677B-CAF756D78C21}"/>
+              </a:ext>
+            </a:extLst>
+          </p:cNvPr>
+          <p:cNvSpPr/>
+          <p:nvPr/>
+        </p:nvSpPr>
+        <p:spPr>
+          <a:xfrm>
+            <a:off x="0" y="0"/>
+            <a:ext cx="12192000" cy="819150"/>
+          </a:xfrm>
+          <a:prstGeom prst="rect">
+            <a:avLst/>
+          </a:prstGeom>
+          <a:solidFill>
+            <a:schemeClr val="accent1">
+              <a:lumMod val="60000"/>
+              <a:lumOff val="40000"/>
+            </a:schemeClr>
+          </a:solidFill>
+          <a:ln>
+            <a:noFill/>
+          </a:ln>
+        </p:spPr>
+        <p:style>
+          <a:lnRef idx="2">
+            <a:schemeClr val="accent1">
+              <a:shade val="50000"/>
+            </a:schemeClr>
+          </a:lnRef>
+          <a:fillRef idx="1">
+            <a:schemeClr val="accent1"/>
+          </a:fillRef>
+          <a:effectRef idx="0">
+            <a:schemeClr val="accent1"/>
+          </a:effectRef>
+          <a:fontRef idx="minor">
+            <a:schemeClr val="lt1"/>
+          </a:fontRef>
+        </p:style>
+        <p:txBody>
+          <a:bodyPr rtlCol="0" anchor="ctr"/>
+          <a:lstStyle/>
+          <a:p>
+            <a:pPr algn="ctr"/>
+            <a:endParaRPr lang="hu-HU">
+              <a:solidFill>
+                <a:schemeClr val="tx1"/>
+              </a:solidFill>
+            </a:endParaRPr>
+          </a:p>
+        </p:txBody>
+      </p:sp>
+      <p:pic>
+        <p:nvPicPr>
+          <p:cNvPr id="3" name="Kép 2">
+            <a:extLst>
+              <a:ext uri="{FF2B5EF4-FFF2-40B4-BE49-F238E27FC236}">
+                <a16:creationId xmlns:a16="http://schemas.microsoft.com/office/drawing/2014/main" id="{9F652C10-436A-29B6-EAA9-84B9D8C8B2E3}"/>
+              </a:ext>
+            </a:extLst>
+          </p:cNvPr>
+          <p:cNvPicPr>
+            <a:picLocks noChangeAspect="1"/>
+          </p:cNvPicPr>
+          <p:nvPr/>
+        </p:nvPicPr>
+        <p:blipFill>
+          <a:blip r:embed="rId2" cstate="print">
+            <a:extLst>
+              <a:ext uri="{28A0092B-C50C-407E-A947-70E740481C1C}">
+                <a14:useLocalDpi xmlns:a14="http://schemas.microsoft.com/office/drawing/2010/main" val="0"/>
+              </a:ext>
+            </a:extLst>
+          </a:blip>
+          <a:stretch>
+            <a:fillRect/>
+          </a:stretch>
+        </p:blipFill>
+        <p:spPr>
+          <a:xfrm>
+            <a:off x="140104" y="47687"/>
+            <a:ext cx="745721" cy="723776"/>
+          </a:xfrm>
+          <a:prstGeom prst="rect">
+            <a:avLst/>
+          </a:prstGeom>
+        </p:spPr>
+      </p:pic>
+      <p:sp>
+        <p:nvSpPr>
+          <p:cNvPr id="2" name="Szövegdoboz 1">
+            <a:extLst>
+              <a:ext uri="{FF2B5EF4-FFF2-40B4-BE49-F238E27FC236}">
+                <a16:creationId xmlns:a16="http://schemas.microsoft.com/office/drawing/2014/main" id="{78974782-F688-A087-3D1A-5696A980248B}"/>
+              </a:ext>
+            </a:extLst>
+          </p:cNvPr>
+          <p:cNvSpPr txBox="1"/>
+          <p:nvPr/>
+        </p:nvSpPr>
+        <p:spPr>
+          <a:xfrm>
+            <a:off x="2801383" y="24854"/>
+            <a:ext cx="6589234" cy="769441"/>
+          </a:xfrm>
+          <a:prstGeom prst="rect">
+            <a:avLst/>
+          </a:prstGeom>
+          <a:noFill/>
+        </p:spPr>
+        <p:txBody>
+          <a:bodyPr wrap="square" lIns="91440" tIns="45720" rIns="91440" bIns="45720" rtlCol="0" anchor="t">
+            <a:spAutoFit/>
+          </a:bodyPr>
+          <a:lstStyle/>
+          <a:p>
+            <a:pPr algn="ctr"/>
+            <a:r>
+              <a:rPr lang="hu-HU" sz="4400" b="1">
+                <a:ln w="6350">
+                  <a:solidFill>
+                    <a:schemeClr val="accent1">
+                      <a:lumMod val="75000"/>
+                    </a:schemeClr>
+                  </a:solidFill>
+                </a:ln>
+                <a:solidFill>
+                  <a:schemeClr val="bg1"/>
+                </a:solidFill>
+                <a:latin typeface="Ink Free"/>
+              </a:rPr>
+              <a:t>Stock text</a:t>
+            </a:r>
+            <a:endParaRPr lang="hu-HU"/>
+          </a:p>
+        </p:txBody>
+      </p:sp>
+      <p:sp>
+        <p:nvSpPr>
+          <p:cNvPr id="9" name="Szövegdoboz 8">
+            <a:extLst>
+              <a:ext uri="{FF2B5EF4-FFF2-40B4-BE49-F238E27FC236}">
+                <a16:creationId xmlns:a16="http://schemas.microsoft.com/office/drawing/2014/main" id="{F96606AA-2655-F94D-8364-E6DA6CBC88FE}"/>
+              </a:ext>
+            </a:extLst>
+          </p:cNvPr>
+          <p:cNvSpPr txBox="1"/>
+          <p:nvPr/>
+        </p:nvSpPr>
+        <p:spPr>
+          <a:xfrm>
+            <a:off x="145077" y="1074695"/>
+            <a:ext cx="4414210" cy="1200329"/>
+          </a:xfrm>
+          <a:prstGeom prst="rect">
+            <a:avLst/>
+          </a:prstGeom>
+          <a:noFill/>
+        </p:spPr>
+        <p:txBody>
+          <a:bodyPr wrap="square" lIns="91440" tIns="45720" rIns="91440" bIns="45720" rtlCol="0" anchor="t">
+            <a:spAutoFit/>
+          </a:bodyPr>
+          <a:lstStyle/>
+          <a:p>
+            <a:pPr marL="342900" indent="-342900">
+              <a:buFont typeface="Arial" panose="020B0604020202020204" pitchFamily="34" charset="0"/>
+              <a:buChar char="•"/>
+            </a:pPr>
+            <a:r>
+              <a:rPr lang="hu-HU" sz="2400" b="1" dirty="0" err="1">
+                <a:solidFill>
+                  <a:schemeClr val="accent4">
+                    <a:lumMod val="75000"/>
+                  </a:schemeClr>
+                </a:solidFill>
+              </a:rPr>
+              <a:t>Database</a:t>
+            </a:r>
+            <a:r>
+              <a:rPr lang="hu-HU" sz="2400" dirty="0">
+                <a:solidFill>
+                  <a:schemeClr val="accent4">
+                    <a:lumMod val="75000"/>
+                  </a:schemeClr>
+                </a:solidFill>
+              </a:rPr>
+              <a:t>:</a:t>
+            </a:r>
+            <a:r>
+              <a:rPr lang="hu-HU" sz="2400" b="1" dirty="0">
+                <a:solidFill>
+                  <a:schemeClr val="accent4">
+                    <a:lumMod val="75000"/>
+                  </a:schemeClr>
+                </a:solidFill>
+              </a:rPr>
+              <a:t> </a:t>
+            </a:r>
+            <a:r>
+              <a:rPr lang="hu-HU" sz="2400" dirty="0" err="1">
+                <a:solidFill>
+                  <a:schemeClr val="accent4">
+                    <a:lumMod val="75000"/>
+                  </a:schemeClr>
+                </a:solidFill>
+              </a:rPr>
+              <a:t>Contains</a:t>
+            </a:r>
+            <a:r>
+              <a:rPr lang="hu-HU" sz="2400" dirty="0">
+                <a:solidFill>
+                  <a:schemeClr val="accent4">
+                    <a:lumMod val="75000"/>
+                  </a:schemeClr>
+                </a:solidFill>
+              </a:rPr>
+              <a:t> 7 </a:t>
+            </a:r>
+            <a:r>
+              <a:rPr lang="hu-HU" sz="2400" dirty="0" err="1">
+                <a:solidFill>
+                  <a:schemeClr val="accent4">
+                    <a:lumMod val="75000"/>
+                  </a:schemeClr>
+                </a:solidFill>
+              </a:rPr>
+              <a:t>Table</a:t>
+            </a:r>
+            <a:r>
+              <a:rPr lang="hu-HU" sz="2400" dirty="0">
+                <a:solidFill>
+                  <a:schemeClr val="accent4">
+                    <a:lumMod val="75000"/>
+                  </a:schemeClr>
+                </a:solidFill>
+              </a:rPr>
+              <a:t> </a:t>
+            </a:r>
+            <a:r>
+              <a:rPr lang="hu-HU" sz="2400" dirty="0" err="1">
+                <a:solidFill>
+                  <a:schemeClr val="accent4">
+                    <a:lumMod val="75000"/>
+                  </a:schemeClr>
+                </a:solidFill>
+              </a:rPr>
+              <a:t>that</a:t>
+            </a:r>
+            <a:r>
+              <a:rPr lang="hu-HU" sz="2400" dirty="0">
+                <a:solidFill>
+                  <a:schemeClr val="accent4">
+                    <a:lumMod val="75000"/>
+                  </a:schemeClr>
+                </a:solidFill>
+              </a:rPr>
+              <a:t> </a:t>
+            </a:r>
+            <a:r>
+              <a:rPr lang="hu-HU" sz="2400" dirty="0" err="1">
+                <a:solidFill>
+                  <a:schemeClr val="accent4">
+                    <a:lumMod val="75000"/>
+                  </a:schemeClr>
+                </a:solidFill>
+              </a:rPr>
+              <a:t>identify</a:t>
+            </a:r>
+            <a:r>
+              <a:rPr lang="hu-HU" sz="2400" dirty="0">
+                <a:solidFill>
+                  <a:schemeClr val="accent4">
+                    <a:lumMod val="75000"/>
+                  </a:schemeClr>
+                </a:solidFill>
+              </a:rPr>
+              <a:t> </a:t>
+            </a:r>
+            <a:r>
+              <a:rPr lang="hu-HU" sz="2400" dirty="0" err="1">
+                <a:solidFill>
+                  <a:schemeClr val="accent4">
+                    <a:lumMod val="75000"/>
+                  </a:schemeClr>
+                </a:solidFill>
+              </a:rPr>
+              <a:t>the</a:t>
+            </a:r>
+            <a:r>
+              <a:rPr lang="hu-HU" sz="2400" dirty="0">
+                <a:solidFill>
+                  <a:schemeClr val="accent4">
+                    <a:lumMod val="75000"/>
+                  </a:schemeClr>
+                </a:solidFill>
+              </a:rPr>
+              <a:t> </a:t>
+            </a:r>
+            <a:r>
+              <a:rPr lang="hu-HU" sz="2400" dirty="0" err="1">
+                <a:solidFill>
+                  <a:schemeClr val="accent4">
+                    <a:lumMod val="75000"/>
+                  </a:schemeClr>
+                </a:solidFill>
+              </a:rPr>
+              <a:t>user</a:t>
+            </a:r>
+            <a:r>
+              <a:rPr lang="hu-HU" sz="2400" dirty="0">
+                <a:solidFill>
+                  <a:schemeClr val="accent4">
+                    <a:lumMod val="75000"/>
+                  </a:schemeClr>
+                </a:solidFill>
+              </a:rPr>
+              <a:t>, and </a:t>
+            </a:r>
+            <a:r>
+              <a:rPr lang="hu-HU" sz="2400" dirty="0" err="1">
+                <a:solidFill>
+                  <a:schemeClr val="accent4">
+                    <a:lumMod val="75000"/>
+                  </a:schemeClr>
+                </a:solidFill>
+              </a:rPr>
+              <a:t>all</a:t>
+            </a:r>
+            <a:r>
+              <a:rPr lang="hu-HU" sz="2400" dirty="0">
+                <a:solidFill>
+                  <a:schemeClr val="accent4">
+                    <a:lumMod val="75000"/>
+                  </a:schemeClr>
+                </a:solidFill>
+              </a:rPr>
+              <a:t> </a:t>
+            </a:r>
+            <a:r>
+              <a:rPr lang="hu-HU" sz="2400" dirty="0" err="1">
+                <a:solidFill>
+                  <a:schemeClr val="accent4">
+                    <a:lumMod val="75000"/>
+                  </a:schemeClr>
+                </a:solidFill>
+              </a:rPr>
+              <a:t>the</a:t>
+            </a:r>
+            <a:r>
+              <a:rPr lang="hu-HU" sz="2400" dirty="0">
+                <a:solidFill>
+                  <a:schemeClr val="accent4">
+                    <a:lumMod val="75000"/>
+                  </a:schemeClr>
+                </a:solidFill>
+              </a:rPr>
+              <a:t> </a:t>
+            </a:r>
+            <a:r>
+              <a:rPr lang="hu-HU" sz="2400" dirty="0" err="1">
+                <a:solidFill>
+                  <a:schemeClr val="accent4">
+                    <a:lumMod val="75000"/>
+                  </a:schemeClr>
+                </a:solidFill>
+              </a:rPr>
+              <a:t>food</a:t>
+            </a:r>
+            <a:r>
+              <a:rPr lang="hu-HU" sz="2400" dirty="0">
+                <a:solidFill>
+                  <a:schemeClr val="accent4">
+                    <a:lumMod val="75000"/>
+                  </a:schemeClr>
+                </a:solidFill>
+              </a:rPr>
+              <a:t> </a:t>
+            </a:r>
+            <a:r>
+              <a:rPr lang="hu-HU" sz="2400" dirty="0" err="1">
+                <a:solidFill>
+                  <a:schemeClr val="accent4">
+                    <a:lumMod val="75000"/>
+                  </a:schemeClr>
+                </a:solidFill>
+              </a:rPr>
+              <a:t>you</a:t>
+            </a:r>
+            <a:r>
+              <a:rPr lang="hu-HU" sz="2400" dirty="0">
+                <a:solidFill>
+                  <a:schemeClr val="accent4">
+                    <a:lumMod val="75000"/>
+                  </a:schemeClr>
+                </a:solidFill>
+              </a:rPr>
+              <a:t> </a:t>
+            </a:r>
+            <a:r>
+              <a:rPr lang="hu-HU" sz="2400" dirty="0" err="1">
+                <a:solidFill>
+                  <a:schemeClr val="accent4">
+                    <a:lumMod val="75000"/>
+                  </a:schemeClr>
+                </a:solidFill>
+              </a:rPr>
+              <a:t>can</a:t>
+            </a:r>
+            <a:r>
+              <a:rPr lang="hu-HU" sz="2400" dirty="0">
+                <a:solidFill>
+                  <a:schemeClr val="accent4">
+                    <a:lumMod val="75000"/>
+                  </a:schemeClr>
+                </a:solidFill>
+              </a:rPr>
+              <a:t> </a:t>
+            </a:r>
+            <a:r>
+              <a:rPr lang="hu-HU" sz="2400" dirty="0" err="1">
+                <a:solidFill>
+                  <a:schemeClr val="accent4">
+                    <a:lumMod val="75000"/>
+                  </a:schemeClr>
+                </a:solidFill>
+              </a:rPr>
+              <a:t>order</a:t>
+            </a:r>
+            <a:r>
+              <a:rPr lang="hu-HU" sz="2400" dirty="0">
+                <a:solidFill>
+                  <a:schemeClr val="accent4">
+                    <a:lumMod val="75000"/>
+                  </a:schemeClr>
+                </a:solidFill>
+              </a:rPr>
+              <a:t>.</a:t>
+            </a:r>
+            <a:endParaRPr lang="hu-HU" sz="2400" dirty="0" err="1">
+              <a:solidFill>
+                <a:schemeClr val="accent4">
+                  <a:lumMod val="75000"/>
+                </a:schemeClr>
+              </a:solidFill>
+              <a:ea typeface="Calibri"/>
+              <a:cs typeface="Calibri"/>
+            </a:endParaRPr>
+          </a:p>
+        </p:txBody>
+      </p:sp>
+      <p:sp>
+        <p:nvSpPr>
+          <p:cNvPr id="5" name="Szövegdoboz 4">
+            <a:extLst>
+              <a:ext uri="{FF2B5EF4-FFF2-40B4-BE49-F238E27FC236}">
+                <a16:creationId xmlns:a16="http://schemas.microsoft.com/office/drawing/2014/main" id="{06FD6C13-9A9A-BD9C-3E55-6ECB0989A4DD}"/>
+              </a:ext>
+            </a:extLst>
+          </p:cNvPr>
+          <p:cNvSpPr txBox="1"/>
+          <p:nvPr/>
+        </p:nvSpPr>
+        <p:spPr>
+          <a:xfrm>
+            <a:off x="7316227" y="1074695"/>
+            <a:ext cx="4414210" cy="1569660"/>
+          </a:xfrm>
+          <a:prstGeom prst="rect">
+            <a:avLst/>
+          </a:prstGeom>
+          <a:noFill/>
+        </p:spPr>
+        <p:txBody>
+          <a:bodyPr wrap="square" lIns="91440" tIns="45720" rIns="91440" bIns="45720" rtlCol="0" anchor="t">
+            <a:spAutoFit/>
+          </a:bodyPr>
+          <a:lstStyle/>
+          <a:p>
+            <a:pPr marL="342900" indent="-342900">
+              <a:buFont typeface="Arial" panose="020B0604020202020204" pitchFamily="34" charset="0"/>
+              <a:buChar char="•"/>
+            </a:pPr>
+            <a:r>
+              <a:rPr lang="hu-HU" sz="2400" b="1" dirty="0">
+                <a:solidFill>
+                  <a:schemeClr val="accent4">
+                    <a:lumMod val="75000"/>
+                  </a:schemeClr>
+                </a:solidFill>
+              </a:rPr>
+              <a:t>Backend</a:t>
+            </a:r>
+            <a:r>
+              <a:rPr lang="hu-HU" sz="2400" dirty="0">
+                <a:solidFill>
+                  <a:schemeClr val="accent4">
+                    <a:lumMod val="75000"/>
+                  </a:schemeClr>
+                </a:solidFill>
+              </a:rPr>
+              <a:t>:</a:t>
+            </a:r>
+            <a:r>
+              <a:rPr lang="hu-HU" sz="2400" b="1" dirty="0">
+                <a:solidFill>
+                  <a:schemeClr val="accent4">
+                    <a:lumMod val="75000"/>
+                  </a:schemeClr>
+                </a:solidFill>
+              </a:rPr>
+              <a:t> </a:t>
+            </a:r>
+            <a:r>
+              <a:rPr lang="hu-HU" sz="2400" dirty="0">
+                <a:solidFill>
+                  <a:schemeClr val="accent4">
+                    <a:lumMod val="75000"/>
+                  </a:schemeClr>
+                </a:solidFill>
+                <a:ea typeface="+mn-lt"/>
+                <a:cs typeface="+mn-lt"/>
+              </a:rPr>
+              <a:t>The backend server is </a:t>
+            </a:r>
+            <a:r>
+              <a:rPr lang="hu-HU" sz="2400" dirty="0" err="1">
+                <a:solidFill>
+                  <a:schemeClr val="accent4">
+                    <a:lumMod val="75000"/>
+                  </a:schemeClr>
+                </a:solidFill>
+                <a:ea typeface="+mn-lt"/>
+                <a:cs typeface="+mn-lt"/>
+              </a:rPr>
+              <a:t>responsible</a:t>
+            </a:r>
+            <a:r>
+              <a:rPr lang="hu-HU" sz="2400" dirty="0">
+                <a:solidFill>
+                  <a:schemeClr val="accent4">
+                    <a:lumMod val="75000"/>
+                  </a:schemeClr>
+                </a:solidFill>
+                <a:ea typeface="+mn-lt"/>
+                <a:cs typeface="+mn-lt"/>
+              </a:rPr>
+              <a:t> </a:t>
+            </a:r>
+            <a:r>
+              <a:rPr lang="hu-HU" sz="2400" dirty="0" err="1">
+                <a:solidFill>
+                  <a:schemeClr val="accent4">
+                    <a:lumMod val="75000"/>
+                  </a:schemeClr>
+                </a:solidFill>
+                <a:ea typeface="+mn-lt"/>
+                <a:cs typeface="+mn-lt"/>
+              </a:rPr>
+              <a:t>for</a:t>
+            </a:r>
+            <a:r>
+              <a:rPr lang="hu-HU" sz="2400" dirty="0">
+                <a:solidFill>
+                  <a:schemeClr val="accent4">
+                    <a:lumMod val="75000"/>
+                  </a:schemeClr>
+                </a:solidFill>
+                <a:ea typeface="+mn-lt"/>
+                <a:cs typeface="+mn-lt"/>
+              </a:rPr>
+              <a:t> </a:t>
+            </a:r>
+            <a:r>
+              <a:rPr lang="hu-HU" sz="2400" dirty="0" err="1">
+                <a:solidFill>
+                  <a:schemeClr val="accent4">
+                    <a:lumMod val="75000"/>
+                  </a:schemeClr>
+                </a:solidFill>
+                <a:ea typeface="+mn-lt"/>
+                <a:cs typeface="+mn-lt"/>
+              </a:rPr>
+              <a:t>running</a:t>
+            </a:r>
+            <a:r>
+              <a:rPr lang="hu-HU" sz="2400" dirty="0">
+                <a:solidFill>
+                  <a:schemeClr val="accent4">
+                    <a:lumMod val="75000"/>
+                  </a:schemeClr>
+                </a:solidFill>
+                <a:ea typeface="+mn-lt"/>
+                <a:cs typeface="+mn-lt"/>
+              </a:rPr>
+              <a:t> </a:t>
+            </a:r>
+            <a:r>
+              <a:rPr lang="hu-HU" sz="2400" dirty="0" err="1">
+                <a:solidFill>
+                  <a:schemeClr val="accent4">
+                    <a:lumMod val="75000"/>
+                  </a:schemeClr>
+                </a:solidFill>
+                <a:ea typeface="+mn-lt"/>
+                <a:cs typeface="+mn-lt"/>
+              </a:rPr>
+              <a:t>the</a:t>
+            </a:r>
+            <a:r>
+              <a:rPr lang="hu-HU" sz="2400" dirty="0">
+                <a:solidFill>
+                  <a:schemeClr val="accent4">
+                    <a:lumMod val="75000"/>
+                  </a:schemeClr>
+                </a:solidFill>
+                <a:ea typeface="+mn-lt"/>
+                <a:cs typeface="+mn-lt"/>
+              </a:rPr>
+              <a:t> </a:t>
+            </a:r>
+            <a:r>
+              <a:rPr lang="hu-HU" sz="2400" dirty="0" err="1">
+                <a:solidFill>
+                  <a:schemeClr val="accent4">
+                    <a:lumMod val="75000"/>
+                  </a:schemeClr>
+                </a:solidFill>
+                <a:ea typeface="+mn-lt"/>
+                <a:cs typeface="+mn-lt"/>
+              </a:rPr>
+              <a:t>full</a:t>
+            </a:r>
+            <a:r>
+              <a:rPr lang="hu-HU" sz="2400" dirty="0">
+                <a:solidFill>
+                  <a:schemeClr val="accent4">
+                    <a:lumMod val="75000"/>
+                  </a:schemeClr>
+                </a:solidFill>
+                <a:ea typeface="+mn-lt"/>
+                <a:cs typeface="+mn-lt"/>
+              </a:rPr>
+              <a:t> REST </a:t>
+            </a:r>
+            <a:r>
+              <a:rPr lang="hu-HU" sz="2400" dirty="0" err="1">
+                <a:solidFill>
+                  <a:schemeClr val="accent4">
+                    <a:lumMod val="75000"/>
+                  </a:schemeClr>
+                </a:solidFill>
+                <a:ea typeface="+mn-lt"/>
+                <a:cs typeface="+mn-lt"/>
+              </a:rPr>
+              <a:t>APIs</a:t>
+            </a:r>
+            <a:r>
+              <a:rPr lang="hu-HU" sz="2400" dirty="0">
+                <a:solidFill>
+                  <a:schemeClr val="accent4">
+                    <a:lumMod val="75000"/>
+                  </a:schemeClr>
+                </a:solidFill>
+                <a:ea typeface="+mn-lt"/>
+                <a:cs typeface="+mn-lt"/>
+              </a:rPr>
+              <a:t> and </a:t>
+            </a:r>
+            <a:r>
+              <a:rPr lang="hu-HU" sz="2400" dirty="0" err="1">
+                <a:solidFill>
+                  <a:schemeClr val="accent4">
+                    <a:lumMod val="75000"/>
+                  </a:schemeClr>
+                </a:solidFill>
+                <a:ea typeface="+mn-lt"/>
+                <a:cs typeface="+mn-lt"/>
+              </a:rPr>
+              <a:t>handling</a:t>
+            </a:r>
+            <a:r>
+              <a:rPr lang="hu-HU" sz="2400" dirty="0">
+                <a:solidFill>
+                  <a:schemeClr val="accent4">
+                    <a:lumMod val="75000"/>
+                  </a:schemeClr>
+                </a:solidFill>
+                <a:ea typeface="+mn-lt"/>
+                <a:cs typeface="+mn-lt"/>
+              </a:rPr>
+              <a:t> CRUD </a:t>
+            </a:r>
+            <a:r>
+              <a:rPr lang="hu-HU" sz="2400" dirty="0" err="1">
+                <a:solidFill>
+                  <a:schemeClr val="accent4">
+                    <a:lumMod val="75000"/>
+                  </a:schemeClr>
+                </a:solidFill>
+                <a:ea typeface="+mn-lt"/>
+                <a:cs typeface="+mn-lt"/>
+              </a:rPr>
+              <a:t>operations</a:t>
+            </a:r>
+            <a:endParaRPr lang="hu-HU" sz="2400" dirty="0" err="1">
+              <a:solidFill>
+                <a:schemeClr val="accent4">
+                  <a:lumMod val="75000"/>
+                </a:schemeClr>
+              </a:solidFill>
+              <a:ea typeface="Calibri"/>
+              <a:cs typeface="Calibri"/>
+            </a:endParaRPr>
+          </a:p>
+        </p:txBody>
+      </p:sp>
+    </p:spTree>
+    <p:extLst>
+      <p:ext uri="{BB962C8B-B14F-4D97-AF65-F5344CB8AC3E}">
+        <p14:creationId xmlns:p14="http://schemas.microsoft.com/office/powerpoint/2010/main" val="1360681232"/>
+      </p:ext>
+    </p:extLst>
+  </p:cSld>
+  <p:clrMapOvr>
+    <a:masterClrMapping/>
+  </p:clrMapOvr>
+  <p:transition spd="med">
+    <p:pull/>
+  </p:transition>
+</p:sld>
+</file>
+
+<file path=ppt/slides/slide11.xml><?xml version="1.0" encoding="utf-8"?>
+<p:sld xmlns:a="http://schemas.openxmlformats.org/drawingml/2006/main" xmlns:r="http://schemas.openxmlformats.org/officeDocument/2006/relationships" xmlns:p="http://schemas.openxmlformats.org/presentationml/2006/main">
+  <p:cSld>
+    <p:bg>
+      <p:bgPr>
+        <a:solidFill>
+          <a:schemeClr val="accent4">
+            <a:lumMod val="20000"/>
+            <a:lumOff val="80000"/>
+          </a:schemeClr>
+        </a:solidFill>
+        <a:effectLst/>
+      </p:bgPr>
+    </p:bg>
+    <p:spTree>
+      <p:nvGrpSpPr>
+        <p:cNvPr id="1" name="">
+          <a:extLst>
+            <a:ext uri="{FF2B5EF4-FFF2-40B4-BE49-F238E27FC236}">
+              <a16:creationId xmlns:a16="http://schemas.microsoft.com/office/drawing/2014/main" id="{16602F10-0DC1-3E5F-F52D-16FECE04E4D2}"/>
+            </a:ext>
+          </a:extLst>
+        </p:cNvPr>
+        <p:cNvGrpSpPr/>
+        <p:nvPr/>
+      </p:nvGrpSpPr>
+      <p:grpSpPr>
+        <a:xfrm>
+          <a:off x="0" y="0"/>
+          <a:ext cx="0" cy="0"/>
+          <a:chOff x="0" y="0"/>
+          <a:chExt cx="0" cy="0"/>
+        </a:xfrm>
+      </p:grpSpPr>
+      <p:sp>
+        <p:nvSpPr>
+          <p:cNvPr id="4" name="Téglalap 3">
+            <a:extLst>
+              <a:ext uri="{FF2B5EF4-FFF2-40B4-BE49-F238E27FC236}">
+                <a16:creationId xmlns:a16="http://schemas.microsoft.com/office/drawing/2014/main" id="{5CDA9ECE-E271-503A-3360-804E31DE9DA4}"/>
+              </a:ext>
+            </a:extLst>
+          </p:cNvPr>
+          <p:cNvSpPr/>
+          <p:nvPr/>
+        </p:nvSpPr>
+        <p:spPr>
+          <a:xfrm>
+            <a:off x="0" y="0"/>
+            <a:ext cx="12192000" cy="819150"/>
+          </a:xfrm>
+          <a:prstGeom prst="rect">
+            <a:avLst/>
+          </a:prstGeom>
+          <a:solidFill>
+            <a:schemeClr val="accent1">
+              <a:lumMod val="60000"/>
+              <a:lumOff val="40000"/>
+            </a:schemeClr>
+          </a:solidFill>
+          <a:ln>
+            <a:noFill/>
+          </a:ln>
+        </p:spPr>
+        <p:style>
+          <a:lnRef idx="2">
+            <a:schemeClr val="accent1">
+              <a:shade val="50000"/>
+            </a:schemeClr>
+          </a:lnRef>
+          <a:fillRef idx="1">
+            <a:schemeClr val="accent1"/>
+          </a:fillRef>
+          <a:effectRef idx="0">
+            <a:schemeClr val="accent1"/>
+          </a:effectRef>
+          <a:fontRef idx="minor">
+            <a:schemeClr val="lt1"/>
+          </a:fontRef>
+        </p:style>
+        <p:txBody>
+          <a:bodyPr rtlCol="0" anchor="ctr"/>
+          <a:lstStyle/>
+          <a:p>
+            <a:pPr algn="ctr"/>
+            <a:endParaRPr lang="hu-HU">
+              <a:solidFill>
+                <a:schemeClr val="tx1"/>
+              </a:solidFill>
+            </a:endParaRPr>
+          </a:p>
+        </p:txBody>
+      </p:sp>
+      <p:pic>
+        <p:nvPicPr>
+          <p:cNvPr id="3" name="Kép 2">
+            <a:extLst>
+              <a:ext uri="{FF2B5EF4-FFF2-40B4-BE49-F238E27FC236}">
+                <a16:creationId xmlns:a16="http://schemas.microsoft.com/office/drawing/2014/main" id="{63F0A4FD-A05E-5459-F237-97F9731C8300}"/>
+              </a:ext>
+            </a:extLst>
+          </p:cNvPr>
+          <p:cNvPicPr>
+            <a:picLocks noChangeAspect="1"/>
+          </p:cNvPicPr>
+          <p:nvPr/>
+        </p:nvPicPr>
+        <p:blipFill>
+          <a:blip r:embed="rId2" cstate="print">
+            <a:extLst>
+              <a:ext uri="{28A0092B-C50C-407E-A947-70E740481C1C}">
+                <a14:useLocalDpi xmlns:a14="http://schemas.microsoft.com/office/drawing/2010/main" val="0"/>
+              </a:ext>
+            </a:extLst>
+          </a:blip>
+          <a:stretch>
+            <a:fillRect/>
+          </a:stretch>
+        </p:blipFill>
+        <p:spPr>
+          <a:xfrm>
+            <a:off x="140104" y="47687"/>
+            <a:ext cx="745721" cy="723776"/>
+          </a:xfrm>
+          <a:prstGeom prst="rect">
+            <a:avLst/>
+          </a:prstGeom>
+        </p:spPr>
+      </p:pic>
+      <p:sp>
+        <p:nvSpPr>
+          <p:cNvPr id="2" name="Szövegdoboz 1">
+            <a:extLst>
+              <a:ext uri="{FF2B5EF4-FFF2-40B4-BE49-F238E27FC236}">
+                <a16:creationId xmlns:a16="http://schemas.microsoft.com/office/drawing/2014/main" id="{4138FA34-531D-C2E6-52E0-C9A50FC7A159}"/>
+              </a:ext>
+            </a:extLst>
+          </p:cNvPr>
+          <p:cNvSpPr txBox="1"/>
+          <p:nvPr/>
+        </p:nvSpPr>
+        <p:spPr>
+          <a:xfrm>
+            <a:off x="2801383" y="24854"/>
+            <a:ext cx="6589234" cy="769441"/>
+          </a:xfrm>
+          <a:prstGeom prst="rect">
+            <a:avLst/>
+          </a:prstGeom>
+          <a:noFill/>
+        </p:spPr>
+        <p:txBody>
+          <a:bodyPr wrap="square" lIns="91440" tIns="45720" rIns="91440" bIns="45720" rtlCol="0" anchor="t">
+            <a:spAutoFit/>
+          </a:bodyPr>
+          <a:lstStyle/>
+          <a:p>
+            <a:pPr algn="ctr"/>
+            <a:r>
+              <a:rPr lang="hu-HU" sz="4400" b="1" err="1">
+                <a:ln w="6350">
+                  <a:solidFill>
+                    <a:schemeClr val="accent1">
+                      <a:lumMod val="75000"/>
+                    </a:schemeClr>
+                  </a:solidFill>
+                </a:ln>
+                <a:solidFill>
+                  <a:schemeClr val="bg1"/>
+                </a:solidFill>
+                <a:latin typeface="Ink Free"/>
+              </a:rPr>
+              <a:t>Registration</a:t>
+            </a:r>
+            <a:r>
+              <a:rPr lang="hu-HU" sz="4400" b="1">
+                <a:ln w="6350">
+                  <a:solidFill>
+                    <a:schemeClr val="accent1">
+                      <a:lumMod val="75000"/>
+                    </a:schemeClr>
+                  </a:solidFill>
+                </a:ln>
+                <a:solidFill>
+                  <a:schemeClr val="bg1"/>
+                </a:solidFill>
+                <a:latin typeface="Ink Free"/>
+              </a:rPr>
+              <a:t>/</a:t>
+            </a:r>
+            <a:r>
+              <a:rPr lang="hu-HU" sz="4400" b="1" err="1">
+                <a:ln w="6350">
+                  <a:solidFill>
+                    <a:schemeClr val="accent1">
+                      <a:lumMod val="75000"/>
+                    </a:schemeClr>
+                  </a:solidFill>
+                </a:ln>
+                <a:solidFill>
+                  <a:schemeClr val="bg1"/>
+                </a:solidFill>
+                <a:latin typeface="Ink Free"/>
+              </a:rPr>
+              <a:t>Sign</a:t>
+            </a:r>
+            <a:r>
+              <a:rPr lang="hu-HU" sz="4400" b="1">
+                <a:ln w="6350">
+                  <a:solidFill>
+                    <a:schemeClr val="accent1">
+                      <a:lumMod val="75000"/>
+                    </a:schemeClr>
+                  </a:solidFill>
+                </a:ln>
+                <a:solidFill>
+                  <a:schemeClr val="bg1"/>
+                </a:solidFill>
+                <a:latin typeface="Ink Free"/>
+              </a:rPr>
+              <a:t> </a:t>
+            </a:r>
+            <a:r>
+              <a:rPr lang="hu-HU" sz="4400" b="1" err="1">
+                <a:ln w="6350">
+                  <a:solidFill>
+                    <a:schemeClr val="accent1">
+                      <a:lumMod val="75000"/>
+                    </a:schemeClr>
+                  </a:solidFill>
+                </a:ln>
+                <a:solidFill>
+                  <a:schemeClr val="bg1"/>
+                </a:solidFill>
+                <a:latin typeface="Ink Free"/>
+              </a:rPr>
+              <a:t>Up</a:t>
+            </a:r>
+            <a:endParaRPr lang="hu-HU" err="1">
+              <a:solidFill>
+                <a:schemeClr val="bg1"/>
+              </a:solidFill>
+            </a:endParaRPr>
+          </a:p>
+        </p:txBody>
+      </p:sp>
+      <p:sp>
+        <p:nvSpPr>
+          <p:cNvPr id="5" name="Szövegdoboz 4">
+            <a:extLst>
+              <a:ext uri="{FF2B5EF4-FFF2-40B4-BE49-F238E27FC236}">
+                <a16:creationId xmlns:a16="http://schemas.microsoft.com/office/drawing/2014/main" id="{FDE57ED1-8F77-F711-56F7-1DAEF217997F}"/>
+              </a:ext>
+            </a:extLst>
+          </p:cNvPr>
+          <p:cNvSpPr txBox="1"/>
+          <p:nvPr/>
+        </p:nvSpPr>
+        <p:spPr>
+          <a:xfrm>
+            <a:off x="249460" y="1158202"/>
+            <a:ext cx="4414210" cy="461665"/>
+          </a:xfrm>
+          <a:prstGeom prst="rect">
+            <a:avLst/>
+          </a:prstGeom>
+          <a:noFill/>
+        </p:spPr>
+        <p:txBody>
+          <a:bodyPr wrap="square" lIns="91440" tIns="45720" rIns="91440" bIns="45720" rtlCol="0" anchor="t">
+            <a:spAutoFit/>
+          </a:bodyPr>
+          <a:lstStyle/>
+          <a:p>
+            <a:pPr marL="342900" indent="-342900">
+              <a:buFont typeface="Arial" panose="020B0604020202020204" pitchFamily="34" charset="0"/>
+              <a:buChar char="•"/>
+            </a:pPr>
+            <a:r>
+              <a:rPr lang="hu-HU" sz="2400" b="1" dirty="0" err="1">
+                <a:solidFill>
+                  <a:schemeClr val="accent4">
+                    <a:lumMod val="75000"/>
+                  </a:schemeClr>
+                </a:solidFill>
+              </a:rPr>
+              <a:t>User</a:t>
+            </a:r>
+            <a:r>
+              <a:rPr lang="hu-HU" sz="2400" b="1" dirty="0">
+                <a:solidFill>
+                  <a:schemeClr val="accent4">
+                    <a:lumMod val="75000"/>
+                  </a:schemeClr>
+                </a:solidFill>
+              </a:rPr>
+              <a:t> </a:t>
+            </a:r>
+            <a:r>
+              <a:rPr lang="hu-HU" sz="2400" b="1" dirty="0" err="1">
+                <a:solidFill>
+                  <a:schemeClr val="accent4">
+                    <a:lumMod val="75000"/>
+                  </a:schemeClr>
+                </a:solidFill>
+              </a:rPr>
+              <a:t>Friendly</a:t>
+            </a:r>
+            <a:r>
+              <a:rPr lang="hu-HU" sz="2400" dirty="0">
+                <a:solidFill>
+                  <a:schemeClr val="accent4">
+                    <a:lumMod val="75000"/>
+                  </a:schemeClr>
+                </a:solidFill>
+              </a:rPr>
+              <a:t>:</a:t>
+            </a:r>
+            <a:r>
+              <a:rPr lang="hu-HU" sz="2400" b="1" dirty="0">
+                <a:solidFill>
+                  <a:schemeClr val="accent4">
+                    <a:lumMod val="75000"/>
+                  </a:schemeClr>
+                </a:solidFill>
+              </a:rPr>
+              <a:t> </a:t>
+            </a:r>
+            <a:endParaRPr lang="hu-HU" sz="2400" b="1" dirty="0">
+              <a:solidFill>
+                <a:schemeClr val="accent4">
+                  <a:lumMod val="75000"/>
+                </a:schemeClr>
+              </a:solidFill>
+              <a:ea typeface="Calibri"/>
+              <a:cs typeface="Calibri"/>
+            </a:endParaRPr>
+          </a:p>
+        </p:txBody>
+      </p:sp>
+      <p:sp>
+        <p:nvSpPr>
+          <p:cNvPr id="6" name="Szövegdoboz 5">
+            <a:extLst>
+              <a:ext uri="{FF2B5EF4-FFF2-40B4-BE49-F238E27FC236}">
+                <a16:creationId xmlns:a16="http://schemas.microsoft.com/office/drawing/2014/main" id="{11509D52-8049-F190-A4AF-BFDCABBF1920}"/>
+              </a:ext>
+            </a:extLst>
+          </p:cNvPr>
+          <p:cNvSpPr txBox="1"/>
+          <p:nvPr/>
+        </p:nvSpPr>
+        <p:spPr>
+          <a:xfrm>
+            <a:off x="7650253" y="1158201"/>
+            <a:ext cx="4414210" cy="461665"/>
+          </a:xfrm>
+          <a:prstGeom prst="rect">
+            <a:avLst/>
+          </a:prstGeom>
+          <a:noFill/>
+        </p:spPr>
+        <p:txBody>
+          <a:bodyPr wrap="square" lIns="91440" tIns="45720" rIns="91440" bIns="45720" rtlCol="0" anchor="t">
+            <a:spAutoFit/>
+          </a:bodyPr>
+          <a:lstStyle/>
+          <a:p>
+            <a:pPr marL="342900" indent="-342900">
+              <a:buFont typeface="Arial" panose="020B0604020202020204" pitchFamily="34" charset="0"/>
+              <a:buChar char="•"/>
+            </a:pPr>
+            <a:r>
+              <a:rPr lang="hu-HU" sz="2400" b="1" err="1">
+                <a:solidFill>
+                  <a:schemeClr val="accent4">
+                    <a:lumMod val="75000"/>
+                  </a:schemeClr>
+                </a:solidFill>
+              </a:rPr>
+              <a:t>Obvious</a:t>
+            </a:r>
+            <a:r>
+              <a:rPr lang="hu-HU" sz="2400" b="1">
+                <a:solidFill>
+                  <a:schemeClr val="accent4">
+                    <a:lumMod val="75000"/>
+                  </a:schemeClr>
+                </a:solidFill>
+              </a:rPr>
+              <a:t> </a:t>
+            </a:r>
+            <a:r>
+              <a:rPr lang="hu-HU" sz="2400" b="1" err="1">
+                <a:solidFill>
+                  <a:schemeClr val="accent4">
+                    <a:lumMod val="75000"/>
+                  </a:schemeClr>
+                </a:solidFill>
+              </a:rPr>
+              <a:t>Error</a:t>
+            </a:r>
+            <a:r>
+              <a:rPr lang="hu-HU" sz="2400" b="1">
+                <a:solidFill>
+                  <a:schemeClr val="accent4">
+                    <a:lumMod val="75000"/>
+                  </a:schemeClr>
+                </a:solidFill>
+              </a:rPr>
+              <a:t> </a:t>
+            </a:r>
+            <a:r>
+              <a:rPr lang="hu-HU" sz="2400" b="1" err="1">
+                <a:solidFill>
+                  <a:schemeClr val="accent4">
+                    <a:lumMod val="75000"/>
+                  </a:schemeClr>
+                </a:solidFill>
+              </a:rPr>
+              <a:t>messages</a:t>
+            </a:r>
+            <a:r>
+              <a:rPr lang="hu-HU" sz="2400">
+                <a:solidFill>
+                  <a:schemeClr val="accent4">
+                    <a:lumMod val="75000"/>
+                  </a:schemeClr>
+                </a:solidFill>
+              </a:rPr>
+              <a:t>:</a:t>
+            </a:r>
+            <a:r>
+              <a:rPr lang="hu-HU" sz="2400" b="1">
+                <a:solidFill>
+                  <a:schemeClr val="accent4">
+                    <a:lumMod val="75000"/>
+                  </a:schemeClr>
+                </a:solidFill>
+              </a:rPr>
+              <a:t> </a:t>
+            </a:r>
+            <a:endParaRPr lang="hu-HU" sz="2400">
+              <a:solidFill>
+                <a:schemeClr val="accent4">
+                  <a:lumMod val="75000"/>
+                </a:schemeClr>
+              </a:solidFill>
+              <a:ea typeface="Calibri"/>
+              <a:cs typeface="Calibri"/>
+            </a:endParaRPr>
+          </a:p>
+        </p:txBody>
+      </p:sp>
+    </p:spTree>
+    <p:extLst>
+      <p:ext uri="{BB962C8B-B14F-4D97-AF65-F5344CB8AC3E}">
+        <p14:creationId xmlns:p14="http://schemas.microsoft.com/office/powerpoint/2010/main" val="724213369"/>
+      </p:ext>
+    </p:extLst>
+  </p:cSld>
+  <p:clrMapOvr>
+    <a:masterClrMapping/>
+  </p:clrMapOvr>
+  <p:transition spd="med">
+    <p:pull/>
+  </p:transition>
+</p:sld>
+</file>
+
 <file path=ppt/slides/slide2.xml><?xml version="1.0" encoding="utf-8"?>
 <p:sld xmlns:a="http://schemas.openxmlformats.org/drawingml/2006/main" xmlns:r="http://schemas.openxmlformats.org/officeDocument/2006/relationships" xmlns:p="http://schemas.openxmlformats.org/presentationml/2006/main">
   <p:cSld>
@@ -4502,6 +5652,567 @@
     </p:bg>
     <p:spTree>
       <p:nvGrpSpPr>
+        <p:cNvPr id="1" name="">
+          <a:extLst>
+            <a:ext uri="{FF2B5EF4-FFF2-40B4-BE49-F238E27FC236}">
+              <a16:creationId xmlns:a16="http://schemas.microsoft.com/office/drawing/2014/main" id="{50D87ECE-E4D2-23E6-558B-6A3DB514D8A8}"/>
+            </a:ext>
+          </a:extLst>
+        </p:cNvPr>
+        <p:cNvGrpSpPr/>
+        <p:nvPr/>
+      </p:nvGrpSpPr>
+      <p:grpSpPr>
+        <a:xfrm>
+          <a:off x="0" y="0"/>
+          <a:ext cx="0" cy="0"/>
+          <a:chOff x="0" y="0"/>
+          <a:chExt cx="0" cy="0"/>
+        </a:xfrm>
+      </p:grpSpPr>
+      <p:sp>
+        <p:nvSpPr>
+          <p:cNvPr id="4" name="Téglalap 3">
+            <a:extLst>
+              <a:ext uri="{FF2B5EF4-FFF2-40B4-BE49-F238E27FC236}">
+                <a16:creationId xmlns:a16="http://schemas.microsoft.com/office/drawing/2014/main" id="{69433A96-D79A-9B94-6379-81E65D5FD738}"/>
+              </a:ext>
+            </a:extLst>
+          </p:cNvPr>
+          <p:cNvSpPr/>
+          <p:nvPr/>
+        </p:nvSpPr>
+        <p:spPr>
+          <a:xfrm>
+            <a:off x="0" y="0"/>
+            <a:ext cx="12192000" cy="819150"/>
+          </a:xfrm>
+          <a:prstGeom prst="rect">
+            <a:avLst/>
+          </a:prstGeom>
+          <a:solidFill>
+            <a:schemeClr val="accent1">
+              <a:lumMod val="60000"/>
+              <a:lumOff val="40000"/>
+            </a:schemeClr>
+          </a:solidFill>
+          <a:ln>
+            <a:noFill/>
+          </a:ln>
+        </p:spPr>
+        <p:style>
+          <a:lnRef idx="2">
+            <a:schemeClr val="accent1">
+              <a:shade val="50000"/>
+            </a:schemeClr>
+          </a:lnRef>
+          <a:fillRef idx="1">
+            <a:schemeClr val="accent1"/>
+          </a:fillRef>
+          <a:effectRef idx="0">
+            <a:schemeClr val="accent1"/>
+          </a:effectRef>
+          <a:fontRef idx="minor">
+            <a:schemeClr val="lt1"/>
+          </a:fontRef>
+        </p:style>
+        <p:txBody>
+          <a:bodyPr rtlCol="0" anchor="ctr"/>
+          <a:lstStyle/>
+          <a:p>
+            <a:pPr algn="ctr"/>
+            <a:endParaRPr lang="hu-HU">
+              <a:solidFill>
+                <a:schemeClr val="tx1"/>
+              </a:solidFill>
+            </a:endParaRPr>
+          </a:p>
+        </p:txBody>
+      </p:sp>
+      <p:pic>
+        <p:nvPicPr>
+          <p:cNvPr id="3" name="Kép 2">
+            <a:extLst>
+              <a:ext uri="{FF2B5EF4-FFF2-40B4-BE49-F238E27FC236}">
+                <a16:creationId xmlns:a16="http://schemas.microsoft.com/office/drawing/2014/main" id="{03F2EA74-67E7-C3CC-394B-8A8E37279A45}"/>
+              </a:ext>
+            </a:extLst>
+          </p:cNvPr>
+          <p:cNvPicPr>
+            <a:picLocks noChangeAspect="1"/>
+          </p:cNvPicPr>
+          <p:nvPr/>
+        </p:nvPicPr>
+        <p:blipFill>
+          <a:blip r:embed="rId2" cstate="print">
+            <a:extLst>
+              <a:ext uri="{28A0092B-C50C-407E-A947-70E740481C1C}">
+                <a14:useLocalDpi xmlns:a14="http://schemas.microsoft.com/office/drawing/2010/main" val="0"/>
+              </a:ext>
+            </a:extLst>
+          </a:blip>
+          <a:stretch>
+            <a:fillRect/>
+          </a:stretch>
+        </p:blipFill>
+        <p:spPr>
+          <a:xfrm>
+            <a:off x="140104" y="47687"/>
+            <a:ext cx="745721" cy="723776"/>
+          </a:xfrm>
+          <a:prstGeom prst="rect">
+            <a:avLst/>
+          </a:prstGeom>
+        </p:spPr>
+      </p:pic>
+      <p:sp>
+        <p:nvSpPr>
+          <p:cNvPr id="2" name="Szövegdoboz 1">
+            <a:extLst>
+              <a:ext uri="{FF2B5EF4-FFF2-40B4-BE49-F238E27FC236}">
+                <a16:creationId xmlns:a16="http://schemas.microsoft.com/office/drawing/2014/main" id="{B9009BCD-F285-4EF9-0E30-50543BB7676D}"/>
+              </a:ext>
+            </a:extLst>
+          </p:cNvPr>
+          <p:cNvSpPr txBox="1"/>
+          <p:nvPr/>
+        </p:nvSpPr>
+        <p:spPr>
+          <a:xfrm>
+            <a:off x="3322060" y="24854"/>
+            <a:ext cx="5547880" cy="769441"/>
+          </a:xfrm>
+          <a:prstGeom prst="rect">
+            <a:avLst/>
+          </a:prstGeom>
+          <a:noFill/>
+        </p:spPr>
+        <p:txBody>
+          <a:bodyPr wrap="square" lIns="91440" tIns="45720" rIns="91440" bIns="45720" rtlCol="0" anchor="t">
+            <a:spAutoFit/>
+          </a:bodyPr>
+          <a:lstStyle/>
+          <a:p>
+            <a:pPr algn="ctr"/>
+            <a:r>
+              <a:rPr lang="hu-HU" sz="4400" b="1" dirty="0">
+                <a:ln w="6350">
+                  <a:solidFill>
+                    <a:srgbClr val="5B9BD5">
+                      <a:lumMod val="75000"/>
+                    </a:srgbClr>
+                  </a:solidFill>
+                </a:ln>
+                <a:solidFill>
+                  <a:schemeClr val="bg1"/>
+                </a:solidFill>
+                <a:latin typeface="Ink Free"/>
+              </a:rPr>
+              <a:t>Projekt Bemutatása</a:t>
+            </a:r>
+            <a:endParaRPr lang="hu-HU" sz="4400" b="1" dirty="0">
+              <a:ln w="6350">
+                <a:solidFill>
+                  <a:srgbClr val="5B9BD5">
+                    <a:lumMod val="75000"/>
+                  </a:srgbClr>
+                </a:solidFill>
+              </a:ln>
+              <a:solidFill>
+                <a:schemeClr val="bg1"/>
+              </a:solidFill>
+              <a:latin typeface="Ink Free" panose="03080402000500000000" pitchFamily="66" charset="0"/>
+            </a:endParaRPr>
+          </a:p>
+        </p:txBody>
+      </p:sp>
+      <p:sp>
+        <p:nvSpPr>
+          <p:cNvPr id="6" name="Szövegdoboz 5">
+            <a:extLst>
+              <a:ext uri="{FF2B5EF4-FFF2-40B4-BE49-F238E27FC236}">
+                <a16:creationId xmlns:a16="http://schemas.microsoft.com/office/drawing/2014/main" id="{C6DD4250-BC56-991D-8470-6C3D53E5C302}"/>
+              </a:ext>
+            </a:extLst>
+          </p:cNvPr>
+          <p:cNvSpPr txBox="1"/>
+          <p:nvPr/>
+        </p:nvSpPr>
+        <p:spPr>
+          <a:xfrm>
+            <a:off x="594084" y="1095229"/>
+            <a:ext cx="6335511" cy="4893647"/>
+          </a:xfrm>
+          <a:prstGeom prst="rect">
+            <a:avLst/>
+          </a:prstGeom>
+          <a:noFill/>
+        </p:spPr>
+        <p:txBody>
+          <a:bodyPr wrap="square" lIns="91440" tIns="45720" rIns="91440" bIns="45720" rtlCol="0" anchor="ctr">
+            <a:spAutoFit/>
+          </a:bodyPr>
+          <a:lstStyle/>
+          <a:p>
+            <a:pPr algn="just"/>
+            <a:r>
+              <a:rPr lang="hu-HU" sz="2400" dirty="0">
+                <a:solidFill>
+                  <a:schemeClr val="accent4">
+                    <a:lumMod val="75000"/>
+                  </a:schemeClr>
+                </a:solidFill>
+                <a:latin typeface="Arial"/>
+                <a:ea typeface="Calibri"/>
+                <a:cs typeface="Arial"/>
+              </a:rPr>
+              <a:t>•</a:t>
+            </a:r>
+            <a:r>
+              <a:rPr lang="hu-HU" sz="2400" b="1" dirty="0">
+                <a:solidFill>
+                  <a:schemeClr val="accent4">
+                    <a:lumMod val="75000"/>
+                  </a:schemeClr>
+                </a:solidFill>
+                <a:ea typeface="Calibri"/>
+                <a:cs typeface="Calibri"/>
+              </a:rPr>
+              <a:t>A Dózsa Csárda </a:t>
+            </a:r>
+            <a:r>
+              <a:rPr lang="hu-HU" sz="2400" dirty="0">
+                <a:solidFill>
+                  <a:schemeClr val="accent4">
+                    <a:lumMod val="75000"/>
+                  </a:schemeClr>
+                </a:solidFill>
+                <a:ea typeface="Calibri"/>
+                <a:cs typeface="Calibri"/>
+              </a:rPr>
+              <a:t>projekt célja hogy egy gyors és felhasználóbarát oldalon az élelmiszer rendelést tegye sokkal egyszerűbbé.</a:t>
+            </a:r>
+          </a:p>
+          <a:p>
+            <a:pPr algn="just"/>
+            <a:endParaRPr lang="hu-HU" sz="2400" dirty="0">
+              <a:solidFill>
+                <a:schemeClr val="accent4">
+                  <a:lumMod val="75000"/>
+                </a:schemeClr>
+              </a:solidFill>
+              <a:ea typeface="Calibri"/>
+              <a:cs typeface="Calibri"/>
+            </a:endParaRPr>
+          </a:p>
+          <a:p>
+            <a:pPr marL="342900" indent="-342900" algn="just">
+              <a:buFont typeface="Arial"/>
+              <a:buChar char="•"/>
+            </a:pPr>
+            <a:r>
+              <a:rPr lang="hu-HU" sz="2400" dirty="0">
+                <a:solidFill>
+                  <a:schemeClr val="accent4">
+                    <a:lumMod val="75000"/>
+                  </a:schemeClr>
+                </a:solidFill>
+                <a:ea typeface="Calibri"/>
+                <a:cs typeface="Calibri"/>
+              </a:rPr>
+              <a:t>Az önálló rendeléseket 5 kategóriából lehet összeállítani, mely biztosítja, hogy saját stílus szerint lehessen ebédelni. :)</a:t>
+            </a:r>
+          </a:p>
+          <a:p>
+            <a:pPr marL="342900" indent="-342900" algn="just">
+              <a:buFont typeface="Arial"/>
+              <a:buChar char="•"/>
+            </a:pPr>
+            <a:endParaRPr lang="hu-HU" sz="2400" dirty="0">
+              <a:solidFill>
+                <a:schemeClr val="accent4">
+                  <a:lumMod val="75000"/>
+                </a:schemeClr>
+              </a:solidFill>
+              <a:ea typeface="Calibri"/>
+              <a:cs typeface="Calibri"/>
+            </a:endParaRPr>
+          </a:p>
+          <a:p>
+            <a:pPr marL="342900" indent="-342900" algn="just">
+              <a:buFont typeface="Arial"/>
+              <a:buChar char="•"/>
+            </a:pPr>
+            <a:r>
+              <a:rPr lang="hu-HU" sz="2400" dirty="0">
+                <a:solidFill>
+                  <a:schemeClr val="accent4">
+                    <a:lumMod val="75000"/>
+                  </a:schemeClr>
+                </a:solidFill>
+                <a:ea typeface="Calibri"/>
+                <a:cs typeface="Calibri"/>
+              </a:rPr>
+              <a:t>Az oldal csakis akkor használható, ha regisztrálnak az oldalra, melyhez az oldalon sok segítséget nyújtunk. Egyszerű és érthető segítségeket és hibaüzeneteket kínálunk.</a:t>
+            </a:r>
+          </a:p>
+          <a:p>
+            <a:pPr marL="457200" indent="-457200" algn="just">
+              <a:buFont typeface="Arial" panose="020B0604020202020204" pitchFamily="34" charset="0"/>
+              <a:buChar char="•"/>
+            </a:pPr>
+            <a:endParaRPr lang="hu-HU" sz="2400" dirty="0">
+              <a:solidFill>
+                <a:schemeClr val="accent4">
+                  <a:lumMod val="75000"/>
+                </a:schemeClr>
+              </a:solidFill>
+              <a:ea typeface="Calibri"/>
+              <a:cs typeface="Calibri"/>
+            </a:endParaRPr>
+          </a:p>
+        </p:txBody>
+      </p:sp>
+      <p:pic>
+        <p:nvPicPr>
+          <p:cNvPr id="7" name="Kép 6">
+            <a:extLst>
+              <a:ext uri="{FF2B5EF4-FFF2-40B4-BE49-F238E27FC236}">
+                <a16:creationId xmlns:a16="http://schemas.microsoft.com/office/drawing/2014/main" id="{95FBB1C7-6965-B4EE-9352-D94F17CD1D5E}"/>
+              </a:ext>
+            </a:extLst>
+          </p:cNvPr>
+          <p:cNvPicPr>
+            <a:picLocks noChangeAspect="1"/>
+          </p:cNvPicPr>
+          <p:nvPr/>
+        </p:nvPicPr>
+        <p:blipFill>
+          <a:blip r:embed="rId3"/>
+          <a:stretch>
+            <a:fillRect/>
+          </a:stretch>
+        </p:blipFill>
+        <p:spPr>
+          <a:xfrm>
+            <a:off x="7415699" y="993894"/>
+            <a:ext cx="3947800" cy="2473552"/>
+          </a:xfrm>
+          <a:prstGeom prst="rect">
+            <a:avLst/>
+          </a:prstGeom>
+          <a:ln w="38100">
+            <a:solidFill>
+              <a:schemeClr val="accent1">
+                <a:lumMod val="40000"/>
+                <a:lumOff val="60000"/>
+              </a:schemeClr>
+            </a:solidFill>
+          </a:ln>
+        </p:spPr>
+      </p:pic>
+      <p:pic>
+        <p:nvPicPr>
+          <p:cNvPr id="8" name="Kép 7">
+            <a:extLst>
+              <a:ext uri="{FF2B5EF4-FFF2-40B4-BE49-F238E27FC236}">
+                <a16:creationId xmlns:a16="http://schemas.microsoft.com/office/drawing/2014/main" id="{17C6BF0A-0D42-2E63-7CE8-9A31EE876B7F}"/>
+              </a:ext>
+            </a:extLst>
+          </p:cNvPr>
+          <p:cNvPicPr>
+            <a:picLocks noChangeAspect="1"/>
+          </p:cNvPicPr>
+          <p:nvPr/>
+        </p:nvPicPr>
+        <p:blipFill>
+          <a:blip r:embed="rId4"/>
+          <a:stretch>
+            <a:fillRect/>
+          </a:stretch>
+        </p:blipFill>
+        <p:spPr>
+          <a:xfrm>
+            <a:off x="7415699" y="3781386"/>
+            <a:ext cx="3947800" cy="2638888"/>
+          </a:xfrm>
+          <a:prstGeom prst="rect">
+            <a:avLst/>
+          </a:prstGeom>
+          <a:ln w="38100">
+            <a:solidFill>
+              <a:schemeClr val="accent1">
+                <a:lumMod val="40000"/>
+                <a:lumOff val="60000"/>
+              </a:schemeClr>
+            </a:solidFill>
+          </a:ln>
+        </p:spPr>
+      </p:pic>
+    </p:spTree>
+    <p:extLst>
+      <p:ext uri="{BB962C8B-B14F-4D97-AF65-F5344CB8AC3E}">
+        <p14:creationId xmlns:p14="http://schemas.microsoft.com/office/powerpoint/2010/main" val="368718060"/>
+      </p:ext>
+    </p:extLst>
+  </p:cSld>
+  <p:clrMapOvr>
+    <a:masterClrMapping/>
+  </p:clrMapOvr>
+  <p:transition spd="med">
+    <p:pull/>
+  </p:transition>
+  <p:timing>
+    <p:tnLst>
+      <p:par>
+        <p:cTn id="1" dur="indefinite" restart="never" nodeType="tmRoot">
+          <p:childTnLst>
+            <p:seq concurrent="1" nextAc="seek">
+              <p:cTn id="2" dur="indefinite" nodeType="mainSeq">
+                <p:childTnLst>
+                  <p:par>
+                    <p:cTn id="3" fill="hold">
+                      <p:stCondLst>
+                        <p:cond delay="indefinite"/>
+                        <p:cond evt="onBegin" delay="0">
+                          <p:tn val="2"/>
+                        </p:cond>
+                      </p:stCondLst>
+                      <p:childTnLst>
+                        <p:par>
+                          <p:cTn id="4" fill="hold">
+                            <p:stCondLst>
+                              <p:cond delay="0"/>
+                            </p:stCondLst>
+                            <p:childTnLst>
+                              <p:par>
+                                <p:cTn id="5" presetID="45" presetClass="entr" presetSubtype="0" fill="hold" nodeType="withEffect">
+                                  <p:stCondLst>
+                                    <p:cond delay="0"/>
+                                  </p:stCondLst>
+                                  <p:childTnLst>
+                                    <p:set>
+                                      <p:cBhvr>
+                                        <p:cTn id="6" dur="1" fill="hold">
+                                          <p:stCondLst>
+                                            <p:cond delay="0"/>
+                                          </p:stCondLst>
+                                        </p:cTn>
+                                        <p:tgtEl>
+                                          <p:spTgt spid="3"/>
+                                        </p:tgtEl>
+                                        <p:attrNameLst>
+                                          <p:attrName>style.visibility</p:attrName>
+                                        </p:attrNameLst>
+                                      </p:cBhvr>
+                                      <p:to>
+                                        <p:strVal val="visible"/>
+                                      </p:to>
+                                    </p:set>
+                                    <p:animEffect transition="in" filter="fade">
+                                      <p:cBhvr>
+                                        <p:cTn id="7" dur="1000"/>
+                                        <p:tgtEl>
+                                          <p:spTgt spid="3"/>
+                                        </p:tgtEl>
+                                      </p:cBhvr>
+                                    </p:animEffect>
+                                    <p:anim calcmode="lin" valueType="num">
+                                      <p:cBhvr>
+                                        <p:cTn id="8" dur="1000" fill="hold"/>
+                                        <p:tgtEl>
+                                          <p:spTgt spid="3"/>
+                                        </p:tgtEl>
+                                        <p:attrNameLst>
+                                          <p:attrName>ppt_w</p:attrName>
+                                        </p:attrNameLst>
+                                      </p:cBhvr>
+                                      <p:tavLst>
+                                        <p:tav tm="0" fmla="#ppt_w*sin(2.5*pi*$)">
+                                          <p:val>
+                                            <p:fltVal val="0"/>
+                                          </p:val>
+                                        </p:tav>
+                                        <p:tav tm="100000">
+                                          <p:val>
+                                            <p:fltVal val="1"/>
+                                          </p:val>
+                                        </p:tav>
+                                      </p:tavLst>
+                                    </p:anim>
+                                    <p:anim calcmode="lin" valueType="num">
+                                      <p:cBhvr>
+                                        <p:cTn id="9" dur="1000" fill="hold"/>
+                                        <p:tgtEl>
+                                          <p:spTgt spid="3"/>
+                                        </p:tgtEl>
+                                        <p:attrNameLst>
+                                          <p:attrName>ppt_h</p:attrName>
+                                        </p:attrNameLst>
+                                      </p:cBhvr>
+                                      <p:tavLst>
+                                        <p:tav tm="0">
+                                          <p:val>
+                                            <p:strVal val="#ppt_h"/>
+                                          </p:val>
+                                        </p:tav>
+                                        <p:tav tm="100000">
+                                          <p:val>
+                                            <p:strVal val="#ppt_h"/>
+                                          </p:val>
+                                        </p:tav>
+                                      </p:tavLst>
+                                    </p:anim>
+                                  </p:childTnLst>
+                                </p:cTn>
+                              </p:par>
+                            </p:childTnLst>
+                          </p:cTn>
+                        </p:par>
+                      </p:childTnLst>
+                    </p:cTn>
+                  </p:par>
+                </p:childTnLst>
+              </p:cTn>
+              <p:prevCondLst>
+                <p:cond evt="onPrev" delay="0">
+                  <p:tgtEl>
+                    <p:sldTgt/>
+                  </p:tgtEl>
+                </p:cond>
+              </p:prevCondLst>
+              <p:nextCondLst>
+                <p:cond evt="onNext" delay="0">
+                  <p:tgtEl>
+                    <p:sldTgt/>
+                  </p:tgtEl>
+                </p:cond>
+              </p:nextCondLst>
+            </p:seq>
+          </p:childTnLst>
+        </p:cTn>
+      </p:par>
+    </p:tnLst>
+  </p:timing>
+</p:sld>
+</file>
+
+<file path=ppt/slides/slide4.xml><?xml version="1.0" encoding="utf-8"?>
+<p:sld xmlns:a="http://schemas.openxmlformats.org/drawingml/2006/main" xmlns:r="http://schemas.openxmlformats.org/officeDocument/2006/relationships" xmlns:p="http://schemas.openxmlformats.org/presentationml/2006/main">
+  <p:cSld>
+    <p:bg>
+      <p:bgPr>
+        <a:solidFill>
+          <a:schemeClr val="accent4">
+            <a:lumMod val="20000"/>
+            <a:lumOff val="80000"/>
+          </a:schemeClr>
+        </a:solidFill>
+        <a:effectLst/>
+      </p:bgPr>
+    </p:bg>
+    <p:spTree>
+      <p:nvGrpSpPr>
         <p:cNvPr id="1" name=""/>
         <p:cNvGrpSpPr/>
         <p:nvPr/>
@@ -5339,7 +7050,7 @@
 </p:sld>
 </file>
 
-<file path=ppt/slides/slide4.xml><?xml version="1.0" encoding="utf-8"?>
+<file path=ppt/slides/slide5.xml><?xml version="1.0" encoding="utf-8"?>
 <p:sld xmlns:a="http://schemas.openxmlformats.org/drawingml/2006/main" xmlns:r="http://schemas.openxmlformats.org/officeDocument/2006/relationships" xmlns:p="http://schemas.openxmlformats.org/presentationml/2006/main">
   <p:cSld>
     <p:bg>
@@ -6459,7 +8170,7 @@
 </p:sld>
 </file>
 
-<file path=ppt/slides/slide5.xml><?xml version="1.0" encoding="utf-8"?>
+<file path=ppt/slides/slide6.xml><?xml version="1.0" encoding="utf-8"?>
 <p:sld xmlns:a="http://schemas.openxmlformats.org/drawingml/2006/main" xmlns:r="http://schemas.openxmlformats.org/officeDocument/2006/relationships" xmlns:p="http://schemas.openxmlformats.org/presentationml/2006/main">
   <p:cSld>
     <p:bg>
@@ -7329,7 +9040,7 @@
 </p:sld>
 </file>
 
-<file path=ppt/slides/slide6.xml><?xml version="1.0" encoding="utf-8"?>
+<file path=ppt/slides/slide7.xml><?xml version="1.0" encoding="utf-8"?>
 <p:sld xmlns:a="http://schemas.openxmlformats.org/drawingml/2006/main" xmlns:r="http://schemas.openxmlformats.org/officeDocument/2006/relationships" xmlns:p="http://schemas.openxmlformats.org/presentationml/2006/main">
   <p:cSld>
     <p:bg>
@@ -8359,1000 +10070,6 @@
     <p:extLst>
       <p:ext uri="{BB962C8B-B14F-4D97-AF65-F5344CB8AC3E}">
         <p14:creationId xmlns:p14="http://schemas.microsoft.com/office/powerpoint/2010/main" val="2390332418"/>
-      </p:ext>
-    </p:extLst>
-  </p:cSld>
-  <p:clrMapOvr>
-    <a:masterClrMapping/>
-  </p:clrMapOvr>
-  <p:transition spd="med">
-    <p:pull/>
-  </p:transition>
-</p:sld>
-</file>
-
-<file path=ppt/slides/slide7.xml><?xml version="1.0" encoding="utf-8"?>
-<p:sld xmlns:a="http://schemas.openxmlformats.org/drawingml/2006/main" xmlns:r="http://schemas.openxmlformats.org/officeDocument/2006/relationships" xmlns:p="http://schemas.openxmlformats.org/presentationml/2006/main">
-  <p:cSld>
-    <p:bg>
-      <p:bgPr>
-        <a:solidFill>
-          <a:schemeClr val="accent4">
-            <a:lumMod val="20000"/>
-            <a:lumOff val="80000"/>
-          </a:schemeClr>
-        </a:solidFill>
-        <a:effectLst/>
-      </p:bgPr>
-    </p:bg>
-    <p:spTree>
-      <p:nvGrpSpPr>
-        <p:cNvPr id="1" name=""/>
-        <p:cNvGrpSpPr/>
-        <p:nvPr/>
-      </p:nvGrpSpPr>
-      <p:grpSpPr>
-        <a:xfrm>
-          <a:off x="0" y="0"/>
-          <a:ext cx="0" cy="0"/>
-          <a:chOff x="0" y="0"/>
-          <a:chExt cx="0" cy="0"/>
-        </a:xfrm>
-      </p:grpSpPr>
-      <p:sp>
-        <p:nvSpPr>
-          <p:cNvPr id="4" name="Téglalap 3"/>
-          <p:cNvSpPr/>
-          <p:nvPr/>
-        </p:nvSpPr>
-        <p:spPr>
-          <a:xfrm>
-            <a:off x="0" y="0"/>
-            <a:ext cx="12192000" cy="819150"/>
-          </a:xfrm>
-          <a:prstGeom prst="rect">
-            <a:avLst/>
-          </a:prstGeom>
-          <a:solidFill>
-            <a:schemeClr val="accent1">
-              <a:lumMod val="60000"/>
-              <a:lumOff val="40000"/>
-            </a:schemeClr>
-          </a:solidFill>
-          <a:ln>
-            <a:noFill/>
-          </a:ln>
-        </p:spPr>
-        <p:style>
-          <a:lnRef idx="2">
-            <a:schemeClr val="accent1">
-              <a:shade val="50000"/>
-            </a:schemeClr>
-          </a:lnRef>
-          <a:fillRef idx="1">
-            <a:schemeClr val="accent1"/>
-          </a:fillRef>
-          <a:effectRef idx="0">
-            <a:schemeClr val="accent1"/>
-          </a:effectRef>
-          <a:fontRef idx="minor">
-            <a:schemeClr val="lt1"/>
-          </a:fontRef>
-        </p:style>
-        <p:txBody>
-          <a:bodyPr rtlCol="0" anchor="ctr"/>
-          <a:lstStyle/>
-          <a:p>
-            <a:pPr algn="ctr"/>
-            <a:endParaRPr lang="hu-HU">
-              <a:solidFill>
-                <a:schemeClr val="tx1"/>
-              </a:solidFill>
-            </a:endParaRPr>
-          </a:p>
-        </p:txBody>
-      </p:sp>
-      <p:pic>
-        <p:nvPicPr>
-          <p:cNvPr id="3" name="Kép 2"/>
-          <p:cNvPicPr>
-            <a:picLocks noChangeAspect="1"/>
-          </p:cNvPicPr>
-          <p:nvPr/>
-        </p:nvPicPr>
-        <p:blipFill>
-          <a:blip r:embed="rId2" cstate="print">
-            <a:extLst>
-              <a:ext uri="{28A0092B-C50C-407E-A947-70E740481C1C}">
-                <a14:useLocalDpi xmlns:a14="http://schemas.microsoft.com/office/drawing/2010/main" val="0"/>
-              </a:ext>
-            </a:extLst>
-          </a:blip>
-          <a:stretch>
-            <a:fillRect/>
-          </a:stretch>
-        </p:blipFill>
-        <p:spPr>
-          <a:xfrm>
-            <a:off x="140104" y="47687"/>
-            <a:ext cx="745721" cy="723776"/>
-          </a:xfrm>
-          <a:prstGeom prst="rect">
-            <a:avLst/>
-          </a:prstGeom>
-        </p:spPr>
-      </p:pic>
-      <p:sp>
-        <p:nvSpPr>
-          <p:cNvPr id="2" name="Szövegdoboz 1"/>
-          <p:cNvSpPr txBox="1"/>
-          <p:nvPr/>
-        </p:nvSpPr>
-        <p:spPr>
-          <a:xfrm>
-            <a:off x="2801383" y="24854"/>
-            <a:ext cx="6589234" cy="769441"/>
-          </a:xfrm>
-          <a:prstGeom prst="rect">
-            <a:avLst/>
-          </a:prstGeom>
-          <a:noFill/>
-        </p:spPr>
-        <p:txBody>
-          <a:bodyPr wrap="square" rtlCol="0">
-            <a:spAutoFit/>
-          </a:bodyPr>
-          <a:lstStyle/>
-          <a:p>
-            <a:pPr algn="ctr"/>
-            <a:r>
-              <a:rPr lang="hu-HU" sz="4400" b="1" dirty="0" err="1">
-                <a:ln w="6350">
-                  <a:solidFill>
-                    <a:schemeClr val="accent1">
-                      <a:lumMod val="75000"/>
-                    </a:schemeClr>
-                  </a:solidFill>
-                </a:ln>
-                <a:solidFill>
-                  <a:schemeClr val="bg1"/>
-                </a:solidFill>
-                <a:latin typeface="Ink Free" panose="03080402000500000000" pitchFamily="66" charset="0"/>
-              </a:rPr>
-              <a:t>Programming</a:t>
-            </a:r>
-            <a:r>
-              <a:rPr lang="hu-HU" sz="4400" b="1" dirty="0">
-                <a:ln w="6350">
-                  <a:solidFill>
-                    <a:schemeClr val="accent1">
-                      <a:lumMod val="75000"/>
-                    </a:schemeClr>
-                  </a:solidFill>
-                </a:ln>
-                <a:solidFill>
-                  <a:schemeClr val="bg1"/>
-                </a:solidFill>
-                <a:latin typeface="Ink Free" panose="03080402000500000000" pitchFamily="66" charset="0"/>
-              </a:rPr>
-              <a:t> </a:t>
-            </a:r>
-            <a:r>
-              <a:rPr lang="hu-HU" sz="4400" b="1" dirty="0" err="1">
-                <a:ln w="6350">
-                  <a:solidFill>
-                    <a:schemeClr val="accent1">
-                      <a:lumMod val="75000"/>
-                    </a:schemeClr>
-                  </a:solidFill>
-                </a:ln>
-                <a:solidFill>
-                  <a:schemeClr val="bg1"/>
-                </a:solidFill>
-                <a:latin typeface="Ink Free" panose="03080402000500000000" pitchFamily="66" charset="0"/>
-              </a:rPr>
-              <a:t>languages</a:t>
-            </a:r>
-            <a:endParaRPr lang="hu-HU" sz="4400" b="1" dirty="0">
-              <a:ln w="6350">
-                <a:solidFill>
-                  <a:schemeClr val="accent1">
-                    <a:lumMod val="75000"/>
-                  </a:schemeClr>
-                </a:solidFill>
-              </a:ln>
-              <a:solidFill>
-                <a:schemeClr val="bg1"/>
-              </a:solidFill>
-              <a:latin typeface="Ink Free" panose="03080402000500000000" pitchFamily="66" charset="0"/>
-            </a:endParaRPr>
-          </a:p>
-        </p:txBody>
-      </p:sp>
-      <p:sp>
-        <p:nvSpPr>
-          <p:cNvPr id="9" name="Szövegdoboz 8">
-            <a:extLst>
-              <a:ext uri="{FF2B5EF4-FFF2-40B4-BE49-F238E27FC236}">
-                <a16:creationId xmlns:a16="http://schemas.microsoft.com/office/drawing/2014/main" id="{D84E1BB5-C09F-466B-8C1B-51040ABBF068}"/>
-              </a:ext>
-            </a:extLst>
-          </p:cNvPr>
-          <p:cNvSpPr txBox="1"/>
-          <p:nvPr/>
-        </p:nvSpPr>
-        <p:spPr>
-          <a:xfrm>
-            <a:off x="2338649" y="1038903"/>
-            <a:ext cx="3973482" cy="2308324"/>
-          </a:xfrm>
-          <a:prstGeom prst="rect">
-            <a:avLst/>
-          </a:prstGeom>
-          <a:noFill/>
-        </p:spPr>
-        <p:txBody>
-          <a:bodyPr wrap="square" rtlCol="0">
-            <a:spAutoFit/>
-          </a:bodyPr>
-          <a:lstStyle/>
-          <a:p>
-            <a:pPr marL="342900" indent="-342900">
-              <a:buFont typeface="Arial" panose="020B0604020202020204" pitchFamily="34" charset="0"/>
-              <a:buChar char="•"/>
-            </a:pPr>
-            <a:r>
-              <a:rPr lang="hu-HU" sz="2400" b="1" dirty="0">
-                <a:solidFill>
-                  <a:schemeClr val="accent4">
-                    <a:lumMod val="75000"/>
-                  </a:schemeClr>
-                </a:solidFill>
-              </a:rPr>
-              <a:t>C#</a:t>
-            </a:r>
-            <a:r>
-              <a:rPr lang="hu-HU" sz="2400" dirty="0">
-                <a:solidFill>
-                  <a:schemeClr val="accent4">
-                    <a:lumMod val="75000"/>
-                  </a:schemeClr>
-                </a:solidFill>
-              </a:rPr>
-              <a:t>: </a:t>
-            </a:r>
-            <a:r>
-              <a:rPr lang="hu-HU" sz="2400" dirty="0" err="1">
-                <a:solidFill>
-                  <a:schemeClr val="accent4">
-                    <a:lumMod val="75000"/>
-                  </a:schemeClr>
-                </a:solidFill>
-              </a:rPr>
-              <a:t>Object-oriented</a:t>
-            </a:r>
-            <a:r>
-              <a:rPr lang="hu-HU" sz="2400" dirty="0">
-                <a:solidFill>
-                  <a:schemeClr val="accent4">
-                    <a:lumMod val="75000"/>
-                  </a:schemeClr>
-                </a:solidFill>
-              </a:rPr>
-              <a:t> </a:t>
-            </a:r>
-            <a:r>
-              <a:rPr lang="hu-HU" sz="2400" dirty="0" err="1">
-                <a:solidFill>
-                  <a:schemeClr val="accent4">
-                    <a:lumMod val="75000"/>
-                  </a:schemeClr>
-                </a:solidFill>
-              </a:rPr>
-              <a:t>programming</a:t>
-            </a:r>
-            <a:r>
-              <a:rPr lang="hu-HU" sz="2400" dirty="0">
-                <a:solidFill>
-                  <a:schemeClr val="accent4">
-                    <a:lumMod val="75000"/>
-                  </a:schemeClr>
-                </a:solidFill>
-              </a:rPr>
-              <a:t> </a:t>
-            </a:r>
-            <a:r>
-              <a:rPr lang="hu-HU" sz="2400" dirty="0" err="1">
-                <a:solidFill>
-                  <a:schemeClr val="accent4">
-                    <a:lumMod val="75000"/>
-                  </a:schemeClr>
-                </a:solidFill>
-              </a:rPr>
-              <a:t>language</a:t>
-            </a:r>
-            <a:r>
-              <a:rPr lang="hu-HU" sz="2400" dirty="0">
-                <a:solidFill>
-                  <a:schemeClr val="accent4">
-                    <a:lumMod val="75000"/>
-                  </a:schemeClr>
-                </a:solidFill>
-              </a:rPr>
-              <a:t>. We </a:t>
-            </a:r>
-            <a:r>
-              <a:rPr lang="hu-HU" sz="2400" dirty="0" err="1">
-                <a:solidFill>
-                  <a:schemeClr val="accent4">
-                    <a:lumMod val="75000"/>
-                  </a:schemeClr>
-                </a:solidFill>
-              </a:rPr>
-              <a:t>also</a:t>
-            </a:r>
-            <a:r>
-              <a:rPr lang="hu-HU" sz="2400" dirty="0">
-                <a:solidFill>
-                  <a:schemeClr val="accent4">
-                    <a:lumMod val="75000"/>
-                  </a:schemeClr>
-                </a:solidFill>
-              </a:rPr>
-              <a:t> </a:t>
-            </a:r>
-            <a:r>
-              <a:rPr lang="hu-HU" sz="2400" dirty="0" err="1">
-                <a:solidFill>
-                  <a:schemeClr val="accent4">
-                    <a:lumMod val="75000"/>
-                  </a:schemeClr>
-                </a:solidFill>
-              </a:rPr>
-              <a:t>used</a:t>
-            </a:r>
-            <a:r>
-              <a:rPr lang="hu-HU" sz="2400" dirty="0">
-                <a:solidFill>
-                  <a:schemeClr val="accent4">
-                    <a:lumMod val="75000"/>
-                  </a:schemeClr>
-                </a:solidFill>
-              </a:rPr>
-              <a:t> </a:t>
-            </a:r>
-            <a:r>
-              <a:rPr lang="hu-HU" sz="2400" dirty="0" err="1">
-                <a:solidFill>
-                  <a:schemeClr val="accent4">
-                    <a:lumMod val="75000"/>
-                  </a:schemeClr>
-                </a:solidFill>
-              </a:rPr>
-              <a:t>the</a:t>
-            </a:r>
-            <a:r>
-              <a:rPr lang="hu-HU" sz="2400" dirty="0">
-                <a:solidFill>
-                  <a:schemeClr val="accent4">
-                    <a:lumMod val="75000"/>
-                  </a:schemeClr>
-                </a:solidFill>
-              </a:rPr>
-              <a:t> WPF </a:t>
-            </a:r>
-            <a:r>
-              <a:rPr lang="hu-HU" sz="2400" dirty="0" err="1">
-                <a:solidFill>
-                  <a:schemeClr val="accent4">
-                    <a:lumMod val="75000"/>
-                  </a:schemeClr>
-                </a:solidFill>
-              </a:rPr>
-              <a:t>open</a:t>
-            </a:r>
-            <a:r>
-              <a:rPr lang="hu-HU" sz="2400" dirty="0">
-                <a:solidFill>
-                  <a:schemeClr val="accent4">
-                    <a:lumMod val="75000"/>
-                  </a:schemeClr>
-                </a:solidFill>
-              </a:rPr>
-              <a:t> </a:t>
-            </a:r>
-            <a:r>
-              <a:rPr lang="hu-HU" sz="2400" dirty="0" err="1">
-                <a:solidFill>
-                  <a:schemeClr val="accent4">
-                    <a:lumMod val="75000"/>
-                  </a:schemeClr>
-                </a:solidFill>
-              </a:rPr>
-              <a:t>source</a:t>
-            </a:r>
-            <a:r>
-              <a:rPr lang="hu-HU" sz="2400" dirty="0">
-                <a:solidFill>
-                  <a:schemeClr val="accent4">
-                    <a:lumMod val="75000"/>
-                  </a:schemeClr>
-                </a:solidFill>
-              </a:rPr>
-              <a:t> </a:t>
-            </a:r>
-            <a:r>
-              <a:rPr lang="hu-HU" sz="2400" dirty="0" err="1">
-                <a:solidFill>
-                  <a:schemeClr val="accent4">
-                    <a:lumMod val="75000"/>
-                  </a:schemeClr>
-                </a:solidFill>
-              </a:rPr>
-              <a:t>user</a:t>
-            </a:r>
-            <a:r>
-              <a:rPr lang="hu-HU" sz="2400" dirty="0">
-                <a:solidFill>
-                  <a:schemeClr val="accent4">
-                    <a:lumMod val="75000"/>
-                  </a:schemeClr>
-                </a:solidFill>
-              </a:rPr>
-              <a:t> </a:t>
-            </a:r>
-            <a:r>
-              <a:rPr lang="hu-HU" sz="2400" dirty="0" err="1">
-                <a:solidFill>
-                  <a:schemeClr val="accent4">
-                    <a:lumMod val="75000"/>
-                  </a:schemeClr>
-                </a:solidFill>
-              </a:rPr>
-              <a:t>interface</a:t>
-            </a:r>
-            <a:r>
-              <a:rPr lang="hu-HU" sz="2400" dirty="0">
-                <a:solidFill>
-                  <a:schemeClr val="accent4">
-                    <a:lumMod val="75000"/>
-                  </a:schemeClr>
-                </a:solidFill>
-              </a:rPr>
-              <a:t> </a:t>
-            </a:r>
-            <a:r>
-              <a:rPr lang="hu-HU" sz="2400" dirty="0" err="1">
-                <a:solidFill>
-                  <a:schemeClr val="accent4">
-                    <a:lumMod val="75000"/>
-                  </a:schemeClr>
-                </a:solidFill>
-              </a:rPr>
-              <a:t>framework</a:t>
-            </a:r>
-            <a:r>
-              <a:rPr lang="hu-HU" sz="2400" dirty="0">
-                <a:solidFill>
-                  <a:schemeClr val="accent4">
-                    <a:lumMod val="75000"/>
-                  </a:schemeClr>
-                </a:solidFill>
-              </a:rPr>
-              <a:t> </a:t>
-            </a:r>
-            <a:r>
-              <a:rPr lang="hu-HU" sz="2400" dirty="0" err="1">
-                <a:solidFill>
-                  <a:schemeClr val="accent4">
-                    <a:lumMod val="75000"/>
-                  </a:schemeClr>
-                </a:solidFill>
-              </a:rPr>
-              <a:t>to</a:t>
-            </a:r>
-            <a:r>
-              <a:rPr lang="hu-HU" sz="2400" dirty="0">
-                <a:solidFill>
-                  <a:schemeClr val="accent4">
-                    <a:lumMod val="75000"/>
-                  </a:schemeClr>
-                </a:solidFill>
-              </a:rPr>
-              <a:t> </a:t>
-            </a:r>
-            <a:r>
-              <a:rPr lang="hu-HU" sz="2400" dirty="0" err="1">
-                <a:solidFill>
-                  <a:schemeClr val="accent4">
-                    <a:lumMod val="75000"/>
-                  </a:schemeClr>
-                </a:solidFill>
-              </a:rPr>
-              <a:t>manage</a:t>
-            </a:r>
-            <a:r>
-              <a:rPr lang="hu-HU" sz="2400" dirty="0">
-                <a:solidFill>
-                  <a:schemeClr val="accent4">
-                    <a:lumMod val="75000"/>
-                  </a:schemeClr>
-                </a:solidFill>
-              </a:rPr>
-              <a:t> </a:t>
-            </a:r>
-            <a:r>
-              <a:rPr lang="hu-HU" sz="2400" dirty="0" err="1">
-                <a:solidFill>
-                  <a:schemeClr val="accent4">
-                    <a:lumMod val="75000"/>
-                  </a:schemeClr>
-                </a:solidFill>
-              </a:rPr>
-              <a:t>the</a:t>
-            </a:r>
-            <a:r>
-              <a:rPr lang="hu-HU" sz="2400" dirty="0">
-                <a:solidFill>
-                  <a:schemeClr val="accent4">
-                    <a:lumMod val="75000"/>
-                  </a:schemeClr>
-                </a:solidFill>
-              </a:rPr>
-              <a:t> </a:t>
-            </a:r>
-            <a:r>
-              <a:rPr lang="hu-HU" sz="2400" dirty="0" err="1">
-                <a:solidFill>
-                  <a:schemeClr val="accent4">
-                    <a:lumMod val="75000"/>
-                  </a:schemeClr>
-                </a:solidFill>
-              </a:rPr>
-              <a:t>database</a:t>
-            </a:r>
-            <a:r>
-              <a:rPr lang="hu-HU" sz="2400" dirty="0">
-                <a:solidFill>
-                  <a:schemeClr val="accent4">
-                    <a:lumMod val="75000"/>
-                  </a:schemeClr>
-                </a:solidFill>
-              </a:rPr>
-              <a:t> of </a:t>
-            </a:r>
-            <a:r>
-              <a:rPr lang="hu-HU" sz="2400" dirty="0" err="1">
-                <a:solidFill>
-                  <a:schemeClr val="accent4">
-                    <a:lumMod val="75000"/>
-                  </a:schemeClr>
-                </a:solidFill>
-              </a:rPr>
-              <a:t>our</a:t>
-            </a:r>
-            <a:r>
-              <a:rPr lang="hu-HU" sz="2400" dirty="0">
-                <a:solidFill>
-                  <a:schemeClr val="accent4">
-                    <a:lumMod val="75000"/>
-                  </a:schemeClr>
-                </a:solidFill>
-              </a:rPr>
-              <a:t> project.</a:t>
-            </a:r>
-          </a:p>
-        </p:txBody>
-      </p:sp>
-      <p:pic>
-        <p:nvPicPr>
-          <p:cNvPr id="3074" name="Picture 2" descr="undefined"/>
-          <p:cNvPicPr>
-            <a:picLocks noChangeAspect="1" noChangeArrowheads="1"/>
-          </p:cNvPicPr>
-          <p:nvPr/>
-        </p:nvPicPr>
-        <p:blipFill>
-          <a:blip r:embed="rId3" cstate="print">
-            <a:extLst>
-              <a:ext uri="{28A0092B-C50C-407E-A947-70E740481C1C}">
-                <a14:useLocalDpi xmlns:a14="http://schemas.microsoft.com/office/drawing/2010/main" val="0"/>
-              </a:ext>
-            </a:extLst>
-          </a:blip>
-          <a:srcRect/>
-          <a:stretch>
-            <a:fillRect/>
-          </a:stretch>
-        </p:blipFill>
-        <p:spPr bwMode="auto">
-          <a:xfrm>
-            <a:off x="135504" y="813953"/>
-            <a:ext cx="2203145" cy="2203145"/>
-          </a:xfrm>
-          <a:prstGeom prst="rect">
-            <a:avLst/>
-          </a:prstGeom>
-          <a:noFill/>
-          <a:extLst>
-            <a:ext uri="{909E8E84-426E-40DD-AFC4-6F175D3DCCD1}">
-              <a14:hiddenFill xmlns:a14="http://schemas.microsoft.com/office/drawing/2010/main">
-                <a:solidFill>
-                  <a:srgbClr val="FFFFFF"/>
-                </a:solidFill>
-              </a14:hiddenFill>
-            </a:ext>
-          </a:extLst>
-        </p:spPr>
-      </p:pic>
-      <p:pic>
-        <p:nvPicPr>
-          <p:cNvPr id="5" name="Picture 4" descr="EJS Icons for Embedded JavaScript Templates">
-            <a:extLst>
-              <a:ext uri="{FF2B5EF4-FFF2-40B4-BE49-F238E27FC236}">
-                <a16:creationId xmlns:a16="http://schemas.microsoft.com/office/drawing/2014/main" id="{9693BC18-62E7-D4E4-DBD7-09324C2BCC62}"/>
-              </a:ext>
-            </a:extLst>
-          </p:cNvPr>
-          <p:cNvPicPr>
-            <a:picLocks noChangeAspect="1"/>
-          </p:cNvPicPr>
-          <p:nvPr/>
-        </p:nvPicPr>
-        <p:blipFill>
-          <a:blip r:embed="rId4"/>
-          <a:stretch>
-            <a:fillRect/>
-          </a:stretch>
-        </p:blipFill>
-        <p:spPr>
-          <a:xfrm>
-            <a:off x="422817" y="4214232"/>
-            <a:ext cx="2378928" cy="2434684"/>
-          </a:xfrm>
-          <a:prstGeom prst="rect">
-            <a:avLst/>
-          </a:prstGeom>
-        </p:spPr>
-      </p:pic>
-      <p:sp>
-        <p:nvSpPr>
-          <p:cNvPr id="7" name="Szövegdoboz 8">
-            <a:extLst>
-              <a:ext uri="{FF2B5EF4-FFF2-40B4-BE49-F238E27FC236}">
-                <a16:creationId xmlns:a16="http://schemas.microsoft.com/office/drawing/2014/main" id="{F89258F9-3636-6D5D-B89D-8A52CFAE134B}"/>
-              </a:ext>
-            </a:extLst>
-          </p:cNvPr>
-          <p:cNvSpPr txBox="1"/>
-          <p:nvPr/>
-        </p:nvSpPr>
-        <p:spPr>
-          <a:xfrm>
-            <a:off x="2812576" y="4551537"/>
-            <a:ext cx="3973482" cy="2308324"/>
-          </a:xfrm>
-          <a:prstGeom prst="rect">
-            <a:avLst/>
-          </a:prstGeom>
-          <a:noFill/>
-        </p:spPr>
-        <p:txBody>
-          <a:bodyPr wrap="square" lIns="91440" tIns="45720" rIns="91440" bIns="45720" rtlCol="0" anchor="t">
-            <a:spAutoFit/>
-          </a:bodyPr>
-          <a:lstStyle/>
-          <a:p>
-            <a:pPr marL="342900" indent="-342900">
-              <a:buFont typeface="Arial" panose="020B0604020202020204" pitchFamily="34" charset="0"/>
-              <a:buChar char="•"/>
-            </a:pPr>
-            <a:r>
-              <a:rPr lang="hu-HU" sz="2400" b="1" dirty="0">
-                <a:solidFill>
-                  <a:schemeClr val="accent4">
-                    <a:lumMod val="75000"/>
-                  </a:schemeClr>
-                </a:solidFill>
-              </a:rPr>
-              <a:t>EJS(</a:t>
-            </a:r>
-            <a:r>
-              <a:rPr lang="hu-HU" sz="2400" b="1" err="1">
-                <a:solidFill>
-                  <a:schemeClr val="accent4">
-                    <a:lumMod val="75000"/>
-                  </a:schemeClr>
-                </a:solidFill>
-              </a:rPr>
-              <a:t>Embedded</a:t>
-            </a:r>
-            <a:r>
-              <a:rPr lang="hu-HU" sz="2400" b="1" dirty="0">
-                <a:solidFill>
-                  <a:schemeClr val="accent4">
-                    <a:lumMod val="75000"/>
-                  </a:schemeClr>
-                </a:solidFill>
-              </a:rPr>
-              <a:t> JavaScript)</a:t>
-            </a:r>
-            <a:r>
-              <a:rPr lang="hu-HU" sz="2400" dirty="0">
-                <a:solidFill>
-                  <a:schemeClr val="accent4">
-                    <a:lumMod val="75000"/>
-                  </a:schemeClr>
-                </a:solidFill>
-              </a:rPr>
-              <a:t>: </a:t>
-            </a:r>
-            <a:r>
-              <a:rPr lang="hu-HU" sz="2400" err="1">
-                <a:solidFill>
-                  <a:schemeClr val="accent4">
-                    <a:lumMod val="75000"/>
-                  </a:schemeClr>
-                </a:solidFill>
-              </a:rPr>
-              <a:t>This</a:t>
-            </a:r>
-            <a:r>
-              <a:rPr lang="hu-HU" sz="2400" dirty="0">
-                <a:solidFill>
-                  <a:schemeClr val="accent4">
-                    <a:lumMod val="75000"/>
-                  </a:schemeClr>
-                </a:solidFill>
-              </a:rPr>
-              <a:t> is a </a:t>
-            </a:r>
-            <a:r>
-              <a:rPr lang="hu-HU" sz="2400" err="1">
-                <a:solidFill>
-                  <a:schemeClr val="accent4">
-                    <a:lumMod val="75000"/>
-                  </a:schemeClr>
-                </a:solidFill>
-              </a:rPr>
-              <a:t>templating</a:t>
-            </a:r>
-            <a:r>
-              <a:rPr lang="hu-HU" sz="2400" dirty="0">
-                <a:solidFill>
-                  <a:schemeClr val="accent4">
-                    <a:lumMod val="75000"/>
-                  </a:schemeClr>
-                </a:solidFill>
-              </a:rPr>
-              <a:t> </a:t>
-            </a:r>
-            <a:r>
-              <a:rPr lang="hu-HU" sz="2400" err="1">
-                <a:solidFill>
-                  <a:schemeClr val="accent4">
-                    <a:lumMod val="75000"/>
-                  </a:schemeClr>
-                </a:solidFill>
-              </a:rPr>
-              <a:t>engine</a:t>
-            </a:r>
-            <a:r>
-              <a:rPr lang="hu-HU" sz="2400" dirty="0">
-                <a:solidFill>
-                  <a:schemeClr val="accent4">
-                    <a:lumMod val="75000"/>
-                  </a:schemeClr>
-                </a:solidFill>
-              </a:rPr>
-              <a:t>, </a:t>
-            </a:r>
-            <a:r>
-              <a:rPr lang="hu-HU" sz="2400" err="1">
-                <a:solidFill>
-                  <a:schemeClr val="accent4">
-                    <a:lumMod val="75000"/>
-                  </a:schemeClr>
-                </a:solidFill>
-              </a:rPr>
-              <a:t>for</a:t>
-            </a:r>
-            <a:r>
-              <a:rPr lang="hu-HU" sz="2400" dirty="0">
-                <a:solidFill>
-                  <a:schemeClr val="accent4">
-                    <a:lumMod val="75000"/>
-                  </a:schemeClr>
-                </a:solidFill>
-              </a:rPr>
-              <a:t> Node.js </a:t>
-            </a:r>
-            <a:r>
-              <a:rPr lang="hu-HU" sz="2400" err="1">
-                <a:solidFill>
-                  <a:schemeClr val="accent4">
-                    <a:lumMod val="75000"/>
-                  </a:schemeClr>
-                </a:solidFill>
-              </a:rPr>
-              <a:t>that</a:t>
-            </a:r>
-            <a:r>
-              <a:rPr lang="hu-HU" sz="2400" dirty="0">
-                <a:solidFill>
-                  <a:schemeClr val="accent4">
-                    <a:lumMod val="75000"/>
-                  </a:schemeClr>
-                </a:solidFill>
-              </a:rPr>
-              <a:t> </a:t>
-            </a:r>
-            <a:r>
-              <a:rPr lang="hu-HU" sz="2400" err="1">
-                <a:solidFill>
-                  <a:schemeClr val="accent4">
-                    <a:lumMod val="75000"/>
-                  </a:schemeClr>
-                </a:solidFill>
-              </a:rPr>
-              <a:t>allows</a:t>
-            </a:r>
-            <a:r>
-              <a:rPr lang="hu-HU" sz="2400" dirty="0">
-                <a:solidFill>
-                  <a:schemeClr val="accent4">
-                    <a:lumMod val="75000"/>
-                  </a:schemeClr>
-                </a:solidFill>
-              </a:rPr>
-              <a:t> </a:t>
-            </a:r>
-            <a:r>
-              <a:rPr lang="hu-HU" sz="2400" err="1">
-                <a:solidFill>
-                  <a:schemeClr val="accent4">
-                    <a:lumMod val="75000"/>
-                  </a:schemeClr>
-                </a:solidFill>
-              </a:rPr>
-              <a:t>to</a:t>
-            </a:r>
-            <a:r>
-              <a:rPr lang="hu-HU" sz="2400" dirty="0">
-                <a:solidFill>
-                  <a:schemeClr val="accent4">
-                    <a:lumMod val="75000"/>
-                  </a:schemeClr>
-                </a:solidFill>
-              </a:rPr>
-              <a:t> </a:t>
-            </a:r>
-            <a:r>
-              <a:rPr lang="hu-HU" sz="2400" err="1">
-                <a:solidFill>
-                  <a:schemeClr val="accent4">
-                    <a:lumMod val="75000"/>
-                  </a:schemeClr>
-                </a:solidFill>
-              </a:rPr>
-              <a:t>embed</a:t>
-            </a:r>
-            <a:r>
-              <a:rPr lang="hu-HU" sz="2400" dirty="0">
-                <a:solidFill>
-                  <a:schemeClr val="accent4">
-                    <a:lumMod val="75000"/>
-                  </a:schemeClr>
-                </a:solidFill>
-              </a:rPr>
-              <a:t> JavaScript </a:t>
-            </a:r>
-            <a:r>
-              <a:rPr lang="hu-HU" sz="2400" err="1">
-                <a:solidFill>
-                  <a:schemeClr val="accent4">
-                    <a:lumMod val="75000"/>
-                  </a:schemeClr>
-                </a:solidFill>
-              </a:rPr>
-              <a:t>code</a:t>
-            </a:r>
-            <a:r>
-              <a:rPr lang="hu-HU" sz="2400" dirty="0">
-                <a:solidFill>
-                  <a:schemeClr val="accent4">
-                    <a:lumMod val="75000"/>
-                  </a:schemeClr>
-                </a:solidFill>
-              </a:rPr>
-              <a:t> </a:t>
-            </a:r>
-            <a:r>
-              <a:rPr lang="hu-HU" sz="2400" err="1">
-                <a:solidFill>
-                  <a:schemeClr val="accent4">
-                    <a:lumMod val="75000"/>
-                  </a:schemeClr>
-                </a:solidFill>
-              </a:rPr>
-              <a:t>into</a:t>
-            </a:r>
-            <a:r>
-              <a:rPr lang="hu-HU" sz="2400" dirty="0">
-                <a:solidFill>
-                  <a:schemeClr val="accent4">
-                    <a:lumMod val="75000"/>
-                  </a:schemeClr>
-                </a:solidFill>
-              </a:rPr>
-              <a:t> </a:t>
-            </a:r>
-            <a:r>
-              <a:rPr lang="hu-HU" sz="2400" err="1">
-                <a:solidFill>
-                  <a:schemeClr val="accent4">
-                    <a:lumMod val="75000"/>
-                  </a:schemeClr>
-                </a:solidFill>
-              </a:rPr>
-              <a:t>the</a:t>
-            </a:r>
-            <a:r>
-              <a:rPr lang="hu-HU" sz="2400">
-                <a:solidFill>
-                  <a:schemeClr val="accent4">
-                    <a:lumMod val="75000"/>
-                  </a:schemeClr>
-                </a:solidFill>
-              </a:rPr>
-              <a:t> HTML. </a:t>
-            </a:r>
-            <a:endParaRPr lang="hu-HU" sz="2400">
-              <a:solidFill>
-                <a:schemeClr val="accent4">
-                  <a:lumMod val="75000"/>
-                </a:schemeClr>
-              </a:solidFill>
-              <a:ea typeface="Calibri"/>
-              <a:cs typeface="Calibri"/>
-            </a:endParaRPr>
-          </a:p>
-          <a:p>
-            <a:pPr marL="342900" indent="-342900">
-              <a:buFont typeface="Arial" panose="020B0604020202020204" pitchFamily="34" charset="0"/>
-              <a:buChar char="•"/>
-            </a:pPr>
-            <a:r>
-              <a:rPr lang="hu-HU" sz="2400" dirty="0" err="1">
-                <a:solidFill>
-                  <a:schemeClr val="accent4">
-                    <a:lumMod val="75000"/>
-                  </a:schemeClr>
-                </a:solidFill>
-                <a:ea typeface="Calibri"/>
-                <a:cs typeface="Calibri"/>
-              </a:rPr>
-              <a:t>Syntax</a:t>
-            </a:r>
-            <a:r>
-              <a:rPr lang="hu-HU" sz="2400" dirty="0">
-                <a:solidFill>
-                  <a:schemeClr val="accent4">
-                    <a:lumMod val="75000"/>
-                  </a:schemeClr>
-                </a:solidFill>
-                <a:ea typeface="Calibri"/>
-                <a:cs typeface="Calibri"/>
-              </a:rPr>
-              <a:t>: &lt;%= %&gt;</a:t>
-            </a:r>
-          </a:p>
-        </p:txBody>
-      </p:sp>
-    </p:spTree>
-    <p:extLst>
-      <p:ext uri="{BB962C8B-B14F-4D97-AF65-F5344CB8AC3E}">
-        <p14:creationId xmlns:p14="http://schemas.microsoft.com/office/powerpoint/2010/main" val="2836090025"/>
       </p:ext>
     </p:extLst>
   </p:cSld>
@@ -9500,6 +10217,1000 @@
           <a:p>
             <a:pPr algn="ctr"/>
             <a:r>
+              <a:rPr lang="hu-HU" sz="4400" b="1" dirty="0" err="1">
+                <a:ln w="6350">
+                  <a:solidFill>
+                    <a:schemeClr val="accent1">
+                      <a:lumMod val="75000"/>
+                    </a:schemeClr>
+                  </a:solidFill>
+                </a:ln>
+                <a:solidFill>
+                  <a:schemeClr val="bg1"/>
+                </a:solidFill>
+                <a:latin typeface="Ink Free" panose="03080402000500000000" pitchFamily="66" charset="0"/>
+              </a:rPr>
+              <a:t>Programming</a:t>
+            </a:r>
+            <a:r>
+              <a:rPr lang="hu-HU" sz="4400" b="1" dirty="0">
+                <a:ln w="6350">
+                  <a:solidFill>
+                    <a:schemeClr val="accent1">
+                      <a:lumMod val="75000"/>
+                    </a:schemeClr>
+                  </a:solidFill>
+                </a:ln>
+                <a:solidFill>
+                  <a:schemeClr val="bg1"/>
+                </a:solidFill>
+                <a:latin typeface="Ink Free" panose="03080402000500000000" pitchFamily="66" charset="0"/>
+              </a:rPr>
+              <a:t> </a:t>
+            </a:r>
+            <a:r>
+              <a:rPr lang="hu-HU" sz="4400" b="1" dirty="0" err="1">
+                <a:ln w="6350">
+                  <a:solidFill>
+                    <a:schemeClr val="accent1">
+                      <a:lumMod val="75000"/>
+                    </a:schemeClr>
+                  </a:solidFill>
+                </a:ln>
+                <a:solidFill>
+                  <a:schemeClr val="bg1"/>
+                </a:solidFill>
+                <a:latin typeface="Ink Free" panose="03080402000500000000" pitchFamily="66" charset="0"/>
+              </a:rPr>
+              <a:t>languages</a:t>
+            </a:r>
+            <a:endParaRPr lang="hu-HU" sz="4400" b="1" dirty="0">
+              <a:ln w="6350">
+                <a:solidFill>
+                  <a:schemeClr val="accent1">
+                    <a:lumMod val="75000"/>
+                  </a:schemeClr>
+                </a:solidFill>
+              </a:ln>
+              <a:solidFill>
+                <a:schemeClr val="bg1"/>
+              </a:solidFill>
+              <a:latin typeface="Ink Free" panose="03080402000500000000" pitchFamily="66" charset="0"/>
+            </a:endParaRPr>
+          </a:p>
+        </p:txBody>
+      </p:sp>
+      <p:sp>
+        <p:nvSpPr>
+          <p:cNvPr id="9" name="Szövegdoboz 8">
+            <a:extLst>
+              <a:ext uri="{FF2B5EF4-FFF2-40B4-BE49-F238E27FC236}">
+                <a16:creationId xmlns:a16="http://schemas.microsoft.com/office/drawing/2014/main" id="{D84E1BB5-C09F-466B-8C1B-51040ABBF068}"/>
+              </a:ext>
+            </a:extLst>
+          </p:cNvPr>
+          <p:cNvSpPr txBox="1"/>
+          <p:nvPr/>
+        </p:nvSpPr>
+        <p:spPr>
+          <a:xfrm>
+            <a:off x="2338649" y="1038903"/>
+            <a:ext cx="3973482" cy="2308324"/>
+          </a:xfrm>
+          <a:prstGeom prst="rect">
+            <a:avLst/>
+          </a:prstGeom>
+          <a:noFill/>
+        </p:spPr>
+        <p:txBody>
+          <a:bodyPr wrap="square" rtlCol="0">
+            <a:spAutoFit/>
+          </a:bodyPr>
+          <a:lstStyle/>
+          <a:p>
+            <a:pPr marL="342900" indent="-342900">
+              <a:buFont typeface="Arial" panose="020B0604020202020204" pitchFamily="34" charset="0"/>
+              <a:buChar char="•"/>
+            </a:pPr>
+            <a:r>
+              <a:rPr lang="hu-HU" sz="2400" b="1" dirty="0">
+                <a:solidFill>
+                  <a:schemeClr val="accent4">
+                    <a:lumMod val="75000"/>
+                  </a:schemeClr>
+                </a:solidFill>
+              </a:rPr>
+              <a:t>C#</a:t>
+            </a:r>
+            <a:r>
+              <a:rPr lang="hu-HU" sz="2400" dirty="0">
+                <a:solidFill>
+                  <a:schemeClr val="accent4">
+                    <a:lumMod val="75000"/>
+                  </a:schemeClr>
+                </a:solidFill>
+              </a:rPr>
+              <a:t>: </a:t>
+            </a:r>
+            <a:r>
+              <a:rPr lang="hu-HU" sz="2400" dirty="0" err="1">
+                <a:solidFill>
+                  <a:schemeClr val="accent4">
+                    <a:lumMod val="75000"/>
+                  </a:schemeClr>
+                </a:solidFill>
+              </a:rPr>
+              <a:t>Object-oriented</a:t>
+            </a:r>
+            <a:r>
+              <a:rPr lang="hu-HU" sz="2400" dirty="0">
+                <a:solidFill>
+                  <a:schemeClr val="accent4">
+                    <a:lumMod val="75000"/>
+                  </a:schemeClr>
+                </a:solidFill>
+              </a:rPr>
+              <a:t> </a:t>
+            </a:r>
+            <a:r>
+              <a:rPr lang="hu-HU" sz="2400" dirty="0" err="1">
+                <a:solidFill>
+                  <a:schemeClr val="accent4">
+                    <a:lumMod val="75000"/>
+                  </a:schemeClr>
+                </a:solidFill>
+              </a:rPr>
+              <a:t>programming</a:t>
+            </a:r>
+            <a:r>
+              <a:rPr lang="hu-HU" sz="2400" dirty="0">
+                <a:solidFill>
+                  <a:schemeClr val="accent4">
+                    <a:lumMod val="75000"/>
+                  </a:schemeClr>
+                </a:solidFill>
+              </a:rPr>
+              <a:t> </a:t>
+            </a:r>
+            <a:r>
+              <a:rPr lang="hu-HU" sz="2400" dirty="0" err="1">
+                <a:solidFill>
+                  <a:schemeClr val="accent4">
+                    <a:lumMod val="75000"/>
+                  </a:schemeClr>
+                </a:solidFill>
+              </a:rPr>
+              <a:t>language</a:t>
+            </a:r>
+            <a:r>
+              <a:rPr lang="hu-HU" sz="2400" dirty="0">
+                <a:solidFill>
+                  <a:schemeClr val="accent4">
+                    <a:lumMod val="75000"/>
+                  </a:schemeClr>
+                </a:solidFill>
+              </a:rPr>
+              <a:t>. We </a:t>
+            </a:r>
+            <a:r>
+              <a:rPr lang="hu-HU" sz="2400" dirty="0" err="1">
+                <a:solidFill>
+                  <a:schemeClr val="accent4">
+                    <a:lumMod val="75000"/>
+                  </a:schemeClr>
+                </a:solidFill>
+              </a:rPr>
+              <a:t>also</a:t>
+            </a:r>
+            <a:r>
+              <a:rPr lang="hu-HU" sz="2400" dirty="0">
+                <a:solidFill>
+                  <a:schemeClr val="accent4">
+                    <a:lumMod val="75000"/>
+                  </a:schemeClr>
+                </a:solidFill>
+              </a:rPr>
+              <a:t> </a:t>
+            </a:r>
+            <a:r>
+              <a:rPr lang="hu-HU" sz="2400" dirty="0" err="1">
+                <a:solidFill>
+                  <a:schemeClr val="accent4">
+                    <a:lumMod val="75000"/>
+                  </a:schemeClr>
+                </a:solidFill>
+              </a:rPr>
+              <a:t>used</a:t>
+            </a:r>
+            <a:r>
+              <a:rPr lang="hu-HU" sz="2400" dirty="0">
+                <a:solidFill>
+                  <a:schemeClr val="accent4">
+                    <a:lumMod val="75000"/>
+                  </a:schemeClr>
+                </a:solidFill>
+              </a:rPr>
+              <a:t> </a:t>
+            </a:r>
+            <a:r>
+              <a:rPr lang="hu-HU" sz="2400" dirty="0" err="1">
+                <a:solidFill>
+                  <a:schemeClr val="accent4">
+                    <a:lumMod val="75000"/>
+                  </a:schemeClr>
+                </a:solidFill>
+              </a:rPr>
+              <a:t>the</a:t>
+            </a:r>
+            <a:r>
+              <a:rPr lang="hu-HU" sz="2400" dirty="0">
+                <a:solidFill>
+                  <a:schemeClr val="accent4">
+                    <a:lumMod val="75000"/>
+                  </a:schemeClr>
+                </a:solidFill>
+              </a:rPr>
+              <a:t> WPF </a:t>
+            </a:r>
+            <a:r>
+              <a:rPr lang="hu-HU" sz="2400" dirty="0" err="1">
+                <a:solidFill>
+                  <a:schemeClr val="accent4">
+                    <a:lumMod val="75000"/>
+                  </a:schemeClr>
+                </a:solidFill>
+              </a:rPr>
+              <a:t>open</a:t>
+            </a:r>
+            <a:r>
+              <a:rPr lang="hu-HU" sz="2400" dirty="0">
+                <a:solidFill>
+                  <a:schemeClr val="accent4">
+                    <a:lumMod val="75000"/>
+                  </a:schemeClr>
+                </a:solidFill>
+              </a:rPr>
+              <a:t> </a:t>
+            </a:r>
+            <a:r>
+              <a:rPr lang="hu-HU" sz="2400" dirty="0" err="1">
+                <a:solidFill>
+                  <a:schemeClr val="accent4">
+                    <a:lumMod val="75000"/>
+                  </a:schemeClr>
+                </a:solidFill>
+              </a:rPr>
+              <a:t>source</a:t>
+            </a:r>
+            <a:r>
+              <a:rPr lang="hu-HU" sz="2400" dirty="0">
+                <a:solidFill>
+                  <a:schemeClr val="accent4">
+                    <a:lumMod val="75000"/>
+                  </a:schemeClr>
+                </a:solidFill>
+              </a:rPr>
+              <a:t> </a:t>
+            </a:r>
+            <a:r>
+              <a:rPr lang="hu-HU" sz="2400" dirty="0" err="1">
+                <a:solidFill>
+                  <a:schemeClr val="accent4">
+                    <a:lumMod val="75000"/>
+                  </a:schemeClr>
+                </a:solidFill>
+              </a:rPr>
+              <a:t>user</a:t>
+            </a:r>
+            <a:r>
+              <a:rPr lang="hu-HU" sz="2400" dirty="0">
+                <a:solidFill>
+                  <a:schemeClr val="accent4">
+                    <a:lumMod val="75000"/>
+                  </a:schemeClr>
+                </a:solidFill>
+              </a:rPr>
+              <a:t> </a:t>
+            </a:r>
+            <a:r>
+              <a:rPr lang="hu-HU" sz="2400" dirty="0" err="1">
+                <a:solidFill>
+                  <a:schemeClr val="accent4">
+                    <a:lumMod val="75000"/>
+                  </a:schemeClr>
+                </a:solidFill>
+              </a:rPr>
+              <a:t>interface</a:t>
+            </a:r>
+            <a:r>
+              <a:rPr lang="hu-HU" sz="2400" dirty="0">
+                <a:solidFill>
+                  <a:schemeClr val="accent4">
+                    <a:lumMod val="75000"/>
+                  </a:schemeClr>
+                </a:solidFill>
+              </a:rPr>
+              <a:t> </a:t>
+            </a:r>
+            <a:r>
+              <a:rPr lang="hu-HU" sz="2400" dirty="0" err="1">
+                <a:solidFill>
+                  <a:schemeClr val="accent4">
+                    <a:lumMod val="75000"/>
+                  </a:schemeClr>
+                </a:solidFill>
+              </a:rPr>
+              <a:t>framework</a:t>
+            </a:r>
+            <a:r>
+              <a:rPr lang="hu-HU" sz="2400" dirty="0">
+                <a:solidFill>
+                  <a:schemeClr val="accent4">
+                    <a:lumMod val="75000"/>
+                  </a:schemeClr>
+                </a:solidFill>
+              </a:rPr>
+              <a:t> </a:t>
+            </a:r>
+            <a:r>
+              <a:rPr lang="hu-HU" sz="2400" dirty="0" err="1">
+                <a:solidFill>
+                  <a:schemeClr val="accent4">
+                    <a:lumMod val="75000"/>
+                  </a:schemeClr>
+                </a:solidFill>
+              </a:rPr>
+              <a:t>to</a:t>
+            </a:r>
+            <a:r>
+              <a:rPr lang="hu-HU" sz="2400" dirty="0">
+                <a:solidFill>
+                  <a:schemeClr val="accent4">
+                    <a:lumMod val="75000"/>
+                  </a:schemeClr>
+                </a:solidFill>
+              </a:rPr>
+              <a:t> </a:t>
+            </a:r>
+            <a:r>
+              <a:rPr lang="hu-HU" sz="2400" dirty="0" err="1">
+                <a:solidFill>
+                  <a:schemeClr val="accent4">
+                    <a:lumMod val="75000"/>
+                  </a:schemeClr>
+                </a:solidFill>
+              </a:rPr>
+              <a:t>manage</a:t>
+            </a:r>
+            <a:r>
+              <a:rPr lang="hu-HU" sz="2400" dirty="0">
+                <a:solidFill>
+                  <a:schemeClr val="accent4">
+                    <a:lumMod val="75000"/>
+                  </a:schemeClr>
+                </a:solidFill>
+              </a:rPr>
+              <a:t> </a:t>
+            </a:r>
+            <a:r>
+              <a:rPr lang="hu-HU" sz="2400" dirty="0" err="1">
+                <a:solidFill>
+                  <a:schemeClr val="accent4">
+                    <a:lumMod val="75000"/>
+                  </a:schemeClr>
+                </a:solidFill>
+              </a:rPr>
+              <a:t>the</a:t>
+            </a:r>
+            <a:r>
+              <a:rPr lang="hu-HU" sz="2400" dirty="0">
+                <a:solidFill>
+                  <a:schemeClr val="accent4">
+                    <a:lumMod val="75000"/>
+                  </a:schemeClr>
+                </a:solidFill>
+              </a:rPr>
+              <a:t> </a:t>
+            </a:r>
+            <a:r>
+              <a:rPr lang="hu-HU" sz="2400" dirty="0" err="1">
+                <a:solidFill>
+                  <a:schemeClr val="accent4">
+                    <a:lumMod val="75000"/>
+                  </a:schemeClr>
+                </a:solidFill>
+              </a:rPr>
+              <a:t>database</a:t>
+            </a:r>
+            <a:r>
+              <a:rPr lang="hu-HU" sz="2400" dirty="0">
+                <a:solidFill>
+                  <a:schemeClr val="accent4">
+                    <a:lumMod val="75000"/>
+                  </a:schemeClr>
+                </a:solidFill>
+              </a:rPr>
+              <a:t> of </a:t>
+            </a:r>
+            <a:r>
+              <a:rPr lang="hu-HU" sz="2400" dirty="0" err="1">
+                <a:solidFill>
+                  <a:schemeClr val="accent4">
+                    <a:lumMod val="75000"/>
+                  </a:schemeClr>
+                </a:solidFill>
+              </a:rPr>
+              <a:t>our</a:t>
+            </a:r>
+            <a:r>
+              <a:rPr lang="hu-HU" sz="2400" dirty="0">
+                <a:solidFill>
+                  <a:schemeClr val="accent4">
+                    <a:lumMod val="75000"/>
+                  </a:schemeClr>
+                </a:solidFill>
+              </a:rPr>
+              <a:t> project.</a:t>
+            </a:r>
+          </a:p>
+        </p:txBody>
+      </p:sp>
+      <p:pic>
+        <p:nvPicPr>
+          <p:cNvPr id="3074" name="Picture 2" descr="undefined"/>
+          <p:cNvPicPr>
+            <a:picLocks noChangeAspect="1" noChangeArrowheads="1"/>
+          </p:cNvPicPr>
+          <p:nvPr/>
+        </p:nvPicPr>
+        <p:blipFill>
+          <a:blip r:embed="rId3" cstate="print">
+            <a:extLst>
+              <a:ext uri="{28A0092B-C50C-407E-A947-70E740481C1C}">
+                <a14:useLocalDpi xmlns:a14="http://schemas.microsoft.com/office/drawing/2010/main" val="0"/>
+              </a:ext>
+            </a:extLst>
+          </a:blip>
+          <a:srcRect/>
+          <a:stretch>
+            <a:fillRect/>
+          </a:stretch>
+        </p:blipFill>
+        <p:spPr bwMode="auto">
+          <a:xfrm>
+            <a:off x="135504" y="813953"/>
+            <a:ext cx="2203145" cy="2203145"/>
+          </a:xfrm>
+          <a:prstGeom prst="rect">
+            <a:avLst/>
+          </a:prstGeom>
+          <a:noFill/>
+          <a:extLst>
+            <a:ext uri="{909E8E84-426E-40DD-AFC4-6F175D3DCCD1}">
+              <a14:hiddenFill xmlns:a14="http://schemas.microsoft.com/office/drawing/2010/main">
+                <a:solidFill>
+                  <a:srgbClr val="FFFFFF"/>
+                </a:solidFill>
+              </a14:hiddenFill>
+            </a:ext>
+          </a:extLst>
+        </p:spPr>
+      </p:pic>
+      <p:pic>
+        <p:nvPicPr>
+          <p:cNvPr id="5" name="Picture 4" descr="EJS Icons for Embedded JavaScript Templates">
+            <a:extLst>
+              <a:ext uri="{FF2B5EF4-FFF2-40B4-BE49-F238E27FC236}">
+                <a16:creationId xmlns:a16="http://schemas.microsoft.com/office/drawing/2014/main" id="{9693BC18-62E7-D4E4-DBD7-09324C2BCC62}"/>
+              </a:ext>
+            </a:extLst>
+          </p:cNvPr>
+          <p:cNvPicPr>
+            <a:picLocks noChangeAspect="1"/>
+          </p:cNvPicPr>
+          <p:nvPr/>
+        </p:nvPicPr>
+        <p:blipFill>
+          <a:blip r:embed="rId4"/>
+          <a:stretch>
+            <a:fillRect/>
+          </a:stretch>
+        </p:blipFill>
+        <p:spPr>
+          <a:xfrm>
+            <a:off x="422817" y="4214232"/>
+            <a:ext cx="2378928" cy="2434684"/>
+          </a:xfrm>
+          <a:prstGeom prst="rect">
+            <a:avLst/>
+          </a:prstGeom>
+        </p:spPr>
+      </p:pic>
+      <p:sp>
+        <p:nvSpPr>
+          <p:cNvPr id="7" name="Szövegdoboz 8">
+            <a:extLst>
+              <a:ext uri="{FF2B5EF4-FFF2-40B4-BE49-F238E27FC236}">
+                <a16:creationId xmlns:a16="http://schemas.microsoft.com/office/drawing/2014/main" id="{F89258F9-3636-6D5D-B89D-8A52CFAE134B}"/>
+              </a:ext>
+            </a:extLst>
+          </p:cNvPr>
+          <p:cNvSpPr txBox="1"/>
+          <p:nvPr/>
+        </p:nvSpPr>
+        <p:spPr>
+          <a:xfrm>
+            <a:off x="2812576" y="4551537"/>
+            <a:ext cx="3973482" cy="2308324"/>
+          </a:xfrm>
+          <a:prstGeom prst="rect">
+            <a:avLst/>
+          </a:prstGeom>
+          <a:noFill/>
+        </p:spPr>
+        <p:txBody>
+          <a:bodyPr wrap="square" lIns="91440" tIns="45720" rIns="91440" bIns="45720" rtlCol="0" anchor="t">
+            <a:spAutoFit/>
+          </a:bodyPr>
+          <a:lstStyle/>
+          <a:p>
+            <a:pPr marL="342900" indent="-342900">
+              <a:buFont typeface="Arial" panose="020B0604020202020204" pitchFamily="34" charset="0"/>
+              <a:buChar char="•"/>
+            </a:pPr>
+            <a:r>
+              <a:rPr lang="hu-HU" sz="2400" b="1" dirty="0">
+                <a:solidFill>
+                  <a:schemeClr val="accent4">
+                    <a:lumMod val="75000"/>
+                  </a:schemeClr>
+                </a:solidFill>
+              </a:rPr>
+              <a:t>EJS(</a:t>
+            </a:r>
+            <a:r>
+              <a:rPr lang="hu-HU" sz="2400" b="1" err="1">
+                <a:solidFill>
+                  <a:schemeClr val="accent4">
+                    <a:lumMod val="75000"/>
+                  </a:schemeClr>
+                </a:solidFill>
+              </a:rPr>
+              <a:t>Embedded</a:t>
+            </a:r>
+            <a:r>
+              <a:rPr lang="hu-HU" sz="2400" b="1" dirty="0">
+                <a:solidFill>
+                  <a:schemeClr val="accent4">
+                    <a:lumMod val="75000"/>
+                  </a:schemeClr>
+                </a:solidFill>
+              </a:rPr>
+              <a:t> JavaScript)</a:t>
+            </a:r>
+            <a:r>
+              <a:rPr lang="hu-HU" sz="2400" dirty="0">
+                <a:solidFill>
+                  <a:schemeClr val="accent4">
+                    <a:lumMod val="75000"/>
+                  </a:schemeClr>
+                </a:solidFill>
+              </a:rPr>
+              <a:t>: </a:t>
+            </a:r>
+            <a:r>
+              <a:rPr lang="hu-HU" sz="2400" err="1">
+                <a:solidFill>
+                  <a:schemeClr val="accent4">
+                    <a:lumMod val="75000"/>
+                  </a:schemeClr>
+                </a:solidFill>
+              </a:rPr>
+              <a:t>This</a:t>
+            </a:r>
+            <a:r>
+              <a:rPr lang="hu-HU" sz="2400" dirty="0">
+                <a:solidFill>
+                  <a:schemeClr val="accent4">
+                    <a:lumMod val="75000"/>
+                  </a:schemeClr>
+                </a:solidFill>
+              </a:rPr>
+              <a:t> is a </a:t>
+            </a:r>
+            <a:r>
+              <a:rPr lang="hu-HU" sz="2400" err="1">
+                <a:solidFill>
+                  <a:schemeClr val="accent4">
+                    <a:lumMod val="75000"/>
+                  </a:schemeClr>
+                </a:solidFill>
+              </a:rPr>
+              <a:t>templating</a:t>
+            </a:r>
+            <a:r>
+              <a:rPr lang="hu-HU" sz="2400" dirty="0">
+                <a:solidFill>
+                  <a:schemeClr val="accent4">
+                    <a:lumMod val="75000"/>
+                  </a:schemeClr>
+                </a:solidFill>
+              </a:rPr>
+              <a:t> </a:t>
+            </a:r>
+            <a:r>
+              <a:rPr lang="hu-HU" sz="2400" err="1">
+                <a:solidFill>
+                  <a:schemeClr val="accent4">
+                    <a:lumMod val="75000"/>
+                  </a:schemeClr>
+                </a:solidFill>
+              </a:rPr>
+              <a:t>engine</a:t>
+            </a:r>
+            <a:r>
+              <a:rPr lang="hu-HU" sz="2400" dirty="0">
+                <a:solidFill>
+                  <a:schemeClr val="accent4">
+                    <a:lumMod val="75000"/>
+                  </a:schemeClr>
+                </a:solidFill>
+              </a:rPr>
+              <a:t>, </a:t>
+            </a:r>
+            <a:r>
+              <a:rPr lang="hu-HU" sz="2400" err="1">
+                <a:solidFill>
+                  <a:schemeClr val="accent4">
+                    <a:lumMod val="75000"/>
+                  </a:schemeClr>
+                </a:solidFill>
+              </a:rPr>
+              <a:t>for</a:t>
+            </a:r>
+            <a:r>
+              <a:rPr lang="hu-HU" sz="2400" dirty="0">
+                <a:solidFill>
+                  <a:schemeClr val="accent4">
+                    <a:lumMod val="75000"/>
+                  </a:schemeClr>
+                </a:solidFill>
+              </a:rPr>
+              <a:t> Node.js </a:t>
+            </a:r>
+            <a:r>
+              <a:rPr lang="hu-HU" sz="2400" err="1">
+                <a:solidFill>
+                  <a:schemeClr val="accent4">
+                    <a:lumMod val="75000"/>
+                  </a:schemeClr>
+                </a:solidFill>
+              </a:rPr>
+              <a:t>that</a:t>
+            </a:r>
+            <a:r>
+              <a:rPr lang="hu-HU" sz="2400" dirty="0">
+                <a:solidFill>
+                  <a:schemeClr val="accent4">
+                    <a:lumMod val="75000"/>
+                  </a:schemeClr>
+                </a:solidFill>
+              </a:rPr>
+              <a:t> </a:t>
+            </a:r>
+            <a:r>
+              <a:rPr lang="hu-HU" sz="2400" err="1">
+                <a:solidFill>
+                  <a:schemeClr val="accent4">
+                    <a:lumMod val="75000"/>
+                  </a:schemeClr>
+                </a:solidFill>
+              </a:rPr>
+              <a:t>allows</a:t>
+            </a:r>
+            <a:r>
+              <a:rPr lang="hu-HU" sz="2400" dirty="0">
+                <a:solidFill>
+                  <a:schemeClr val="accent4">
+                    <a:lumMod val="75000"/>
+                  </a:schemeClr>
+                </a:solidFill>
+              </a:rPr>
+              <a:t> </a:t>
+            </a:r>
+            <a:r>
+              <a:rPr lang="hu-HU" sz="2400" err="1">
+                <a:solidFill>
+                  <a:schemeClr val="accent4">
+                    <a:lumMod val="75000"/>
+                  </a:schemeClr>
+                </a:solidFill>
+              </a:rPr>
+              <a:t>to</a:t>
+            </a:r>
+            <a:r>
+              <a:rPr lang="hu-HU" sz="2400" dirty="0">
+                <a:solidFill>
+                  <a:schemeClr val="accent4">
+                    <a:lumMod val="75000"/>
+                  </a:schemeClr>
+                </a:solidFill>
+              </a:rPr>
+              <a:t> </a:t>
+            </a:r>
+            <a:r>
+              <a:rPr lang="hu-HU" sz="2400" err="1">
+                <a:solidFill>
+                  <a:schemeClr val="accent4">
+                    <a:lumMod val="75000"/>
+                  </a:schemeClr>
+                </a:solidFill>
+              </a:rPr>
+              <a:t>embed</a:t>
+            </a:r>
+            <a:r>
+              <a:rPr lang="hu-HU" sz="2400" dirty="0">
+                <a:solidFill>
+                  <a:schemeClr val="accent4">
+                    <a:lumMod val="75000"/>
+                  </a:schemeClr>
+                </a:solidFill>
+              </a:rPr>
+              <a:t> JavaScript </a:t>
+            </a:r>
+            <a:r>
+              <a:rPr lang="hu-HU" sz="2400" err="1">
+                <a:solidFill>
+                  <a:schemeClr val="accent4">
+                    <a:lumMod val="75000"/>
+                  </a:schemeClr>
+                </a:solidFill>
+              </a:rPr>
+              <a:t>code</a:t>
+            </a:r>
+            <a:r>
+              <a:rPr lang="hu-HU" sz="2400" dirty="0">
+                <a:solidFill>
+                  <a:schemeClr val="accent4">
+                    <a:lumMod val="75000"/>
+                  </a:schemeClr>
+                </a:solidFill>
+              </a:rPr>
+              <a:t> </a:t>
+            </a:r>
+            <a:r>
+              <a:rPr lang="hu-HU" sz="2400" err="1">
+                <a:solidFill>
+                  <a:schemeClr val="accent4">
+                    <a:lumMod val="75000"/>
+                  </a:schemeClr>
+                </a:solidFill>
+              </a:rPr>
+              <a:t>into</a:t>
+            </a:r>
+            <a:r>
+              <a:rPr lang="hu-HU" sz="2400" dirty="0">
+                <a:solidFill>
+                  <a:schemeClr val="accent4">
+                    <a:lumMod val="75000"/>
+                  </a:schemeClr>
+                </a:solidFill>
+              </a:rPr>
+              <a:t> </a:t>
+            </a:r>
+            <a:r>
+              <a:rPr lang="hu-HU" sz="2400" err="1">
+                <a:solidFill>
+                  <a:schemeClr val="accent4">
+                    <a:lumMod val="75000"/>
+                  </a:schemeClr>
+                </a:solidFill>
+              </a:rPr>
+              <a:t>the</a:t>
+            </a:r>
+            <a:r>
+              <a:rPr lang="hu-HU" sz="2400">
+                <a:solidFill>
+                  <a:schemeClr val="accent4">
+                    <a:lumMod val="75000"/>
+                  </a:schemeClr>
+                </a:solidFill>
+              </a:rPr>
+              <a:t> HTML. </a:t>
+            </a:r>
+            <a:endParaRPr lang="hu-HU" sz="2400">
+              <a:solidFill>
+                <a:schemeClr val="accent4">
+                  <a:lumMod val="75000"/>
+                </a:schemeClr>
+              </a:solidFill>
+              <a:ea typeface="Calibri"/>
+              <a:cs typeface="Calibri"/>
+            </a:endParaRPr>
+          </a:p>
+          <a:p>
+            <a:pPr marL="342900" indent="-342900">
+              <a:buFont typeface="Arial" panose="020B0604020202020204" pitchFamily="34" charset="0"/>
+              <a:buChar char="•"/>
+            </a:pPr>
+            <a:r>
+              <a:rPr lang="hu-HU" sz="2400" dirty="0" err="1">
+                <a:solidFill>
+                  <a:schemeClr val="accent4">
+                    <a:lumMod val="75000"/>
+                  </a:schemeClr>
+                </a:solidFill>
+                <a:ea typeface="Calibri"/>
+                <a:cs typeface="Calibri"/>
+              </a:rPr>
+              <a:t>Syntax</a:t>
+            </a:r>
+            <a:r>
+              <a:rPr lang="hu-HU" sz="2400" dirty="0">
+                <a:solidFill>
+                  <a:schemeClr val="accent4">
+                    <a:lumMod val="75000"/>
+                  </a:schemeClr>
+                </a:solidFill>
+                <a:ea typeface="Calibri"/>
+                <a:cs typeface="Calibri"/>
+              </a:rPr>
+              <a:t>: &lt;%= %&gt;</a:t>
+            </a:r>
+          </a:p>
+        </p:txBody>
+      </p:sp>
+    </p:spTree>
+    <p:extLst>
+      <p:ext uri="{BB962C8B-B14F-4D97-AF65-F5344CB8AC3E}">
+        <p14:creationId xmlns:p14="http://schemas.microsoft.com/office/powerpoint/2010/main" val="2836090025"/>
+      </p:ext>
+    </p:extLst>
+  </p:cSld>
+  <p:clrMapOvr>
+    <a:masterClrMapping/>
+  </p:clrMapOvr>
+  <p:transition spd="med">
+    <p:pull/>
+  </p:transition>
+</p:sld>
+</file>
+
+<file path=ppt/slides/slide9.xml><?xml version="1.0" encoding="utf-8"?>
+<p:sld xmlns:a="http://schemas.openxmlformats.org/drawingml/2006/main" xmlns:r="http://schemas.openxmlformats.org/officeDocument/2006/relationships" xmlns:p="http://schemas.openxmlformats.org/presentationml/2006/main">
+  <p:cSld>
+    <p:bg>
+      <p:bgPr>
+        <a:solidFill>
+          <a:schemeClr val="accent4">
+            <a:lumMod val="20000"/>
+            <a:lumOff val="80000"/>
+          </a:schemeClr>
+        </a:solidFill>
+        <a:effectLst/>
+      </p:bgPr>
+    </p:bg>
+    <p:spTree>
+      <p:nvGrpSpPr>
+        <p:cNvPr id="1" name=""/>
+        <p:cNvGrpSpPr/>
+        <p:nvPr/>
+      </p:nvGrpSpPr>
+      <p:grpSpPr>
+        <a:xfrm>
+          <a:off x="0" y="0"/>
+          <a:ext cx="0" cy="0"/>
+          <a:chOff x="0" y="0"/>
+          <a:chExt cx="0" cy="0"/>
+        </a:xfrm>
+      </p:grpSpPr>
+      <p:sp>
+        <p:nvSpPr>
+          <p:cNvPr id="4" name="Téglalap 3"/>
+          <p:cNvSpPr/>
+          <p:nvPr/>
+        </p:nvSpPr>
+        <p:spPr>
+          <a:xfrm>
+            <a:off x="0" y="0"/>
+            <a:ext cx="12192000" cy="819150"/>
+          </a:xfrm>
+          <a:prstGeom prst="rect">
+            <a:avLst/>
+          </a:prstGeom>
+          <a:solidFill>
+            <a:schemeClr val="accent1">
+              <a:lumMod val="60000"/>
+              <a:lumOff val="40000"/>
+            </a:schemeClr>
+          </a:solidFill>
+          <a:ln>
+            <a:noFill/>
+          </a:ln>
+        </p:spPr>
+        <p:style>
+          <a:lnRef idx="2">
+            <a:schemeClr val="accent1">
+              <a:shade val="50000"/>
+            </a:schemeClr>
+          </a:lnRef>
+          <a:fillRef idx="1">
+            <a:schemeClr val="accent1"/>
+          </a:fillRef>
+          <a:effectRef idx="0">
+            <a:schemeClr val="accent1"/>
+          </a:effectRef>
+          <a:fontRef idx="minor">
+            <a:schemeClr val="lt1"/>
+          </a:fontRef>
+        </p:style>
+        <p:txBody>
+          <a:bodyPr rtlCol="0" anchor="ctr"/>
+          <a:lstStyle/>
+          <a:p>
+            <a:pPr algn="ctr"/>
+            <a:endParaRPr lang="hu-HU">
+              <a:solidFill>
+                <a:schemeClr val="tx1"/>
+              </a:solidFill>
+            </a:endParaRPr>
+          </a:p>
+        </p:txBody>
+      </p:sp>
+      <p:pic>
+        <p:nvPicPr>
+          <p:cNvPr id="3" name="Kép 2"/>
+          <p:cNvPicPr>
+            <a:picLocks noChangeAspect="1"/>
+          </p:cNvPicPr>
+          <p:nvPr/>
+        </p:nvPicPr>
+        <p:blipFill>
+          <a:blip r:embed="rId2" cstate="print">
+            <a:extLst>
+              <a:ext uri="{28A0092B-C50C-407E-A947-70E740481C1C}">
+                <a14:useLocalDpi xmlns:a14="http://schemas.microsoft.com/office/drawing/2010/main" val="0"/>
+              </a:ext>
+            </a:extLst>
+          </a:blip>
+          <a:stretch>
+            <a:fillRect/>
+          </a:stretch>
+        </p:blipFill>
+        <p:spPr>
+          <a:xfrm>
+            <a:off x="140104" y="47687"/>
+            <a:ext cx="745721" cy="723776"/>
+          </a:xfrm>
+          <a:prstGeom prst="rect">
+            <a:avLst/>
+          </a:prstGeom>
+        </p:spPr>
+      </p:pic>
+      <p:sp>
+        <p:nvSpPr>
+          <p:cNvPr id="2" name="Szövegdoboz 1"/>
+          <p:cNvSpPr txBox="1"/>
+          <p:nvPr/>
+        </p:nvSpPr>
+        <p:spPr>
+          <a:xfrm>
+            <a:off x="2801383" y="24854"/>
+            <a:ext cx="6589234" cy="769441"/>
+          </a:xfrm>
+          <a:prstGeom prst="rect">
+            <a:avLst/>
+          </a:prstGeom>
+          <a:noFill/>
+        </p:spPr>
+        <p:txBody>
+          <a:bodyPr wrap="square" rtlCol="0">
+            <a:spAutoFit/>
+          </a:bodyPr>
+          <a:lstStyle/>
+          <a:p>
+            <a:pPr algn="ctr"/>
+            <a:r>
               <a:rPr lang="hu-HU" sz="4400" b="1" dirty="0">
                 <a:ln w="6350">
                   <a:solidFill>
@@ -9845,7 +11556,7 @@
           <a:noFill/>
         </p:spPr>
         <p:txBody>
-          <a:bodyPr wrap="square" rtlCol="0">
+          <a:bodyPr wrap="square" lIns="91440" tIns="45720" rIns="91440" bIns="45720" rtlCol="0" anchor="t">
             <a:spAutoFit/>
           </a:bodyPr>
           <a:lstStyle/>
@@ -9872,7 +11583,17 @@
                   </a:schemeClr>
                 </a:solidFill>
               </a:rPr>
-              <a:t> Test</a:t>
+              <a:t> </a:t>
+            </a:r>
+            <a:r>
+              <a:rPr lang="hu-HU" sz="2400" b="1">
+                <a:solidFill>
+                  <a:schemeClr val="accent4">
+                    <a:lumMod val="75000"/>
+                  </a:schemeClr>
+                </a:solidFill>
+              </a:rPr>
+              <a:t>Testing</a:t>
             </a:r>
             <a:r>
               <a:rPr lang="hu-HU" sz="2400" dirty="0">
@@ -10247,7 +11968,17 @@
                   </a:schemeClr>
                 </a:solidFill>
               </a:rPr>
-              <a:t>Unit Test</a:t>
+              <a:t>Unit </a:t>
+            </a:r>
+            <a:r>
+              <a:rPr lang="hu-HU" sz="2400" b="1">
+                <a:solidFill>
+                  <a:schemeClr val="accent4">
+                    <a:lumMod val="75000"/>
+                  </a:schemeClr>
+                </a:solidFill>
+              </a:rPr>
+              <a:t>Testing</a:t>
             </a:r>
             <a:r>
               <a:rPr lang="hu-HU" sz="2400" dirty="0">
@@ -10379,6 +12110,15 @@
               </a:rPr>
               <a:t>).</a:t>
             </a:r>
+            <a:endParaRPr lang="hu-HU" sz="2400">
+              <a:solidFill>
+                <a:schemeClr val="accent4">
+                  <a:lumMod val="75000"/>
+                </a:schemeClr>
+              </a:solidFill>
+              <a:ea typeface="Calibri"/>
+              <a:cs typeface="Calibri"/>
+            </a:endParaRPr>
           </a:p>
         </p:txBody>
       </p:sp>
@@ -10446,8 +12186,8 @@
         </p:blipFill>
         <p:spPr bwMode="auto">
           <a:xfrm>
-            <a:off x="8258298" y="1059375"/>
-            <a:ext cx="3859931" cy="2573287"/>
+            <a:off x="7924269" y="934115"/>
+            <a:ext cx="3567658" cy="2322767"/>
           </a:xfrm>
           <a:prstGeom prst="rect">
             <a:avLst/>
@@ -10470,6 +12210,82 @@
               </a14:hiddenFill>
             </a:ext>
           </a:extLst>
+        </p:spPr>
+      </p:pic>
+      <p:pic>
+        <p:nvPicPr>
+          <p:cNvPr id="5" name="Kép 4" descr="Manual Testing - Software Testing - GeeksforGeeks">
+            <a:extLst>
+              <a:ext uri="{FF2B5EF4-FFF2-40B4-BE49-F238E27FC236}">
+                <a16:creationId xmlns:a16="http://schemas.microsoft.com/office/drawing/2014/main" id="{7376E428-8648-8B11-288B-D54EEEDAC166}"/>
+              </a:ext>
+            </a:extLst>
+          </p:cNvPr>
+          <p:cNvPicPr>
+            <a:picLocks noChangeAspect="1"/>
+          </p:cNvPicPr>
+          <p:nvPr/>
+        </p:nvPicPr>
+        <p:blipFill>
+          <a:blip r:embed="rId5"/>
+          <a:stretch>
+            <a:fillRect/>
+          </a:stretch>
+        </p:blipFill>
+        <p:spPr>
+          <a:xfrm>
+            <a:off x="5809991" y="3662820"/>
+            <a:ext cx="3087665" cy="2465538"/>
+          </a:xfrm>
+          <a:prstGeom prst="rect">
+            <a:avLst/>
+          </a:prstGeom>
+          <a:ln w="57150">
+            <a:solidFill>
+              <a:schemeClr val="accent1">
+                <a:lumMod val="40000"/>
+                <a:lumOff val="60000"/>
+              </a:schemeClr>
+            </a:solidFill>
+          </a:ln>
+        </p:spPr>
+      </p:pic>
+      <p:pic>
+        <p:nvPicPr>
+          <p:cNvPr id="6" name="Kép 5" descr="What Is a Unit Test? Unit Testing vs Integration Testing Explained  [Examples &amp; Best Practices]">
+            <a:extLst>
+              <a:ext uri="{FF2B5EF4-FFF2-40B4-BE49-F238E27FC236}">
+                <a16:creationId xmlns:a16="http://schemas.microsoft.com/office/drawing/2014/main" id="{2227B26F-DDD3-9920-059E-6063EA48D8C5}"/>
+              </a:ext>
+            </a:extLst>
+          </p:cNvPr>
+          <p:cNvPicPr>
+            <a:picLocks noChangeAspect="1"/>
+          </p:cNvPicPr>
+          <p:nvPr/>
+        </p:nvPicPr>
+        <p:blipFill>
+          <a:blip r:embed="rId6"/>
+          <a:stretch>
+            <a:fillRect/>
+          </a:stretch>
+        </p:blipFill>
+        <p:spPr>
+          <a:xfrm>
+            <a:off x="9045880" y="3659660"/>
+            <a:ext cx="3014596" cy="2471858"/>
+          </a:xfrm>
+          <a:prstGeom prst="rect">
+            <a:avLst/>
+          </a:prstGeom>
+          <a:ln w="57150">
+            <a:solidFill>
+              <a:schemeClr val="accent1">
+                <a:lumMod val="40000"/>
+                <a:lumOff val="60000"/>
+              </a:schemeClr>
+            </a:solidFill>
+          </a:ln>
         </p:spPr>
       </p:pic>
     </p:spTree>

--- a/VizsgaremekEnglishPP.pptx
+++ b/VizsgaremekEnglishPP.pptx
@@ -5,7 +5,7 @@
     <p:sldMasterId id="2147483648" r:id="rId1"/>
   </p:sldMasterIdLst>
   <p:notesMasterIdLst>
-    <p:notesMasterId r:id="rId13"/>
+    <p:notesMasterId r:id="rId17"/>
   </p:notesMasterIdLst>
   <p:sldIdLst>
     <p:sldId id="256" r:id="rId2"/>
@@ -17,8 +17,12 @@
     <p:sldId id="260" r:id="rId8"/>
     <p:sldId id="262" r:id="rId9"/>
     <p:sldId id="263" r:id="rId10"/>
-    <p:sldId id="264" r:id="rId11"/>
-    <p:sldId id="266" r:id="rId12"/>
+    <p:sldId id="267" r:id="rId11"/>
+    <p:sldId id="269" r:id="rId12"/>
+    <p:sldId id="264" r:id="rId13"/>
+    <p:sldId id="266" r:id="rId14"/>
+    <p:sldId id="268" r:id="rId15"/>
+    <p:sldId id="270" r:id="rId16"/>
   </p:sldIdLst>
   <p:sldSz cx="12192000" cy="6858000"/>
   <p:notesSz cx="6858000" cy="9144000"/>
@@ -117,15 +121,20 @@
       </a:defRPr>
     </a:lvl9pPr>
   </p:defaultTextStyle>
+  <p:extLst>
+    <p:ext uri="{EFAFB233-063F-42B5-8137-9DF3F51BA10A}">
+      <p15:sldGuideLst xmlns:p15="http://schemas.microsoft.com/office/powerpoint/2012/main"/>
+    </p:ext>
+  </p:extLst>
 </p:presentation>
 </file>
 
 <file path=ppt/revisionInfo.xml><?xml version="1.0" encoding="utf-8"?>
 <p1510:revInfo xmlns:a="http://schemas.openxmlformats.org/drawingml/2006/main" xmlns:r="http://schemas.openxmlformats.org/officeDocument/2006/relationships" xmlns:p1510="http://schemas.microsoft.com/office/powerpoint/2015/10/main">
   <p1510:revLst>
-    <p1510:client id="{1079E572-9078-E460-6BD6-D52B6B47D308}" v="283" dt="2026-01-29T07:19:19.125"/>
-    <p1510:client id="{1C26CF59-061F-B3DC-8637-6B619113F5B5}" v="12" dt="2026-01-29T06:58:26.184"/>
-    <p1510:client id="{F78506B0-3A28-7203-2963-4BF814FF8A09}" v="97" dt="2026-01-29T07:20:28.190"/>
+    <p1510:client id="{4DBC1750-D682-258D-DE56-86E93BC16F61}" v="48" dt="2026-02-02T07:23:12.910"/>
+    <p1510:client id="{BDD6FA4B-13F7-6471-AB26-A30FE67E54A7}" v="1190" dt="2026-02-02T07:19:48.737"/>
+    <p1510:client id="{E3DACB38-7507-3AC1-3E67-621DDCBE376F}" v="170" dt="2026-02-02T07:09:07.022"/>
   </p1510:revLst>
 </p1510:revInfo>
 </file>
@@ -276,7 +285,7 @@
           <a:p>
             <a:fld id="{1F6FFA99-551E-45B4-8370-7EE47DE7A2D9}" type="datetimeFigureOut">
               <a:rPr lang="hu-HU" smtClean="0"/>
-              <a:t>2026. 01. 31.</a:t>
+              <a:t>2026. 02. 01.</a:t>
             </a:fld>
             <a:endParaRPr lang="hu-HU"/>
           </a:p>
@@ -340,38 +349,37 @@
           <a:p>
             <a:pPr lvl="0"/>
             <a:r>
-              <a:rPr lang="hu-HU" smtClean="0"/>
+              <a:rPr lang="hu-HU"/>
               <a:t>Mintaszöveg szerkesztése</a:t>
             </a:r>
           </a:p>
           <a:p>
             <a:pPr lvl="1"/>
             <a:r>
-              <a:rPr lang="hu-HU" smtClean="0"/>
+              <a:rPr lang="hu-HU"/>
               <a:t>Második szint</a:t>
             </a:r>
           </a:p>
           <a:p>
             <a:pPr lvl="2"/>
             <a:r>
-              <a:rPr lang="hu-HU" smtClean="0"/>
+              <a:rPr lang="hu-HU"/>
               <a:t>Harmadik szint</a:t>
             </a:r>
           </a:p>
           <a:p>
             <a:pPr lvl="3"/>
             <a:r>
-              <a:rPr lang="hu-HU" smtClean="0"/>
+              <a:rPr lang="hu-HU"/>
               <a:t>Negyedik szint</a:t>
             </a:r>
           </a:p>
           <a:p>
             <a:pPr lvl="4"/>
             <a:r>
-              <a:rPr lang="hu-HU" smtClean="0"/>
+              <a:rPr lang="hu-HU"/>
               <a:t>Ötödik szint</a:t>
             </a:r>
-            <a:endParaRPr lang="hu-HU"/>
           </a:p>
         </p:txBody>
       </p:sp>
@@ -757,7 +765,7 @@
           <a:p>
             <a:fld id="{DB0193E8-478D-464D-8400-8CD4306FD776}" type="datetimeFigureOut">
               <a:rPr lang="hu-HU" smtClean="0"/>
-              <a:t>2026. 01. 31.</a:t>
+              <a:t>2026. 02. 01.</a:t>
             </a:fld>
             <a:endParaRPr lang="hu-HU"/>
           </a:p>
@@ -925,7 +933,7 @@
           <a:p>
             <a:fld id="{DB0193E8-478D-464D-8400-8CD4306FD776}" type="datetimeFigureOut">
               <a:rPr lang="hu-HU" smtClean="0"/>
-              <a:t>2026. 01. 31.</a:t>
+              <a:t>2026. 02. 01.</a:t>
             </a:fld>
             <a:endParaRPr lang="hu-HU"/>
           </a:p>
@@ -1103,7 +1111,7 @@
           <a:p>
             <a:fld id="{DB0193E8-478D-464D-8400-8CD4306FD776}" type="datetimeFigureOut">
               <a:rPr lang="hu-HU" smtClean="0"/>
-              <a:t>2026. 01. 31.</a:t>
+              <a:t>2026. 02. 01.</a:t>
             </a:fld>
             <a:endParaRPr lang="hu-HU"/>
           </a:p>
@@ -1271,7 +1279,7 @@
           <a:p>
             <a:fld id="{DB0193E8-478D-464D-8400-8CD4306FD776}" type="datetimeFigureOut">
               <a:rPr lang="hu-HU" smtClean="0"/>
-              <a:t>2026. 01. 31.</a:t>
+              <a:t>2026. 02. 01.</a:t>
             </a:fld>
             <a:endParaRPr lang="hu-HU"/>
           </a:p>
@@ -1516,7 +1524,7 @@
           <a:p>
             <a:fld id="{DB0193E8-478D-464D-8400-8CD4306FD776}" type="datetimeFigureOut">
               <a:rPr lang="hu-HU" smtClean="0"/>
-              <a:t>2026. 01. 31.</a:t>
+              <a:t>2026. 02. 01.</a:t>
             </a:fld>
             <a:endParaRPr lang="hu-HU"/>
           </a:p>
@@ -1745,7 +1753,7 @@
           <a:p>
             <a:fld id="{DB0193E8-478D-464D-8400-8CD4306FD776}" type="datetimeFigureOut">
               <a:rPr lang="hu-HU" smtClean="0"/>
-              <a:t>2026. 01. 31.</a:t>
+              <a:t>2026. 02. 01.</a:t>
             </a:fld>
             <a:endParaRPr lang="hu-HU"/>
           </a:p>
@@ -2109,7 +2117,7 @@
           <a:p>
             <a:fld id="{DB0193E8-478D-464D-8400-8CD4306FD776}" type="datetimeFigureOut">
               <a:rPr lang="hu-HU" smtClean="0"/>
-              <a:t>2026. 01. 31.</a:t>
+              <a:t>2026. 02. 01.</a:t>
             </a:fld>
             <a:endParaRPr lang="hu-HU"/>
           </a:p>
@@ -2226,7 +2234,7 @@
           <a:p>
             <a:fld id="{DB0193E8-478D-464D-8400-8CD4306FD776}" type="datetimeFigureOut">
               <a:rPr lang="hu-HU" smtClean="0"/>
-              <a:t>2026. 01. 31.</a:t>
+              <a:t>2026. 02. 01.</a:t>
             </a:fld>
             <a:endParaRPr lang="hu-HU"/>
           </a:p>
@@ -2321,7 +2329,7 @@
           <a:p>
             <a:fld id="{DB0193E8-478D-464D-8400-8CD4306FD776}" type="datetimeFigureOut">
               <a:rPr lang="hu-HU" smtClean="0"/>
-              <a:t>2026. 01. 31.</a:t>
+              <a:t>2026. 02. 01.</a:t>
             </a:fld>
             <a:endParaRPr lang="hu-HU"/>
           </a:p>
@@ -2596,7 +2604,7 @@
           <a:p>
             <a:fld id="{DB0193E8-478D-464D-8400-8CD4306FD776}" type="datetimeFigureOut">
               <a:rPr lang="hu-HU" smtClean="0"/>
-              <a:t>2026. 01. 31.</a:t>
+              <a:t>2026. 02. 01.</a:t>
             </a:fld>
             <a:endParaRPr lang="hu-HU"/>
           </a:p>
@@ -2848,7 +2856,7 @@
           <a:p>
             <a:fld id="{DB0193E8-478D-464D-8400-8CD4306FD776}" type="datetimeFigureOut">
               <a:rPr lang="hu-HU" smtClean="0"/>
-              <a:t>2026. 01. 31.</a:t>
+              <a:t>2026. 02. 01.</a:t>
             </a:fld>
             <a:endParaRPr lang="hu-HU"/>
           </a:p>
@@ -3059,7 +3067,7 @@
           <a:p>
             <a:fld id="{DB0193E8-478D-464D-8400-8CD4306FD776}" type="datetimeFigureOut">
               <a:rPr lang="hu-HU" smtClean="0"/>
-              <a:t>2026. 01. 31.</a:t>
+              <a:t>2026. 02. 01.</a:t>
             </a:fld>
             <a:endParaRPr lang="hu-HU"/>
           </a:p>
@@ -3875,6 +3883,1866 @@
         <p:cNvPr id="1" name="">
           <a:extLst>
             <a:ext uri="{FF2B5EF4-FFF2-40B4-BE49-F238E27FC236}">
+              <a16:creationId xmlns:a16="http://schemas.microsoft.com/office/drawing/2014/main" id="{94BB689D-C470-AD9C-B531-2B23CF074029}"/>
+            </a:ext>
+          </a:extLst>
+        </p:cNvPr>
+        <p:cNvGrpSpPr/>
+        <p:nvPr/>
+      </p:nvGrpSpPr>
+      <p:grpSpPr>
+        <a:xfrm>
+          <a:off x="0" y="0"/>
+          <a:ext cx="0" cy="0"/>
+          <a:chOff x="0" y="0"/>
+          <a:chExt cx="0" cy="0"/>
+        </a:xfrm>
+      </p:grpSpPr>
+      <p:sp>
+        <p:nvSpPr>
+          <p:cNvPr id="4" name="Téglalap 3">
+            <a:extLst>
+              <a:ext uri="{FF2B5EF4-FFF2-40B4-BE49-F238E27FC236}">
+                <a16:creationId xmlns:a16="http://schemas.microsoft.com/office/drawing/2014/main" id="{96E0EFC6-7CF8-B4E5-1539-F073723D45A7}"/>
+              </a:ext>
+            </a:extLst>
+          </p:cNvPr>
+          <p:cNvSpPr/>
+          <p:nvPr/>
+        </p:nvSpPr>
+        <p:spPr>
+          <a:xfrm>
+            <a:off x="0" y="0"/>
+            <a:ext cx="12192000" cy="819150"/>
+          </a:xfrm>
+          <a:prstGeom prst="rect">
+            <a:avLst/>
+          </a:prstGeom>
+          <a:solidFill>
+            <a:schemeClr val="accent1">
+              <a:lumMod val="60000"/>
+              <a:lumOff val="40000"/>
+            </a:schemeClr>
+          </a:solidFill>
+          <a:ln>
+            <a:noFill/>
+          </a:ln>
+        </p:spPr>
+        <p:style>
+          <a:lnRef idx="2">
+            <a:schemeClr val="accent1">
+              <a:shade val="50000"/>
+            </a:schemeClr>
+          </a:lnRef>
+          <a:fillRef idx="1">
+            <a:schemeClr val="accent1"/>
+          </a:fillRef>
+          <a:effectRef idx="0">
+            <a:schemeClr val="accent1"/>
+          </a:effectRef>
+          <a:fontRef idx="minor">
+            <a:schemeClr val="lt1"/>
+          </a:fontRef>
+        </p:style>
+        <p:txBody>
+          <a:bodyPr rtlCol="0" anchor="ctr"/>
+          <a:lstStyle/>
+          <a:p>
+            <a:pPr algn="ctr"/>
+            <a:endParaRPr lang="hu-HU">
+              <a:solidFill>
+                <a:schemeClr val="tx1"/>
+              </a:solidFill>
+            </a:endParaRPr>
+          </a:p>
+        </p:txBody>
+      </p:sp>
+      <p:pic>
+        <p:nvPicPr>
+          <p:cNvPr id="3" name="Kép 2">
+            <a:extLst>
+              <a:ext uri="{FF2B5EF4-FFF2-40B4-BE49-F238E27FC236}">
+                <a16:creationId xmlns:a16="http://schemas.microsoft.com/office/drawing/2014/main" id="{58C21B68-41C5-5DAF-1E0A-61F08579598A}"/>
+              </a:ext>
+            </a:extLst>
+          </p:cNvPr>
+          <p:cNvPicPr>
+            <a:picLocks noChangeAspect="1"/>
+          </p:cNvPicPr>
+          <p:nvPr/>
+        </p:nvPicPr>
+        <p:blipFill>
+          <a:blip r:embed="rId2" cstate="print">
+            <a:extLst>
+              <a:ext uri="{28A0092B-C50C-407E-A947-70E740481C1C}">
+                <a14:useLocalDpi xmlns:a14="http://schemas.microsoft.com/office/drawing/2010/main" val="0"/>
+              </a:ext>
+            </a:extLst>
+          </a:blip>
+          <a:stretch>
+            <a:fillRect/>
+          </a:stretch>
+        </p:blipFill>
+        <p:spPr>
+          <a:xfrm>
+            <a:off x="140104" y="47687"/>
+            <a:ext cx="745721" cy="723776"/>
+          </a:xfrm>
+          <a:prstGeom prst="rect">
+            <a:avLst/>
+          </a:prstGeom>
+        </p:spPr>
+      </p:pic>
+      <p:sp>
+        <p:nvSpPr>
+          <p:cNvPr id="2" name="Szövegdoboz 1">
+            <a:extLst>
+              <a:ext uri="{FF2B5EF4-FFF2-40B4-BE49-F238E27FC236}">
+                <a16:creationId xmlns:a16="http://schemas.microsoft.com/office/drawing/2014/main" id="{4421AC52-0274-87B5-3810-4C8931298490}"/>
+              </a:ext>
+            </a:extLst>
+          </p:cNvPr>
+          <p:cNvSpPr txBox="1"/>
+          <p:nvPr/>
+        </p:nvSpPr>
+        <p:spPr>
+          <a:xfrm>
+            <a:off x="2801383" y="24854"/>
+            <a:ext cx="6589234" cy="769441"/>
+          </a:xfrm>
+          <a:prstGeom prst="rect">
+            <a:avLst/>
+          </a:prstGeom>
+          <a:noFill/>
+        </p:spPr>
+        <p:txBody>
+          <a:bodyPr wrap="square" lIns="91440" tIns="45720" rIns="91440" bIns="45720" rtlCol="0" anchor="t">
+            <a:spAutoFit/>
+          </a:bodyPr>
+          <a:lstStyle/>
+          <a:p>
+            <a:pPr algn="ctr"/>
+            <a:r>
+              <a:rPr lang="hu-HU" sz="4400" b="1" dirty="0">
+                <a:ln w="6350">
+                  <a:solidFill>
+                    <a:schemeClr val="accent1">
+                      <a:lumMod val="75000"/>
+                    </a:schemeClr>
+                  </a:solidFill>
+                </a:ln>
+                <a:solidFill>
+                  <a:schemeClr val="bg1"/>
+                </a:solidFill>
+                <a:latin typeface="Ink Free"/>
+              </a:rPr>
+              <a:t>Testing </a:t>
+            </a:r>
+            <a:r>
+              <a:rPr lang="hu-HU" sz="4400" b="1" dirty="0" err="1">
+                <a:ln w="6350">
+                  <a:solidFill>
+                    <a:schemeClr val="accent1">
+                      <a:lumMod val="75000"/>
+                    </a:schemeClr>
+                  </a:solidFill>
+                </a:ln>
+                <a:solidFill>
+                  <a:schemeClr val="bg1"/>
+                </a:solidFill>
+                <a:latin typeface="Ink Free"/>
+              </a:rPr>
+              <a:t>results</a:t>
+            </a:r>
+            <a:endParaRPr lang="hu-HU" sz="4400" b="1" dirty="0" err="1">
+              <a:ln w="6350">
+                <a:solidFill>
+                  <a:schemeClr val="accent1">
+                    <a:lumMod val="75000"/>
+                  </a:schemeClr>
+                </a:solidFill>
+              </a:ln>
+              <a:solidFill>
+                <a:schemeClr val="bg1"/>
+              </a:solidFill>
+              <a:latin typeface="Ink Free" panose="03080402000500000000" pitchFamily="66" charset="0"/>
+            </a:endParaRPr>
+          </a:p>
+        </p:txBody>
+      </p:sp>
+      <p:sp>
+        <p:nvSpPr>
+          <p:cNvPr id="12" name="Szövegdoboz 11">
+            <a:extLst>
+              <a:ext uri="{FF2B5EF4-FFF2-40B4-BE49-F238E27FC236}">
+                <a16:creationId xmlns:a16="http://schemas.microsoft.com/office/drawing/2014/main" id="{906963F0-9C25-C0CC-904F-0A059C079119}"/>
+              </a:ext>
+            </a:extLst>
+          </p:cNvPr>
+          <p:cNvSpPr txBox="1"/>
+          <p:nvPr/>
+        </p:nvSpPr>
+        <p:spPr>
+          <a:xfrm>
+            <a:off x="510659" y="970463"/>
+            <a:ext cx="11492853" cy="1200329"/>
+          </a:xfrm>
+          <a:prstGeom prst="rect">
+            <a:avLst/>
+          </a:prstGeom>
+          <a:noFill/>
+        </p:spPr>
+        <p:txBody>
+          <a:bodyPr wrap="square" lIns="91440" tIns="45720" rIns="91440" bIns="45720" rtlCol="0" anchor="t">
+            <a:spAutoFit/>
+          </a:bodyPr>
+          <a:lstStyle/>
+          <a:p>
+            <a:pPr marL="342900" indent="-342900">
+              <a:buFont typeface="Arial" panose="020B0604020202020204" pitchFamily="34" charset="0"/>
+              <a:buChar char="•"/>
+            </a:pPr>
+            <a:r>
+              <a:rPr lang="hu-HU" sz="2400" b="1" dirty="0" err="1">
+                <a:solidFill>
+                  <a:schemeClr val="accent4">
+                    <a:lumMod val="75000"/>
+                  </a:schemeClr>
+                </a:solidFill>
+              </a:rPr>
+              <a:t>Cannot</a:t>
+            </a:r>
+            <a:r>
+              <a:rPr lang="hu-HU" sz="2400" b="1" dirty="0">
+                <a:solidFill>
+                  <a:schemeClr val="accent4">
+                    <a:lumMod val="75000"/>
+                  </a:schemeClr>
+                </a:solidFill>
+              </a:rPr>
+              <a:t> </a:t>
+            </a:r>
+            <a:r>
+              <a:rPr lang="hu-HU" sz="2400" b="1" dirty="0" err="1">
+                <a:solidFill>
+                  <a:schemeClr val="accent4">
+                    <a:lumMod val="75000"/>
+                  </a:schemeClr>
+                </a:solidFill>
+              </a:rPr>
+              <a:t>connect</a:t>
+            </a:r>
+            <a:r>
+              <a:rPr lang="hu-HU" sz="2400" b="1" dirty="0">
+                <a:solidFill>
+                  <a:schemeClr val="accent4">
+                    <a:lumMod val="75000"/>
+                  </a:schemeClr>
+                </a:solidFill>
+              </a:rPr>
+              <a:t> </a:t>
+            </a:r>
+            <a:r>
+              <a:rPr lang="hu-HU" sz="2400" b="1" dirty="0" err="1">
+                <a:solidFill>
+                  <a:schemeClr val="accent4">
+                    <a:lumMod val="75000"/>
+                  </a:schemeClr>
+                </a:solidFill>
+              </a:rPr>
+              <a:t>to</a:t>
+            </a:r>
+            <a:r>
+              <a:rPr lang="hu-HU" sz="2400" b="1" dirty="0">
+                <a:solidFill>
+                  <a:schemeClr val="accent4">
+                    <a:lumMod val="75000"/>
+                  </a:schemeClr>
+                </a:solidFill>
+              </a:rPr>
+              <a:t> </a:t>
+            </a:r>
+            <a:r>
+              <a:rPr lang="hu-HU" sz="2400" b="1" dirty="0" err="1">
+                <a:solidFill>
+                  <a:schemeClr val="accent4">
+                    <a:lumMod val="75000"/>
+                  </a:schemeClr>
+                </a:solidFill>
+              </a:rPr>
+              <a:t>Database</a:t>
+            </a:r>
+            <a:r>
+              <a:rPr lang="hu-HU" sz="2400" dirty="0">
+                <a:solidFill>
+                  <a:schemeClr val="accent4">
+                    <a:lumMod val="75000"/>
+                  </a:schemeClr>
+                </a:solidFill>
+              </a:rPr>
+              <a:t>: </a:t>
+            </a:r>
+            <a:r>
+              <a:rPr lang="hu-HU" sz="2400" dirty="0" err="1">
+                <a:solidFill>
+                  <a:schemeClr val="accent4">
+                    <a:lumMod val="75000"/>
+                  </a:schemeClr>
+                </a:solidFill>
+              </a:rPr>
+              <a:t>If</a:t>
+            </a:r>
+            <a:r>
+              <a:rPr lang="hu-HU" sz="2400" dirty="0">
+                <a:solidFill>
+                  <a:schemeClr val="accent4">
+                    <a:lumMod val="75000"/>
+                  </a:schemeClr>
+                </a:solidFill>
+              </a:rPr>
+              <a:t> </a:t>
+            </a:r>
+            <a:r>
+              <a:rPr lang="hu-HU" sz="2400" dirty="0" err="1">
+                <a:solidFill>
+                  <a:schemeClr val="accent4">
+                    <a:lumMod val="75000"/>
+                  </a:schemeClr>
+                </a:solidFill>
+              </a:rPr>
+              <a:t>the</a:t>
+            </a:r>
+            <a:r>
+              <a:rPr lang="hu-HU" sz="2400" dirty="0">
+                <a:solidFill>
+                  <a:schemeClr val="accent4">
+                    <a:lumMod val="75000"/>
+                  </a:schemeClr>
+                </a:solidFill>
+              </a:rPr>
+              <a:t> Server </a:t>
+            </a:r>
+            <a:r>
+              <a:rPr lang="hu-HU" sz="2400" dirty="0" err="1">
+                <a:solidFill>
+                  <a:schemeClr val="accent4">
+                    <a:lumMod val="75000"/>
+                  </a:schemeClr>
+                </a:solidFill>
+              </a:rPr>
+              <a:t>cannot</a:t>
+            </a:r>
+            <a:r>
+              <a:rPr lang="hu-HU" sz="2400" dirty="0">
+                <a:solidFill>
+                  <a:schemeClr val="accent4">
+                    <a:lumMod val="75000"/>
+                  </a:schemeClr>
+                </a:solidFill>
+              </a:rPr>
+              <a:t> </a:t>
+            </a:r>
+            <a:r>
+              <a:rPr lang="hu-HU" sz="2400" dirty="0" err="1">
+                <a:solidFill>
+                  <a:schemeClr val="accent4">
+                    <a:lumMod val="75000"/>
+                  </a:schemeClr>
+                </a:solidFill>
+              </a:rPr>
+              <a:t>connect</a:t>
+            </a:r>
+            <a:r>
+              <a:rPr lang="hu-HU" sz="2400" dirty="0">
+                <a:solidFill>
+                  <a:schemeClr val="accent4">
+                    <a:lumMod val="75000"/>
+                  </a:schemeClr>
+                </a:solidFill>
+              </a:rPr>
+              <a:t> </a:t>
+            </a:r>
+            <a:r>
+              <a:rPr lang="hu-HU" sz="2400" dirty="0" err="1">
+                <a:solidFill>
+                  <a:schemeClr val="accent4">
+                    <a:lumMod val="75000"/>
+                  </a:schemeClr>
+                </a:solidFill>
+              </a:rPr>
+              <a:t>to</a:t>
+            </a:r>
+            <a:r>
+              <a:rPr lang="hu-HU" sz="2400" dirty="0">
+                <a:solidFill>
+                  <a:schemeClr val="accent4">
+                    <a:lumMod val="75000"/>
+                  </a:schemeClr>
+                </a:solidFill>
+              </a:rPr>
+              <a:t> </a:t>
+            </a:r>
+            <a:r>
+              <a:rPr lang="hu-HU" sz="2400" dirty="0" err="1">
+                <a:solidFill>
+                  <a:schemeClr val="accent4">
+                    <a:lumMod val="75000"/>
+                  </a:schemeClr>
+                </a:solidFill>
+              </a:rPr>
+              <a:t>the</a:t>
+            </a:r>
+            <a:r>
+              <a:rPr lang="hu-HU" sz="2400" dirty="0">
+                <a:solidFill>
+                  <a:schemeClr val="accent4">
+                    <a:lumMod val="75000"/>
+                  </a:schemeClr>
+                </a:solidFill>
+              </a:rPr>
+              <a:t> </a:t>
+            </a:r>
+            <a:r>
+              <a:rPr lang="hu-HU" sz="2400" dirty="0" err="1">
+                <a:solidFill>
+                  <a:schemeClr val="accent4">
+                    <a:lumMod val="75000"/>
+                  </a:schemeClr>
+                </a:solidFill>
+              </a:rPr>
+              <a:t>database</a:t>
+            </a:r>
+            <a:r>
+              <a:rPr lang="hu-HU" sz="2400" dirty="0">
+                <a:solidFill>
+                  <a:schemeClr val="accent4">
+                    <a:lumMod val="75000"/>
+                  </a:schemeClr>
+                </a:solidFill>
+              </a:rPr>
+              <a:t>, </a:t>
+            </a:r>
+            <a:r>
+              <a:rPr lang="hu-HU" sz="2400" dirty="0" err="1">
+                <a:solidFill>
+                  <a:schemeClr val="accent4">
+                    <a:lumMod val="75000"/>
+                  </a:schemeClr>
+                </a:solidFill>
+              </a:rPr>
+              <a:t>for</a:t>
+            </a:r>
+            <a:r>
+              <a:rPr lang="hu-HU" sz="2400" dirty="0">
+                <a:solidFill>
+                  <a:schemeClr val="accent4">
+                    <a:lumMod val="75000"/>
+                  </a:schemeClr>
+                </a:solidFill>
+              </a:rPr>
+              <a:t> </a:t>
+            </a:r>
+            <a:r>
+              <a:rPr lang="hu-HU" sz="2400" dirty="0" err="1">
+                <a:solidFill>
+                  <a:schemeClr val="accent4">
+                    <a:lumMod val="75000"/>
+                  </a:schemeClr>
+                </a:solidFill>
+              </a:rPr>
+              <a:t>some</a:t>
+            </a:r>
+            <a:r>
+              <a:rPr lang="hu-HU" sz="2400" dirty="0">
+                <a:solidFill>
+                  <a:schemeClr val="accent4">
+                    <a:lumMod val="75000"/>
+                  </a:schemeClr>
+                </a:solidFill>
+              </a:rPr>
+              <a:t> </a:t>
+            </a:r>
+            <a:r>
+              <a:rPr lang="hu-HU" sz="2400" dirty="0" err="1">
+                <a:solidFill>
+                  <a:schemeClr val="accent4">
+                    <a:lumMod val="75000"/>
+                  </a:schemeClr>
+                </a:solidFill>
+              </a:rPr>
+              <a:t>reason</a:t>
+            </a:r>
+            <a:r>
+              <a:rPr lang="hu-HU" sz="2400" dirty="0">
+                <a:solidFill>
+                  <a:schemeClr val="accent4">
+                    <a:lumMod val="75000"/>
+                  </a:schemeClr>
+                </a:solidFill>
+              </a:rPr>
+              <a:t>, </a:t>
+            </a:r>
+            <a:r>
+              <a:rPr lang="hu-HU" sz="2400" dirty="0" err="1">
+                <a:solidFill>
+                  <a:schemeClr val="accent4">
+                    <a:lumMod val="75000"/>
+                  </a:schemeClr>
+                </a:solidFill>
+              </a:rPr>
+              <a:t>for</a:t>
+            </a:r>
+            <a:r>
+              <a:rPr lang="hu-HU" sz="2400" dirty="0">
+                <a:solidFill>
+                  <a:schemeClr val="accent4">
+                    <a:lumMod val="75000"/>
+                  </a:schemeClr>
+                </a:solidFill>
+              </a:rPr>
+              <a:t> </a:t>
+            </a:r>
+            <a:r>
+              <a:rPr lang="hu-HU" sz="2400" dirty="0" err="1">
+                <a:solidFill>
+                  <a:schemeClr val="accent4">
+                    <a:lumMod val="75000"/>
+                  </a:schemeClr>
+                </a:solidFill>
+              </a:rPr>
+              <a:t>example</a:t>
+            </a:r>
+            <a:r>
+              <a:rPr lang="hu-HU" sz="2400" dirty="0">
+                <a:solidFill>
+                  <a:schemeClr val="accent4">
+                    <a:lumMod val="75000"/>
+                  </a:schemeClr>
+                </a:solidFill>
+              </a:rPr>
+              <a:t>: </a:t>
+            </a:r>
+            <a:r>
+              <a:rPr lang="hu-HU" sz="2400" dirty="0" err="1">
+                <a:solidFill>
+                  <a:schemeClr val="accent4">
+                    <a:lumMod val="75000"/>
+                  </a:schemeClr>
+                </a:solidFill>
+              </a:rPr>
+              <a:t>lack</a:t>
+            </a:r>
+            <a:r>
+              <a:rPr lang="hu-HU" sz="2400" dirty="0">
+                <a:solidFill>
+                  <a:schemeClr val="accent4">
+                    <a:lumMod val="75000"/>
+                  </a:schemeClr>
+                </a:solidFill>
+              </a:rPr>
+              <a:t> of XAMPP, </a:t>
+            </a:r>
+            <a:r>
+              <a:rPr lang="hu-HU" sz="2400" dirty="0" err="1">
+                <a:solidFill>
+                  <a:schemeClr val="accent4">
+                    <a:lumMod val="75000"/>
+                  </a:schemeClr>
+                </a:solidFill>
+              </a:rPr>
+              <a:t>or</a:t>
+            </a:r>
+            <a:r>
+              <a:rPr lang="hu-HU" sz="2400" dirty="0">
+                <a:solidFill>
+                  <a:schemeClr val="accent4">
+                    <a:lumMod val="75000"/>
+                  </a:schemeClr>
+                </a:solidFill>
+              </a:rPr>
+              <a:t> </a:t>
+            </a:r>
+            <a:r>
+              <a:rPr lang="hu-HU" sz="2400" dirty="0" err="1">
+                <a:solidFill>
+                  <a:schemeClr val="accent4">
+                    <a:lumMod val="75000"/>
+                  </a:schemeClr>
+                </a:solidFill>
+              </a:rPr>
+              <a:t>some</a:t>
+            </a:r>
+            <a:r>
+              <a:rPr lang="hu-HU" sz="2400" dirty="0">
+                <a:solidFill>
+                  <a:schemeClr val="accent4">
+                    <a:lumMod val="75000"/>
+                  </a:schemeClr>
+                </a:solidFill>
+              </a:rPr>
+              <a:t> </a:t>
+            </a:r>
+            <a:r>
+              <a:rPr lang="hu-HU" sz="2400" dirty="0" err="1">
+                <a:solidFill>
+                  <a:schemeClr val="accent4">
+                    <a:lumMod val="75000"/>
+                  </a:schemeClr>
+                </a:solidFill>
+              </a:rPr>
+              <a:t>kind</a:t>
+            </a:r>
+            <a:r>
+              <a:rPr lang="hu-HU" sz="2400" dirty="0">
+                <a:solidFill>
+                  <a:schemeClr val="accent4">
+                    <a:lumMod val="75000"/>
+                  </a:schemeClr>
+                </a:solidFill>
+              </a:rPr>
+              <a:t> of </a:t>
+            </a:r>
+            <a:r>
+              <a:rPr lang="hu-HU" sz="2400" dirty="0" err="1">
+                <a:solidFill>
+                  <a:schemeClr val="accent4">
+                    <a:lumMod val="75000"/>
+                  </a:schemeClr>
+                </a:solidFill>
+              </a:rPr>
+              <a:t>issue</a:t>
+            </a:r>
+            <a:r>
+              <a:rPr lang="hu-HU" sz="2400" dirty="0">
+                <a:solidFill>
+                  <a:schemeClr val="accent4">
+                    <a:lumMod val="75000"/>
+                  </a:schemeClr>
+                </a:solidFill>
+              </a:rPr>
+              <a:t>, </a:t>
+            </a:r>
+            <a:r>
+              <a:rPr lang="hu-HU" sz="2400" dirty="0" err="1">
+                <a:solidFill>
+                  <a:schemeClr val="accent4">
+                    <a:lumMod val="75000"/>
+                  </a:schemeClr>
+                </a:solidFill>
+              </a:rPr>
+              <a:t>the</a:t>
+            </a:r>
+            <a:r>
+              <a:rPr lang="hu-HU" sz="2400" dirty="0">
+                <a:solidFill>
+                  <a:schemeClr val="accent4">
+                    <a:lumMod val="75000"/>
+                  </a:schemeClr>
+                </a:solidFill>
+              </a:rPr>
+              <a:t> website </a:t>
+            </a:r>
+            <a:r>
+              <a:rPr lang="hu-HU" sz="2400" dirty="0" err="1">
+                <a:solidFill>
+                  <a:schemeClr val="accent4">
+                    <a:lumMod val="75000"/>
+                  </a:schemeClr>
+                </a:solidFill>
+              </a:rPr>
+              <a:t>will</a:t>
+            </a:r>
+            <a:r>
+              <a:rPr lang="hu-HU" sz="2400" dirty="0">
+                <a:solidFill>
+                  <a:schemeClr val="accent4">
+                    <a:lumMod val="75000"/>
+                  </a:schemeClr>
+                </a:solidFill>
+              </a:rPr>
+              <a:t> </a:t>
+            </a:r>
+            <a:r>
+              <a:rPr lang="hu-HU" sz="2400" dirty="0" err="1">
+                <a:solidFill>
+                  <a:schemeClr val="accent4">
+                    <a:lumMod val="75000"/>
+                  </a:schemeClr>
+                </a:solidFill>
+              </a:rPr>
+              <a:t>handle</a:t>
+            </a:r>
+            <a:r>
+              <a:rPr lang="hu-HU" sz="2400" dirty="0">
+                <a:solidFill>
+                  <a:schemeClr val="accent4">
+                    <a:lumMod val="75000"/>
+                  </a:schemeClr>
+                </a:solidFill>
+              </a:rPr>
+              <a:t> </a:t>
+            </a:r>
+            <a:r>
+              <a:rPr lang="hu-HU" sz="2400" dirty="0" err="1">
+                <a:solidFill>
+                  <a:schemeClr val="accent4">
+                    <a:lumMod val="75000"/>
+                  </a:schemeClr>
+                </a:solidFill>
+              </a:rPr>
+              <a:t>it</a:t>
+            </a:r>
+            <a:r>
+              <a:rPr lang="hu-HU" sz="2400" dirty="0">
+                <a:solidFill>
+                  <a:schemeClr val="accent4">
+                    <a:lumMod val="75000"/>
+                  </a:schemeClr>
+                </a:solidFill>
+              </a:rPr>
+              <a:t>, and </a:t>
+            </a:r>
+            <a:r>
+              <a:rPr lang="hu-HU" sz="2400" dirty="0" err="1">
+                <a:solidFill>
+                  <a:schemeClr val="accent4">
+                    <a:lumMod val="75000"/>
+                  </a:schemeClr>
+                </a:solidFill>
+              </a:rPr>
+              <a:t>it</a:t>
+            </a:r>
+            <a:r>
+              <a:rPr lang="hu-HU" sz="2400" dirty="0">
+                <a:solidFill>
+                  <a:schemeClr val="accent4">
+                    <a:lumMod val="75000"/>
+                  </a:schemeClr>
+                </a:solidFill>
+              </a:rPr>
+              <a:t> </a:t>
+            </a:r>
+            <a:r>
+              <a:rPr lang="hu-HU" sz="2400" dirty="0" err="1">
+                <a:solidFill>
+                  <a:schemeClr val="accent4">
+                    <a:lumMod val="75000"/>
+                  </a:schemeClr>
+                </a:solidFill>
+              </a:rPr>
+              <a:t>won't</a:t>
+            </a:r>
+            <a:r>
+              <a:rPr lang="hu-HU" sz="2400" dirty="0">
+                <a:solidFill>
+                  <a:schemeClr val="accent4">
+                    <a:lumMod val="75000"/>
+                  </a:schemeClr>
+                </a:solidFill>
+              </a:rPr>
+              <a:t> </a:t>
+            </a:r>
+            <a:r>
+              <a:rPr lang="hu-HU" sz="2400" dirty="0" err="1">
+                <a:solidFill>
+                  <a:schemeClr val="accent4">
+                    <a:lumMod val="75000"/>
+                  </a:schemeClr>
+                </a:solidFill>
+              </a:rPr>
+              <a:t>crash</a:t>
+            </a:r>
+            <a:r>
+              <a:rPr lang="hu-HU" sz="2400" dirty="0">
+                <a:solidFill>
+                  <a:schemeClr val="accent4">
+                    <a:lumMod val="75000"/>
+                  </a:schemeClr>
+                </a:solidFill>
+              </a:rPr>
+              <a:t>!</a:t>
+            </a:r>
+            <a:endParaRPr lang="hu-HU" sz="2400" dirty="0">
+              <a:solidFill>
+                <a:schemeClr val="accent4">
+                  <a:lumMod val="75000"/>
+                </a:schemeClr>
+              </a:solidFill>
+              <a:ea typeface="Calibri"/>
+              <a:cs typeface="Calibri"/>
+            </a:endParaRPr>
+          </a:p>
+        </p:txBody>
+      </p:sp>
+      <p:pic>
+        <p:nvPicPr>
+          <p:cNvPr id="8" name="Kép 7" descr="A képen szöveg, képernyőkép, tervezés látható&#10;&#10;Lehet, hogy az AI által létrehozott tartalom helytelen.">
+            <a:extLst>
+              <a:ext uri="{FF2B5EF4-FFF2-40B4-BE49-F238E27FC236}">
+                <a16:creationId xmlns:a16="http://schemas.microsoft.com/office/drawing/2014/main" id="{792F4D1D-5793-A3EB-E4DF-133338F31687}"/>
+              </a:ext>
+            </a:extLst>
+          </p:cNvPr>
+          <p:cNvPicPr>
+            <a:picLocks noChangeAspect="1"/>
+          </p:cNvPicPr>
+          <p:nvPr/>
+        </p:nvPicPr>
+        <p:blipFill>
+          <a:blip r:embed="rId3"/>
+          <a:stretch>
+            <a:fillRect/>
+          </a:stretch>
+        </p:blipFill>
+        <p:spPr>
+          <a:xfrm>
+            <a:off x="135699" y="3145727"/>
+            <a:ext cx="7870521" cy="2069670"/>
+          </a:xfrm>
+          <a:prstGeom prst="rect">
+            <a:avLst/>
+          </a:prstGeom>
+          <a:ln w="57150">
+            <a:solidFill>
+              <a:schemeClr val="accent1">
+                <a:lumMod val="40000"/>
+                <a:lumOff val="60000"/>
+              </a:schemeClr>
+            </a:solidFill>
+          </a:ln>
+        </p:spPr>
+      </p:pic>
+      <p:sp>
+        <p:nvSpPr>
+          <p:cNvPr id="11" name="Szövegdoboz 10">
+            <a:extLst>
+              <a:ext uri="{FF2B5EF4-FFF2-40B4-BE49-F238E27FC236}">
+                <a16:creationId xmlns:a16="http://schemas.microsoft.com/office/drawing/2014/main" id="{BB13FA43-C07D-5FA3-AD73-9B656B3AB0F9}"/>
+              </a:ext>
+            </a:extLst>
+          </p:cNvPr>
+          <p:cNvSpPr txBox="1"/>
+          <p:nvPr/>
+        </p:nvSpPr>
+        <p:spPr>
+          <a:xfrm>
+            <a:off x="510658" y="2504901"/>
+            <a:ext cx="2975156" cy="461665"/>
+          </a:xfrm>
+          <a:prstGeom prst="rect">
+            <a:avLst/>
+          </a:prstGeom>
+          <a:noFill/>
+        </p:spPr>
+        <p:txBody>
+          <a:bodyPr wrap="square" lIns="91440" tIns="45720" rIns="91440" bIns="45720" rtlCol="0" anchor="t">
+            <a:spAutoFit/>
+          </a:bodyPr>
+          <a:lstStyle/>
+          <a:p>
+            <a:pPr marL="342900" indent="-342900">
+              <a:buFont typeface="Arial" panose="020B0604020202020204" pitchFamily="34" charset="0"/>
+              <a:buChar char="•"/>
+            </a:pPr>
+            <a:r>
+              <a:rPr lang="hu-HU" sz="2400" b="1" dirty="0">
+                <a:solidFill>
+                  <a:schemeClr val="accent4">
+                    <a:lumMod val="75000"/>
+                  </a:schemeClr>
+                </a:solidFill>
+              </a:rPr>
+              <a:t>Frontend </a:t>
+            </a:r>
+            <a:r>
+              <a:rPr lang="hu-HU" sz="2400" b="1" dirty="0" err="1">
+                <a:solidFill>
+                  <a:schemeClr val="accent4">
+                    <a:lumMod val="75000"/>
+                  </a:schemeClr>
+                </a:solidFill>
+              </a:rPr>
+              <a:t>Handling</a:t>
+            </a:r>
+            <a:r>
+              <a:rPr lang="hu-HU" sz="2400" b="1" dirty="0">
+                <a:solidFill>
+                  <a:schemeClr val="accent4">
+                    <a:lumMod val="75000"/>
+                  </a:schemeClr>
+                </a:solidFill>
+              </a:rPr>
+              <a:t>:</a:t>
+            </a:r>
+            <a:endParaRPr lang="hu-HU" sz="2400" dirty="0">
+              <a:solidFill>
+                <a:schemeClr val="accent4">
+                  <a:lumMod val="75000"/>
+                </a:schemeClr>
+              </a:solidFill>
+              <a:ea typeface="Calibri"/>
+              <a:cs typeface="Calibri"/>
+            </a:endParaRPr>
+          </a:p>
+        </p:txBody>
+      </p:sp>
+      <p:sp>
+        <p:nvSpPr>
+          <p:cNvPr id="13" name="Szövegdoboz 12">
+            <a:extLst>
+              <a:ext uri="{FF2B5EF4-FFF2-40B4-BE49-F238E27FC236}">
+                <a16:creationId xmlns:a16="http://schemas.microsoft.com/office/drawing/2014/main" id="{0440CDCE-F4C1-0D36-F02B-03CA282DF090}"/>
+              </a:ext>
+            </a:extLst>
+          </p:cNvPr>
+          <p:cNvSpPr txBox="1"/>
+          <p:nvPr/>
+        </p:nvSpPr>
+        <p:spPr>
+          <a:xfrm>
+            <a:off x="8287232" y="2504901"/>
+            <a:ext cx="2975156" cy="461665"/>
+          </a:xfrm>
+          <a:prstGeom prst="rect">
+            <a:avLst/>
+          </a:prstGeom>
+          <a:noFill/>
+        </p:spPr>
+        <p:txBody>
+          <a:bodyPr wrap="square" lIns="91440" tIns="45720" rIns="91440" bIns="45720" rtlCol="0" anchor="t">
+            <a:spAutoFit/>
+          </a:bodyPr>
+          <a:lstStyle/>
+          <a:p>
+            <a:pPr marL="342900" indent="-342900">
+              <a:buFont typeface="Arial" panose="020B0604020202020204" pitchFamily="34" charset="0"/>
+              <a:buChar char="•"/>
+            </a:pPr>
+            <a:r>
+              <a:rPr lang="hu-HU" sz="2400" b="1" dirty="0">
+                <a:solidFill>
+                  <a:schemeClr val="accent4">
+                    <a:lumMod val="75000"/>
+                  </a:schemeClr>
+                </a:solidFill>
+              </a:rPr>
+              <a:t>Backend </a:t>
+            </a:r>
+            <a:r>
+              <a:rPr lang="hu-HU" sz="2400" b="1" dirty="0" err="1">
+                <a:solidFill>
+                  <a:schemeClr val="accent4">
+                    <a:lumMod val="75000"/>
+                  </a:schemeClr>
+                </a:solidFill>
+              </a:rPr>
+              <a:t>Error</a:t>
+            </a:r>
+            <a:r>
+              <a:rPr lang="hu-HU" sz="2400" b="1" dirty="0">
+                <a:solidFill>
+                  <a:schemeClr val="accent4">
+                    <a:lumMod val="75000"/>
+                  </a:schemeClr>
+                </a:solidFill>
+              </a:rPr>
+              <a:t>:</a:t>
+            </a:r>
+            <a:endParaRPr lang="hu-HU" sz="2400" dirty="0">
+              <a:solidFill>
+                <a:schemeClr val="accent4">
+                  <a:lumMod val="75000"/>
+                </a:schemeClr>
+              </a:solidFill>
+              <a:ea typeface="Calibri"/>
+              <a:cs typeface="Calibri"/>
+            </a:endParaRPr>
+          </a:p>
+        </p:txBody>
+      </p:sp>
+      <p:pic>
+        <p:nvPicPr>
+          <p:cNvPr id="14" name="Kép 13" descr="A képen szöveg, képernyőkép, szoftver látható&#10;&#10;Lehet, hogy az AI által létrehozott tartalom helytelen.">
+            <a:extLst>
+              <a:ext uri="{FF2B5EF4-FFF2-40B4-BE49-F238E27FC236}">
+                <a16:creationId xmlns:a16="http://schemas.microsoft.com/office/drawing/2014/main" id="{1F661FF4-08C9-680E-6B37-90EB790FBE10}"/>
+              </a:ext>
+            </a:extLst>
+          </p:cNvPr>
+          <p:cNvPicPr>
+            <a:picLocks noChangeAspect="1"/>
+          </p:cNvPicPr>
+          <p:nvPr/>
+        </p:nvPicPr>
+        <p:blipFill>
+          <a:blip r:embed="rId4"/>
+          <a:stretch>
+            <a:fillRect/>
+          </a:stretch>
+        </p:blipFill>
+        <p:spPr>
+          <a:xfrm>
+            <a:off x="8284076" y="3146251"/>
+            <a:ext cx="3797083" cy="3039389"/>
+          </a:xfrm>
+          <a:prstGeom prst="rect">
+            <a:avLst/>
+          </a:prstGeom>
+          <a:ln w="57150">
+            <a:solidFill>
+              <a:schemeClr val="accent1">
+                <a:lumMod val="40000"/>
+                <a:lumOff val="60000"/>
+              </a:schemeClr>
+            </a:solidFill>
+          </a:ln>
+        </p:spPr>
+      </p:pic>
+    </p:spTree>
+    <p:extLst>
+      <p:ext uri="{BB962C8B-B14F-4D97-AF65-F5344CB8AC3E}">
+        <p14:creationId xmlns:p14="http://schemas.microsoft.com/office/powerpoint/2010/main" val="1110081679"/>
+      </p:ext>
+    </p:extLst>
+  </p:cSld>
+  <p:clrMapOvr>
+    <a:masterClrMapping/>
+  </p:clrMapOvr>
+  <p:transition spd="med">
+    <p:pull/>
+  </p:transition>
+</p:sld>
+</file>
+
+<file path=ppt/slides/slide11.xml><?xml version="1.0" encoding="utf-8"?>
+<p:sld xmlns:a="http://schemas.openxmlformats.org/drawingml/2006/main" xmlns:r="http://schemas.openxmlformats.org/officeDocument/2006/relationships" xmlns:p="http://schemas.openxmlformats.org/presentationml/2006/main">
+  <p:cSld>
+    <p:bg>
+      <p:bgPr>
+        <a:solidFill>
+          <a:schemeClr val="accent4">
+            <a:lumMod val="20000"/>
+            <a:lumOff val="80000"/>
+          </a:schemeClr>
+        </a:solidFill>
+        <a:effectLst/>
+      </p:bgPr>
+    </p:bg>
+    <p:spTree>
+      <p:nvGrpSpPr>
+        <p:cNvPr id="1" name="">
+          <a:extLst>
+            <a:ext uri="{FF2B5EF4-FFF2-40B4-BE49-F238E27FC236}">
+              <a16:creationId xmlns:a16="http://schemas.microsoft.com/office/drawing/2014/main" id="{4A260738-60DB-E084-C3AF-8B50F7A6E7F5}"/>
+            </a:ext>
+          </a:extLst>
+        </p:cNvPr>
+        <p:cNvGrpSpPr/>
+        <p:nvPr/>
+      </p:nvGrpSpPr>
+      <p:grpSpPr>
+        <a:xfrm>
+          <a:off x="0" y="0"/>
+          <a:ext cx="0" cy="0"/>
+          <a:chOff x="0" y="0"/>
+          <a:chExt cx="0" cy="0"/>
+        </a:xfrm>
+      </p:grpSpPr>
+      <p:sp>
+        <p:nvSpPr>
+          <p:cNvPr id="4" name="Téglalap 3">
+            <a:extLst>
+              <a:ext uri="{FF2B5EF4-FFF2-40B4-BE49-F238E27FC236}">
+                <a16:creationId xmlns:a16="http://schemas.microsoft.com/office/drawing/2014/main" id="{5F5D1995-DD41-9F29-4973-967989C204D6}"/>
+              </a:ext>
+            </a:extLst>
+          </p:cNvPr>
+          <p:cNvSpPr/>
+          <p:nvPr/>
+        </p:nvSpPr>
+        <p:spPr>
+          <a:xfrm>
+            <a:off x="0" y="0"/>
+            <a:ext cx="12192000" cy="819150"/>
+          </a:xfrm>
+          <a:prstGeom prst="rect">
+            <a:avLst/>
+          </a:prstGeom>
+          <a:solidFill>
+            <a:schemeClr val="accent1">
+              <a:lumMod val="60000"/>
+              <a:lumOff val="40000"/>
+            </a:schemeClr>
+          </a:solidFill>
+          <a:ln>
+            <a:noFill/>
+          </a:ln>
+        </p:spPr>
+        <p:style>
+          <a:lnRef idx="2">
+            <a:schemeClr val="accent1">
+              <a:shade val="50000"/>
+            </a:schemeClr>
+          </a:lnRef>
+          <a:fillRef idx="1">
+            <a:schemeClr val="accent1"/>
+          </a:fillRef>
+          <a:effectRef idx="0">
+            <a:schemeClr val="accent1"/>
+          </a:effectRef>
+          <a:fontRef idx="minor">
+            <a:schemeClr val="lt1"/>
+          </a:fontRef>
+        </p:style>
+        <p:txBody>
+          <a:bodyPr rtlCol="0" anchor="ctr"/>
+          <a:lstStyle/>
+          <a:p>
+            <a:pPr algn="ctr"/>
+            <a:endParaRPr lang="hu-HU">
+              <a:solidFill>
+                <a:schemeClr val="tx1"/>
+              </a:solidFill>
+            </a:endParaRPr>
+          </a:p>
+        </p:txBody>
+      </p:sp>
+      <p:pic>
+        <p:nvPicPr>
+          <p:cNvPr id="3" name="Kép 2">
+            <a:extLst>
+              <a:ext uri="{FF2B5EF4-FFF2-40B4-BE49-F238E27FC236}">
+                <a16:creationId xmlns:a16="http://schemas.microsoft.com/office/drawing/2014/main" id="{8645F653-C7CA-03D5-9376-8D8A02073B79}"/>
+              </a:ext>
+            </a:extLst>
+          </p:cNvPr>
+          <p:cNvPicPr>
+            <a:picLocks noChangeAspect="1"/>
+          </p:cNvPicPr>
+          <p:nvPr/>
+        </p:nvPicPr>
+        <p:blipFill>
+          <a:blip r:embed="rId2" cstate="print">
+            <a:extLst>
+              <a:ext uri="{28A0092B-C50C-407E-A947-70E740481C1C}">
+                <a14:useLocalDpi xmlns:a14="http://schemas.microsoft.com/office/drawing/2010/main" val="0"/>
+              </a:ext>
+            </a:extLst>
+          </a:blip>
+          <a:stretch>
+            <a:fillRect/>
+          </a:stretch>
+        </p:blipFill>
+        <p:spPr>
+          <a:xfrm>
+            <a:off x="140104" y="47687"/>
+            <a:ext cx="745721" cy="723776"/>
+          </a:xfrm>
+          <a:prstGeom prst="rect">
+            <a:avLst/>
+          </a:prstGeom>
+        </p:spPr>
+      </p:pic>
+      <p:sp>
+        <p:nvSpPr>
+          <p:cNvPr id="2" name="Szövegdoboz 1">
+            <a:extLst>
+              <a:ext uri="{FF2B5EF4-FFF2-40B4-BE49-F238E27FC236}">
+                <a16:creationId xmlns:a16="http://schemas.microsoft.com/office/drawing/2014/main" id="{DD5E631A-C885-3C5B-3398-D7D6B6553D3A}"/>
+              </a:ext>
+            </a:extLst>
+          </p:cNvPr>
+          <p:cNvSpPr txBox="1"/>
+          <p:nvPr/>
+        </p:nvSpPr>
+        <p:spPr>
+          <a:xfrm>
+            <a:off x="2801383" y="24854"/>
+            <a:ext cx="6589234" cy="769441"/>
+          </a:xfrm>
+          <a:prstGeom prst="rect">
+            <a:avLst/>
+          </a:prstGeom>
+          <a:noFill/>
+        </p:spPr>
+        <p:txBody>
+          <a:bodyPr wrap="square" lIns="91440" tIns="45720" rIns="91440" bIns="45720" rtlCol="0" anchor="t">
+            <a:spAutoFit/>
+          </a:bodyPr>
+          <a:lstStyle/>
+          <a:p>
+            <a:pPr algn="ctr"/>
+            <a:r>
+              <a:rPr lang="hu-HU" sz="4400" b="1" dirty="0">
+                <a:ln w="6350">
+                  <a:solidFill>
+                    <a:schemeClr val="accent1">
+                      <a:lumMod val="75000"/>
+                    </a:schemeClr>
+                  </a:solidFill>
+                </a:ln>
+                <a:solidFill>
+                  <a:schemeClr val="bg1"/>
+                </a:solidFill>
+                <a:latin typeface="Ink Free"/>
+              </a:rPr>
+              <a:t>Testing </a:t>
+            </a:r>
+            <a:r>
+              <a:rPr lang="hu-HU" sz="4400" b="1" dirty="0" err="1">
+                <a:ln w="6350">
+                  <a:solidFill>
+                    <a:schemeClr val="accent1">
+                      <a:lumMod val="75000"/>
+                    </a:schemeClr>
+                  </a:solidFill>
+                </a:ln>
+                <a:solidFill>
+                  <a:schemeClr val="bg1"/>
+                </a:solidFill>
+                <a:latin typeface="Ink Free"/>
+              </a:rPr>
+              <a:t>results</a:t>
+            </a:r>
+            <a:endParaRPr lang="hu-HU" sz="4400" b="1" dirty="0" err="1">
+              <a:ln w="6350">
+                <a:solidFill>
+                  <a:schemeClr val="accent1">
+                    <a:lumMod val="75000"/>
+                  </a:schemeClr>
+                </a:solidFill>
+              </a:ln>
+              <a:solidFill>
+                <a:schemeClr val="bg1"/>
+              </a:solidFill>
+              <a:latin typeface="Ink Free" panose="03080402000500000000" pitchFamily="66" charset="0"/>
+            </a:endParaRPr>
+          </a:p>
+        </p:txBody>
+      </p:sp>
+      <p:sp>
+        <p:nvSpPr>
+          <p:cNvPr id="12" name="Szövegdoboz 11">
+            <a:extLst>
+              <a:ext uri="{FF2B5EF4-FFF2-40B4-BE49-F238E27FC236}">
+                <a16:creationId xmlns:a16="http://schemas.microsoft.com/office/drawing/2014/main" id="{EF6A9E11-F589-DFDD-582C-EFCEE8D8F4BA}"/>
+              </a:ext>
+            </a:extLst>
+          </p:cNvPr>
+          <p:cNvSpPr txBox="1"/>
+          <p:nvPr/>
+        </p:nvSpPr>
+        <p:spPr>
+          <a:xfrm>
+            <a:off x="510659" y="970463"/>
+            <a:ext cx="11492853" cy="830997"/>
+          </a:xfrm>
+          <a:prstGeom prst="rect">
+            <a:avLst/>
+          </a:prstGeom>
+          <a:noFill/>
+        </p:spPr>
+        <p:txBody>
+          <a:bodyPr wrap="square" lIns="91440" tIns="45720" rIns="91440" bIns="45720" rtlCol="0" anchor="t">
+            <a:spAutoFit/>
+          </a:bodyPr>
+          <a:lstStyle/>
+          <a:p>
+            <a:pPr marL="342900" indent="-342900">
+              <a:buFont typeface="Arial" panose="020B0604020202020204" pitchFamily="34" charset="0"/>
+              <a:buChar char="•"/>
+            </a:pPr>
+            <a:r>
+              <a:rPr lang="hu-HU" sz="2400" b="1" dirty="0" err="1">
+                <a:solidFill>
+                  <a:schemeClr val="accent4">
+                    <a:lumMod val="75000"/>
+                  </a:schemeClr>
+                </a:solidFill>
+              </a:rPr>
+              <a:t>Correct</a:t>
+            </a:r>
+            <a:r>
+              <a:rPr lang="hu-HU" sz="2400" b="1" dirty="0">
+                <a:solidFill>
+                  <a:schemeClr val="accent4">
+                    <a:lumMod val="75000"/>
+                  </a:schemeClr>
+                </a:solidFill>
+              </a:rPr>
+              <a:t> start: </a:t>
+            </a:r>
+            <a:r>
+              <a:rPr lang="hu-HU" sz="2400" dirty="0" err="1">
+                <a:solidFill>
+                  <a:schemeClr val="accent4">
+                    <a:lumMod val="75000"/>
+                  </a:schemeClr>
+                </a:solidFill>
+              </a:rPr>
+              <a:t>If</a:t>
+            </a:r>
+            <a:r>
+              <a:rPr lang="hu-HU" sz="2400" dirty="0">
+                <a:solidFill>
+                  <a:schemeClr val="accent4">
+                    <a:lumMod val="75000"/>
+                  </a:schemeClr>
+                </a:solidFill>
+              </a:rPr>
+              <a:t> </a:t>
+            </a:r>
+            <a:r>
+              <a:rPr lang="hu-HU" sz="2400" dirty="0" err="1">
+                <a:solidFill>
+                  <a:schemeClr val="accent4">
+                    <a:lumMod val="75000"/>
+                  </a:schemeClr>
+                </a:solidFill>
+              </a:rPr>
+              <a:t>everything</a:t>
+            </a:r>
+            <a:r>
+              <a:rPr lang="hu-HU" sz="2400" dirty="0">
+                <a:solidFill>
+                  <a:schemeClr val="accent4">
+                    <a:lumMod val="75000"/>
+                  </a:schemeClr>
+                </a:solidFill>
+              </a:rPr>
+              <a:t> is </a:t>
+            </a:r>
+            <a:r>
+              <a:rPr lang="hu-HU" sz="2400" dirty="0" err="1">
+                <a:solidFill>
+                  <a:schemeClr val="accent4">
+                    <a:lumMod val="75000"/>
+                  </a:schemeClr>
+                </a:solidFill>
+              </a:rPr>
+              <a:t>fine</a:t>
+            </a:r>
+            <a:r>
+              <a:rPr lang="hu-HU" sz="2400" dirty="0">
+                <a:solidFill>
+                  <a:schemeClr val="accent4">
+                    <a:lumMod val="75000"/>
+                  </a:schemeClr>
+                </a:solidFill>
+              </a:rPr>
+              <a:t>, </a:t>
+            </a:r>
+            <a:r>
+              <a:rPr lang="hu-HU" sz="2400" dirty="0" err="1">
+                <a:solidFill>
+                  <a:schemeClr val="accent4">
+                    <a:lumMod val="75000"/>
+                  </a:schemeClr>
+                </a:solidFill>
+              </a:rPr>
+              <a:t>then</a:t>
+            </a:r>
+            <a:r>
+              <a:rPr lang="hu-HU" sz="2400" dirty="0">
+                <a:solidFill>
+                  <a:schemeClr val="accent4">
+                    <a:lumMod val="75000"/>
+                  </a:schemeClr>
+                </a:solidFill>
+              </a:rPr>
+              <a:t> </a:t>
+            </a:r>
+            <a:r>
+              <a:rPr lang="hu-HU" sz="2400" dirty="0" err="1">
+                <a:solidFill>
+                  <a:schemeClr val="accent4">
+                    <a:lumMod val="75000"/>
+                  </a:schemeClr>
+                </a:solidFill>
+              </a:rPr>
+              <a:t>the</a:t>
+            </a:r>
+            <a:r>
+              <a:rPr lang="hu-HU" sz="2400" dirty="0">
+                <a:solidFill>
+                  <a:schemeClr val="accent4">
+                    <a:lumMod val="75000"/>
+                  </a:schemeClr>
+                </a:solidFill>
+              </a:rPr>
+              <a:t> website </a:t>
+            </a:r>
+            <a:r>
+              <a:rPr lang="hu-HU" sz="2400" dirty="0" err="1">
+                <a:solidFill>
+                  <a:schemeClr val="accent4">
+                    <a:lumMod val="75000"/>
+                  </a:schemeClr>
+                </a:solidFill>
+              </a:rPr>
+              <a:t>will</a:t>
+            </a:r>
+            <a:r>
+              <a:rPr lang="hu-HU" sz="2400" dirty="0">
+                <a:solidFill>
+                  <a:schemeClr val="accent4">
+                    <a:lumMod val="75000"/>
+                  </a:schemeClr>
+                </a:solidFill>
+              </a:rPr>
+              <a:t> </a:t>
+            </a:r>
+            <a:r>
+              <a:rPr lang="hu-HU" sz="2400" dirty="0" err="1">
+                <a:solidFill>
+                  <a:schemeClr val="accent4">
+                    <a:lumMod val="75000"/>
+                  </a:schemeClr>
+                </a:solidFill>
+              </a:rPr>
+              <a:t>run</a:t>
+            </a:r>
+            <a:r>
+              <a:rPr lang="hu-HU" sz="2400" dirty="0">
+                <a:solidFill>
+                  <a:schemeClr val="accent4">
+                    <a:lumMod val="75000"/>
+                  </a:schemeClr>
+                </a:solidFill>
+              </a:rPr>
+              <a:t>/</a:t>
+            </a:r>
+            <a:r>
+              <a:rPr lang="hu-HU" sz="2400" dirty="0" err="1">
+                <a:solidFill>
+                  <a:schemeClr val="accent4">
+                    <a:lumMod val="75000"/>
+                  </a:schemeClr>
+                </a:solidFill>
+              </a:rPr>
+              <a:t>work</a:t>
+            </a:r>
+            <a:r>
+              <a:rPr lang="hu-HU" sz="2400" dirty="0">
+                <a:solidFill>
+                  <a:schemeClr val="accent4">
+                    <a:lumMod val="75000"/>
+                  </a:schemeClr>
+                </a:solidFill>
+              </a:rPr>
+              <a:t> </a:t>
+            </a:r>
+            <a:r>
+              <a:rPr lang="hu-HU" sz="2400" dirty="0" err="1">
+                <a:solidFill>
+                  <a:schemeClr val="accent4">
+                    <a:lumMod val="75000"/>
+                  </a:schemeClr>
+                </a:solidFill>
+              </a:rPr>
+              <a:t>properly</a:t>
+            </a:r>
+            <a:r>
+              <a:rPr lang="hu-HU" sz="2400" dirty="0">
+                <a:solidFill>
+                  <a:schemeClr val="accent4">
+                    <a:lumMod val="75000"/>
+                  </a:schemeClr>
+                </a:solidFill>
+              </a:rPr>
+              <a:t>, </a:t>
+            </a:r>
+            <a:r>
+              <a:rPr lang="hu-HU" sz="2400" dirty="0" err="1">
+                <a:solidFill>
+                  <a:schemeClr val="accent4">
+                    <a:lumMod val="75000"/>
+                  </a:schemeClr>
+                </a:solidFill>
+              </a:rPr>
+              <a:t>that</a:t>
+            </a:r>
+            <a:r>
+              <a:rPr lang="hu-HU" sz="2400" dirty="0">
+                <a:solidFill>
+                  <a:schemeClr val="accent4">
+                    <a:lumMod val="75000"/>
+                  </a:schemeClr>
+                </a:solidFill>
+              </a:rPr>
+              <a:t> </a:t>
+            </a:r>
+            <a:r>
+              <a:rPr lang="hu-HU" sz="2400" dirty="0" err="1">
+                <a:solidFill>
+                  <a:schemeClr val="accent4">
+                    <a:lumMod val="75000"/>
+                  </a:schemeClr>
+                </a:solidFill>
+              </a:rPr>
+              <a:t>means</a:t>
+            </a:r>
+            <a:r>
+              <a:rPr lang="hu-HU" sz="2400" dirty="0">
+                <a:solidFill>
+                  <a:schemeClr val="accent4">
+                    <a:lumMod val="75000"/>
+                  </a:schemeClr>
+                </a:solidFill>
+              </a:rPr>
+              <a:t>, </a:t>
+            </a:r>
+            <a:r>
+              <a:rPr lang="hu-HU" sz="2400" dirty="0" err="1">
+                <a:solidFill>
+                  <a:schemeClr val="accent4">
+                    <a:lumMod val="75000"/>
+                  </a:schemeClr>
+                </a:solidFill>
+              </a:rPr>
+              <a:t>you</a:t>
+            </a:r>
+            <a:r>
+              <a:rPr lang="hu-HU" sz="2400" dirty="0">
+                <a:solidFill>
+                  <a:schemeClr val="accent4">
+                    <a:lumMod val="75000"/>
+                  </a:schemeClr>
+                </a:solidFill>
+              </a:rPr>
+              <a:t> </a:t>
+            </a:r>
+            <a:r>
+              <a:rPr lang="hu-HU" sz="2400" dirty="0" err="1">
+                <a:solidFill>
+                  <a:schemeClr val="accent4">
+                    <a:lumMod val="75000"/>
+                  </a:schemeClr>
+                </a:solidFill>
+              </a:rPr>
+              <a:t>can</a:t>
+            </a:r>
+            <a:r>
+              <a:rPr lang="hu-HU" sz="2400" dirty="0">
+                <a:solidFill>
+                  <a:schemeClr val="accent4">
+                    <a:lumMod val="75000"/>
+                  </a:schemeClr>
+                </a:solidFill>
+              </a:rPr>
+              <a:t> surf </a:t>
+            </a:r>
+            <a:r>
+              <a:rPr lang="hu-HU" sz="2400" dirty="0" err="1">
+                <a:solidFill>
+                  <a:schemeClr val="accent4">
+                    <a:lumMod val="75000"/>
+                  </a:schemeClr>
+                </a:solidFill>
+              </a:rPr>
+              <a:t>around</a:t>
+            </a:r>
+            <a:r>
+              <a:rPr lang="hu-HU" sz="2400" dirty="0">
+                <a:solidFill>
+                  <a:schemeClr val="accent4">
+                    <a:lumMod val="75000"/>
+                  </a:schemeClr>
+                </a:solidFill>
+              </a:rPr>
+              <a:t> </a:t>
+            </a:r>
+            <a:r>
+              <a:rPr lang="hu-HU" sz="2400" dirty="0" err="1">
+                <a:solidFill>
+                  <a:schemeClr val="accent4">
+                    <a:lumMod val="75000"/>
+                  </a:schemeClr>
+                </a:solidFill>
+              </a:rPr>
+              <a:t>the</a:t>
+            </a:r>
+            <a:r>
+              <a:rPr lang="hu-HU" sz="2400" dirty="0">
+                <a:solidFill>
+                  <a:schemeClr val="accent4">
+                    <a:lumMod val="75000"/>
+                  </a:schemeClr>
+                </a:solidFill>
+              </a:rPr>
+              <a:t> website.</a:t>
+            </a:r>
+            <a:endParaRPr lang="hu-HU" sz="2400" dirty="0" err="1">
+              <a:solidFill>
+                <a:schemeClr val="accent4">
+                  <a:lumMod val="75000"/>
+                </a:schemeClr>
+              </a:solidFill>
+              <a:ea typeface="Calibri"/>
+              <a:cs typeface="Calibri"/>
+            </a:endParaRPr>
+          </a:p>
+        </p:txBody>
+      </p:sp>
+      <p:sp>
+        <p:nvSpPr>
+          <p:cNvPr id="5" name="Szövegdoboz 4">
+            <a:extLst>
+              <a:ext uri="{FF2B5EF4-FFF2-40B4-BE49-F238E27FC236}">
+                <a16:creationId xmlns:a16="http://schemas.microsoft.com/office/drawing/2014/main" id="{ADE88030-41A8-67C0-0580-7E1E07209B0F}"/>
+              </a:ext>
+            </a:extLst>
+          </p:cNvPr>
+          <p:cNvSpPr txBox="1"/>
+          <p:nvPr/>
+        </p:nvSpPr>
+        <p:spPr>
+          <a:xfrm>
+            <a:off x="5761151" y="2170872"/>
+            <a:ext cx="2975155" cy="461665"/>
+          </a:xfrm>
+          <a:prstGeom prst="rect">
+            <a:avLst/>
+          </a:prstGeom>
+          <a:noFill/>
+        </p:spPr>
+        <p:txBody>
+          <a:bodyPr wrap="square" lIns="91440" tIns="45720" rIns="91440" bIns="45720" rtlCol="0" anchor="t">
+            <a:spAutoFit/>
+          </a:bodyPr>
+          <a:lstStyle/>
+          <a:p>
+            <a:pPr marL="342900" indent="-342900">
+              <a:buFont typeface="Arial" panose="020B0604020202020204" pitchFamily="34" charset="0"/>
+              <a:buChar char="•"/>
+            </a:pPr>
+            <a:r>
+              <a:rPr lang="hu-HU" sz="2400" b="1" dirty="0">
+                <a:solidFill>
+                  <a:schemeClr val="accent4">
+                    <a:lumMod val="75000"/>
+                  </a:schemeClr>
+                </a:solidFill>
+              </a:rPr>
+              <a:t>Backend </a:t>
+            </a:r>
+            <a:r>
+              <a:rPr lang="hu-HU" sz="2400" b="1" dirty="0" err="1">
+                <a:solidFill>
+                  <a:schemeClr val="accent4">
+                    <a:lumMod val="75000"/>
+                  </a:schemeClr>
+                </a:solidFill>
+              </a:rPr>
+              <a:t>Response</a:t>
+            </a:r>
+            <a:r>
+              <a:rPr lang="hu-HU" sz="2400" b="1" dirty="0">
+                <a:solidFill>
+                  <a:schemeClr val="accent4">
+                    <a:lumMod val="75000"/>
+                  </a:schemeClr>
+                </a:solidFill>
+              </a:rPr>
+              <a:t>:</a:t>
+            </a:r>
+            <a:endParaRPr lang="hu-HU" sz="2400" dirty="0">
+              <a:solidFill>
+                <a:schemeClr val="accent4">
+                  <a:lumMod val="75000"/>
+                </a:schemeClr>
+              </a:solidFill>
+              <a:ea typeface="Calibri"/>
+              <a:cs typeface="Calibri"/>
+            </a:endParaRPr>
+          </a:p>
+        </p:txBody>
+      </p:sp>
+      <p:pic>
+        <p:nvPicPr>
+          <p:cNvPr id="6" name="Kép 5" descr="A képen szöveg, képernyőkép, Betűtípus látható&#10;&#10;Lehet, hogy az AI által létrehozott tartalom helytelen.">
+            <a:extLst>
+              <a:ext uri="{FF2B5EF4-FFF2-40B4-BE49-F238E27FC236}">
+                <a16:creationId xmlns:a16="http://schemas.microsoft.com/office/drawing/2014/main" id="{E5F6A9AA-36ED-FFD6-2369-FE69C73D9FAB}"/>
+              </a:ext>
+            </a:extLst>
+          </p:cNvPr>
+          <p:cNvPicPr>
+            <a:picLocks noChangeAspect="1"/>
+          </p:cNvPicPr>
+          <p:nvPr/>
+        </p:nvPicPr>
+        <p:blipFill>
+          <a:blip r:embed="rId3"/>
+          <a:stretch>
+            <a:fillRect/>
+          </a:stretch>
+        </p:blipFill>
+        <p:spPr>
+          <a:xfrm>
+            <a:off x="4920706" y="2634901"/>
+            <a:ext cx="5857875" cy="1943100"/>
+          </a:xfrm>
+          <a:prstGeom prst="rect">
+            <a:avLst/>
+          </a:prstGeom>
+          <a:ln w="57150">
+            <a:solidFill>
+              <a:schemeClr val="accent1">
+                <a:lumMod val="40000"/>
+                <a:lumOff val="60000"/>
+              </a:schemeClr>
+            </a:solidFill>
+          </a:ln>
+        </p:spPr>
+      </p:pic>
+      <p:sp>
+        <p:nvSpPr>
+          <p:cNvPr id="7" name="Szövegdoboz 6">
+            <a:extLst>
+              <a:ext uri="{FF2B5EF4-FFF2-40B4-BE49-F238E27FC236}">
+                <a16:creationId xmlns:a16="http://schemas.microsoft.com/office/drawing/2014/main" id="{9CC0B129-F609-48E1-124B-97580742C7F7}"/>
+              </a:ext>
+            </a:extLst>
+          </p:cNvPr>
+          <p:cNvSpPr txBox="1"/>
+          <p:nvPr/>
+        </p:nvSpPr>
+        <p:spPr>
+          <a:xfrm>
+            <a:off x="510658" y="2170872"/>
+            <a:ext cx="3079538" cy="461665"/>
+          </a:xfrm>
+          <a:prstGeom prst="rect">
+            <a:avLst/>
+          </a:prstGeom>
+          <a:noFill/>
+        </p:spPr>
+        <p:txBody>
+          <a:bodyPr wrap="square" lIns="91440" tIns="45720" rIns="91440" bIns="45720" rtlCol="0" anchor="t">
+            <a:spAutoFit/>
+          </a:bodyPr>
+          <a:lstStyle/>
+          <a:p>
+            <a:pPr marL="342900" indent="-342900">
+              <a:buFont typeface="Arial" panose="020B0604020202020204" pitchFamily="34" charset="0"/>
+              <a:buChar char="•"/>
+            </a:pPr>
+            <a:r>
+              <a:rPr lang="hu-HU" sz="2400" b="1" dirty="0">
+                <a:solidFill>
+                  <a:schemeClr val="accent4">
+                    <a:lumMod val="75000"/>
+                  </a:schemeClr>
+                </a:solidFill>
+              </a:rPr>
+              <a:t>Frontend </a:t>
+            </a:r>
+            <a:r>
+              <a:rPr lang="hu-HU" sz="2400" b="1" dirty="0" err="1">
+                <a:solidFill>
+                  <a:schemeClr val="accent4">
+                    <a:lumMod val="75000"/>
+                  </a:schemeClr>
+                </a:solidFill>
+              </a:rPr>
+              <a:t>Response</a:t>
+            </a:r>
+            <a:r>
+              <a:rPr lang="hu-HU" sz="2400" b="1" dirty="0">
+                <a:solidFill>
+                  <a:schemeClr val="accent4">
+                    <a:lumMod val="75000"/>
+                  </a:schemeClr>
+                </a:solidFill>
+              </a:rPr>
+              <a:t>:</a:t>
+            </a:r>
+            <a:endParaRPr lang="hu-HU" sz="2400" dirty="0">
+              <a:solidFill>
+                <a:schemeClr val="accent4">
+                  <a:lumMod val="75000"/>
+                </a:schemeClr>
+              </a:solidFill>
+              <a:ea typeface="Calibri"/>
+              <a:cs typeface="Calibri"/>
+            </a:endParaRPr>
+          </a:p>
+        </p:txBody>
+      </p:sp>
+      <p:pic>
+        <p:nvPicPr>
+          <p:cNvPr id="9" name="Kép 8" descr="A képen szöveg, képernyőkép, szám, Betűtípus látható&#10;&#10;Lehet, hogy az AI által létrehozott tartalom helytelen.">
+            <a:extLst>
+              <a:ext uri="{FF2B5EF4-FFF2-40B4-BE49-F238E27FC236}">
+                <a16:creationId xmlns:a16="http://schemas.microsoft.com/office/drawing/2014/main" id="{898A8500-5FCF-37D7-58F5-2E0E2961ED7E}"/>
+              </a:ext>
+            </a:extLst>
+          </p:cNvPr>
+          <p:cNvPicPr>
+            <a:picLocks noChangeAspect="1"/>
+          </p:cNvPicPr>
+          <p:nvPr/>
+        </p:nvPicPr>
+        <p:blipFill>
+          <a:blip r:embed="rId4"/>
+          <a:stretch>
+            <a:fillRect/>
+          </a:stretch>
+        </p:blipFill>
+        <p:spPr>
+          <a:xfrm>
+            <a:off x="599495" y="2630466"/>
+            <a:ext cx="3320821" cy="4133590"/>
+          </a:xfrm>
+          <a:prstGeom prst="rect">
+            <a:avLst/>
+          </a:prstGeom>
+          <a:ln w="57150">
+            <a:solidFill>
+              <a:schemeClr val="accent1">
+                <a:lumMod val="40000"/>
+                <a:lumOff val="60000"/>
+              </a:schemeClr>
+            </a:solidFill>
+          </a:ln>
+        </p:spPr>
+      </p:pic>
+    </p:spTree>
+    <p:extLst>
+      <p:ext uri="{BB962C8B-B14F-4D97-AF65-F5344CB8AC3E}">
+        <p14:creationId xmlns:p14="http://schemas.microsoft.com/office/powerpoint/2010/main" val="2780969407"/>
+      </p:ext>
+    </p:extLst>
+  </p:cSld>
+  <p:clrMapOvr>
+    <a:masterClrMapping/>
+  </p:clrMapOvr>
+  <p:transition spd="med">
+    <p:pull/>
+  </p:transition>
+</p:sld>
+</file>
+
+<file path=ppt/slides/slide12.xml><?xml version="1.0" encoding="utf-8"?>
+<p:sld xmlns:a="http://schemas.openxmlformats.org/drawingml/2006/main" xmlns:r="http://schemas.openxmlformats.org/officeDocument/2006/relationships" xmlns:p="http://schemas.openxmlformats.org/presentationml/2006/main">
+  <p:cSld>
+    <p:bg>
+      <p:bgPr>
+        <a:solidFill>
+          <a:schemeClr val="accent4">
+            <a:lumMod val="20000"/>
+            <a:lumOff val="80000"/>
+          </a:schemeClr>
+        </a:solidFill>
+        <a:effectLst/>
+      </p:bgPr>
+    </p:bg>
+    <p:spTree>
+      <p:nvGrpSpPr>
+        <p:cNvPr id="1" name="">
+          <a:extLst>
+            <a:ext uri="{FF2B5EF4-FFF2-40B4-BE49-F238E27FC236}">
               <a16:creationId xmlns:a16="http://schemas.microsoft.com/office/drawing/2014/main" id="{94DB6896-9C86-E033-83AD-4B860B987120}"/>
             </a:ext>
           </a:extLst>
@@ -4015,7 +5883,7 @@
           <a:p>
             <a:pPr algn="ctr"/>
             <a:r>
-              <a:rPr lang="hu-HU" sz="4400" b="1">
+              <a:rPr lang="hu-HU" sz="4400" b="1" err="1">
                 <a:ln w="6350">
                   <a:solidFill>
                     <a:schemeClr val="accent1">
@@ -4028,9 +5896,9 @@
                 </a:solidFill>
                 <a:latin typeface="Ink Free"/>
               </a:rPr>
-              <a:t>Stock text</a:t>
-            </a:r>
-            <a:endParaRPr lang="hu-HU"/>
+              <a:t>Database</a:t>
+            </a:r>
+            <a:endParaRPr lang="hu-HU" err="1"/>
           </a:p>
         </p:txBody>
       </p:sp>
@@ -4844,7 +6712,7 @@
 </p:sld>
 </file>
 
-<file path=ppt/slides/slide11.xml><?xml version="1.0" encoding="utf-8"?>
+<file path=ppt/slides/slide13.xml><?xml version="1.0" encoding="utf-8"?>
 <p:sld xmlns:a="http://schemas.openxmlformats.org/drawingml/2006/main" xmlns:r="http://schemas.openxmlformats.org/officeDocument/2006/relationships" xmlns:p="http://schemas.openxmlformats.org/presentationml/2006/main">
   <p:cSld>
     <p:bg>
@@ -5143,7 +7011,7 @@
               <a:t> </a:t>
             </a:r>
             <a:r>
-              <a:rPr lang="hu-HU" sz="2400" b="1" dirty="0" err="1" smtClean="0">
+              <a:rPr lang="hu-HU" sz="2400" b="1" dirty="0" err="1">
                 <a:solidFill>
                   <a:schemeClr val="accent4">
                     <a:lumMod val="75000"/>
@@ -5153,17 +7021,17 @@
               <a:t>Friendly</a:t>
             </a:r>
             <a:r>
-              <a:rPr lang="hu-HU" sz="2400" b="1" dirty="0" smtClean="0">
-                <a:solidFill>
-                  <a:schemeClr val="accent4">
-                    <a:lumMod val="75000"/>
-                  </a:schemeClr>
-                </a:solidFill>
-              </a:rPr>
-              <a:t> </a:t>
-            </a:r>
-            <a:r>
-              <a:rPr lang="hu-HU" sz="2400" b="1" dirty="0" err="1" smtClean="0">
+              <a:rPr lang="hu-HU" sz="2400" b="1" dirty="0">
+                <a:solidFill>
+                  <a:schemeClr val="accent4">
+                    <a:lumMod val="75000"/>
+                  </a:schemeClr>
+                </a:solidFill>
+              </a:rPr>
+              <a:t> </a:t>
+            </a:r>
+            <a:r>
+              <a:rPr lang="hu-HU" sz="2400" b="1" dirty="0" err="1">
                 <a:solidFill>
                   <a:schemeClr val="accent4">
                     <a:lumMod val="75000"/>
@@ -5173,7 +7041,7 @@
               <a:t>interface</a:t>
             </a:r>
             <a:r>
-              <a:rPr lang="hu-HU" sz="2400" dirty="0" smtClean="0">
+              <a:rPr lang="hu-HU" sz="2400" dirty="0">
                 <a:solidFill>
                   <a:schemeClr val="accent4">
                     <a:lumMod val="75000"/>
@@ -5183,7 +7051,7 @@
               <a:t>:</a:t>
             </a:r>
             <a:r>
-              <a:rPr lang="hu-HU" sz="2400" b="1" dirty="0" smtClean="0">
+              <a:rPr lang="hu-HU" sz="2400" b="1" dirty="0">
                 <a:solidFill>
                   <a:schemeClr val="accent4">
                     <a:lumMod val="75000"/>
@@ -5219,7 +7087,7 @@
         <p:spPr>
           <a:xfrm>
             <a:off x="7096125" y="1191290"/>
-            <a:ext cx="4414210" cy="830997"/>
+            <a:ext cx="4414210" cy="1569660"/>
           </a:xfrm>
           <a:prstGeom prst="rect">
             <a:avLst/>
@@ -5237,7 +7105,7 @@
               <a:buChar char="•"/>
             </a:pPr>
             <a:r>
-              <a:rPr lang="hu-HU" sz="2400" b="1" dirty="0" err="1" smtClean="0">
+              <a:rPr lang="hu-HU" sz="2400" b="1" dirty="0" err="1">
                 <a:solidFill>
                   <a:schemeClr val="accent4">
                     <a:lumMod val="75000"/>
@@ -5247,7 +7115,7 @@
               <a:t>Error</a:t>
             </a:r>
             <a:r>
-              <a:rPr lang="hu-HU" sz="2400" b="1" dirty="0" smtClean="0">
+              <a:rPr lang="hu-HU" sz="2400" b="1" dirty="0">
                 <a:solidFill>
                   <a:schemeClr val="accent4">
                     <a:lumMod val="75000"/>
@@ -5274,8 +7142,89 @@
                   </a:schemeClr>
                 </a:solidFill>
               </a:rPr>
-              <a:t>:</a:t>
-            </a:r>
+              <a:t>: </a:t>
+            </a:r>
+            <a:r>
+              <a:rPr lang="hu-HU" sz="2400" dirty="0" err="1">
+                <a:solidFill>
+                  <a:schemeClr val="accent4">
+                    <a:lumMod val="75000"/>
+                  </a:schemeClr>
+                </a:solidFill>
+              </a:rPr>
+              <a:t>the</a:t>
+            </a:r>
+            <a:r>
+              <a:rPr lang="hu-HU" sz="2400" dirty="0">
+                <a:solidFill>
+                  <a:schemeClr val="accent4">
+                    <a:lumMod val="75000"/>
+                  </a:schemeClr>
+                </a:solidFill>
+              </a:rPr>
+              <a:t> website </a:t>
+            </a:r>
+            <a:r>
+              <a:rPr lang="hu-HU" sz="2400" dirty="0" err="1">
+                <a:solidFill>
+                  <a:schemeClr val="accent4">
+                    <a:lumMod val="75000"/>
+                  </a:schemeClr>
+                </a:solidFill>
+              </a:rPr>
+              <a:t>gives</a:t>
+            </a:r>
+            <a:r>
+              <a:rPr lang="hu-HU" sz="2400" dirty="0">
+                <a:solidFill>
+                  <a:schemeClr val="accent4">
+                    <a:lumMod val="75000"/>
+                  </a:schemeClr>
+                </a:solidFill>
+              </a:rPr>
+              <a:t> </a:t>
+            </a:r>
+            <a:r>
+              <a:rPr lang="hu-HU" sz="2400" dirty="0" err="1">
+                <a:solidFill>
+                  <a:schemeClr val="accent4">
+                    <a:lumMod val="75000"/>
+                  </a:schemeClr>
+                </a:solidFill>
+              </a:rPr>
+              <a:t>obvious</a:t>
+            </a:r>
+            <a:r>
+              <a:rPr lang="hu-HU" sz="2400" dirty="0">
+                <a:solidFill>
+                  <a:schemeClr val="accent4">
+                    <a:lumMod val="75000"/>
+                  </a:schemeClr>
+                </a:solidFill>
+              </a:rPr>
+              <a:t> </a:t>
+            </a:r>
+            <a:r>
+              <a:rPr lang="hu-HU" sz="2400" dirty="0" err="1">
+                <a:solidFill>
+                  <a:schemeClr val="accent4">
+                    <a:lumMod val="75000"/>
+                  </a:schemeClr>
+                </a:solidFill>
+              </a:rPr>
+              <a:t>warnings</a:t>
+            </a:r>
+          </a:p>
+          <a:p>
+            <a:endParaRPr lang="hu-HU" sz="2400" dirty="0">
+              <a:solidFill>
+                <a:schemeClr val="accent4">
+                  <a:lumMod val="75000"/>
+                </a:schemeClr>
+              </a:solidFill>
+              <a:ea typeface="Calibri"/>
+              <a:cs typeface="Calibri"/>
+            </a:endParaRPr>
           </a:p>
           <a:p>
             <a:r>
@@ -5315,7 +7264,7 @@
         </p:blipFill>
         <p:spPr>
           <a:xfrm>
-            <a:off x="7096125" y="3647342"/>
+            <a:off x="7096125" y="3956000"/>
             <a:ext cx="4343400" cy="2476500"/>
           </a:xfrm>
           <a:prstGeom prst="rect">
@@ -5353,7 +7302,7 @@
         </p:blipFill>
         <p:spPr>
           <a:xfrm>
-            <a:off x="7096125" y="2895600"/>
+            <a:off x="7096125" y="3204258"/>
             <a:ext cx="4972050" cy="447675"/>
           </a:xfrm>
           <a:prstGeom prst="rect">
@@ -5383,7 +7332,7 @@
         </p:blipFill>
         <p:spPr>
           <a:xfrm>
-            <a:off x="7096125" y="2108677"/>
+            <a:off x="7096125" y="2417335"/>
             <a:ext cx="3524250" cy="571500"/>
           </a:xfrm>
           <a:prstGeom prst="rect">
@@ -5413,7 +7362,7 @@
         </p:blipFill>
         <p:spPr>
           <a:xfrm>
-            <a:off x="3031679" y="2156314"/>
+            <a:off x="3177816" y="2145876"/>
             <a:ext cx="3667125" cy="3295650"/>
           </a:xfrm>
           <a:prstGeom prst="rect">
@@ -5445,7 +7394,7 @@
         </p:blipFill>
         <p:spPr>
           <a:xfrm>
-            <a:off x="72397" y="2136531"/>
+            <a:off x="135027" y="2146969"/>
             <a:ext cx="2801383" cy="3621651"/>
           </a:xfrm>
           <a:prstGeom prst="rect">
@@ -5465,6 +7414,1638 @@
     <p:extLst>
       <p:ext uri="{BB962C8B-B14F-4D97-AF65-F5344CB8AC3E}">
         <p14:creationId xmlns:p14="http://schemas.microsoft.com/office/powerpoint/2010/main" val="724213369"/>
+      </p:ext>
+    </p:extLst>
+  </p:cSld>
+  <p:clrMapOvr>
+    <a:masterClrMapping/>
+  </p:clrMapOvr>
+  <p:transition spd="med">
+    <p:pull/>
+  </p:transition>
+</p:sld>
+</file>
+
+<file path=ppt/slides/slide14.xml><?xml version="1.0" encoding="utf-8"?>
+<p:sld xmlns:a="http://schemas.openxmlformats.org/drawingml/2006/main" xmlns:r="http://schemas.openxmlformats.org/officeDocument/2006/relationships" xmlns:p="http://schemas.openxmlformats.org/presentationml/2006/main">
+  <p:cSld>
+    <p:bg>
+      <p:bgPr>
+        <a:solidFill>
+          <a:schemeClr val="accent4">
+            <a:lumMod val="20000"/>
+            <a:lumOff val="80000"/>
+          </a:schemeClr>
+        </a:solidFill>
+        <a:effectLst/>
+      </p:bgPr>
+    </p:bg>
+    <p:spTree>
+      <p:nvGrpSpPr>
+        <p:cNvPr id="1" name="">
+          <a:extLst>
+            <a:ext uri="{FF2B5EF4-FFF2-40B4-BE49-F238E27FC236}">
+              <a16:creationId xmlns:a16="http://schemas.microsoft.com/office/drawing/2014/main" id="{093FDFC5-6B53-CF5A-C9EB-5A1EAB9AF346}"/>
+            </a:ext>
+          </a:extLst>
+        </p:cNvPr>
+        <p:cNvGrpSpPr/>
+        <p:nvPr/>
+      </p:nvGrpSpPr>
+      <p:grpSpPr>
+        <a:xfrm>
+          <a:off x="0" y="0"/>
+          <a:ext cx="0" cy="0"/>
+          <a:chOff x="0" y="0"/>
+          <a:chExt cx="0" cy="0"/>
+        </a:xfrm>
+      </p:grpSpPr>
+      <p:sp>
+        <p:nvSpPr>
+          <p:cNvPr id="4" name="Téglalap 3">
+            <a:extLst>
+              <a:ext uri="{FF2B5EF4-FFF2-40B4-BE49-F238E27FC236}">
+                <a16:creationId xmlns:a16="http://schemas.microsoft.com/office/drawing/2014/main" id="{388636D0-263B-C9FE-6BA0-7E96C0FD0126}"/>
+              </a:ext>
+            </a:extLst>
+          </p:cNvPr>
+          <p:cNvSpPr/>
+          <p:nvPr/>
+        </p:nvSpPr>
+        <p:spPr>
+          <a:xfrm>
+            <a:off x="0" y="0"/>
+            <a:ext cx="12192000" cy="819150"/>
+          </a:xfrm>
+          <a:prstGeom prst="rect">
+            <a:avLst/>
+          </a:prstGeom>
+          <a:solidFill>
+            <a:schemeClr val="accent1">
+              <a:lumMod val="60000"/>
+              <a:lumOff val="40000"/>
+            </a:schemeClr>
+          </a:solidFill>
+          <a:ln>
+            <a:noFill/>
+          </a:ln>
+        </p:spPr>
+        <p:style>
+          <a:lnRef idx="2">
+            <a:schemeClr val="accent1">
+              <a:shade val="50000"/>
+            </a:schemeClr>
+          </a:lnRef>
+          <a:fillRef idx="1">
+            <a:schemeClr val="accent1"/>
+          </a:fillRef>
+          <a:effectRef idx="0">
+            <a:schemeClr val="accent1"/>
+          </a:effectRef>
+          <a:fontRef idx="minor">
+            <a:schemeClr val="lt1"/>
+          </a:fontRef>
+        </p:style>
+        <p:txBody>
+          <a:bodyPr rtlCol="0" anchor="ctr"/>
+          <a:lstStyle/>
+          <a:p>
+            <a:pPr algn="ctr"/>
+            <a:endParaRPr lang="hu-HU">
+              <a:solidFill>
+                <a:schemeClr val="tx1"/>
+              </a:solidFill>
+            </a:endParaRPr>
+          </a:p>
+        </p:txBody>
+      </p:sp>
+      <p:pic>
+        <p:nvPicPr>
+          <p:cNvPr id="3" name="Kép 2">
+            <a:extLst>
+              <a:ext uri="{FF2B5EF4-FFF2-40B4-BE49-F238E27FC236}">
+                <a16:creationId xmlns:a16="http://schemas.microsoft.com/office/drawing/2014/main" id="{F1EAEA51-9E58-B96C-A7A4-3FD8CB226D43}"/>
+              </a:ext>
+            </a:extLst>
+          </p:cNvPr>
+          <p:cNvPicPr>
+            <a:picLocks noChangeAspect="1"/>
+          </p:cNvPicPr>
+          <p:nvPr/>
+        </p:nvPicPr>
+        <p:blipFill>
+          <a:blip r:embed="rId2" cstate="print">
+            <a:extLst>
+              <a:ext uri="{28A0092B-C50C-407E-A947-70E740481C1C}">
+                <a14:useLocalDpi xmlns:a14="http://schemas.microsoft.com/office/drawing/2010/main" val="0"/>
+              </a:ext>
+            </a:extLst>
+          </a:blip>
+          <a:stretch>
+            <a:fillRect/>
+          </a:stretch>
+        </p:blipFill>
+        <p:spPr>
+          <a:xfrm>
+            <a:off x="140104" y="47687"/>
+            <a:ext cx="745721" cy="723776"/>
+          </a:xfrm>
+          <a:prstGeom prst="rect">
+            <a:avLst/>
+          </a:prstGeom>
+        </p:spPr>
+      </p:pic>
+      <p:sp>
+        <p:nvSpPr>
+          <p:cNvPr id="2" name="Szövegdoboz 1">
+            <a:extLst>
+              <a:ext uri="{FF2B5EF4-FFF2-40B4-BE49-F238E27FC236}">
+                <a16:creationId xmlns:a16="http://schemas.microsoft.com/office/drawing/2014/main" id="{0C9DC7C9-E4AB-1E64-02AE-427317C4F318}"/>
+              </a:ext>
+            </a:extLst>
+          </p:cNvPr>
+          <p:cNvSpPr txBox="1"/>
+          <p:nvPr/>
+        </p:nvSpPr>
+        <p:spPr>
+          <a:xfrm>
+            <a:off x="2801383" y="24854"/>
+            <a:ext cx="6589234" cy="769441"/>
+          </a:xfrm>
+          <a:prstGeom prst="rect">
+            <a:avLst/>
+          </a:prstGeom>
+          <a:noFill/>
+        </p:spPr>
+        <p:txBody>
+          <a:bodyPr wrap="square" lIns="91440" tIns="45720" rIns="91440" bIns="45720" rtlCol="0" anchor="t">
+            <a:spAutoFit/>
+          </a:bodyPr>
+          <a:lstStyle/>
+          <a:p>
+            <a:pPr algn="ctr"/>
+            <a:r>
+              <a:rPr lang="hu-HU" sz="4400" b="1">
+                <a:ln w="6350">
+                  <a:solidFill>
+                    <a:schemeClr val="accent1">
+                      <a:lumMod val="75000"/>
+                    </a:schemeClr>
+                  </a:solidFill>
+                </a:ln>
+                <a:solidFill>
+                  <a:schemeClr val="bg1"/>
+                </a:solidFill>
+                <a:latin typeface="Ink Free"/>
+              </a:rPr>
+              <a:t>WPF </a:t>
+            </a:r>
+            <a:r>
+              <a:rPr lang="hu-HU" sz="4400" b="1" err="1">
+                <a:ln w="6350">
+                  <a:solidFill>
+                    <a:schemeClr val="accent1">
+                      <a:lumMod val="75000"/>
+                    </a:schemeClr>
+                  </a:solidFill>
+                </a:ln>
+                <a:solidFill>
+                  <a:schemeClr val="bg1"/>
+                </a:solidFill>
+                <a:latin typeface="Ink Free"/>
+              </a:rPr>
+              <a:t>admin</a:t>
+            </a:r>
+            <a:r>
+              <a:rPr lang="hu-HU" sz="4400" b="1">
+                <a:ln w="6350">
+                  <a:solidFill>
+                    <a:schemeClr val="accent1">
+                      <a:lumMod val="75000"/>
+                    </a:schemeClr>
+                  </a:solidFill>
+                </a:ln>
+                <a:solidFill>
+                  <a:schemeClr val="bg1"/>
+                </a:solidFill>
+                <a:latin typeface="Ink Free"/>
+              </a:rPr>
+              <a:t>  </a:t>
+            </a:r>
+            <a:r>
+              <a:rPr lang="hu-HU" sz="4400" b="1" err="1">
+                <a:ln w="6350">
+                  <a:solidFill>
+                    <a:schemeClr val="accent1">
+                      <a:lumMod val="75000"/>
+                    </a:schemeClr>
+                  </a:solidFill>
+                </a:ln>
+                <a:solidFill>
+                  <a:schemeClr val="bg1"/>
+                </a:solidFill>
+                <a:latin typeface="Ink Free"/>
+              </a:rPr>
+              <a:t>interface</a:t>
+            </a:r>
+            <a:endParaRPr lang="hu-HU" sz="4400" b="1" err="1">
+              <a:ln w="6350">
+                <a:solidFill>
+                  <a:srgbClr val="5B9BD5">
+                    <a:lumMod val="75000"/>
+                  </a:srgbClr>
+                </a:solidFill>
+              </a:ln>
+              <a:solidFill>
+                <a:schemeClr val="bg1"/>
+              </a:solidFill>
+              <a:latin typeface="Ink Free"/>
+            </a:endParaRPr>
+          </a:p>
+        </p:txBody>
+      </p:sp>
+      <p:sp>
+        <p:nvSpPr>
+          <p:cNvPr id="6" name="Szövegdoboz 5">
+            <a:extLst>
+              <a:ext uri="{FF2B5EF4-FFF2-40B4-BE49-F238E27FC236}">
+                <a16:creationId xmlns:a16="http://schemas.microsoft.com/office/drawing/2014/main" id="{016ABDD9-8195-8FD4-F8B5-477403D0D58E}"/>
+              </a:ext>
+            </a:extLst>
+          </p:cNvPr>
+          <p:cNvSpPr txBox="1"/>
+          <p:nvPr/>
+        </p:nvSpPr>
+        <p:spPr>
+          <a:xfrm>
+            <a:off x="269440" y="1128660"/>
+            <a:ext cx="4414210" cy="1938992"/>
+          </a:xfrm>
+          <a:prstGeom prst="rect">
+            <a:avLst/>
+          </a:prstGeom>
+          <a:noFill/>
+        </p:spPr>
+        <p:txBody>
+          <a:bodyPr wrap="square" lIns="91440" tIns="45720" rIns="91440" bIns="45720" rtlCol="0" anchor="t">
+            <a:spAutoFit/>
+          </a:bodyPr>
+          <a:lstStyle/>
+          <a:p>
+            <a:pPr marL="342900" indent="-342900">
+              <a:buFont typeface="Arial" panose="020B0604020202020204" pitchFamily="34" charset="0"/>
+              <a:buChar char="•"/>
+            </a:pPr>
+            <a:endParaRPr lang="hu-HU" sz="2400">
+              <a:solidFill>
+                <a:schemeClr val="accent4">
+                  <a:lumMod val="75000"/>
+                </a:schemeClr>
+              </a:solidFill>
+              <a:ea typeface="Calibri"/>
+              <a:cs typeface="Calibri"/>
+            </a:endParaRPr>
+          </a:p>
+          <a:p>
+            <a:r>
+              <a:rPr lang="hu-HU" sz="2400">
+                <a:solidFill>
+                  <a:schemeClr val="accent4">
+                    <a:lumMod val="75000"/>
+                  </a:schemeClr>
+                </a:solidFill>
+                <a:ea typeface="+mn-lt"/>
+                <a:cs typeface="+mn-lt"/>
+              </a:rPr>
+              <a:t>A </a:t>
+            </a:r>
+            <a:r>
+              <a:rPr lang="hu-HU" sz="2400" b="1">
+                <a:solidFill>
+                  <a:schemeClr val="accent4">
+                    <a:lumMod val="75000"/>
+                  </a:schemeClr>
+                </a:solidFill>
+                <a:ea typeface="+mn-lt"/>
+                <a:cs typeface="+mn-lt"/>
+              </a:rPr>
+              <a:t>WPF-</a:t>
+            </a:r>
+            <a:r>
+              <a:rPr lang="hu-HU" sz="2400" b="1" err="1">
+                <a:solidFill>
+                  <a:schemeClr val="accent4">
+                    <a:lumMod val="75000"/>
+                  </a:schemeClr>
+                </a:solidFill>
+                <a:ea typeface="+mn-lt"/>
+                <a:cs typeface="+mn-lt"/>
+              </a:rPr>
+              <a:t>based</a:t>
+            </a:r>
+            <a:r>
+              <a:rPr lang="hu-HU" sz="2400" b="1">
+                <a:solidFill>
+                  <a:schemeClr val="accent4">
+                    <a:lumMod val="75000"/>
+                  </a:schemeClr>
+                </a:solidFill>
+                <a:ea typeface="+mn-lt"/>
+                <a:cs typeface="+mn-lt"/>
+              </a:rPr>
+              <a:t> </a:t>
+            </a:r>
+            <a:r>
+              <a:rPr lang="hu-HU" sz="2400" b="1" err="1">
+                <a:solidFill>
+                  <a:schemeClr val="accent4">
+                    <a:lumMod val="75000"/>
+                  </a:schemeClr>
+                </a:solidFill>
+                <a:ea typeface="+mn-lt"/>
+                <a:cs typeface="+mn-lt"/>
+              </a:rPr>
+              <a:t>admin</a:t>
+            </a:r>
+            <a:r>
+              <a:rPr lang="hu-HU" sz="2400" b="1">
+                <a:solidFill>
+                  <a:schemeClr val="accent4">
+                    <a:lumMod val="75000"/>
+                  </a:schemeClr>
+                </a:solidFill>
+                <a:ea typeface="+mn-lt"/>
+                <a:cs typeface="+mn-lt"/>
+              </a:rPr>
+              <a:t> </a:t>
+            </a:r>
+            <a:r>
+              <a:rPr lang="hu-HU" sz="2400" b="1" err="1">
+                <a:solidFill>
+                  <a:schemeClr val="accent4">
+                    <a:lumMod val="75000"/>
+                  </a:schemeClr>
+                </a:solidFill>
+                <a:ea typeface="+mn-lt"/>
+                <a:cs typeface="+mn-lt"/>
+              </a:rPr>
+              <a:t>interface</a:t>
+            </a:r>
+            <a:r>
+              <a:rPr lang="hu-HU" sz="2400">
+                <a:solidFill>
+                  <a:schemeClr val="accent4">
+                    <a:lumMod val="75000"/>
+                  </a:schemeClr>
+                </a:solidFill>
+                <a:ea typeface="+mn-lt"/>
+                <a:cs typeface="+mn-lt"/>
+              </a:rPr>
+              <a:t> </a:t>
+            </a:r>
+            <a:r>
+              <a:rPr lang="hu-HU" sz="2400" err="1">
+                <a:solidFill>
+                  <a:schemeClr val="accent4">
+                    <a:lumMod val="75000"/>
+                  </a:schemeClr>
+                </a:solidFill>
+                <a:ea typeface="+mn-lt"/>
+                <a:cs typeface="+mn-lt"/>
+              </a:rPr>
+              <a:t>designed</a:t>
+            </a:r>
+            <a:r>
+              <a:rPr lang="hu-HU" sz="2400">
+                <a:solidFill>
+                  <a:schemeClr val="accent4">
+                    <a:lumMod val="75000"/>
+                  </a:schemeClr>
+                </a:solidFill>
+                <a:ea typeface="+mn-lt"/>
+                <a:cs typeface="+mn-lt"/>
+              </a:rPr>
+              <a:t> </a:t>
+            </a:r>
+            <a:r>
+              <a:rPr lang="hu-HU" sz="2400" err="1">
+                <a:solidFill>
+                  <a:schemeClr val="accent4">
+                    <a:lumMod val="75000"/>
+                  </a:schemeClr>
+                </a:solidFill>
+                <a:ea typeface="+mn-lt"/>
+                <a:cs typeface="+mn-lt"/>
+              </a:rPr>
+              <a:t>to</a:t>
+            </a:r>
+            <a:r>
+              <a:rPr lang="hu-HU" sz="2400">
+                <a:solidFill>
+                  <a:schemeClr val="accent4">
+                    <a:lumMod val="75000"/>
+                  </a:schemeClr>
+                </a:solidFill>
+                <a:ea typeface="+mn-lt"/>
+                <a:cs typeface="+mn-lt"/>
+              </a:rPr>
+              <a:t> </a:t>
+            </a:r>
+            <a:r>
+              <a:rPr lang="hu-HU" sz="2400" err="1">
+                <a:solidFill>
+                  <a:schemeClr val="accent4">
+                    <a:lumMod val="75000"/>
+                  </a:schemeClr>
+                </a:solidFill>
+                <a:ea typeface="+mn-lt"/>
+                <a:cs typeface="+mn-lt"/>
+              </a:rPr>
+              <a:t>manage</a:t>
+            </a:r>
+            <a:r>
+              <a:rPr lang="hu-HU" sz="2400">
+                <a:solidFill>
+                  <a:schemeClr val="accent4">
+                    <a:lumMod val="75000"/>
+                  </a:schemeClr>
+                </a:solidFill>
+                <a:ea typeface="+mn-lt"/>
+                <a:cs typeface="+mn-lt"/>
+              </a:rPr>
+              <a:t> </a:t>
+            </a:r>
+            <a:r>
+              <a:rPr lang="hu-HU" sz="2400" err="1">
+                <a:solidFill>
+                  <a:schemeClr val="accent4">
+                    <a:lumMod val="75000"/>
+                  </a:schemeClr>
+                </a:solidFill>
+                <a:ea typeface="+mn-lt"/>
+                <a:cs typeface="+mn-lt"/>
+              </a:rPr>
+              <a:t>user</a:t>
+            </a:r>
+            <a:r>
+              <a:rPr lang="hu-HU" sz="2400">
+                <a:solidFill>
+                  <a:schemeClr val="accent4">
+                    <a:lumMod val="75000"/>
+                  </a:schemeClr>
+                </a:solidFill>
+                <a:ea typeface="+mn-lt"/>
+                <a:cs typeface="+mn-lt"/>
+              </a:rPr>
+              <a:t> account </a:t>
+            </a:r>
+            <a:r>
+              <a:rPr lang="hu-HU" sz="2400" err="1">
+                <a:solidFill>
+                  <a:schemeClr val="accent4">
+                    <a:lumMod val="75000"/>
+                  </a:schemeClr>
+                </a:solidFill>
+                <a:ea typeface="+mn-lt"/>
+                <a:cs typeface="+mn-lt"/>
+              </a:rPr>
+              <a:t>verification</a:t>
+            </a:r>
+            <a:r>
+              <a:rPr lang="hu-HU" sz="2400">
+                <a:solidFill>
+                  <a:schemeClr val="accent4">
+                    <a:lumMod val="75000"/>
+                  </a:schemeClr>
+                </a:solidFill>
+                <a:ea typeface="+mn-lt"/>
+                <a:cs typeface="+mn-lt"/>
+              </a:rPr>
+              <a:t>.</a:t>
+            </a:r>
+            <a:endParaRPr lang="hu-HU">
+              <a:solidFill>
+                <a:schemeClr val="accent4">
+                  <a:lumMod val="75000"/>
+                </a:schemeClr>
+              </a:solidFill>
+            </a:endParaRPr>
+          </a:p>
+          <a:p>
+            <a:r>
+              <a:rPr lang="hu-HU" sz="2400">
+                <a:solidFill>
+                  <a:schemeClr val="accent4">
+                    <a:lumMod val="75000"/>
+                  </a:schemeClr>
+                </a:solidFill>
+                <a:ea typeface="Calibri"/>
+                <a:cs typeface="Calibri"/>
+              </a:rPr>
+              <a:t> </a:t>
+            </a:r>
+          </a:p>
+        </p:txBody>
+      </p:sp>
+      <p:pic>
+        <p:nvPicPr>
+          <p:cNvPr id="12" name="Kép 11" descr="A képen elektronika, szöveg, képernyőkép, képernyő látható&#10;&#10;Lehet, hogy az AI által létrehozott tartalom helytelen.">
+            <a:extLst>
+              <a:ext uri="{FF2B5EF4-FFF2-40B4-BE49-F238E27FC236}">
+                <a16:creationId xmlns:a16="http://schemas.microsoft.com/office/drawing/2014/main" id="{BB77BCA7-E97E-2223-8EA8-CBAA8A87D75C}"/>
+              </a:ext>
+            </a:extLst>
+          </p:cNvPr>
+          <p:cNvPicPr>
+            <a:picLocks noChangeAspect="1"/>
+          </p:cNvPicPr>
+          <p:nvPr/>
+        </p:nvPicPr>
+        <p:blipFill>
+          <a:blip r:embed="rId3"/>
+          <a:stretch>
+            <a:fillRect/>
+          </a:stretch>
+        </p:blipFill>
+        <p:spPr>
+          <a:xfrm>
+            <a:off x="404225" y="3588773"/>
+            <a:ext cx="4807385" cy="2613634"/>
+          </a:xfrm>
+          <a:prstGeom prst="rect">
+            <a:avLst/>
+          </a:prstGeom>
+        </p:spPr>
+      </p:pic>
+      <p:sp>
+        <p:nvSpPr>
+          <p:cNvPr id="15" name="Szövegdoboz 14">
+            <a:extLst>
+              <a:ext uri="{FF2B5EF4-FFF2-40B4-BE49-F238E27FC236}">
+                <a16:creationId xmlns:a16="http://schemas.microsoft.com/office/drawing/2014/main" id="{4D9A4788-3FB0-18D9-A064-521D39E3B8E6}"/>
+              </a:ext>
+            </a:extLst>
+          </p:cNvPr>
+          <p:cNvSpPr txBox="1"/>
+          <p:nvPr/>
+        </p:nvSpPr>
+        <p:spPr>
+          <a:xfrm>
+            <a:off x="6208863" y="3894823"/>
+            <a:ext cx="4414210" cy="2308324"/>
+          </a:xfrm>
+          <a:prstGeom prst="rect">
+            <a:avLst/>
+          </a:prstGeom>
+          <a:noFill/>
+        </p:spPr>
+        <p:txBody>
+          <a:bodyPr wrap="square" lIns="91440" tIns="45720" rIns="91440" bIns="45720" rtlCol="0" anchor="t">
+            <a:spAutoFit/>
+          </a:bodyPr>
+          <a:lstStyle/>
+          <a:p>
+            <a:pPr marL="342900" indent="-342900">
+              <a:buFont typeface="Arial" panose="020B0604020202020204" pitchFamily="34" charset="0"/>
+              <a:buChar char="•"/>
+            </a:pPr>
+            <a:endParaRPr lang="hu-HU" sz="2400">
+              <a:solidFill>
+                <a:schemeClr val="accent4">
+                  <a:lumMod val="75000"/>
+                </a:schemeClr>
+              </a:solidFill>
+              <a:ea typeface="Calibri"/>
+              <a:cs typeface="Calibri"/>
+            </a:endParaRPr>
+          </a:p>
+          <a:p>
+            <a:r>
+              <a:rPr lang="hu-HU" sz="2400">
+                <a:solidFill>
+                  <a:schemeClr val="accent4">
+                    <a:lumMod val="75000"/>
+                  </a:schemeClr>
+                </a:solidFill>
+                <a:ea typeface="+mn-lt"/>
+                <a:cs typeface="+mn-lt"/>
+              </a:rPr>
+              <a:t>The </a:t>
+            </a:r>
+            <a:r>
+              <a:rPr lang="hu-HU" sz="2400" err="1">
+                <a:solidFill>
+                  <a:schemeClr val="accent4">
+                    <a:lumMod val="75000"/>
+                  </a:schemeClr>
+                </a:solidFill>
+                <a:ea typeface="+mn-lt"/>
+                <a:cs typeface="+mn-lt"/>
+              </a:rPr>
+              <a:t>application</a:t>
+            </a:r>
+            <a:r>
+              <a:rPr lang="hu-HU" sz="2400">
+                <a:solidFill>
+                  <a:schemeClr val="accent4">
+                    <a:lumMod val="75000"/>
+                  </a:schemeClr>
+                </a:solidFill>
+                <a:ea typeface="+mn-lt"/>
+                <a:cs typeface="+mn-lt"/>
+              </a:rPr>
+              <a:t> is </a:t>
+            </a:r>
+            <a:r>
+              <a:rPr lang="hu-HU" sz="2400" b="1" err="1">
+                <a:solidFill>
+                  <a:schemeClr val="accent4">
+                    <a:lumMod val="75000"/>
+                  </a:schemeClr>
+                </a:solidFill>
+                <a:ea typeface="+mn-lt"/>
+                <a:cs typeface="+mn-lt"/>
+              </a:rPr>
+              <a:t>accessible</a:t>
+            </a:r>
+            <a:r>
+              <a:rPr lang="hu-HU" sz="2400" b="1">
+                <a:solidFill>
+                  <a:schemeClr val="accent4">
+                    <a:lumMod val="75000"/>
+                  </a:schemeClr>
+                </a:solidFill>
+                <a:ea typeface="+mn-lt"/>
+                <a:cs typeface="+mn-lt"/>
+              </a:rPr>
+              <a:t> </a:t>
+            </a:r>
+            <a:r>
+              <a:rPr lang="hu-HU" sz="2400" b="1" err="1">
+                <a:solidFill>
+                  <a:schemeClr val="accent4">
+                    <a:lumMod val="75000"/>
+                  </a:schemeClr>
+                </a:solidFill>
+                <a:ea typeface="+mn-lt"/>
+                <a:cs typeface="+mn-lt"/>
+              </a:rPr>
+              <a:t>only</a:t>
+            </a:r>
+            <a:r>
+              <a:rPr lang="hu-HU" sz="2400" b="1">
+                <a:solidFill>
+                  <a:schemeClr val="accent4">
+                    <a:lumMod val="75000"/>
+                  </a:schemeClr>
+                </a:solidFill>
+                <a:ea typeface="+mn-lt"/>
+                <a:cs typeface="+mn-lt"/>
+              </a:rPr>
+              <a:t> </a:t>
+            </a:r>
+            <a:r>
+              <a:rPr lang="hu-HU" sz="2400" b="1" err="1">
+                <a:solidFill>
+                  <a:schemeClr val="accent4">
+                    <a:lumMod val="75000"/>
+                  </a:schemeClr>
+                </a:solidFill>
+                <a:ea typeface="+mn-lt"/>
+                <a:cs typeface="+mn-lt"/>
+              </a:rPr>
+              <a:t>to</a:t>
+            </a:r>
+            <a:r>
+              <a:rPr lang="hu-HU" sz="2400" b="1">
+                <a:solidFill>
+                  <a:schemeClr val="accent4">
+                    <a:lumMod val="75000"/>
+                  </a:schemeClr>
+                </a:solidFill>
+                <a:ea typeface="+mn-lt"/>
+                <a:cs typeface="+mn-lt"/>
+              </a:rPr>
+              <a:t> </a:t>
+            </a:r>
+            <a:r>
+              <a:rPr lang="hu-HU" sz="2400" b="1" err="1">
+                <a:solidFill>
+                  <a:schemeClr val="accent4">
+                    <a:lumMod val="75000"/>
+                  </a:schemeClr>
+                </a:solidFill>
+                <a:ea typeface="+mn-lt"/>
+                <a:cs typeface="+mn-lt"/>
+              </a:rPr>
+              <a:t>administrators</a:t>
+            </a:r>
+            <a:r>
+              <a:rPr lang="hu-HU" sz="2400">
+                <a:solidFill>
+                  <a:schemeClr val="accent4">
+                    <a:lumMod val="75000"/>
+                  </a:schemeClr>
+                </a:solidFill>
+                <a:ea typeface="+mn-lt"/>
+                <a:cs typeface="+mn-lt"/>
+              </a:rPr>
+              <a:t> and </a:t>
+            </a:r>
+            <a:r>
+              <a:rPr lang="hu-HU" sz="2400" err="1">
+                <a:solidFill>
+                  <a:schemeClr val="accent4">
+                    <a:lumMod val="75000"/>
+                  </a:schemeClr>
+                </a:solidFill>
+                <a:ea typeface="+mn-lt"/>
+                <a:cs typeface="+mn-lt"/>
+              </a:rPr>
+              <a:t>allows</a:t>
+            </a:r>
+            <a:r>
+              <a:rPr lang="hu-HU" sz="2400">
+                <a:solidFill>
+                  <a:schemeClr val="accent4">
+                    <a:lumMod val="75000"/>
+                  </a:schemeClr>
+                </a:solidFill>
+                <a:ea typeface="+mn-lt"/>
+                <a:cs typeface="+mn-lt"/>
+              </a:rPr>
+              <a:t> </a:t>
+            </a:r>
+            <a:r>
+              <a:rPr lang="hu-HU" sz="2400" err="1">
+                <a:solidFill>
+                  <a:schemeClr val="accent4">
+                    <a:lumMod val="75000"/>
+                  </a:schemeClr>
+                </a:solidFill>
+                <a:ea typeface="+mn-lt"/>
+                <a:cs typeface="+mn-lt"/>
+              </a:rPr>
+              <a:t>them</a:t>
+            </a:r>
+            <a:r>
+              <a:rPr lang="hu-HU" sz="2400">
+                <a:solidFill>
+                  <a:schemeClr val="accent4">
+                    <a:lumMod val="75000"/>
+                  </a:schemeClr>
+                </a:solidFill>
+                <a:ea typeface="+mn-lt"/>
+                <a:cs typeface="+mn-lt"/>
+              </a:rPr>
+              <a:t> </a:t>
+            </a:r>
+            <a:r>
+              <a:rPr lang="hu-HU" sz="2400" err="1">
+                <a:solidFill>
+                  <a:schemeClr val="accent4">
+                    <a:lumMod val="75000"/>
+                  </a:schemeClr>
+                </a:solidFill>
+                <a:ea typeface="+mn-lt"/>
+                <a:cs typeface="+mn-lt"/>
+              </a:rPr>
+              <a:t>to</a:t>
+            </a:r>
+            <a:r>
+              <a:rPr lang="hu-HU" sz="2400">
+                <a:solidFill>
+                  <a:schemeClr val="accent4">
+                    <a:lumMod val="75000"/>
+                  </a:schemeClr>
+                </a:solidFill>
+                <a:ea typeface="+mn-lt"/>
+                <a:cs typeface="+mn-lt"/>
+              </a:rPr>
+              <a:t> </a:t>
+            </a:r>
+            <a:r>
+              <a:rPr lang="hu-HU" sz="2400" err="1">
+                <a:solidFill>
+                  <a:schemeClr val="accent4">
+                    <a:lumMod val="75000"/>
+                  </a:schemeClr>
+                </a:solidFill>
+                <a:ea typeface="+mn-lt"/>
+                <a:cs typeface="+mn-lt"/>
+              </a:rPr>
+              <a:t>review</a:t>
+            </a:r>
+            <a:r>
+              <a:rPr lang="hu-HU" sz="2400">
+                <a:solidFill>
+                  <a:schemeClr val="accent4">
+                    <a:lumMod val="75000"/>
+                  </a:schemeClr>
+                </a:solidFill>
+                <a:ea typeface="+mn-lt"/>
+                <a:cs typeface="+mn-lt"/>
+              </a:rPr>
+              <a:t> </a:t>
+            </a:r>
+            <a:r>
+              <a:rPr lang="hu-HU" sz="2400" err="1">
+                <a:solidFill>
+                  <a:schemeClr val="accent4">
+                    <a:lumMod val="75000"/>
+                  </a:schemeClr>
+                </a:solidFill>
+                <a:ea typeface="+mn-lt"/>
+                <a:cs typeface="+mn-lt"/>
+              </a:rPr>
+              <a:t>user</a:t>
+            </a:r>
+            <a:r>
+              <a:rPr lang="hu-HU" sz="2400">
+                <a:solidFill>
+                  <a:schemeClr val="accent4">
+                    <a:lumMod val="75000"/>
+                  </a:schemeClr>
+                </a:solidFill>
+                <a:ea typeface="+mn-lt"/>
+                <a:cs typeface="+mn-lt"/>
+              </a:rPr>
+              <a:t> </a:t>
+            </a:r>
+            <a:r>
+              <a:rPr lang="hu-HU" sz="2400" err="1">
+                <a:solidFill>
+                  <a:schemeClr val="accent4">
+                    <a:lumMod val="75000"/>
+                  </a:schemeClr>
+                </a:solidFill>
+                <a:ea typeface="+mn-lt"/>
+                <a:cs typeface="+mn-lt"/>
+              </a:rPr>
+              <a:t>details</a:t>
+            </a:r>
+            <a:r>
+              <a:rPr lang="hu-HU" sz="2400">
+                <a:solidFill>
+                  <a:schemeClr val="accent4">
+                    <a:lumMod val="75000"/>
+                  </a:schemeClr>
+                </a:solidFill>
+                <a:ea typeface="+mn-lt"/>
+                <a:cs typeface="+mn-lt"/>
+              </a:rPr>
+              <a:t> and </a:t>
+            </a:r>
+            <a:r>
+              <a:rPr lang="hu-HU" sz="2400" b="1" err="1">
+                <a:solidFill>
+                  <a:schemeClr val="accent4">
+                    <a:lumMod val="75000"/>
+                  </a:schemeClr>
+                </a:solidFill>
+                <a:ea typeface="+mn-lt"/>
+                <a:cs typeface="+mn-lt"/>
+              </a:rPr>
+              <a:t>approve</a:t>
+            </a:r>
+            <a:r>
+              <a:rPr lang="hu-HU" sz="2400" b="1">
+                <a:solidFill>
+                  <a:schemeClr val="accent4">
+                    <a:lumMod val="75000"/>
+                  </a:schemeClr>
+                </a:solidFill>
+                <a:ea typeface="+mn-lt"/>
+                <a:cs typeface="+mn-lt"/>
+              </a:rPr>
+              <a:t> account </a:t>
+            </a:r>
+            <a:r>
+              <a:rPr lang="hu-HU" sz="2400" b="1" err="1">
+                <a:solidFill>
+                  <a:schemeClr val="accent4">
+                    <a:lumMod val="75000"/>
+                  </a:schemeClr>
+                </a:solidFill>
+                <a:ea typeface="+mn-lt"/>
+                <a:cs typeface="+mn-lt"/>
+              </a:rPr>
+              <a:t>confirmations</a:t>
+            </a:r>
+            <a:endParaRPr lang="hu-HU" err="1">
+              <a:solidFill>
+                <a:schemeClr val="accent4">
+                  <a:lumMod val="75000"/>
+                </a:schemeClr>
+              </a:solidFill>
+            </a:endParaRPr>
+          </a:p>
+          <a:p>
+            <a:r>
+              <a:rPr lang="hu-HU" sz="2400">
+                <a:solidFill>
+                  <a:schemeClr val="accent4">
+                    <a:lumMod val="75000"/>
+                  </a:schemeClr>
+                </a:solidFill>
+                <a:ea typeface="Calibri"/>
+                <a:cs typeface="Calibri"/>
+              </a:rPr>
+              <a:t> </a:t>
+            </a:r>
+          </a:p>
+        </p:txBody>
+      </p:sp>
+      <p:pic>
+        <p:nvPicPr>
+          <p:cNvPr id="17" name="Kép 16">
+            <a:extLst>
+              <a:ext uri="{FF2B5EF4-FFF2-40B4-BE49-F238E27FC236}">
+                <a16:creationId xmlns:a16="http://schemas.microsoft.com/office/drawing/2014/main" id="{230D0B4F-8EB3-F3F2-A4E6-68552F239CA9}"/>
+              </a:ext>
+            </a:extLst>
+          </p:cNvPr>
+          <p:cNvPicPr>
+            <a:picLocks noChangeAspect="1"/>
+          </p:cNvPicPr>
+          <p:nvPr/>
+        </p:nvPicPr>
+        <p:blipFill>
+          <a:blip r:embed="rId4"/>
+          <a:stretch>
+            <a:fillRect/>
+          </a:stretch>
+        </p:blipFill>
+        <p:spPr>
+          <a:xfrm>
+            <a:off x="5700125" y="1211893"/>
+            <a:ext cx="5436818" cy="1970762"/>
+          </a:xfrm>
+          <a:prstGeom prst="rect">
+            <a:avLst/>
+          </a:prstGeom>
+        </p:spPr>
+      </p:pic>
+    </p:spTree>
+    <p:extLst>
+      <p:ext uri="{BB962C8B-B14F-4D97-AF65-F5344CB8AC3E}">
+        <p14:creationId xmlns:p14="http://schemas.microsoft.com/office/powerpoint/2010/main" val="2411412178"/>
+      </p:ext>
+    </p:extLst>
+  </p:cSld>
+  <p:clrMapOvr>
+    <a:masterClrMapping/>
+  </p:clrMapOvr>
+  <p:transition spd="med">
+    <p:pull/>
+  </p:transition>
+</p:sld>
+</file>
+
+<file path=ppt/slides/slide15.xml><?xml version="1.0" encoding="utf-8"?>
+<p:sld xmlns:a="http://schemas.openxmlformats.org/drawingml/2006/main" xmlns:r="http://schemas.openxmlformats.org/officeDocument/2006/relationships" xmlns:p="http://schemas.openxmlformats.org/presentationml/2006/main">
+  <p:cSld>
+    <p:bg>
+      <p:bgPr>
+        <a:solidFill>
+          <a:schemeClr val="accent4">
+            <a:lumMod val="20000"/>
+            <a:lumOff val="80000"/>
+          </a:schemeClr>
+        </a:solidFill>
+        <a:effectLst/>
+      </p:bgPr>
+    </p:bg>
+    <p:spTree>
+      <p:nvGrpSpPr>
+        <p:cNvPr id="1" name="">
+          <a:extLst>
+            <a:ext uri="{FF2B5EF4-FFF2-40B4-BE49-F238E27FC236}">
+              <a16:creationId xmlns:a16="http://schemas.microsoft.com/office/drawing/2014/main" id="{0AB5D026-9E56-B07A-C85D-F09B4336FE99}"/>
+            </a:ext>
+          </a:extLst>
+        </p:cNvPr>
+        <p:cNvGrpSpPr/>
+        <p:nvPr/>
+      </p:nvGrpSpPr>
+      <p:grpSpPr>
+        <a:xfrm>
+          <a:off x="0" y="0"/>
+          <a:ext cx="0" cy="0"/>
+          <a:chOff x="0" y="0"/>
+          <a:chExt cx="0" cy="0"/>
+        </a:xfrm>
+      </p:grpSpPr>
+      <p:sp>
+        <p:nvSpPr>
+          <p:cNvPr id="4" name="Téglalap 3">
+            <a:extLst>
+              <a:ext uri="{FF2B5EF4-FFF2-40B4-BE49-F238E27FC236}">
+                <a16:creationId xmlns:a16="http://schemas.microsoft.com/office/drawing/2014/main" id="{8B512E7B-64B3-2595-EF4A-5C58617ADC8E}"/>
+              </a:ext>
+            </a:extLst>
+          </p:cNvPr>
+          <p:cNvSpPr/>
+          <p:nvPr/>
+        </p:nvSpPr>
+        <p:spPr>
+          <a:xfrm>
+            <a:off x="0" y="0"/>
+            <a:ext cx="12192000" cy="819150"/>
+          </a:xfrm>
+          <a:prstGeom prst="rect">
+            <a:avLst/>
+          </a:prstGeom>
+          <a:solidFill>
+            <a:schemeClr val="accent1">
+              <a:lumMod val="60000"/>
+              <a:lumOff val="40000"/>
+            </a:schemeClr>
+          </a:solidFill>
+          <a:ln>
+            <a:noFill/>
+          </a:ln>
+        </p:spPr>
+        <p:style>
+          <a:lnRef idx="2">
+            <a:schemeClr val="accent1">
+              <a:shade val="50000"/>
+            </a:schemeClr>
+          </a:lnRef>
+          <a:fillRef idx="1">
+            <a:schemeClr val="accent1"/>
+          </a:fillRef>
+          <a:effectRef idx="0">
+            <a:schemeClr val="accent1"/>
+          </a:effectRef>
+          <a:fontRef idx="minor">
+            <a:schemeClr val="lt1"/>
+          </a:fontRef>
+        </p:style>
+        <p:txBody>
+          <a:bodyPr rtlCol="0" anchor="ctr"/>
+          <a:lstStyle/>
+          <a:p>
+            <a:pPr algn="ctr"/>
+            <a:endParaRPr lang="hu-HU">
+              <a:solidFill>
+                <a:schemeClr val="tx1"/>
+              </a:solidFill>
+            </a:endParaRPr>
+          </a:p>
+        </p:txBody>
+      </p:sp>
+      <p:pic>
+        <p:nvPicPr>
+          <p:cNvPr id="3" name="Kép 2">
+            <a:extLst>
+              <a:ext uri="{FF2B5EF4-FFF2-40B4-BE49-F238E27FC236}">
+                <a16:creationId xmlns:a16="http://schemas.microsoft.com/office/drawing/2014/main" id="{C1292C17-C40A-A2B1-1E3A-EEC7F9468CB4}"/>
+              </a:ext>
+            </a:extLst>
+          </p:cNvPr>
+          <p:cNvPicPr>
+            <a:picLocks noChangeAspect="1"/>
+          </p:cNvPicPr>
+          <p:nvPr/>
+        </p:nvPicPr>
+        <p:blipFill>
+          <a:blip r:embed="rId2" cstate="print">
+            <a:extLst>
+              <a:ext uri="{28A0092B-C50C-407E-A947-70E740481C1C}">
+                <a14:useLocalDpi xmlns:a14="http://schemas.microsoft.com/office/drawing/2010/main" val="0"/>
+              </a:ext>
+            </a:extLst>
+          </a:blip>
+          <a:stretch>
+            <a:fillRect/>
+          </a:stretch>
+        </p:blipFill>
+        <p:spPr>
+          <a:xfrm>
+            <a:off x="140104" y="47687"/>
+            <a:ext cx="745721" cy="723776"/>
+          </a:xfrm>
+          <a:prstGeom prst="rect">
+            <a:avLst/>
+          </a:prstGeom>
+        </p:spPr>
+      </p:pic>
+      <p:sp>
+        <p:nvSpPr>
+          <p:cNvPr id="2" name="Szövegdoboz 1">
+            <a:extLst>
+              <a:ext uri="{FF2B5EF4-FFF2-40B4-BE49-F238E27FC236}">
+                <a16:creationId xmlns:a16="http://schemas.microsoft.com/office/drawing/2014/main" id="{43971306-AD1D-785D-6151-E10F3A64FEC0}"/>
+              </a:ext>
+            </a:extLst>
+          </p:cNvPr>
+          <p:cNvSpPr txBox="1"/>
+          <p:nvPr/>
+        </p:nvSpPr>
+        <p:spPr>
+          <a:xfrm>
+            <a:off x="2801383" y="24854"/>
+            <a:ext cx="6589234" cy="769441"/>
+          </a:xfrm>
+          <a:prstGeom prst="rect">
+            <a:avLst/>
+          </a:prstGeom>
+          <a:noFill/>
+        </p:spPr>
+        <p:txBody>
+          <a:bodyPr wrap="square" lIns="91440" tIns="45720" rIns="91440" bIns="45720" rtlCol="0" anchor="t">
+            <a:spAutoFit/>
+          </a:bodyPr>
+          <a:lstStyle/>
+          <a:p>
+            <a:pPr algn="ctr"/>
+            <a:r>
+              <a:rPr lang="hu-HU" sz="4400" b="1" dirty="0">
+                <a:ln w="6350">
+                  <a:solidFill>
+                    <a:schemeClr val="accent1">
+                      <a:lumMod val="75000"/>
+                    </a:schemeClr>
+                  </a:solidFill>
+                </a:ln>
+                <a:solidFill>
+                  <a:schemeClr val="bg1"/>
+                </a:solidFill>
+                <a:latin typeface="Ink Free"/>
+              </a:rPr>
+              <a:t>Backend Server</a:t>
+            </a:r>
+            <a:endParaRPr lang="hu-HU" dirty="0"/>
+          </a:p>
+        </p:txBody>
+      </p:sp>
+      <p:sp>
+        <p:nvSpPr>
+          <p:cNvPr id="6" name="Szövegdoboz 5">
+            <a:extLst>
+              <a:ext uri="{FF2B5EF4-FFF2-40B4-BE49-F238E27FC236}">
+                <a16:creationId xmlns:a16="http://schemas.microsoft.com/office/drawing/2014/main" id="{731C7EAB-693F-D4B6-857C-99170E34439F}"/>
+              </a:ext>
+            </a:extLst>
+          </p:cNvPr>
+          <p:cNvSpPr txBox="1"/>
+          <p:nvPr/>
+        </p:nvSpPr>
+        <p:spPr>
+          <a:xfrm>
+            <a:off x="269440" y="1128660"/>
+            <a:ext cx="5332785" cy="1569660"/>
+          </a:xfrm>
+          <a:prstGeom prst="rect">
+            <a:avLst/>
+          </a:prstGeom>
+          <a:noFill/>
+        </p:spPr>
+        <p:txBody>
+          <a:bodyPr wrap="square" lIns="91440" tIns="45720" rIns="91440" bIns="45720" rtlCol="0" anchor="t">
+            <a:spAutoFit/>
+          </a:bodyPr>
+          <a:lstStyle/>
+          <a:p>
+            <a:pPr marL="342900" indent="-342900">
+              <a:buFont typeface="Arial" panose="020B0604020202020204" pitchFamily="34" charset="0"/>
+              <a:buChar char="•"/>
+            </a:pPr>
+            <a:endParaRPr lang="hu-HU" sz="2400">
+              <a:solidFill>
+                <a:schemeClr val="accent4">
+                  <a:lumMod val="75000"/>
+                </a:schemeClr>
+              </a:solidFill>
+              <a:ea typeface="Calibri"/>
+              <a:cs typeface="Calibri"/>
+            </a:endParaRPr>
+          </a:p>
+          <a:p>
+            <a:r>
+              <a:rPr lang="hu-HU" sz="2400" dirty="0">
+                <a:solidFill>
+                  <a:schemeClr val="accent4">
+                    <a:lumMod val="75000"/>
+                  </a:schemeClr>
+                </a:solidFill>
+                <a:ea typeface="+mn-lt"/>
+                <a:cs typeface="+mn-lt"/>
+              </a:rPr>
+              <a:t>The </a:t>
+            </a:r>
+            <a:r>
+              <a:rPr lang="hu-HU" sz="2400" b="1" dirty="0">
+                <a:solidFill>
+                  <a:schemeClr val="accent4">
+                    <a:lumMod val="75000"/>
+                  </a:schemeClr>
+                </a:solidFill>
+                <a:ea typeface="+mn-lt"/>
+                <a:cs typeface="+mn-lt"/>
+              </a:rPr>
+              <a:t>Backend Server</a:t>
+            </a:r>
+            <a:r>
+              <a:rPr lang="hu-HU" sz="2400" dirty="0">
+                <a:solidFill>
+                  <a:schemeClr val="accent4">
+                    <a:lumMod val="75000"/>
+                  </a:schemeClr>
+                </a:solidFill>
+                <a:ea typeface="+mn-lt"/>
+                <a:cs typeface="+mn-lt"/>
+              </a:rPr>
+              <a:t> is </a:t>
+            </a:r>
+            <a:r>
+              <a:rPr lang="hu-HU" sz="2400" err="1">
+                <a:solidFill>
+                  <a:schemeClr val="accent4">
+                    <a:lumMod val="75000"/>
+                  </a:schemeClr>
+                </a:solidFill>
+                <a:ea typeface="+mn-lt"/>
+                <a:cs typeface="+mn-lt"/>
+              </a:rPr>
+              <a:t>based</a:t>
+            </a:r>
+            <a:r>
+              <a:rPr lang="hu-HU" sz="2400" dirty="0">
+                <a:solidFill>
+                  <a:schemeClr val="accent4">
+                    <a:lumMod val="75000"/>
+                  </a:schemeClr>
+                </a:solidFill>
+                <a:ea typeface="+mn-lt"/>
+                <a:cs typeface="+mn-lt"/>
+              </a:rPr>
+              <a:t> </a:t>
+            </a:r>
+            <a:r>
+              <a:rPr lang="hu-HU" sz="2400" err="1">
+                <a:solidFill>
+                  <a:schemeClr val="accent4">
+                    <a:lumMod val="75000"/>
+                  </a:schemeClr>
+                </a:solidFill>
+                <a:ea typeface="+mn-lt"/>
+                <a:cs typeface="+mn-lt"/>
+              </a:rPr>
+              <a:t>on</a:t>
+            </a:r>
+            <a:r>
+              <a:rPr lang="hu-HU" sz="2400" dirty="0">
+                <a:solidFill>
+                  <a:schemeClr val="accent4">
+                    <a:lumMod val="75000"/>
+                  </a:schemeClr>
+                </a:solidFill>
+                <a:ea typeface="+mn-lt"/>
+                <a:cs typeface="+mn-lt"/>
+              </a:rPr>
+              <a:t> </a:t>
+            </a:r>
+            <a:r>
+              <a:rPr lang="hu-HU" sz="2400" err="1">
+                <a:solidFill>
+                  <a:schemeClr val="accent4">
+                    <a:lumMod val="75000"/>
+                  </a:schemeClr>
+                </a:solidFill>
+                <a:ea typeface="+mn-lt"/>
+                <a:cs typeface="+mn-lt"/>
+              </a:rPr>
+              <a:t>the</a:t>
+            </a:r>
+            <a:r>
+              <a:rPr lang="hu-HU" sz="2400" dirty="0">
+                <a:solidFill>
+                  <a:schemeClr val="accent4">
+                    <a:lumMod val="75000"/>
+                  </a:schemeClr>
+                </a:solidFill>
+                <a:ea typeface="+mn-lt"/>
+                <a:cs typeface="+mn-lt"/>
+              </a:rPr>
+              <a:t> </a:t>
+            </a:r>
+            <a:r>
+              <a:rPr lang="hu-HU" sz="2400" b="1" dirty="0">
+                <a:solidFill>
+                  <a:schemeClr val="accent4">
+                    <a:lumMod val="75000"/>
+                  </a:schemeClr>
+                </a:solidFill>
+                <a:ea typeface="+mn-lt"/>
+                <a:cs typeface="+mn-lt"/>
+              </a:rPr>
+              <a:t>CRUD</a:t>
+            </a:r>
+            <a:r>
+              <a:rPr lang="hu-HU" sz="2400" dirty="0">
+                <a:solidFill>
+                  <a:schemeClr val="accent4">
+                    <a:lumMod val="75000"/>
+                  </a:schemeClr>
+                </a:solidFill>
+                <a:ea typeface="+mn-lt"/>
+                <a:cs typeface="+mn-lt"/>
+              </a:rPr>
+              <a:t> (</a:t>
+            </a:r>
+            <a:r>
+              <a:rPr lang="hu-HU" sz="2400" err="1">
+                <a:solidFill>
+                  <a:schemeClr val="accent4">
+                    <a:lumMod val="75000"/>
+                  </a:schemeClr>
+                </a:solidFill>
+                <a:ea typeface="+mn-lt"/>
+                <a:cs typeface="+mn-lt"/>
+              </a:rPr>
+              <a:t>Create</a:t>
+            </a:r>
+            <a:r>
+              <a:rPr lang="hu-HU" sz="2400" dirty="0">
+                <a:solidFill>
+                  <a:schemeClr val="accent4">
+                    <a:lumMod val="75000"/>
+                  </a:schemeClr>
+                </a:solidFill>
+                <a:ea typeface="+mn-lt"/>
+                <a:cs typeface="+mn-lt"/>
+              </a:rPr>
+              <a:t>, Read ,Update, Delete)</a:t>
+            </a:r>
+            <a:endParaRPr lang="hu-HU" sz="2400" dirty="0">
+              <a:solidFill>
+                <a:schemeClr val="accent4">
+                  <a:lumMod val="75000"/>
+                </a:schemeClr>
+              </a:solidFill>
+              <a:ea typeface="Calibri"/>
+              <a:cs typeface="Calibri"/>
+            </a:endParaRPr>
+          </a:p>
+          <a:p>
+            <a:r>
+              <a:rPr lang="hu-HU" sz="2400" dirty="0">
+                <a:solidFill>
+                  <a:schemeClr val="accent4">
+                    <a:lumMod val="75000"/>
+                  </a:schemeClr>
+                </a:solidFill>
+                <a:ea typeface="Calibri"/>
+                <a:cs typeface="Calibri"/>
+              </a:rPr>
+              <a:t> </a:t>
+            </a:r>
+          </a:p>
+        </p:txBody>
+      </p:sp>
+      <p:pic>
+        <p:nvPicPr>
+          <p:cNvPr id="5" name="Kép 4" descr="A képen szöveg, képernyőkép, Betűtípus, sor látható&#10;&#10;Lehet, hogy az AI által létrehozott tartalom helytelen.">
+            <a:extLst>
+              <a:ext uri="{FF2B5EF4-FFF2-40B4-BE49-F238E27FC236}">
+                <a16:creationId xmlns:a16="http://schemas.microsoft.com/office/drawing/2014/main" id="{92E00D7B-F8EB-2B12-3346-D970F151A74B}"/>
+              </a:ext>
+            </a:extLst>
+          </p:cNvPr>
+          <p:cNvPicPr>
+            <a:picLocks noChangeAspect="1"/>
+          </p:cNvPicPr>
+          <p:nvPr/>
+        </p:nvPicPr>
+        <p:blipFill>
+          <a:blip r:embed="rId3"/>
+          <a:stretch>
+            <a:fillRect/>
+          </a:stretch>
+        </p:blipFill>
+        <p:spPr>
+          <a:xfrm>
+            <a:off x="5532786" y="1714435"/>
+            <a:ext cx="6658757" cy="1153568"/>
+          </a:xfrm>
+          <a:prstGeom prst="rect">
+            <a:avLst/>
+          </a:prstGeom>
+        </p:spPr>
+      </p:pic>
+      <p:sp>
+        <p:nvSpPr>
+          <p:cNvPr id="8" name="Szövegdoboz 7">
+            <a:extLst>
+              <a:ext uri="{FF2B5EF4-FFF2-40B4-BE49-F238E27FC236}">
+                <a16:creationId xmlns:a16="http://schemas.microsoft.com/office/drawing/2014/main" id="{EDBC3264-7440-6C6C-F96F-8A22EE831E9F}"/>
+              </a:ext>
+            </a:extLst>
+          </p:cNvPr>
+          <p:cNvSpPr txBox="1"/>
+          <p:nvPr/>
+        </p:nvSpPr>
+        <p:spPr>
+          <a:xfrm>
+            <a:off x="7765316" y="1252296"/>
+            <a:ext cx="2202717" cy="461665"/>
+          </a:xfrm>
+          <a:prstGeom prst="rect">
+            <a:avLst/>
+          </a:prstGeom>
+          <a:noFill/>
+        </p:spPr>
+        <p:txBody>
+          <a:bodyPr wrap="square" lIns="91440" tIns="45720" rIns="91440" bIns="45720" rtlCol="0" anchor="t">
+            <a:spAutoFit/>
+          </a:bodyPr>
+          <a:lstStyle/>
+          <a:p>
+            <a:pPr marL="342900" indent="-342900">
+              <a:buFont typeface="Arial" panose="020B0604020202020204" pitchFamily="34" charset="0"/>
+              <a:buChar char="•"/>
+            </a:pPr>
+            <a:r>
+              <a:rPr lang="hu-HU" sz="2400" b="1" dirty="0" err="1">
+                <a:solidFill>
+                  <a:schemeClr val="accent4">
+                    <a:lumMod val="75000"/>
+                  </a:schemeClr>
+                </a:solidFill>
+              </a:rPr>
+              <a:t>Early</a:t>
+            </a:r>
+            <a:r>
+              <a:rPr lang="hu-HU" sz="2400" b="1" dirty="0">
+                <a:solidFill>
+                  <a:schemeClr val="accent4">
+                    <a:lumMod val="75000"/>
+                  </a:schemeClr>
+                </a:solidFill>
+              </a:rPr>
+              <a:t> Access</a:t>
+            </a:r>
+            <a:endParaRPr lang="hu-HU" sz="2400" dirty="0">
+              <a:solidFill>
+                <a:schemeClr val="accent4">
+                  <a:lumMod val="75000"/>
+                </a:schemeClr>
+              </a:solidFill>
+              <a:ea typeface="Calibri"/>
+              <a:cs typeface="Calibri"/>
+            </a:endParaRPr>
+          </a:p>
+        </p:txBody>
+      </p:sp>
+      <p:pic>
+        <p:nvPicPr>
+          <p:cNvPr id="9" name="Kép 8" descr="A képen szöveg, képernyőkép, Betűtípus, zöld látható&#10;&#10;Lehet, hogy az AI által létrehozott tartalom helytelen.">
+            <a:extLst>
+              <a:ext uri="{FF2B5EF4-FFF2-40B4-BE49-F238E27FC236}">
+                <a16:creationId xmlns:a16="http://schemas.microsoft.com/office/drawing/2014/main" id="{73CB2955-B2BC-77B6-E0ED-27590DE5B46F}"/>
+              </a:ext>
+            </a:extLst>
+          </p:cNvPr>
+          <p:cNvPicPr>
+            <a:picLocks noChangeAspect="1"/>
+          </p:cNvPicPr>
+          <p:nvPr/>
+        </p:nvPicPr>
+        <p:blipFill>
+          <a:blip r:embed="rId4"/>
+          <a:stretch>
+            <a:fillRect/>
+          </a:stretch>
+        </p:blipFill>
+        <p:spPr>
+          <a:xfrm>
+            <a:off x="5790220" y="4116758"/>
+            <a:ext cx="4181475" cy="628650"/>
+          </a:xfrm>
+          <a:prstGeom prst="rect">
+            <a:avLst/>
+          </a:prstGeom>
+        </p:spPr>
+      </p:pic>
+      <p:pic>
+        <p:nvPicPr>
+          <p:cNvPr id="10" name="Kép 9" descr="A képen szöveg, képernyőkép, Betűtípus, sor látható&#10;&#10;Lehet, hogy az AI által létrehozott tartalom helytelen.">
+            <a:extLst>
+              <a:ext uri="{FF2B5EF4-FFF2-40B4-BE49-F238E27FC236}">
+                <a16:creationId xmlns:a16="http://schemas.microsoft.com/office/drawing/2014/main" id="{07F937F7-A26D-8CF5-C332-931003F22B14}"/>
+              </a:ext>
+            </a:extLst>
+          </p:cNvPr>
+          <p:cNvPicPr>
+            <a:picLocks noChangeAspect="1"/>
+          </p:cNvPicPr>
+          <p:nvPr/>
+        </p:nvPicPr>
+        <p:blipFill>
+          <a:blip r:embed="rId5"/>
+          <a:stretch>
+            <a:fillRect/>
+          </a:stretch>
+        </p:blipFill>
+        <p:spPr>
+          <a:xfrm>
+            <a:off x="4362777" y="5163203"/>
+            <a:ext cx="7172325" cy="866775"/>
+          </a:xfrm>
+          <a:prstGeom prst="rect">
+            <a:avLst/>
+          </a:prstGeom>
+        </p:spPr>
+      </p:pic>
+      <p:sp>
+        <p:nvSpPr>
+          <p:cNvPr id="11" name="Szövegdoboz 10">
+            <a:extLst>
+              <a:ext uri="{FF2B5EF4-FFF2-40B4-BE49-F238E27FC236}">
+                <a16:creationId xmlns:a16="http://schemas.microsoft.com/office/drawing/2014/main" id="{AF98DE5A-F766-854E-70F6-9B3E638E5978}"/>
+              </a:ext>
+            </a:extLst>
+          </p:cNvPr>
+          <p:cNvSpPr txBox="1"/>
+          <p:nvPr/>
+        </p:nvSpPr>
+        <p:spPr>
+          <a:xfrm>
+            <a:off x="144179" y="4625509"/>
+            <a:ext cx="3526950" cy="461665"/>
+          </a:xfrm>
+          <a:prstGeom prst="rect">
+            <a:avLst/>
+          </a:prstGeom>
+          <a:noFill/>
+        </p:spPr>
+        <p:txBody>
+          <a:bodyPr wrap="square" lIns="91440" tIns="45720" rIns="91440" bIns="45720" rtlCol="0" anchor="t">
+            <a:spAutoFit/>
+          </a:bodyPr>
+          <a:lstStyle/>
+          <a:p>
+            <a:pPr marL="342900" indent="-342900">
+              <a:buFont typeface="Arial" panose="020B0604020202020204" pitchFamily="34" charset="0"/>
+              <a:buChar char="•"/>
+            </a:pPr>
+            <a:r>
+              <a:rPr lang="hu-HU" sz="2400" dirty="0" err="1">
+                <a:solidFill>
+                  <a:schemeClr val="accent4">
+                    <a:lumMod val="75000"/>
+                  </a:schemeClr>
+                </a:solidFill>
+                <a:ea typeface="Calibri"/>
+                <a:cs typeface="Calibri"/>
+              </a:rPr>
+              <a:t>Successful</a:t>
+            </a:r>
+            <a:r>
+              <a:rPr lang="hu-HU" sz="2400" dirty="0">
+                <a:solidFill>
+                  <a:schemeClr val="accent4">
+                    <a:lumMod val="75000"/>
+                  </a:schemeClr>
+                </a:solidFill>
+                <a:ea typeface="Calibri"/>
+                <a:cs typeface="Calibri"/>
+              </a:rPr>
+              <a:t> </a:t>
+            </a:r>
+            <a:r>
+              <a:rPr lang="hu-HU" sz="2400" dirty="0" err="1">
+                <a:solidFill>
+                  <a:schemeClr val="accent4">
+                    <a:lumMod val="75000"/>
+                  </a:schemeClr>
+                </a:solidFill>
+                <a:ea typeface="Calibri"/>
+                <a:cs typeface="Calibri"/>
+              </a:rPr>
+              <a:t>Order</a:t>
+            </a:r>
+            <a:r>
+              <a:rPr lang="hu-HU" sz="2400" dirty="0">
+                <a:solidFill>
+                  <a:schemeClr val="accent4">
+                    <a:lumMod val="75000"/>
+                  </a:schemeClr>
+                </a:solidFill>
+                <a:ea typeface="Calibri"/>
+                <a:cs typeface="Calibri"/>
+              </a:rPr>
+              <a:t> (Post) </a:t>
+            </a:r>
+          </a:p>
+        </p:txBody>
+      </p:sp>
+    </p:spTree>
+    <p:extLst>
+      <p:ext uri="{BB962C8B-B14F-4D97-AF65-F5344CB8AC3E}">
+        <p14:creationId xmlns:p14="http://schemas.microsoft.com/office/powerpoint/2010/main" val="340467667"/>
       </p:ext>
     </p:extLst>
   </p:cSld>

--- a/VizsgaremekEnglishPP.pptx
+++ b/VizsgaremekEnglishPP.pptx
@@ -285,7 +285,7 @@
           <a:p>
             <a:fld id="{1F6FFA99-551E-45B4-8370-7EE47DE7A2D9}" type="datetimeFigureOut">
               <a:rPr lang="hu-HU" smtClean="0"/>
-              <a:t>2026. 02. 01.</a:t>
+              <a:t>2026.02.03.</a:t>
             </a:fld>
             <a:endParaRPr lang="hu-HU"/>
           </a:p>
@@ -617,7 +617,7 @@
           <a:p>
             <a:fld id="{28F78079-BF18-4298-A5A3-7BDA287CF324}" type="slidenum">
               <a:rPr lang="hu-HU" smtClean="0"/>
-              <a:t>10</a:t>
+              <a:t>12</a:t>
             </a:fld>
             <a:endParaRPr lang="hu-HU"/>
           </a:p>
@@ -765,7 +765,7 @@
           <a:p>
             <a:fld id="{DB0193E8-478D-464D-8400-8CD4306FD776}" type="datetimeFigureOut">
               <a:rPr lang="hu-HU" smtClean="0"/>
-              <a:t>2026. 02. 01.</a:t>
+              <a:t>2026.02.03.</a:t>
             </a:fld>
             <a:endParaRPr lang="hu-HU"/>
           </a:p>
@@ -933,7 +933,7 @@
           <a:p>
             <a:fld id="{DB0193E8-478D-464D-8400-8CD4306FD776}" type="datetimeFigureOut">
               <a:rPr lang="hu-HU" smtClean="0"/>
-              <a:t>2026. 02. 01.</a:t>
+              <a:t>2026.02.03.</a:t>
             </a:fld>
             <a:endParaRPr lang="hu-HU"/>
           </a:p>
@@ -1111,7 +1111,7 @@
           <a:p>
             <a:fld id="{DB0193E8-478D-464D-8400-8CD4306FD776}" type="datetimeFigureOut">
               <a:rPr lang="hu-HU" smtClean="0"/>
-              <a:t>2026. 02. 01.</a:t>
+              <a:t>2026.02.03.</a:t>
             </a:fld>
             <a:endParaRPr lang="hu-HU"/>
           </a:p>
@@ -1279,7 +1279,7 @@
           <a:p>
             <a:fld id="{DB0193E8-478D-464D-8400-8CD4306FD776}" type="datetimeFigureOut">
               <a:rPr lang="hu-HU" smtClean="0"/>
-              <a:t>2026. 02. 01.</a:t>
+              <a:t>2026.02.03.</a:t>
             </a:fld>
             <a:endParaRPr lang="hu-HU"/>
           </a:p>
@@ -1524,7 +1524,7 @@
           <a:p>
             <a:fld id="{DB0193E8-478D-464D-8400-8CD4306FD776}" type="datetimeFigureOut">
               <a:rPr lang="hu-HU" smtClean="0"/>
-              <a:t>2026. 02. 01.</a:t>
+              <a:t>2026.02.03.</a:t>
             </a:fld>
             <a:endParaRPr lang="hu-HU"/>
           </a:p>
@@ -1753,7 +1753,7 @@
           <a:p>
             <a:fld id="{DB0193E8-478D-464D-8400-8CD4306FD776}" type="datetimeFigureOut">
               <a:rPr lang="hu-HU" smtClean="0"/>
-              <a:t>2026. 02. 01.</a:t>
+              <a:t>2026.02.03.</a:t>
             </a:fld>
             <a:endParaRPr lang="hu-HU"/>
           </a:p>
@@ -2117,7 +2117,7 @@
           <a:p>
             <a:fld id="{DB0193E8-478D-464D-8400-8CD4306FD776}" type="datetimeFigureOut">
               <a:rPr lang="hu-HU" smtClean="0"/>
-              <a:t>2026. 02. 01.</a:t>
+              <a:t>2026.02.03.</a:t>
             </a:fld>
             <a:endParaRPr lang="hu-HU"/>
           </a:p>
@@ -2234,7 +2234,7 @@
           <a:p>
             <a:fld id="{DB0193E8-478D-464D-8400-8CD4306FD776}" type="datetimeFigureOut">
               <a:rPr lang="hu-HU" smtClean="0"/>
-              <a:t>2026. 02. 01.</a:t>
+              <a:t>2026.02.03.</a:t>
             </a:fld>
             <a:endParaRPr lang="hu-HU"/>
           </a:p>
@@ -2329,7 +2329,7 @@
           <a:p>
             <a:fld id="{DB0193E8-478D-464D-8400-8CD4306FD776}" type="datetimeFigureOut">
               <a:rPr lang="hu-HU" smtClean="0"/>
-              <a:t>2026. 02. 01.</a:t>
+              <a:t>2026.02.03.</a:t>
             </a:fld>
             <a:endParaRPr lang="hu-HU"/>
           </a:p>
@@ -2604,7 +2604,7 @@
           <a:p>
             <a:fld id="{DB0193E8-478D-464D-8400-8CD4306FD776}" type="datetimeFigureOut">
               <a:rPr lang="hu-HU" smtClean="0"/>
-              <a:t>2026. 02. 01.</a:t>
+              <a:t>2026.02.03.</a:t>
             </a:fld>
             <a:endParaRPr lang="hu-HU"/>
           </a:p>
@@ -2856,7 +2856,7 @@
           <a:p>
             <a:fld id="{DB0193E8-478D-464D-8400-8CD4306FD776}" type="datetimeFigureOut">
               <a:rPr lang="hu-HU" smtClean="0"/>
-              <a:t>2026. 02. 01.</a:t>
+              <a:t>2026.02.03.</a:t>
             </a:fld>
             <a:endParaRPr lang="hu-HU"/>
           </a:p>
@@ -3067,7 +3067,7 @@
           <a:p>
             <a:fld id="{DB0193E8-478D-464D-8400-8CD4306FD776}" type="datetimeFigureOut">
               <a:rPr lang="hu-HU" smtClean="0"/>
-              <a:t>2026. 02. 01.</a:t>
+              <a:t>2026.02.03.</a:t>
             </a:fld>
             <a:endParaRPr lang="hu-HU"/>
           </a:p>
@@ -4702,7 +4702,7 @@
           <a:prstGeom prst="rect">
             <a:avLst/>
           </a:prstGeom>
-          <a:ln w="57150">
+          <a:ln w="38100">
             <a:solidFill>
               <a:schemeClr val="accent1">
                 <a:lumMod val="40000"/>
@@ -4888,7 +4888,7 @@
           <a:prstGeom prst="rect">
             <a:avLst/>
           </a:prstGeom>
-          <a:ln w="57150">
+          <a:ln w="38100">
             <a:solidFill>
               <a:schemeClr val="accent1">
                 <a:lumMod val="40000"/>
@@ -5160,7 +5160,7 @@
                   </a:schemeClr>
                 </a:solidFill>
               </a:rPr>
-              <a:t>Correct</a:t>
+              <a:t>Succesful</a:t>
             </a:r>
             <a:r>
               <a:rPr lang="hu-HU" sz="2400" b="1" dirty="0">
@@ -5472,7 +5472,7 @@
               </a:rPr>
               <a:t> website.</a:t>
             </a:r>
-            <a:endParaRPr lang="hu-HU" sz="2400" dirty="0" err="1">
+            <a:endParaRPr lang="hu-HU" sz="2400" dirty="0">
               <a:solidFill>
                 <a:schemeClr val="accent4">
                   <a:lumMod val="75000"/>
@@ -5586,7 +5586,7 @@
           <a:prstGeom prst="rect">
             <a:avLst/>
           </a:prstGeom>
-          <a:ln w="57150">
+          <a:ln w="38100">
             <a:solidFill>
               <a:schemeClr val="accent1">
                 <a:lumMod val="40000"/>
@@ -5698,7 +5698,7 @@
           <a:prstGeom prst="rect">
             <a:avLst/>
           </a:prstGeom>
-          <a:ln w="57150">
+          <a:ln w="38100">
             <a:solidFill>
               <a:schemeClr val="accent1">
                 <a:lumMod val="40000"/>
@@ -7678,7 +7678,7 @@
         </p:nvSpPr>
         <p:spPr>
           <a:xfrm>
-            <a:off x="269440" y="1128660"/>
+            <a:off x="269440" y="1243663"/>
             <a:ext cx="4414210" cy="1938992"/>
           </a:xfrm>
           <a:prstGeom prst="rect">
@@ -7696,7 +7696,7 @@
               <a:buFont typeface="Arial" panose="020B0604020202020204" pitchFamily="34" charset="0"/>
               <a:buChar char="•"/>
             </a:pPr>
-            <a:endParaRPr lang="hu-HU" sz="2400">
+            <a:endParaRPr lang="hu-HU" sz="2400" dirty="0">
               <a:solidFill>
                 <a:schemeClr val="accent4">
                   <a:lumMod val="75000"/>
@@ -7707,8 +7707,12 @@
             </a:endParaRPr>
           </a:p>
           <a:p>
-            <a:r>
-              <a:rPr lang="hu-HU" sz="2400">
+            <a:pPr marL="342900" indent="-342900">
+              <a:buFont typeface="Arial" panose="020B0604020202020204" pitchFamily="34" charset="0"/>
+              <a:buChar char="•"/>
+            </a:pPr>
+            <a:r>
+              <a:rPr lang="hu-HU" sz="2400" dirty="0">
                 <a:solidFill>
                   <a:schemeClr val="accent4">
                     <a:lumMod val="75000"/>
@@ -7720,7 +7724,7 @@
               <a:t>A </a:t>
             </a:r>
             <a:r>
-              <a:rPr lang="hu-HU" sz="2400" b="1">
+              <a:rPr lang="hu-HU" sz="2400" b="1" dirty="0">
                 <a:solidFill>
                   <a:schemeClr val="accent4">
                     <a:lumMod val="75000"/>
@@ -7732,7 +7736,7 @@
               <a:t>WPF-</a:t>
             </a:r>
             <a:r>
-              <a:rPr lang="hu-HU" sz="2400" b="1" err="1">
+              <a:rPr lang="hu-HU" sz="2400" b="1" dirty="0" err="1">
                 <a:solidFill>
                   <a:schemeClr val="accent4">
                     <a:lumMod val="75000"/>
@@ -7744,7 +7748,7 @@
               <a:t>based</a:t>
             </a:r>
             <a:r>
-              <a:rPr lang="hu-HU" sz="2400" b="1">
+              <a:rPr lang="hu-HU" sz="2400" b="1" dirty="0">
                 <a:solidFill>
                   <a:schemeClr val="accent4">
                     <a:lumMod val="75000"/>
@@ -7756,7 +7760,7 @@
               <a:t> </a:t>
             </a:r>
             <a:r>
-              <a:rPr lang="hu-HU" sz="2400" b="1" err="1">
+              <a:rPr lang="hu-HU" sz="2400" b="1" dirty="0" err="1">
                 <a:solidFill>
                   <a:schemeClr val="accent4">
                     <a:lumMod val="75000"/>
@@ -7768,7 +7772,7 @@
               <a:t>admin</a:t>
             </a:r>
             <a:r>
-              <a:rPr lang="hu-HU" sz="2400" b="1">
+              <a:rPr lang="hu-HU" sz="2400" b="1" dirty="0">
                 <a:solidFill>
                   <a:schemeClr val="accent4">
                     <a:lumMod val="75000"/>
@@ -7780,7 +7784,7 @@
               <a:t> </a:t>
             </a:r>
             <a:r>
-              <a:rPr lang="hu-HU" sz="2400" b="1" err="1">
+              <a:rPr lang="hu-HU" sz="2400" b="1" dirty="0" err="1">
                 <a:solidFill>
                   <a:schemeClr val="accent4">
                     <a:lumMod val="75000"/>
@@ -7792,7 +7796,7 @@
               <a:t>interface</a:t>
             </a:r>
             <a:r>
-              <a:rPr lang="hu-HU" sz="2400">
+              <a:rPr lang="hu-HU" sz="2400" dirty="0">
                 <a:solidFill>
                   <a:schemeClr val="accent4">
                     <a:lumMod val="75000"/>
@@ -7804,7 +7808,7 @@
               <a:t> </a:t>
             </a:r>
             <a:r>
-              <a:rPr lang="hu-HU" sz="2400" err="1">
+              <a:rPr lang="hu-HU" sz="2400" dirty="0" err="1">
                 <a:solidFill>
                   <a:schemeClr val="accent4">
                     <a:lumMod val="75000"/>
@@ -7816,7 +7820,7 @@
               <a:t>designed</a:t>
             </a:r>
             <a:r>
-              <a:rPr lang="hu-HU" sz="2400">
+              <a:rPr lang="hu-HU" sz="2400" dirty="0">
                 <a:solidFill>
                   <a:schemeClr val="accent4">
                     <a:lumMod val="75000"/>
@@ -7828,7 +7832,7 @@
               <a:t> </a:t>
             </a:r>
             <a:r>
-              <a:rPr lang="hu-HU" sz="2400" err="1">
+              <a:rPr lang="hu-HU" sz="2400" dirty="0" err="1">
                 <a:solidFill>
                   <a:schemeClr val="accent4">
                     <a:lumMod val="75000"/>
@@ -7840,7 +7844,7 @@
               <a:t>to</a:t>
             </a:r>
             <a:r>
-              <a:rPr lang="hu-HU" sz="2400">
+              <a:rPr lang="hu-HU" sz="2400" dirty="0">
                 <a:solidFill>
                   <a:schemeClr val="accent4">
                     <a:lumMod val="75000"/>
@@ -7852,7 +7856,7 @@
               <a:t> </a:t>
             </a:r>
             <a:r>
-              <a:rPr lang="hu-HU" sz="2400" err="1">
+              <a:rPr lang="hu-HU" sz="2400" dirty="0" err="1">
                 <a:solidFill>
                   <a:schemeClr val="accent4">
                     <a:lumMod val="75000"/>
@@ -7864,7 +7868,7 @@
               <a:t>manage</a:t>
             </a:r>
             <a:r>
-              <a:rPr lang="hu-HU" sz="2400">
+              <a:rPr lang="hu-HU" sz="2400" dirty="0">
                 <a:solidFill>
                   <a:schemeClr val="accent4">
                     <a:lumMod val="75000"/>
@@ -7876,7 +7880,7 @@
               <a:t> </a:t>
             </a:r>
             <a:r>
-              <a:rPr lang="hu-HU" sz="2400" err="1">
+              <a:rPr lang="hu-HU" sz="2400" dirty="0" err="1">
                 <a:solidFill>
                   <a:schemeClr val="accent4">
                     <a:lumMod val="75000"/>
@@ -7888,7 +7892,7 @@
               <a:t>user</a:t>
             </a:r>
             <a:r>
-              <a:rPr lang="hu-HU" sz="2400">
+              <a:rPr lang="hu-HU" sz="2400" dirty="0">
                 <a:solidFill>
                   <a:schemeClr val="accent4">
                     <a:lumMod val="75000"/>
@@ -7900,7 +7904,7 @@
               <a:t> account </a:t>
             </a:r>
             <a:r>
-              <a:rPr lang="hu-HU" sz="2400" err="1">
+              <a:rPr lang="hu-HU" sz="2400" dirty="0" err="1">
                 <a:solidFill>
                   <a:schemeClr val="accent4">
                     <a:lumMod val="75000"/>
@@ -7912,7 +7916,7 @@
               <a:t>verification</a:t>
             </a:r>
             <a:r>
-              <a:rPr lang="hu-HU" sz="2400">
+              <a:rPr lang="hu-HU" sz="2400" dirty="0">
                 <a:solidFill>
                   <a:schemeClr val="accent4">
                     <a:lumMod val="75000"/>
@@ -7923,7 +7927,7 @@
               </a:rPr>
               <a:t>.</a:t>
             </a:r>
-            <a:endParaRPr lang="hu-HU">
+            <a:endParaRPr lang="hu-HU" dirty="0">
               <a:solidFill>
                 <a:schemeClr val="accent4">
                   <a:lumMod val="75000"/>
@@ -7933,7 +7937,7 @@
           </a:p>
           <a:p>
             <a:r>
-              <a:rPr lang="hu-HU" sz="2400">
+              <a:rPr lang="hu-HU" sz="2400" dirty="0">
                 <a:solidFill>
                   <a:schemeClr val="accent4">
                     <a:lumMod val="75000"/>
@@ -7969,12 +7973,20 @@
         </p:blipFill>
         <p:spPr>
           <a:xfrm>
-            <a:off x="404225" y="3588773"/>
+            <a:off x="5700125" y="3575398"/>
             <a:ext cx="4807385" cy="2613634"/>
           </a:xfrm>
           <a:prstGeom prst="rect">
             <a:avLst/>
           </a:prstGeom>
+          <a:ln w="38100">
+            <a:solidFill>
+              <a:schemeClr val="accent1">
+                <a:lumMod val="40000"/>
+                <a:lumOff val="60000"/>
+              </a:schemeClr>
+            </a:solidFill>
+          </a:ln>
         </p:spPr>
       </p:pic>
       <p:sp>
@@ -7991,8 +8003,8 @@
         </p:nvSpPr>
         <p:spPr>
           <a:xfrm>
-            <a:off x="6208863" y="3894823"/>
-            <a:ext cx="4414210" cy="2308324"/>
+            <a:off x="269440" y="3377162"/>
+            <a:ext cx="4414210" cy="2677656"/>
           </a:xfrm>
           <a:prstGeom prst="rect">
             <a:avLst/>
@@ -8009,7 +8021,7 @@
               <a:buFont typeface="Arial" panose="020B0604020202020204" pitchFamily="34" charset="0"/>
               <a:buChar char="•"/>
             </a:pPr>
-            <a:endParaRPr lang="hu-HU" sz="2400">
+            <a:endParaRPr lang="hu-HU" sz="2400" dirty="0">
               <a:solidFill>
                 <a:schemeClr val="accent4">
                   <a:lumMod val="75000"/>
@@ -8020,8 +8032,12 @@
             </a:endParaRPr>
           </a:p>
           <a:p>
-            <a:r>
-              <a:rPr lang="hu-HU" sz="2400">
+            <a:pPr marL="342900" indent="-342900">
+              <a:buFont typeface="Arial" panose="020B0604020202020204" pitchFamily="34" charset="0"/>
+              <a:buChar char="•"/>
+            </a:pPr>
+            <a:r>
+              <a:rPr lang="hu-HU" sz="2400" dirty="0">
                 <a:solidFill>
                   <a:schemeClr val="accent4">
                     <a:lumMod val="75000"/>
@@ -8033,7 +8049,7 @@
               <a:t>The </a:t>
             </a:r>
             <a:r>
-              <a:rPr lang="hu-HU" sz="2400" err="1">
+              <a:rPr lang="hu-HU" sz="2400" dirty="0" err="1">
                 <a:solidFill>
                   <a:schemeClr val="accent4">
                     <a:lumMod val="75000"/>
@@ -8045,7 +8061,7 @@
               <a:t>application</a:t>
             </a:r>
             <a:r>
-              <a:rPr lang="hu-HU" sz="2400">
+              <a:rPr lang="hu-HU" sz="2400" dirty="0">
                 <a:solidFill>
                   <a:schemeClr val="accent4">
                     <a:lumMod val="75000"/>
@@ -8057,7 +8073,7 @@
               <a:t> is </a:t>
             </a:r>
             <a:r>
-              <a:rPr lang="hu-HU" sz="2400" b="1" err="1">
+              <a:rPr lang="hu-HU" sz="2400" b="1" dirty="0" err="1">
                 <a:solidFill>
                   <a:schemeClr val="accent4">
                     <a:lumMod val="75000"/>
@@ -8069,7 +8085,7 @@
               <a:t>accessible</a:t>
             </a:r>
             <a:r>
-              <a:rPr lang="hu-HU" sz="2400" b="1">
+              <a:rPr lang="hu-HU" sz="2400" b="1" dirty="0">
                 <a:solidFill>
                   <a:schemeClr val="accent4">
                     <a:lumMod val="75000"/>
@@ -8081,7 +8097,7 @@
               <a:t> </a:t>
             </a:r>
             <a:r>
-              <a:rPr lang="hu-HU" sz="2400" b="1" err="1">
+              <a:rPr lang="hu-HU" sz="2400" b="1" dirty="0" err="1">
                 <a:solidFill>
                   <a:schemeClr val="accent4">
                     <a:lumMod val="75000"/>
@@ -8093,7 +8109,7 @@
               <a:t>only</a:t>
             </a:r>
             <a:r>
-              <a:rPr lang="hu-HU" sz="2400" b="1">
+              <a:rPr lang="hu-HU" sz="2400" b="1" dirty="0">
                 <a:solidFill>
                   <a:schemeClr val="accent4">
                     <a:lumMod val="75000"/>
@@ -8105,7 +8121,7 @@
               <a:t> </a:t>
             </a:r>
             <a:r>
-              <a:rPr lang="hu-HU" sz="2400" b="1" err="1">
+              <a:rPr lang="hu-HU" sz="2400" b="1" dirty="0" err="1">
                 <a:solidFill>
                   <a:schemeClr val="accent4">
                     <a:lumMod val="75000"/>
@@ -8117,7 +8133,7 @@
               <a:t>to</a:t>
             </a:r>
             <a:r>
-              <a:rPr lang="hu-HU" sz="2400" b="1">
+              <a:rPr lang="hu-HU" sz="2400" b="1" dirty="0">
                 <a:solidFill>
                   <a:schemeClr val="accent4">
                     <a:lumMod val="75000"/>
@@ -8129,7 +8145,7 @@
               <a:t> </a:t>
             </a:r>
             <a:r>
-              <a:rPr lang="hu-HU" sz="2400" b="1" err="1">
+              <a:rPr lang="hu-HU" sz="2400" b="1" dirty="0" err="1">
                 <a:solidFill>
                   <a:schemeClr val="accent4">
                     <a:lumMod val="75000"/>
@@ -8141,7 +8157,7 @@
               <a:t>administrators</a:t>
             </a:r>
             <a:r>
-              <a:rPr lang="hu-HU" sz="2400">
+              <a:rPr lang="hu-HU" sz="2400" dirty="0">
                 <a:solidFill>
                   <a:schemeClr val="accent4">
                     <a:lumMod val="75000"/>
@@ -8153,7 +8169,7 @@
               <a:t> and </a:t>
             </a:r>
             <a:r>
-              <a:rPr lang="hu-HU" sz="2400" err="1">
+              <a:rPr lang="hu-HU" sz="2400" dirty="0" err="1">
                 <a:solidFill>
                   <a:schemeClr val="accent4">
                     <a:lumMod val="75000"/>
@@ -8165,7 +8181,7 @@
               <a:t>allows</a:t>
             </a:r>
             <a:r>
-              <a:rPr lang="hu-HU" sz="2400">
+              <a:rPr lang="hu-HU" sz="2400" dirty="0">
                 <a:solidFill>
                   <a:schemeClr val="accent4">
                     <a:lumMod val="75000"/>
@@ -8177,7 +8193,7 @@
               <a:t> </a:t>
             </a:r>
             <a:r>
-              <a:rPr lang="hu-HU" sz="2400" err="1">
+              <a:rPr lang="hu-HU" sz="2400" dirty="0" err="1">
                 <a:solidFill>
                   <a:schemeClr val="accent4">
                     <a:lumMod val="75000"/>
@@ -8189,7 +8205,7 @@
               <a:t>them</a:t>
             </a:r>
             <a:r>
-              <a:rPr lang="hu-HU" sz="2400">
+              <a:rPr lang="hu-HU" sz="2400" dirty="0">
                 <a:solidFill>
                   <a:schemeClr val="accent4">
                     <a:lumMod val="75000"/>
@@ -8201,7 +8217,7 @@
               <a:t> </a:t>
             </a:r>
             <a:r>
-              <a:rPr lang="hu-HU" sz="2400" err="1">
+              <a:rPr lang="hu-HU" sz="2400" dirty="0" err="1">
                 <a:solidFill>
                   <a:schemeClr val="accent4">
                     <a:lumMod val="75000"/>
@@ -8213,7 +8229,7 @@
               <a:t>to</a:t>
             </a:r>
             <a:r>
-              <a:rPr lang="hu-HU" sz="2400">
+              <a:rPr lang="hu-HU" sz="2400" dirty="0">
                 <a:solidFill>
                   <a:schemeClr val="accent4">
                     <a:lumMod val="75000"/>
@@ -8225,7 +8241,7 @@
               <a:t> </a:t>
             </a:r>
             <a:r>
-              <a:rPr lang="hu-HU" sz="2400" err="1">
+              <a:rPr lang="hu-HU" sz="2400" dirty="0" err="1">
                 <a:solidFill>
                   <a:schemeClr val="accent4">
                     <a:lumMod val="75000"/>
@@ -8237,7 +8253,7 @@
               <a:t>review</a:t>
             </a:r>
             <a:r>
-              <a:rPr lang="hu-HU" sz="2400">
+              <a:rPr lang="hu-HU" sz="2400" dirty="0">
                 <a:solidFill>
                   <a:schemeClr val="accent4">
                     <a:lumMod val="75000"/>
@@ -8249,7 +8265,7 @@
               <a:t> </a:t>
             </a:r>
             <a:r>
-              <a:rPr lang="hu-HU" sz="2400" err="1">
+              <a:rPr lang="hu-HU" sz="2400" dirty="0" err="1">
                 <a:solidFill>
                   <a:schemeClr val="accent4">
                     <a:lumMod val="75000"/>
@@ -8261,7 +8277,7 @@
               <a:t>user</a:t>
             </a:r>
             <a:r>
-              <a:rPr lang="hu-HU" sz="2400">
+              <a:rPr lang="hu-HU" sz="2400" dirty="0">
                 <a:solidFill>
                   <a:schemeClr val="accent4">
                     <a:lumMod val="75000"/>
@@ -8273,7 +8289,7 @@
               <a:t> </a:t>
             </a:r>
             <a:r>
-              <a:rPr lang="hu-HU" sz="2400" err="1">
+              <a:rPr lang="hu-HU" sz="2400" dirty="0" err="1">
                 <a:solidFill>
                   <a:schemeClr val="accent4">
                     <a:lumMod val="75000"/>
@@ -8285,7 +8301,7 @@
               <a:t>details</a:t>
             </a:r>
             <a:r>
-              <a:rPr lang="hu-HU" sz="2400">
+              <a:rPr lang="hu-HU" sz="2400" dirty="0">
                 <a:solidFill>
                   <a:schemeClr val="accent4">
                     <a:lumMod val="75000"/>
@@ -8297,7 +8313,7 @@
               <a:t> and </a:t>
             </a:r>
             <a:r>
-              <a:rPr lang="hu-HU" sz="2400" b="1" err="1">
+              <a:rPr lang="hu-HU" sz="2400" b="1" dirty="0" err="1">
                 <a:solidFill>
                   <a:schemeClr val="accent4">
                     <a:lumMod val="75000"/>
@@ -8309,7 +8325,7 @@
               <a:t>approve</a:t>
             </a:r>
             <a:r>
-              <a:rPr lang="hu-HU" sz="2400" b="1">
+              <a:rPr lang="hu-HU" sz="2400" b="1" dirty="0">
                 <a:solidFill>
                   <a:schemeClr val="accent4">
                     <a:lumMod val="75000"/>
@@ -8321,7 +8337,7 @@
               <a:t> account </a:t>
             </a:r>
             <a:r>
-              <a:rPr lang="hu-HU" sz="2400" b="1" err="1">
+              <a:rPr lang="hu-HU" sz="2400" b="1" dirty="0" err="1">
                 <a:solidFill>
                   <a:schemeClr val="accent4">
                     <a:lumMod val="75000"/>
@@ -8332,7 +8348,7 @@
               </a:rPr>
               <a:t>confirmations</a:t>
             </a:r>
-            <a:endParaRPr lang="hu-HU" err="1">
+            <a:endParaRPr lang="hu-HU" dirty="0">
               <a:solidFill>
                 <a:schemeClr val="accent4">
                   <a:lumMod val="75000"/>
@@ -8342,7 +8358,7 @@
           </a:p>
           <a:p>
             <a:r>
-              <a:rPr lang="hu-HU" sz="2400">
+              <a:rPr lang="hu-HU" sz="2400" dirty="0">
                 <a:solidFill>
                   <a:schemeClr val="accent4">
                     <a:lumMod val="75000"/>
@@ -8384,6 +8400,14 @@
           <a:prstGeom prst="rect">
             <a:avLst/>
           </a:prstGeom>
+          <a:ln w="38100">
+            <a:solidFill>
+              <a:schemeClr val="accent1">
+                <a:lumMod val="40000"/>
+                <a:lumOff val="60000"/>
+              </a:schemeClr>
+            </a:solidFill>
+          </a:ln>
         </p:spPr>
       </p:pic>
     </p:spTree>
@@ -8594,7 +8618,7 @@
         </p:nvSpPr>
         <p:spPr>
           <a:xfrm>
-            <a:off x="269440" y="1128660"/>
+            <a:off x="201707" y="893608"/>
             <a:ext cx="5332785" cy="1569660"/>
           </a:xfrm>
           <a:prstGeom prst="rect">
@@ -8612,7 +8636,7 @@
               <a:buFont typeface="Arial" panose="020B0604020202020204" pitchFamily="34" charset="0"/>
               <a:buChar char="•"/>
             </a:pPr>
-            <a:endParaRPr lang="hu-HU" sz="2400">
+            <a:endParaRPr lang="hu-HU" sz="2400" dirty="0">
               <a:solidFill>
                 <a:schemeClr val="accent4">
                   <a:lumMod val="75000"/>
@@ -8623,6 +8647,10 @@
             </a:endParaRPr>
           </a:p>
           <a:p>
+            <a:pPr marL="342900" indent="-342900">
+              <a:buFont typeface="Arial" panose="020B0604020202020204" pitchFamily="34" charset="0"/>
+              <a:buChar char="•"/>
+            </a:pPr>
             <a:r>
               <a:rPr lang="hu-HU" sz="2400" dirty="0">
                 <a:solidFill>
@@ -8660,7 +8688,7 @@
               <a:t> is </a:t>
             </a:r>
             <a:r>
-              <a:rPr lang="hu-HU" sz="2400" err="1">
+              <a:rPr lang="hu-HU" sz="2400" dirty="0" err="1">
                 <a:solidFill>
                   <a:schemeClr val="accent4">
                     <a:lumMod val="75000"/>
@@ -8684,7 +8712,7 @@
               <a:t> </a:t>
             </a:r>
             <a:r>
-              <a:rPr lang="hu-HU" sz="2400" err="1">
+              <a:rPr lang="hu-HU" sz="2400" dirty="0" err="1">
                 <a:solidFill>
                   <a:schemeClr val="accent4">
                     <a:lumMod val="75000"/>
@@ -8708,7 +8736,7 @@
               <a:t> </a:t>
             </a:r>
             <a:r>
-              <a:rPr lang="hu-HU" sz="2400" err="1">
+              <a:rPr lang="hu-HU" sz="2400" dirty="0" err="1">
                 <a:solidFill>
                   <a:schemeClr val="accent4">
                     <a:lumMod val="75000"/>
@@ -8756,7 +8784,7 @@
               <a:t> (</a:t>
             </a:r>
             <a:r>
-              <a:rPr lang="hu-HU" sz="2400" err="1">
+              <a:rPr lang="hu-HU" sz="2400" dirty="0" err="1">
                 <a:solidFill>
                   <a:schemeClr val="accent4">
                     <a:lumMod val="75000"/>
@@ -8827,12 +8855,20 @@
         </p:blipFill>
         <p:spPr>
           <a:xfrm>
-            <a:off x="5532786" y="1714435"/>
+            <a:off x="5064791" y="2405649"/>
             <a:ext cx="6658757" cy="1153568"/>
           </a:xfrm>
           <a:prstGeom prst="rect">
             <a:avLst/>
           </a:prstGeom>
+          <a:ln w="38100">
+            <a:solidFill>
+              <a:schemeClr val="accent1">
+                <a:lumMod val="40000"/>
+                <a:lumOff val="60000"/>
+              </a:schemeClr>
+            </a:solidFill>
+          </a:ln>
         </p:spPr>
       </p:pic>
       <p:sp>
@@ -8849,7 +8885,7 @@
         </p:nvSpPr>
         <p:spPr>
           <a:xfrm>
-            <a:off x="7765316" y="1252296"/>
+            <a:off x="1406849" y="2702832"/>
             <a:ext cx="2202717" cy="461665"/>
           </a:xfrm>
           <a:prstGeom prst="rect">
@@ -8921,12 +8957,20 @@
         </p:blipFill>
         <p:spPr>
           <a:xfrm>
-            <a:off x="5790220" y="4116758"/>
+            <a:off x="5935133" y="4047924"/>
             <a:ext cx="4181475" cy="628650"/>
           </a:xfrm>
           <a:prstGeom prst="rect">
             <a:avLst/>
           </a:prstGeom>
+          <a:ln w="38100">
+            <a:solidFill>
+              <a:schemeClr val="accent1">
+                <a:lumMod val="40000"/>
+                <a:lumOff val="60000"/>
+              </a:schemeClr>
+            </a:solidFill>
+          </a:ln>
         </p:spPr>
       </p:pic>
       <p:pic>
@@ -8951,12 +8995,20 @@
         </p:blipFill>
         <p:spPr>
           <a:xfrm>
-            <a:off x="4362777" y="5163203"/>
+            <a:off x="4808006" y="5165281"/>
             <a:ext cx="7172325" cy="866775"/>
           </a:xfrm>
           <a:prstGeom prst="rect">
             <a:avLst/>
           </a:prstGeom>
+          <a:ln w="38100">
+            <a:solidFill>
+              <a:schemeClr val="accent1">
+                <a:lumMod val="40000"/>
+                <a:lumOff val="60000"/>
+              </a:schemeClr>
+            </a:solidFill>
+          </a:ln>
         </p:spPr>
       </p:pic>
       <p:sp>
@@ -8973,7 +9025,7 @@
         </p:nvSpPr>
         <p:spPr>
           <a:xfrm>
-            <a:off x="144179" y="4625509"/>
+            <a:off x="1281058" y="4226122"/>
             <a:ext cx="3526950" cy="461665"/>
           </a:xfrm>
           <a:prstGeom prst="rect">
@@ -9193,7 +9245,7 @@
           <a:p>
             <a:pPr algn="ctr"/>
             <a:r>
-              <a:rPr lang="hu-HU" sz="4400" b="1">
+              <a:rPr lang="hu-HU" sz="4400" b="1" dirty="0">
                 <a:ln w="6350">
                   <a:solidFill>
                     <a:schemeClr val="accent1">
@@ -9209,7 +9261,7 @@
               <a:t>Project </a:t>
             </a:r>
             <a:r>
-              <a:rPr lang="hu-HU" sz="4400" b="1" err="1">
+              <a:rPr lang="hu-HU" sz="4400" b="1" dirty="0" err="1">
                 <a:ln w="6350">
                   <a:solidFill>
                     <a:schemeClr val="accent1">
@@ -9224,7 +9276,7 @@
               </a:rPr>
               <a:t>introduction</a:t>
             </a:r>
-            <a:endParaRPr lang="hu-HU" sz="4400" b="1" err="1">
+            <a:endParaRPr lang="hu-HU" sz="4400" b="1" dirty="0">
               <a:ln w="6350">
                 <a:solidFill>
                   <a:schemeClr val="accent1">
@@ -11746,7 +11798,7 @@
               <a:buChar char="•"/>
             </a:pPr>
             <a:r>
-              <a:rPr lang="hu-HU" sz="2400" b="1">
+              <a:rPr lang="hu-HU" sz="2400" b="1" dirty="0">
                 <a:solidFill>
                   <a:schemeClr val="accent4">
                     <a:lumMod val="75000"/>
@@ -11756,7 +11808,7 @@
               <a:t>HTML5</a:t>
             </a:r>
             <a:r>
-              <a:rPr lang="hu-HU" sz="2400">
+              <a:rPr lang="hu-HU" sz="2400" dirty="0">
                 <a:solidFill>
                   <a:schemeClr val="accent4">
                     <a:lumMod val="75000"/>
@@ -11766,7 +11818,7 @@
               <a:t>: A web </a:t>
             </a:r>
             <a:r>
-              <a:rPr lang="hu-HU" sz="2400" err="1">
+              <a:rPr lang="hu-HU" sz="2400" dirty="0" err="1">
                 <a:solidFill>
                   <a:schemeClr val="accent4">
                     <a:lumMod val="75000"/>
@@ -11776,17 +11828,17 @@
               <a:t>page</a:t>
             </a:r>
             <a:r>
-              <a:rPr lang="hu-HU" sz="2400">
-                <a:solidFill>
-                  <a:schemeClr val="accent4">
-                    <a:lumMod val="75000"/>
-                  </a:schemeClr>
-                </a:solidFill>
-              </a:rPr>
-              <a:t> </a:t>
-            </a:r>
-            <a:r>
-              <a:rPr lang="hu-HU" sz="2400" err="1">
+              <a:rPr lang="hu-HU" sz="2400" dirty="0">
+                <a:solidFill>
+                  <a:schemeClr val="accent4">
+                    <a:lumMod val="75000"/>
+                  </a:schemeClr>
+                </a:solidFill>
+              </a:rPr>
+              <a:t> </a:t>
+            </a:r>
+            <a:r>
+              <a:rPr lang="hu-HU" sz="2400" dirty="0" err="1">
                 <a:solidFill>
                   <a:schemeClr val="accent4">
                     <a:lumMod val="75000"/>
@@ -11796,17 +11848,17 @@
               <a:t>creation</a:t>
             </a:r>
             <a:r>
-              <a:rPr lang="hu-HU" sz="2400">
-                <a:solidFill>
-                  <a:schemeClr val="accent4">
-                    <a:lumMod val="75000"/>
-                  </a:schemeClr>
-                </a:solidFill>
-              </a:rPr>
-              <a:t> </a:t>
-            </a:r>
-            <a:r>
-              <a:rPr lang="hu-HU" sz="2400" err="1">
+              <a:rPr lang="hu-HU" sz="2400" dirty="0">
+                <a:solidFill>
+                  <a:schemeClr val="accent4">
+                    <a:lumMod val="75000"/>
+                  </a:schemeClr>
+                </a:solidFill>
+              </a:rPr>
+              <a:t> </a:t>
+            </a:r>
+            <a:r>
+              <a:rPr lang="hu-HU" sz="2400" dirty="0" err="1">
                 <a:solidFill>
                   <a:schemeClr val="accent4">
                     <a:lumMod val="75000"/>
@@ -11816,7 +11868,7 @@
               <a:t>language</a:t>
             </a:r>
             <a:r>
-              <a:rPr lang="hu-HU" sz="2400">
+              <a:rPr lang="hu-HU" sz="2400" dirty="0">
                 <a:solidFill>
                   <a:schemeClr val="accent4">
                     <a:lumMod val="75000"/>
@@ -11826,7 +11878,7 @@
               <a:t>, </a:t>
             </a:r>
             <a:r>
-              <a:rPr lang="hu-HU" sz="2400" err="1">
+              <a:rPr lang="hu-HU" sz="2400" dirty="0" err="1">
                 <a:solidFill>
                   <a:schemeClr val="accent4">
                     <a:lumMod val="75000"/>
@@ -11836,17 +11888,37 @@
               <a:t>which</a:t>
             </a:r>
             <a:r>
-              <a:rPr lang="hu-HU" sz="2400">
-                <a:solidFill>
-                  <a:schemeClr val="accent4">
-                    <a:lumMod val="75000"/>
-                  </a:schemeClr>
-                </a:solidFill>
-              </a:rPr>
-              <a:t> we </a:t>
-            </a:r>
-            <a:r>
-              <a:rPr lang="hu-HU" sz="2400" err="1">
+              <a:rPr lang="hu-HU" sz="2400" dirty="0">
+                <a:solidFill>
+                  <a:schemeClr val="accent4">
+                    <a:lumMod val="75000"/>
+                  </a:schemeClr>
+                </a:solidFill>
+              </a:rPr>
+              <a:t> </a:t>
+            </a:r>
+            <a:r>
+              <a:rPr lang="hu-HU" sz="2400" dirty="0" err="1">
+                <a:solidFill>
+                  <a:schemeClr val="accent4">
+                    <a:lumMod val="75000"/>
+                  </a:schemeClr>
+                </a:solidFill>
+              </a:rPr>
+              <a:t>we</a:t>
+            </a:r>
+            <a:r>
+              <a:rPr lang="hu-HU" sz="2400" dirty="0">
+                <a:solidFill>
+                  <a:schemeClr val="accent4">
+                    <a:lumMod val="75000"/>
+                  </a:schemeClr>
+                </a:solidFill>
+              </a:rPr>
+              <a:t> </a:t>
+            </a:r>
+            <a:r>
+              <a:rPr lang="hu-HU" sz="2400" dirty="0" err="1">
                 <a:solidFill>
                   <a:schemeClr val="accent4">
                     <a:lumMod val="75000"/>
@@ -11856,17 +11928,17 @@
               <a:t>used</a:t>
             </a:r>
             <a:r>
-              <a:rPr lang="hu-HU" sz="2400">
-                <a:solidFill>
-                  <a:schemeClr val="accent4">
-                    <a:lumMod val="75000"/>
-                  </a:schemeClr>
-                </a:solidFill>
-              </a:rPr>
-              <a:t> </a:t>
-            </a:r>
-            <a:r>
-              <a:rPr lang="hu-HU" sz="2400" err="1">
+              <a:rPr lang="hu-HU" sz="2400" dirty="0">
+                <a:solidFill>
+                  <a:schemeClr val="accent4">
+                    <a:lumMod val="75000"/>
+                  </a:schemeClr>
+                </a:solidFill>
+              </a:rPr>
+              <a:t> </a:t>
+            </a:r>
+            <a:r>
+              <a:rPr lang="hu-HU" sz="2400" dirty="0" err="1">
                 <a:solidFill>
                   <a:schemeClr val="accent4">
                     <a:lumMod val="75000"/>
@@ -11876,17 +11948,17 @@
               <a:t>to</a:t>
             </a:r>
             <a:r>
-              <a:rPr lang="hu-HU" sz="2400">
-                <a:solidFill>
-                  <a:schemeClr val="accent4">
-                    <a:lumMod val="75000"/>
-                  </a:schemeClr>
-                </a:solidFill>
-              </a:rPr>
-              <a:t> </a:t>
-            </a:r>
-            <a:r>
-              <a:rPr lang="hu-HU" sz="2400" err="1">
+              <a:rPr lang="hu-HU" sz="2400" dirty="0">
+                <a:solidFill>
+                  <a:schemeClr val="accent4">
+                    <a:lumMod val="75000"/>
+                  </a:schemeClr>
+                </a:solidFill>
+              </a:rPr>
+              <a:t> </a:t>
+            </a:r>
+            <a:r>
+              <a:rPr lang="hu-HU" sz="2400" dirty="0" err="1">
                 <a:solidFill>
                   <a:schemeClr val="accent4">
                     <a:lumMod val="75000"/>
@@ -11896,17 +11968,17 @@
               <a:t>create</a:t>
             </a:r>
             <a:r>
-              <a:rPr lang="hu-HU" sz="2400">
-                <a:solidFill>
-                  <a:schemeClr val="accent4">
-                    <a:lumMod val="75000"/>
-                  </a:schemeClr>
-                </a:solidFill>
-              </a:rPr>
-              <a:t> </a:t>
-            </a:r>
-            <a:r>
-              <a:rPr lang="hu-HU" sz="2400" err="1">
+              <a:rPr lang="hu-HU" sz="2400" dirty="0">
+                <a:solidFill>
+                  <a:schemeClr val="accent4">
+                    <a:lumMod val="75000"/>
+                  </a:schemeClr>
+                </a:solidFill>
+              </a:rPr>
+              <a:t> </a:t>
+            </a:r>
+            <a:r>
+              <a:rPr lang="hu-HU" sz="2400" dirty="0" err="1">
                 <a:solidFill>
                   <a:schemeClr val="accent4">
                     <a:lumMod val="75000"/>
@@ -11916,17 +11988,17 @@
               <a:t>the</a:t>
             </a:r>
             <a:r>
-              <a:rPr lang="hu-HU" sz="2400">
-                <a:solidFill>
-                  <a:schemeClr val="accent4">
-                    <a:lumMod val="75000"/>
-                  </a:schemeClr>
-                </a:solidFill>
-              </a:rPr>
-              <a:t> </a:t>
-            </a:r>
-            <a:r>
-              <a:rPr lang="hu-HU" sz="2400" err="1">
+              <a:rPr lang="hu-HU" sz="2400" dirty="0">
+                <a:solidFill>
+                  <a:schemeClr val="accent4">
+                    <a:lumMod val="75000"/>
+                  </a:schemeClr>
+                </a:solidFill>
+              </a:rPr>
+              <a:t> </a:t>
+            </a:r>
+            <a:r>
+              <a:rPr lang="hu-HU" sz="2400" dirty="0" err="1">
                 <a:solidFill>
                   <a:schemeClr val="accent4">
                     <a:lumMod val="75000"/>
@@ -11936,7 +12008,7 @@
               <a:t>framework</a:t>
             </a:r>
             <a:r>
-              <a:rPr lang="hu-HU" sz="2400">
+              <a:rPr lang="hu-HU" sz="2400" dirty="0">
                 <a:solidFill>
                   <a:schemeClr val="accent4">
                     <a:lumMod val="75000"/>
@@ -11946,7 +12018,7 @@
               <a:t> of </a:t>
             </a:r>
             <a:r>
-              <a:rPr lang="hu-HU" sz="2400" err="1">
+              <a:rPr lang="hu-HU" sz="2400" dirty="0" err="1">
                 <a:solidFill>
                   <a:schemeClr val="accent4">
                     <a:lumMod val="75000"/>
@@ -11956,7 +12028,7 @@
               <a:t>the</a:t>
             </a:r>
             <a:r>
-              <a:rPr lang="hu-HU" sz="2400">
+              <a:rPr lang="hu-HU" sz="2400" dirty="0">
                 <a:solidFill>
                   <a:schemeClr val="accent4">
                     <a:lumMod val="75000"/>
@@ -12001,7 +12073,7 @@
               <a:buChar char="•"/>
             </a:pPr>
             <a:r>
-              <a:rPr lang="hu-HU" sz="2400" b="1">
+              <a:rPr lang="hu-HU" sz="2400" b="1" dirty="0">
                 <a:solidFill>
                   <a:schemeClr val="accent4">
                     <a:lumMod val="75000"/>
@@ -12011,7 +12083,7 @@
               <a:t>CSS3: </a:t>
             </a:r>
             <a:r>
-              <a:rPr lang="hu-HU" sz="2400">
+              <a:rPr lang="hu-HU" sz="2400" dirty="0">
                 <a:solidFill>
                   <a:schemeClr val="accent4">
                     <a:lumMod val="75000"/>
@@ -12021,7 +12093,7 @@
               <a:t>A </a:t>
             </a:r>
             <a:r>
-              <a:rPr lang="hu-HU" sz="2400" err="1">
+              <a:rPr lang="hu-HU" sz="2400" dirty="0" err="1">
                 <a:solidFill>
                   <a:schemeClr val="accent4">
                     <a:lumMod val="75000"/>
@@ -12031,17 +12103,17 @@
               <a:t>style</a:t>
             </a:r>
             <a:r>
-              <a:rPr lang="hu-HU" sz="2400">
-                <a:solidFill>
-                  <a:schemeClr val="accent4">
-                    <a:lumMod val="75000"/>
-                  </a:schemeClr>
-                </a:solidFill>
-              </a:rPr>
-              <a:t> </a:t>
-            </a:r>
-            <a:r>
-              <a:rPr lang="hu-HU" sz="2400" err="1">
+              <a:rPr lang="hu-HU" sz="2400" dirty="0">
+                <a:solidFill>
+                  <a:schemeClr val="accent4">
+                    <a:lumMod val="75000"/>
+                  </a:schemeClr>
+                </a:solidFill>
+              </a:rPr>
+              <a:t> </a:t>
+            </a:r>
+            <a:r>
+              <a:rPr lang="hu-HU" sz="2400" dirty="0" err="1">
                 <a:solidFill>
                   <a:schemeClr val="accent4">
                     <a:lumMod val="75000"/>
@@ -12051,17 +12123,17 @@
               <a:t>managment</a:t>
             </a:r>
             <a:r>
-              <a:rPr lang="hu-HU" sz="2400">
-                <a:solidFill>
-                  <a:schemeClr val="accent4">
-                    <a:lumMod val="75000"/>
-                  </a:schemeClr>
-                </a:solidFill>
-              </a:rPr>
-              <a:t> </a:t>
-            </a:r>
-            <a:r>
-              <a:rPr lang="hu-HU" sz="2400" err="1">
+              <a:rPr lang="hu-HU" sz="2400" dirty="0">
+                <a:solidFill>
+                  <a:schemeClr val="accent4">
+                    <a:lumMod val="75000"/>
+                  </a:schemeClr>
+                </a:solidFill>
+              </a:rPr>
+              <a:t> </a:t>
+            </a:r>
+            <a:r>
+              <a:rPr lang="hu-HU" sz="2400" dirty="0" err="1">
                 <a:solidFill>
                   <a:schemeClr val="accent4">
                     <a:lumMod val="75000"/>
@@ -12071,17 +12143,17 @@
               <a:t>language</a:t>
             </a:r>
             <a:r>
-              <a:rPr lang="hu-HU" sz="2400">
-                <a:solidFill>
-                  <a:schemeClr val="accent4">
-                    <a:lumMod val="75000"/>
-                  </a:schemeClr>
-                </a:solidFill>
-              </a:rPr>
-              <a:t> </a:t>
-            </a:r>
-            <a:r>
-              <a:rPr lang="hu-HU" sz="2400" err="1">
+              <a:rPr lang="hu-HU" sz="2400" dirty="0">
+                <a:solidFill>
+                  <a:schemeClr val="accent4">
+                    <a:lumMod val="75000"/>
+                  </a:schemeClr>
+                </a:solidFill>
+              </a:rPr>
+              <a:t> </a:t>
+            </a:r>
+            <a:r>
+              <a:rPr lang="hu-HU" sz="2400" dirty="0" err="1">
                 <a:solidFill>
                   <a:schemeClr val="accent4">
                     <a:lumMod val="75000"/>
@@ -12091,17 +12163,37 @@
               <a:t>that</a:t>
             </a:r>
             <a:r>
-              <a:rPr lang="hu-HU" sz="2400">
-                <a:solidFill>
-                  <a:schemeClr val="accent4">
-                    <a:lumMod val="75000"/>
-                  </a:schemeClr>
-                </a:solidFill>
-              </a:rPr>
-              <a:t> we </a:t>
-            </a:r>
-            <a:r>
-              <a:rPr lang="hu-HU" sz="2400" err="1">
+              <a:rPr lang="hu-HU" sz="2400" dirty="0">
+                <a:solidFill>
+                  <a:schemeClr val="accent4">
+                    <a:lumMod val="75000"/>
+                  </a:schemeClr>
+                </a:solidFill>
+              </a:rPr>
+              <a:t> </a:t>
+            </a:r>
+            <a:r>
+              <a:rPr lang="hu-HU" sz="2400" dirty="0" err="1">
+                <a:solidFill>
+                  <a:schemeClr val="accent4">
+                    <a:lumMod val="75000"/>
+                  </a:schemeClr>
+                </a:solidFill>
+              </a:rPr>
+              <a:t>we</a:t>
+            </a:r>
+            <a:r>
+              <a:rPr lang="hu-HU" sz="2400" dirty="0">
+                <a:solidFill>
+                  <a:schemeClr val="accent4">
+                    <a:lumMod val="75000"/>
+                  </a:schemeClr>
+                </a:solidFill>
+              </a:rPr>
+              <a:t> </a:t>
+            </a:r>
+            <a:r>
+              <a:rPr lang="hu-HU" sz="2400" dirty="0" err="1">
                 <a:solidFill>
                   <a:schemeClr val="accent4">
                     <a:lumMod val="75000"/>
@@ -12111,17 +12203,17 @@
               <a:t>used</a:t>
             </a:r>
             <a:r>
-              <a:rPr lang="hu-HU" sz="2400">
-                <a:solidFill>
-                  <a:schemeClr val="accent4">
-                    <a:lumMod val="75000"/>
-                  </a:schemeClr>
-                </a:solidFill>
-              </a:rPr>
-              <a:t> </a:t>
-            </a:r>
-            <a:r>
-              <a:rPr lang="hu-HU" sz="2400" err="1">
+              <a:rPr lang="hu-HU" sz="2400" dirty="0">
+                <a:solidFill>
+                  <a:schemeClr val="accent4">
+                    <a:lumMod val="75000"/>
+                  </a:schemeClr>
+                </a:solidFill>
+              </a:rPr>
+              <a:t> </a:t>
+            </a:r>
+            <a:r>
+              <a:rPr lang="hu-HU" sz="2400" dirty="0" err="1">
                 <a:solidFill>
                   <a:schemeClr val="accent4">
                     <a:lumMod val="75000"/>
@@ -12131,17 +12223,17 @@
               <a:t>to</a:t>
             </a:r>
             <a:r>
-              <a:rPr lang="hu-HU" sz="2400">
-                <a:solidFill>
-                  <a:schemeClr val="accent4">
-                    <a:lumMod val="75000"/>
-                  </a:schemeClr>
-                </a:solidFill>
-              </a:rPr>
-              <a:t> </a:t>
-            </a:r>
-            <a:r>
-              <a:rPr lang="hu-HU" sz="2400" err="1">
+              <a:rPr lang="hu-HU" sz="2400" dirty="0">
+                <a:solidFill>
+                  <a:schemeClr val="accent4">
+                    <a:lumMod val="75000"/>
+                  </a:schemeClr>
+                </a:solidFill>
+              </a:rPr>
+              <a:t> </a:t>
+            </a:r>
+            <a:r>
+              <a:rPr lang="hu-HU" sz="2400" dirty="0" err="1">
                 <a:solidFill>
                   <a:schemeClr val="accent4">
                     <a:lumMod val="75000"/>
@@ -12151,17 +12243,17 @@
               <a:t>create</a:t>
             </a:r>
             <a:r>
-              <a:rPr lang="hu-HU" sz="2400">
-                <a:solidFill>
-                  <a:schemeClr val="accent4">
-                    <a:lumMod val="75000"/>
-                  </a:schemeClr>
-                </a:solidFill>
-              </a:rPr>
-              <a:t> </a:t>
-            </a:r>
-            <a:r>
-              <a:rPr lang="hu-HU" sz="2400" err="1">
+              <a:rPr lang="hu-HU" sz="2400" dirty="0">
+                <a:solidFill>
+                  <a:schemeClr val="accent4">
+                    <a:lumMod val="75000"/>
+                  </a:schemeClr>
+                </a:solidFill>
+              </a:rPr>
+              <a:t> </a:t>
+            </a:r>
+            <a:r>
+              <a:rPr lang="hu-HU" sz="2400" dirty="0" err="1">
                 <a:solidFill>
                   <a:schemeClr val="accent4">
                     <a:lumMod val="75000"/>
@@ -12171,17 +12263,17 @@
               <a:t>the</a:t>
             </a:r>
             <a:r>
-              <a:rPr lang="hu-HU" sz="2400">
-                <a:solidFill>
-                  <a:schemeClr val="accent4">
-                    <a:lumMod val="75000"/>
-                  </a:schemeClr>
-                </a:solidFill>
-              </a:rPr>
-              <a:t> </a:t>
-            </a:r>
-            <a:r>
-              <a:rPr lang="hu-HU" sz="2400" err="1">
+              <a:rPr lang="hu-HU" sz="2400" dirty="0">
+                <a:solidFill>
+                  <a:schemeClr val="accent4">
+                    <a:lumMod val="75000"/>
+                  </a:schemeClr>
+                </a:solidFill>
+              </a:rPr>
+              <a:t> </a:t>
+            </a:r>
+            <a:r>
+              <a:rPr lang="hu-HU" sz="2400" dirty="0" err="1">
                 <a:solidFill>
                   <a:schemeClr val="accent4">
                     <a:lumMod val="75000"/>
@@ -12191,7 +12283,7 @@
               <a:t>interface</a:t>
             </a:r>
             <a:r>
-              <a:rPr lang="hu-HU" sz="2400">
+              <a:rPr lang="hu-HU" sz="2400" dirty="0">
                 <a:solidFill>
                   <a:schemeClr val="accent4">
                     <a:lumMod val="75000"/>
@@ -12201,7 +12293,7 @@
               <a:t> of </a:t>
             </a:r>
             <a:r>
-              <a:rPr lang="hu-HU" sz="2400" err="1">
+              <a:rPr lang="hu-HU" sz="2400" dirty="0" err="1">
                 <a:solidFill>
                   <a:schemeClr val="accent4">
                     <a:lumMod val="75000"/>
@@ -12211,7 +12303,7 @@
               <a:t>the</a:t>
             </a:r>
             <a:r>
-              <a:rPr lang="hu-HU" sz="2400">
+              <a:rPr lang="hu-HU" sz="2400" dirty="0">
                 <a:solidFill>
                   <a:schemeClr val="accent4">
                     <a:lumMod val="75000"/>
@@ -12256,7 +12348,7 @@
               <a:buChar char="•"/>
             </a:pPr>
             <a:r>
-              <a:rPr lang="hu-HU" sz="2400" b="1">
+              <a:rPr lang="hu-HU" sz="2400" b="1" dirty="0">
                 <a:solidFill>
                   <a:schemeClr val="accent4">
                     <a:lumMod val="75000"/>
@@ -12266,7 +12358,7 @@
               <a:t>JavaScript: </a:t>
             </a:r>
             <a:r>
-              <a:rPr lang="hu-HU" sz="2400">
+              <a:rPr lang="hu-HU" sz="2400" dirty="0">
                 <a:solidFill>
                   <a:schemeClr val="accent4">
                     <a:lumMod val="75000"/>
@@ -12276,7 +12368,7 @@
               <a:t>A </a:t>
             </a:r>
             <a:r>
-              <a:rPr lang="hu-HU" sz="2400" err="1">
+              <a:rPr lang="hu-HU" sz="2400" dirty="0" err="1">
                 <a:solidFill>
                   <a:schemeClr val="accent4">
                     <a:lumMod val="75000"/>
@@ -12286,17 +12378,17 @@
               <a:t>language</a:t>
             </a:r>
             <a:r>
-              <a:rPr lang="hu-HU" sz="2400">
-                <a:solidFill>
-                  <a:schemeClr val="accent4">
-                    <a:lumMod val="75000"/>
-                  </a:schemeClr>
-                </a:solidFill>
-              </a:rPr>
-              <a:t> </a:t>
-            </a:r>
-            <a:r>
-              <a:rPr lang="hu-HU" sz="2400" err="1">
+              <a:rPr lang="hu-HU" sz="2400" dirty="0">
+                <a:solidFill>
+                  <a:schemeClr val="accent4">
+                    <a:lumMod val="75000"/>
+                  </a:schemeClr>
+                </a:solidFill>
+              </a:rPr>
+              <a:t> </a:t>
+            </a:r>
+            <a:r>
+              <a:rPr lang="hu-HU" sz="2400" dirty="0" err="1">
                 <a:solidFill>
                   <a:schemeClr val="accent4">
                     <a:lumMod val="75000"/>
@@ -12306,17 +12398,17 @@
               <a:t>used</a:t>
             </a:r>
             <a:r>
-              <a:rPr lang="hu-HU" sz="2400">
-                <a:solidFill>
-                  <a:schemeClr val="accent4">
-                    <a:lumMod val="75000"/>
-                  </a:schemeClr>
-                </a:solidFill>
-              </a:rPr>
-              <a:t> </a:t>
-            </a:r>
-            <a:r>
-              <a:rPr lang="hu-HU" sz="2400" err="1">
+              <a:rPr lang="hu-HU" sz="2400" dirty="0">
+                <a:solidFill>
+                  <a:schemeClr val="accent4">
+                    <a:lumMod val="75000"/>
+                  </a:schemeClr>
+                </a:solidFill>
+              </a:rPr>
+              <a:t> </a:t>
+            </a:r>
+            <a:r>
+              <a:rPr lang="hu-HU" sz="2400" dirty="0" err="1">
                 <a:solidFill>
                   <a:schemeClr val="accent4">
                     <a:lumMod val="75000"/>
@@ -12326,17 +12418,17 @@
               <a:t>to</a:t>
             </a:r>
             <a:r>
-              <a:rPr lang="hu-HU" sz="2400">
-                <a:solidFill>
-                  <a:schemeClr val="accent4">
-                    <a:lumMod val="75000"/>
-                  </a:schemeClr>
-                </a:solidFill>
-              </a:rPr>
-              <a:t> </a:t>
-            </a:r>
-            <a:r>
-              <a:rPr lang="hu-HU" sz="2400" err="1">
+              <a:rPr lang="hu-HU" sz="2400" dirty="0">
+                <a:solidFill>
+                  <a:schemeClr val="accent4">
+                    <a:lumMod val="75000"/>
+                  </a:schemeClr>
+                </a:solidFill>
+              </a:rPr>
+              <a:t> </a:t>
+            </a:r>
+            <a:r>
+              <a:rPr lang="hu-HU" sz="2400" dirty="0" err="1">
                 <a:solidFill>
                   <a:schemeClr val="accent4">
                     <a:lumMod val="75000"/>
@@ -12346,17 +12438,17 @@
               <a:t>make</a:t>
             </a:r>
             <a:r>
-              <a:rPr lang="hu-HU" sz="2400">
-                <a:solidFill>
-                  <a:schemeClr val="accent4">
-                    <a:lumMod val="75000"/>
-                  </a:schemeClr>
-                </a:solidFill>
-              </a:rPr>
-              <a:t> </a:t>
-            </a:r>
-            <a:r>
-              <a:rPr lang="hu-HU" sz="2400" err="1">
+              <a:rPr lang="hu-HU" sz="2400" dirty="0">
+                <a:solidFill>
+                  <a:schemeClr val="accent4">
+                    <a:lumMod val="75000"/>
+                  </a:schemeClr>
+                </a:solidFill>
+              </a:rPr>
+              <a:t> </a:t>
+            </a:r>
+            <a:r>
+              <a:rPr lang="hu-HU" sz="2400" dirty="0" err="1">
                 <a:solidFill>
                   <a:schemeClr val="accent4">
                     <a:lumMod val="75000"/>
@@ -12366,7 +12458,7 @@
               <a:t>the</a:t>
             </a:r>
             <a:r>
-              <a:rPr lang="hu-HU" sz="2400">
+              <a:rPr lang="hu-HU" sz="2400" dirty="0">
                 <a:solidFill>
                   <a:schemeClr val="accent4">
                     <a:lumMod val="75000"/>
@@ -12376,7 +12468,7 @@
               <a:t> website </a:t>
             </a:r>
             <a:r>
-              <a:rPr lang="hu-HU" sz="2400" err="1">
+              <a:rPr lang="hu-HU" sz="2400" dirty="0" err="1">
                 <a:solidFill>
                   <a:schemeClr val="accent4">
                     <a:lumMod val="75000"/>
@@ -12386,7 +12478,7 @@
               <a:t>dynamic</a:t>
             </a:r>
             <a:r>
-              <a:rPr lang="hu-HU" sz="2400">
+              <a:rPr lang="hu-HU" sz="2400" dirty="0">
                 <a:solidFill>
                   <a:schemeClr val="accent4">
                     <a:lumMod val="75000"/>
@@ -12396,7 +12488,7 @@
               <a:t> and </a:t>
             </a:r>
             <a:r>
-              <a:rPr lang="hu-HU" sz="2400" err="1">
+              <a:rPr lang="hu-HU" sz="2400" dirty="0" err="1">
                 <a:solidFill>
                   <a:schemeClr val="accent4">
                     <a:lumMod val="75000"/>
@@ -12406,17 +12498,17 @@
               <a:t>manage</a:t>
             </a:r>
             <a:r>
-              <a:rPr lang="hu-HU" sz="2400">
-                <a:solidFill>
-                  <a:schemeClr val="accent4">
-                    <a:lumMod val="75000"/>
-                  </a:schemeClr>
-                </a:solidFill>
-              </a:rPr>
-              <a:t> </a:t>
-            </a:r>
-            <a:r>
-              <a:rPr lang="hu-HU" sz="2400" err="1">
+              <a:rPr lang="hu-HU" sz="2400" dirty="0">
+                <a:solidFill>
+                  <a:schemeClr val="accent4">
+                    <a:lumMod val="75000"/>
+                  </a:schemeClr>
+                </a:solidFill>
+              </a:rPr>
+              <a:t> </a:t>
+            </a:r>
+            <a:r>
+              <a:rPr lang="hu-HU" sz="2400" dirty="0" err="1">
                 <a:solidFill>
                   <a:schemeClr val="accent4">
                     <a:lumMod val="75000"/>
@@ -12426,17 +12518,17 @@
               <a:t>It’s</a:t>
             </a:r>
             <a:r>
-              <a:rPr lang="hu-HU" sz="2400">
-                <a:solidFill>
-                  <a:schemeClr val="accent4">
-                    <a:lumMod val="75000"/>
-                  </a:schemeClr>
-                </a:solidFill>
-              </a:rPr>
-              <a:t> </a:t>
-            </a:r>
-            <a:r>
-              <a:rPr lang="hu-HU" sz="2400" err="1">
+              <a:rPr lang="hu-HU" sz="2400" dirty="0">
+                <a:solidFill>
+                  <a:schemeClr val="accent4">
+                    <a:lumMod val="75000"/>
+                  </a:schemeClr>
+                </a:solidFill>
+              </a:rPr>
+              <a:t> </a:t>
+            </a:r>
+            <a:r>
+              <a:rPr lang="hu-HU" sz="2400" dirty="0" err="1">
                 <a:solidFill>
                   <a:schemeClr val="accent4">
                     <a:lumMod val="75000"/>
@@ -12446,7 +12538,7 @@
               <a:t>events</a:t>
             </a:r>
             <a:r>
-              <a:rPr lang="hu-HU" sz="2400">
+              <a:rPr lang="hu-HU" sz="2400" dirty="0">
                 <a:solidFill>
                   <a:schemeClr val="accent4">
                     <a:lumMod val="75000"/>
@@ -12976,7 +13068,7 @@
               <a:buChar char="•"/>
             </a:pPr>
             <a:r>
-              <a:rPr lang="hu-HU" sz="2400" b="1">
+              <a:rPr lang="hu-HU" sz="2400" b="1" dirty="0">
                 <a:solidFill>
                   <a:schemeClr val="accent4">
                     <a:lumMod val="75000"/>
@@ -12986,7 +13078,7 @@
               <a:t>GitHub</a:t>
             </a:r>
             <a:r>
-              <a:rPr lang="hu-HU" sz="2400">
+              <a:rPr lang="hu-HU" sz="2400" dirty="0">
                 <a:solidFill>
                   <a:schemeClr val="accent4">
                     <a:lumMod val="75000"/>
@@ -12996,7 +13088,7 @@
               <a:t>: Version </a:t>
             </a:r>
             <a:r>
-              <a:rPr lang="hu-HU" sz="2400" err="1">
+              <a:rPr lang="hu-HU" sz="2400" dirty="0" err="1">
                 <a:solidFill>
                   <a:schemeClr val="accent4">
                     <a:lumMod val="75000"/>
@@ -13006,7 +13098,7 @@
               <a:t>managment</a:t>
             </a:r>
             <a:r>
-              <a:rPr lang="hu-HU" sz="2400">
+              <a:rPr lang="hu-HU" sz="2400" dirty="0">
                 <a:solidFill>
                   <a:schemeClr val="accent4">
                     <a:lumMod val="75000"/>
@@ -13016,7 +13108,7 @@
               <a:t> web </a:t>
             </a:r>
             <a:r>
-              <a:rPr lang="hu-HU" sz="2400" err="1">
+              <a:rPr lang="hu-HU" sz="2400" dirty="0" err="1">
                 <a:solidFill>
                   <a:schemeClr val="accent4">
                     <a:lumMod val="75000"/>
@@ -13026,17 +13118,17 @@
               <a:t>or</a:t>
             </a:r>
             <a:r>
-              <a:rPr lang="hu-HU" sz="2400">
-                <a:solidFill>
-                  <a:schemeClr val="accent4">
-                    <a:lumMod val="75000"/>
-                  </a:schemeClr>
-                </a:solidFill>
-              </a:rPr>
-              <a:t> </a:t>
-            </a:r>
-            <a:r>
-              <a:rPr lang="hu-HU" sz="2400" err="1">
+              <a:rPr lang="hu-HU" sz="2400" dirty="0">
+                <a:solidFill>
+                  <a:schemeClr val="accent4">
+                    <a:lumMod val="75000"/>
+                  </a:schemeClr>
+                </a:solidFill>
+              </a:rPr>
+              <a:t> </a:t>
+            </a:r>
+            <a:r>
+              <a:rPr lang="hu-HU" sz="2400" dirty="0" err="1">
                 <a:solidFill>
                   <a:schemeClr val="accent4">
                     <a:lumMod val="75000"/>
@@ -13046,17 +13138,17 @@
               <a:t>desktrop</a:t>
             </a:r>
             <a:r>
-              <a:rPr lang="hu-HU" sz="2400">
-                <a:solidFill>
-                  <a:schemeClr val="accent4">
-                    <a:lumMod val="75000"/>
-                  </a:schemeClr>
-                </a:solidFill>
-              </a:rPr>
-              <a:t> </a:t>
-            </a:r>
-            <a:r>
-              <a:rPr lang="hu-HU" sz="2400" err="1">
+              <a:rPr lang="hu-HU" sz="2400" dirty="0">
+                <a:solidFill>
+                  <a:schemeClr val="accent4">
+                    <a:lumMod val="75000"/>
+                  </a:schemeClr>
+                </a:solidFill>
+              </a:rPr>
+              <a:t> </a:t>
+            </a:r>
+            <a:r>
+              <a:rPr lang="hu-HU" sz="2400" dirty="0" err="1">
                 <a:solidFill>
                   <a:schemeClr val="accent4">
                     <a:lumMod val="75000"/>
@@ -13066,17 +13158,17 @@
               <a:t>application</a:t>
             </a:r>
             <a:r>
-              <a:rPr lang="hu-HU" sz="2400">
-                <a:solidFill>
-                  <a:schemeClr val="accent4">
-                    <a:lumMod val="75000"/>
-                  </a:schemeClr>
-                </a:solidFill>
-              </a:rPr>
-              <a:t> </a:t>
-            </a:r>
-            <a:r>
-              <a:rPr lang="hu-HU" sz="2400" err="1">
+              <a:rPr lang="hu-HU" sz="2400" dirty="0">
+                <a:solidFill>
+                  <a:schemeClr val="accent4">
+                    <a:lumMod val="75000"/>
+                  </a:schemeClr>
+                </a:solidFill>
+              </a:rPr>
+              <a:t> </a:t>
+            </a:r>
+            <a:r>
+              <a:rPr lang="hu-HU" sz="2400" dirty="0" err="1">
                 <a:solidFill>
                   <a:schemeClr val="accent4">
                     <a:lumMod val="75000"/>
@@ -13086,17 +13178,17 @@
               <a:t>that</a:t>
             </a:r>
             <a:r>
-              <a:rPr lang="hu-HU" sz="2400">
-                <a:solidFill>
-                  <a:schemeClr val="accent4">
-                    <a:lumMod val="75000"/>
-                  </a:schemeClr>
-                </a:solidFill>
-              </a:rPr>
-              <a:t> </a:t>
-            </a:r>
-            <a:r>
-              <a:rPr lang="hu-HU" sz="2400" err="1">
+              <a:rPr lang="hu-HU" sz="2400" dirty="0">
+                <a:solidFill>
+                  <a:schemeClr val="accent4">
+                    <a:lumMod val="75000"/>
+                  </a:schemeClr>
+                </a:solidFill>
+              </a:rPr>
+              <a:t> </a:t>
+            </a:r>
+            <a:r>
+              <a:rPr lang="hu-HU" sz="2400" dirty="0" err="1">
                 <a:solidFill>
                   <a:schemeClr val="accent4">
                     <a:lumMod val="75000"/>
@@ -13106,17 +13198,17 @@
               <a:t>functioned</a:t>
             </a:r>
             <a:r>
-              <a:rPr lang="hu-HU" sz="2400">
-                <a:solidFill>
-                  <a:schemeClr val="accent4">
-                    <a:lumMod val="75000"/>
-                  </a:schemeClr>
-                </a:solidFill>
-              </a:rPr>
-              <a:t> </a:t>
-            </a:r>
-            <a:r>
-              <a:rPr lang="hu-HU" sz="2400" err="1">
+              <a:rPr lang="hu-HU" sz="2400" dirty="0">
+                <a:solidFill>
+                  <a:schemeClr val="accent4">
+                    <a:lumMod val="75000"/>
+                  </a:schemeClr>
+                </a:solidFill>
+              </a:rPr>
+              <a:t> </a:t>
+            </a:r>
+            <a:r>
+              <a:rPr lang="hu-HU" sz="2400" dirty="0" err="1">
                 <a:solidFill>
                   <a:schemeClr val="accent4">
                     <a:lumMod val="75000"/>
@@ -13126,7 +13218,7 @@
               <a:t>as</a:t>
             </a:r>
             <a:r>
-              <a:rPr lang="hu-HU" sz="2400">
+              <a:rPr lang="hu-HU" sz="2400" dirty="0">
                 <a:solidFill>
                   <a:schemeClr val="accent4">
                     <a:lumMod val="75000"/>
@@ -13136,7 +13228,7 @@
               <a:t> a </a:t>
             </a:r>
             <a:r>
-              <a:rPr lang="hu-HU" sz="2400" err="1">
+              <a:rPr lang="hu-HU" sz="2400" dirty="0" err="1">
                 <a:solidFill>
                   <a:schemeClr val="accent4">
                     <a:lumMod val="75000"/>
@@ -13146,17 +13238,17 @@
               <a:t>cloud</a:t>
             </a:r>
             <a:r>
-              <a:rPr lang="hu-HU" sz="2400">
-                <a:solidFill>
-                  <a:schemeClr val="accent4">
-                    <a:lumMod val="75000"/>
-                  </a:schemeClr>
-                </a:solidFill>
-              </a:rPr>
-              <a:t> </a:t>
-            </a:r>
-            <a:r>
-              <a:rPr lang="hu-HU" sz="2400" err="1">
+              <a:rPr lang="hu-HU" sz="2400" dirty="0">
+                <a:solidFill>
+                  <a:schemeClr val="accent4">
+                    <a:lumMod val="75000"/>
+                  </a:schemeClr>
+                </a:solidFill>
+              </a:rPr>
+              <a:t> </a:t>
+            </a:r>
+            <a:r>
+              <a:rPr lang="hu-HU" sz="2400" dirty="0" err="1">
                 <a:solidFill>
                   <a:schemeClr val="accent4">
                     <a:lumMod val="75000"/>
@@ -13166,17 +13258,17 @@
               <a:t>for</a:t>
             </a:r>
             <a:r>
-              <a:rPr lang="hu-HU" sz="2400">
-                <a:solidFill>
-                  <a:schemeClr val="accent4">
-                    <a:lumMod val="75000"/>
-                  </a:schemeClr>
-                </a:solidFill>
-              </a:rPr>
-              <a:t> </a:t>
-            </a:r>
-            <a:r>
-              <a:rPr lang="hu-HU" sz="2400" err="1">
+              <a:rPr lang="hu-HU" sz="2400" dirty="0">
+                <a:solidFill>
+                  <a:schemeClr val="accent4">
+                    <a:lumMod val="75000"/>
+                  </a:schemeClr>
+                </a:solidFill>
+              </a:rPr>
+              <a:t> </a:t>
+            </a:r>
+            <a:r>
+              <a:rPr lang="hu-HU" sz="2400" dirty="0" err="1">
                 <a:solidFill>
                   <a:schemeClr val="accent4">
                     <a:lumMod val="75000"/>
@@ -13186,7 +13278,7 @@
               <a:t>us</a:t>
             </a:r>
             <a:r>
-              <a:rPr lang="hu-HU" sz="2400">
+              <a:rPr lang="hu-HU" sz="2400" dirty="0">
                 <a:solidFill>
                   <a:schemeClr val="accent4">
                     <a:lumMod val="75000"/>
